--- a/dd/DaDeDup.pptx
+++ b/dd/DaDeDup.pptx
@@ -5,7 +5,7 @@
     <p:sldMasterId id="2147483873" r:id="rId1"/>
   </p:sldMasterIdLst>
   <p:notesMasterIdLst>
-    <p:notesMasterId r:id="rId9"/>
+    <p:notesMasterId r:id="rId12"/>
   </p:notesMasterIdLst>
   <p:sldIdLst>
     <p:sldId id="256" r:id="rId2"/>
@@ -13,8 +13,11 @@
     <p:sldId id="260" r:id="rId4"/>
     <p:sldId id="259" r:id="rId5"/>
     <p:sldId id="261" r:id="rId6"/>
-    <p:sldId id="263" r:id="rId7"/>
-    <p:sldId id="262" r:id="rId8"/>
+    <p:sldId id="264" r:id="rId7"/>
+    <p:sldId id="265" r:id="rId8"/>
+    <p:sldId id="263" r:id="rId9"/>
+    <p:sldId id="268" r:id="rId10"/>
+    <p:sldId id="267" r:id="rId11"/>
   </p:sldIdLst>
   <p:sldSz cx="12192000" cy="6858000"/>
   <p:notesSz cx="6858000" cy="9144000"/>
@@ -119,6 +122,2106 @@
     </p:ext>
   </p:extLst>
 </p:presentation>
+</file>
+
+<file path=ppt/charts/chart1.xml><?xml version="1.0" encoding="utf-8"?>
+<c:chartSpace xmlns:c="http://schemas.openxmlformats.org/drawingml/2006/chart" xmlns:a="http://schemas.openxmlformats.org/drawingml/2006/main" xmlns:r="http://schemas.openxmlformats.org/officeDocument/2006/relationships">
+  <c:date1904 val="0"/>
+  <c:lang val="en-AU"/>
+  <c:roundedCorners val="0"/>
+  <mc:AlternateContent xmlns:mc="http://schemas.openxmlformats.org/markup-compatibility/2006">
+    <mc:Choice xmlns:c14="http://schemas.microsoft.com/office/drawing/2007/8/2/chart" Requires="c14">
+      <c14:style val="102"/>
+    </mc:Choice>
+    <mc:Fallback>
+      <c:style val="2"/>
+    </mc:Fallback>
+  </mc:AlternateContent>
+  <c:chart>
+    <c:title>
+      <c:tx>
+        <c:rich>
+          <a:bodyPr rot="0" spcFirstLastPara="1" vertOverflow="ellipsis" vert="horz" wrap="square" anchor="ctr" anchorCtr="1"/>
+          <a:lstStyle/>
+          <a:p>
+            <a:pPr>
+              <a:defRPr sz="1862" b="0" i="0" u="none" strike="noStrike" kern="1200" spc="0" baseline="0">
+                <a:solidFill>
+                  <a:schemeClr val="tx1">
+                    <a:lumMod val="65000"/>
+                    <a:lumOff val="35000"/>
+                  </a:schemeClr>
+                </a:solidFill>
+                <a:latin typeface="+mn-lt"/>
+                <a:ea typeface="+mn-ea"/>
+                <a:cs typeface="+mn-cs"/>
+              </a:defRPr>
+            </a:pPr>
+            <a:r>
+              <a:rPr lang="en-US" dirty="0" smtClean="0"/>
+              <a:t>Deduplication Result</a:t>
+            </a:r>
+            <a:endParaRPr lang="en-US" dirty="0"/>
+          </a:p>
+        </c:rich>
+      </c:tx>
+      <c:layout/>
+      <c:overlay val="0"/>
+      <c:spPr>
+        <a:noFill/>
+        <a:ln>
+          <a:noFill/>
+        </a:ln>
+        <a:effectLst/>
+      </c:spPr>
+      <c:txPr>
+        <a:bodyPr rot="0" spcFirstLastPara="1" vertOverflow="ellipsis" vert="horz" wrap="square" anchor="ctr" anchorCtr="1"/>
+        <a:lstStyle/>
+        <a:p>
+          <a:pPr>
+            <a:defRPr sz="1862" b="0" i="0" u="none" strike="noStrike" kern="1200" spc="0" baseline="0">
+              <a:solidFill>
+                <a:schemeClr val="tx1">
+                  <a:lumMod val="65000"/>
+                  <a:lumOff val="35000"/>
+                </a:schemeClr>
+              </a:solidFill>
+              <a:latin typeface="+mn-lt"/>
+              <a:ea typeface="+mn-ea"/>
+              <a:cs typeface="+mn-cs"/>
+            </a:defRPr>
+          </a:pPr>
+          <a:endParaRPr lang="en-US"/>
+        </a:p>
+      </c:txPr>
+    </c:title>
+    <c:autoTitleDeleted val="0"/>
+    <c:plotArea>
+      <c:layout/>
+      <c:lineChart>
+        <c:grouping val="standard"/>
+        <c:varyColors val="0"/>
+        <c:ser>
+          <c:idx val="0"/>
+          <c:order val="0"/>
+          <c:tx>
+            <c:strRef>
+              <c:f>Sheet1!$B$1</c:f>
+              <c:strCache>
+                <c:ptCount val="1"/>
+                <c:pt idx="0">
+                  <c:v>MD5</c:v>
+                </c:pt>
+              </c:strCache>
+            </c:strRef>
+          </c:tx>
+          <c:spPr>
+            <a:ln w="28575" cap="rnd">
+              <a:solidFill>
+                <a:schemeClr val="accent1"/>
+              </a:solidFill>
+              <a:round/>
+            </a:ln>
+            <a:effectLst/>
+          </c:spPr>
+          <c:marker>
+            <c:symbol val="circle"/>
+            <c:size val="5"/>
+            <c:spPr>
+              <a:solidFill>
+                <a:schemeClr val="accent1"/>
+              </a:solidFill>
+              <a:ln w="9525">
+                <a:solidFill>
+                  <a:schemeClr val="accent1"/>
+                </a:solidFill>
+              </a:ln>
+              <a:effectLst/>
+            </c:spPr>
+          </c:marker>
+          <c:cat>
+            <c:numRef>
+              <c:f>Sheet1!$A$2:$A$11</c:f>
+              <c:numCache>
+                <c:formatCode>General</c:formatCode>
+                <c:ptCount val="10"/>
+                <c:pt idx="0">
+                  <c:v>4096.0</c:v>
+                </c:pt>
+                <c:pt idx="1">
+                  <c:v>8192.0</c:v>
+                </c:pt>
+                <c:pt idx="2">
+                  <c:v>16384.0</c:v>
+                </c:pt>
+                <c:pt idx="3">
+                  <c:v>32768.0</c:v>
+                </c:pt>
+                <c:pt idx="4">
+                  <c:v>65536.0</c:v>
+                </c:pt>
+                <c:pt idx="5">
+                  <c:v>131072.0</c:v>
+                </c:pt>
+                <c:pt idx="6">
+                  <c:v>262144.0</c:v>
+                </c:pt>
+                <c:pt idx="7">
+                  <c:v>524288.0</c:v>
+                </c:pt>
+                <c:pt idx="8">
+                  <c:v>1.048576E6</c:v>
+                </c:pt>
+                <c:pt idx="9">
+                  <c:v>2.097152E6</c:v>
+                </c:pt>
+              </c:numCache>
+            </c:numRef>
+          </c:cat>
+          <c:val>
+            <c:numRef>
+              <c:f>Sheet1!$B$2:$B$11</c:f>
+              <c:numCache>
+                <c:formatCode>General</c:formatCode>
+                <c:ptCount val="10"/>
+                <c:pt idx="0">
+                  <c:v>458.55</c:v>
+                </c:pt>
+                <c:pt idx="1">
+                  <c:v>430.02</c:v>
+                </c:pt>
+                <c:pt idx="2">
+                  <c:v>420.24</c:v>
+                </c:pt>
+                <c:pt idx="3">
+                  <c:v>416.53</c:v>
+                </c:pt>
+                <c:pt idx="4">
+                  <c:v>416.53</c:v>
+                </c:pt>
+                <c:pt idx="5">
+                  <c:v>409.55</c:v>
+                </c:pt>
+                <c:pt idx="6">
+                  <c:v>413.86</c:v>
+                </c:pt>
+                <c:pt idx="7">
+                  <c:v>430.58</c:v>
+                </c:pt>
+                <c:pt idx="8">
+                  <c:v>457.0</c:v>
+                </c:pt>
+              </c:numCache>
+            </c:numRef>
+          </c:val>
+          <c:smooth val="0"/>
+        </c:ser>
+        <c:ser>
+          <c:idx val="1"/>
+          <c:order val="1"/>
+          <c:tx>
+            <c:strRef>
+              <c:f>Sheet1!$C$1</c:f>
+              <c:strCache>
+                <c:ptCount val="1"/>
+                <c:pt idx="0">
+                  <c:v>SHA-1</c:v>
+                </c:pt>
+              </c:strCache>
+            </c:strRef>
+          </c:tx>
+          <c:spPr>
+            <a:ln w="28575" cap="rnd">
+              <a:solidFill>
+                <a:schemeClr val="accent2"/>
+              </a:solidFill>
+              <a:round/>
+            </a:ln>
+            <a:effectLst/>
+          </c:spPr>
+          <c:marker>
+            <c:symbol val="circle"/>
+            <c:size val="5"/>
+            <c:spPr>
+              <a:solidFill>
+                <a:schemeClr val="accent2"/>
+              </a:solidFill>
+              <a:ln w="9525">
+                <a:solidFill>
+                  <a:schemeClr val="accent2"/>
+                </a:solidFill>
+              </a:ln>
+              <a:effectLst/>
+            </c:spPr>
+          </c:marker>
+          <c:cat>
+            <c:numRef>
+              <c:f>Sheet1!$A$2:$A$11</c:f>
+              <c:numCache>
+                <c:formatCode>General</c:formatCode>
+                <c:ptCount val="10"/>
+                <c:pt idx="0">
+                  <c:v>4096.0</c:v>
+                </c:pt>
+                <c:pt idx="1">
+                  <c:v>8192.0</c:v>
+                </c:pt>
+                <c:pt idx="2">
+                  <c:v>16384.0</c:v>
+                </c:pt>
+                <c:pt idx="3">
+                  <c:v>32768.0</c:v>
+                </c:pt>
+                <c:pt idx="4">
+                  <c:v>65536.0</c:v>
+                </c:pt>
+                <c:pt idx="5">
+                  <c:v>131072.0</c:v>
+                </c:pt>
+                <c:pt idx="6">
+                  <c:v>262144.0</c:v>
+                </c:pt>
+                <c:pt idx="7">
+                  <c:v>524288.0</c:v>
+                </c:pt>
+                <c:pt idx="8">
+                  <c:v>1.048576E6</c:v>
+                </c:pt>
+                <c:pt idx="9">
+                  <c:v>2.097152E6</c:v>
+                </c:pt>
+              </c:numCache>
+            </c:numRef>
+          </c:cat>
+          <c:val>
+            <c:numRef>
+              <c:f>Sheet1!$C$2:$C$11</c:f>
+              <c:numCache>
+                <c:formatCode>General</c:formatCode>
+                <c:ptCount val="10"/>
+                <c:pt idx="0">
+                  <c:v>459.38</c:v>
+                </c:pt>
+                <c:pt idx="1">
+                  <c:v>430.5</c:v>
+                </c:pt>
+                <c:pt idx="2">
+                  <c:v>420.55</c:v>
+                </c:pt>
+                <c:pt idx="3">
+                  <c:v>416.76</c:v>
+                </c:pt>
+                <c:pt idx="4">
+                  <c:v>416.73</c:v>
+                </c:pt>
+                <c:pt idx="5">
+                  <c:v>409.73</c:v>
+                </c:pt>
+                <c:pt idx="6">
+                  <c:v>414.03</c:v>
+                </c:pt>
+                <c:pt idx="7">
+                  <c:v>430.76</c:v>
+                </c:pt>
+                <c:pt idx="8">
+                  <c:v>457.17</c:v>
+                </c:pt>
+              </c:numCache>
+            </c:numRef>
+          </c:val>
+          <c:smooth val="0"/>
+        </c:ser>
+        <c:ser>
+          <c:idx val="2"/>
+          <c:order val="2"/>
+          <c:tx>
+            <c:strRef>
+              <c:f>Sheet1!$D$1</c:f>
+              <c:strCache>
+                <c:ptCount val="1"/>
+                <c:pt idx="0">
+                  <c:v>SHA-256</c:v>
+                </c:pt>
+              </c:strCache>
+            </c:strRef>
+          </c:tx>
+          <c:spPr>
+            <a:ln w="28575" cap="rnd">
+              <a:solidFill>
+                <a:schemeClr val="accent3"/>
+              </a:solidFill>
+              <a:round/>
+            </a:ln>
+            <a:effectLst/>
+          </c:spPr>
+          <c:marker>
+            <c:symbol val="circle"/>
+            <c:size val="5"/>
+            <c:spPr>
+              <a:solidFill>
+                <a:schemeClr val="accent3"/>
+              </a:solidFill>
+              <a:ln w="9525">
+                <a:solidFill>
+                  <a:schemeClr val="accent3"/>
+                </a:solidFill>
+              </a:ln>
+              <a:effectLst/>
+            </c:spPr>
+          </c:marker>
+          <c:cat>
+            <c:numRef>
+              <c:f>Sheet1!$A$2:$A$11</c:f>
+              <c:numCache>
+                <c:formatCode>General</c:formatCode>
+                <c:ptCount val="10"/>
+                <c:pt idx="0">
+                  <c:v>4096.0</c:v>
+                </c:pt>
+                <c:pt idx="1">
+                  <c:v>8192.0</c:v>
+                </c:pt>
+                <c:pt idx="2">
+                  <c:v>16384.0</c:v>
+                </c:pt>
+                <c:pt idx="3">
+                  <c:v>32768.0</c:v>
+                </c:pt>
+                <c:pt idx="4">
+                  <c:v>65536.0</c:v>
+                </c:pt>
+                <c:pt idx="5">
+                  <c:v>131072.0</c:v>
+                </c:pt>
+                <c:pt idx="6">
+                  <c:v>262144.0</c:v>
+                </c:pt>
+                <c:pt idx="7">
+                  <c:v>524288.0</c:v>
+                </c:pt>
+                <c:pt idx="8">
+                  <c:v>1.048576E6</c:v>
+                </c:pt>
+                <c:pt idx="9">
+                  <c:v>2.097152E6</c:v>
+                </c:pt>
+              </c:numCache>
+            </c:numRef>
+          </c:cat>
+          <c:val>
+            <c:numRef>
+              <c:f>Sheet1!$D$2:$D$11</c:f>
+              <c:numCache>
+                <c:formatCode>General</c:formatCode>
+                <c:ptCount val="10"/>
+                <c:pt idx="0">
+                  <c:v>461.85</c:v>
+                </c:pt>
+                <c:pt idx="1">
+                  <c:v>431.93</c:v>
+                </c:pt>
+                <c:pt idx="2">
+                  <c:v>421.47</c:v>
+                </c:pt>
+                <c:pt idx="3">
+                  <c:v>417.43</c:v>
+                </c:pt>
+                <c:pt idx="4">
+                  <c:v>417.3</c:v>
+                </c:pt>
+                <c:pt idx="5">
+                  <c:v>410.27</c:v>
+                </c:pt>
+                <c:pt idx="6">
+                  <c:v>414.57</c:v>
+                </c:pt>
+                <c:pt idx="7">
+                  <c:v>431.29</c:v>
+                </c:pt>
+                <c:pt idx="8">
+                  <c:v>457.7</c:v>
+                </c:pt>
+              </c:numCache>
+            </c:numRef>
+          </c:val>
+          <c:smooth val="0"/>
+        </c:ser>
+        <c:dLbls>
+          <c:showLegendKey val="0"/>
+          <c:showVal val="0"/>
+          <c:showCatName val="0"/>
+          <c:showSerName val="0"/>
+          <c:showPercent val="0"/>
+          <c:showBubbleSize val="0"/>
+        </c:dLbls>
+        <c:marker val="1"/>
+        <c:smooth val="0"/>
+        <c:axId val="-2089866608"/>
+        <c:axId val="-2089863808"/>
+      </c:lineChart>
+      <c:catAx>
+        <c:axId val="-2089866608"/>
+        <c:scaling>
+          <c:orientation val="minMax"/>
+        </c:scaling>
+        <c:delete val="0"/>
+        <c:axPos val="b"/>
+        <c:numFmt formatCode="General" sourceLinked="1"/>
+        <c:majorTickMark val="none"/>
+        <c:minorTickMark val="none"/>
+        <c:tickLblPos val="nextTo"/>
+        <c:spPr>
+          <a:noFill/>
+          <a:ln w="9525" cap="flat" cmpd="sng" algn="ctr">
+            <a:solidFill>
+              <a:schemeClr val="tx1">
+                <a:lumMod val="15000"/>
+                <a:lumOff val="85000"/>
+              </a:schemeClr>
+            </a:solidFill>
+            <a:round/>
+          </a:ln>
+          <a:effectLst/>
+        </c:spPr>
+        <c:txPr>
+          <a:bodyPr rot="-60000000" spcFirstLastPara="1" vertOverflow="ellipsis" vert="horz" wrap="square" anchor="ctr" anchorCtr="1"/>
+          <a:lstStyle/>
+          <a:p>
+            <a:pPr>
+              <a:defRPr sz="1197" b="0" i="0" u="none" strike="noStrike" kern="1200" baseline="0">
+                <a:solidFill>
+                  <a:schemeClr val="tx1">
+                    <a:lumMod val="65000"/>
+                    <a:lumOff val="35000"/>
+                  </a:schemeClr>
+                </a:solidFill>
+                <a:latin typeface="+mn-lt"/>
+                <a:ea typeface="+mn-ea"/>
+                <a:cs typeface="+mn-cs"/>
+              </a:defRPr>
+            </a:pPr>
+            <a:endParaRPr lang="en-US"/>
+          </a:p>
+        </c:txPr>
+        <c:crossAx val="-2089863808"/>
+        <c:crosses val="autoZero"/>
+        <c:auto val="1"/>
+        <c:lblAlgn val="ctr"/>
+        <c:lblOffset val="100"/>
+        <c:noMultiLvlLbl val="0"/>
+      </c:catAx>
+      <c:valAx>
+        <c:axId val="-2089863808"/>
+        <c:scaling>
+          <c:orientation val="minMax"/>
+        </c:scaling>
+        <c:delete val="0"/>
+        <c:axPos val="l"/>
+        <c:majorGridlines>
+          <c:spPr>
+            <a:ln w="9525" cap="flat" cmpd="sng" algn="ctr">
+              <a:solidFill>
+                <a:schemeClr val="tx1">
+                  <a:lumMod val="15000"/>
+                  <a:lumOff val="85000"/>
+                </a:schemeClr>
+              </a:solidFill>
+              <a:round/>
+            </a:ln>
+            <a:effectLst/>
+          </c:spPr>
+        </c:majorGridlines>
+        <c:numFmt formatCode="General" sourceLinked="1"/>
+        <c:majorTickMark val="none"/>
+        <c:minorTickMark val="none"/>
+        <c:tickLblPos val="nextTo"/>
+        <c:spPr>
+          <a:noFill/>
+          <a:ln>
+            <a:noFill/>
+          </a:ln>
+          <a:effectLst/>
+        </c:spPr>
+        <c:txPr>
+          <a:bodyPr rot="-60000000" spcFirstLastPara="1" vertOverflow="ellipsis" vert="horz" wrap="square" anchor="ctr" anchorCtr="1"/>
+          <a:lstStyle/>
+          <a:p>
+            <a:pPr>
+              <a:defRPr sz="1197" b="0" i="0" u="none" strike="noStrike" kern="1200" baseline="0">
+                <a:solidFill>
+                  <a:schemeClr val="tx1">
+                    <a:lumMod val="65000"/>
+                    <a:lumOff val="35000"/>
+                  </a:schemeClr>
+                </a:solidFill>
+                <a:latin typeface="+mn-lt"/>
+                <a:ea typeface="+mn-ea"/>
+                <a:cs typeface="+mn-cs"/>
+              </a:defRPr>
+            </a:pPr>
+            <a:endParaRPr lang="en-US"/>
+          </a:p>
+        </c:txPr>
+        <c:crossAx val="-2089866608"/>
+        <c:crosses val="autoZero"/>
+        <c:crossBetween val="between"/>
+      </c:valAx>
+      <c:spPr>
+        <a:noFill/>
+        <a:ln>
+          <a:noFill/>
+        </a:ln>
+        <a:effectLst/>
+      </c:spPr>
+    </c:plotArea>
+    <c:legend>
+      <c:legendPos val="b"/>
+      <c:layout/>
+      <c:overlay val="0"/>
+      <c:spPr>
+        <a:noFill/>
+        <a:ln>
+          <a:noFill/>
+        </a:ln>
+        <a:effectLst/>
+      </c:spPr>
+      <c:txPr>
+        <a:bodyPr rot="0" spcFirstLastPara="1" vertOverflow="ellipsis" vert="horz" wrap="square" anchor="ctr" anchorCtr="1"/>
+        <a:lstStyle/>
+        <a:p>
+          <a:pPr>
+            <a:defRPr sz="1197" b="0" i="0" u="none" strike="noStrike" kern="1200" baseline="0">
+              <a:solidFill>
+                <a:schemeClr val="tx1">
+                  <a:lumMod val="65000"/>
+                  <a:lumOff val="35000"/>
+                </a:schemeClr>
+              </a:solidFill>
+              <a:latin typeface="+mn-lt"/>
+              <a:ea typeface="+mn-ea"/>
+              <a:cs typeface="+mn-cs"/>
+            </a:defRPr>
+          </a:pPr>
+          <a:endParaRPr lang="en-US"/>
+        </a:p>
+      </c:txPr>
+    </c:legend>
+    <c:plotVisOnly val="1"/>
+    <c:dispBlanksAs val="gap"/>
+    <c:showDLblsOverMax val="0"/>
+  </c:chart>
+  <c:spPr>
+    <a:noFill/>
+    <a:ln>
+      <a:noFill/>
+    </a:ln>
+    <a:effectLst/>
+  </c:spPr>
+  <c:txPr>
+    <a:bodyPr/>
+    <a:lstStyle/>
+    <a:p>
+      <a:pPr>
+        <a:defRPr/>
+      </a:pPr>
+      <a:endParaRPr lang="en-US"/>
+    </a:p>
+  </c:txPr>
+  <c:externalData r:id="rId3">
+    <c:autoUpdate val="0"/>
+  </c:externalData>
+</c:chartSpace>
+</file>
+
+<file path=ppt/charts/chart2.xml><?xml version="1.0" encoding="utf-8"?>
+<c:chartSpace xmlns:c="http://schemas.openxmlformats.org/drawingml/2006/chart" xmlns:a="http://schemas.openxmlformats.org/drawingml/2006/main" xmlns:r="http://schemas.openxmlformats.org/officeDocument/2006/relationships">
+  <c:date1904 val="0"/>
+  <c:lang val="en-AU"/>
+  <c:roundedCorners val="0"/>
+  <mc:AlternateContent xmlns:mc="http://schemas.openxmlformats.org/markup-compatibility/2006">
+    <mc:Choice xmlns:c14="http://schemas.microsoft.com/office/drawing/2007/8/2/chart" Requires="c14">
+      <c14:style val="102"/>
+    </mc:Choice>
+    <mc:Fallback>
+      <c:style val="2"/>
+    </mc:Fallback>
+  </mc:AlternateContent>
+  <c:chart>
+    <c:title>
+      <c:tx>
+        <c:rich>
+          <a:bodyPr rot="0" spcFirstLastPara="1" vertOverflow="ellipsis" vert="horz" wrap="square" anchor="ctr" anchorCtr="1"/>
+          <a:lstStyle/>
+          <a:p>
+            <a:pPr>
+              <a:defRPr sz="1862" b="0" i="0" u="none" strike="noStrike" kern="1200" spc="0" baseline="0">
+                <a:solidFill>
+                  <a:schemeClr val="tx1">
+                    <a:lumMod val="65000"/>
+                    <a:lumOff val="35000"/>
+                  </a:schemeClr>
+                </a:solidFill>
+                <a:latin typeface="+mn-lt"/>
+                <a:ea typeface="+mn-ea"/>
+                <a:cs typeface="+mn-cs"/>
+              </a:defRPr>
+            </a:pPr>
+            <a:r>
+              <a:rPr lang="en-US" dirty="0" smtClean="0"/>
+              <a:t>Deduplication Result</a:t>
+            </a:r>
+            <a:endParaRPr lang="en-US" dirty="0"/>
+          </a:p>
+        </c:rich>
+      </c:tx>
+      <c:layout/>
+      <c:overlay val="0"/>
+      <c:spPr>
+        <a:noFill/>
+        <a:ln>
+          <a:noFill/>
+        </a:ln>
+        <a:effectLst/>
+      </c:spPr>
+      <c:txPr>
+        <a:bodyPr rot="0" spcFirstLastPara="1" vertOverflow="ellipsis" vert="horz" wrap="square" anchor="ctr" anchorCtr="1"/>
+        <a:lstStyle/>
+        <a:p>
+          <a:pPr>
+            <a:defRPr sz="1862" b="0" i="0" u="none" strike="noStrike" kern="1200" spc="0" baseline="0">
+              <a:solidFill>
+                <a:schemeClr val="tx1">
+                  <a:lumMod val="65000"/>
+                  <a:lumOff val="35000"/>
+                </a:schemeClr>
+              </a:solidFill>
+              <a:latin typeface="+mn-lt"/>
+              <a:ea typeface="+mn-ea"/>
+              <a:cs typeface="+mn-cs"/>
+            </a:defRPr>
+          </a:pPr>
+          <a:endParaRPr lang="en-US"/>
+        </a:p>
+      </c:txPr>
+    </c:title>
+    <c:autoTitleDeleted val="0"/>
+    <c:plotArea>
+      <c:layout/>
+      <c:barChart>
+        <c:barDir val="col"/>
+        <c:grouping val="clustered"/>
+        <c:varyColors val="0"/>
+        <c:ser>
+          <c:idx val="0"/>
+          <c:order val="0"/>
+          <c:tx>
+            <c:strRef>
+              <c:f>Sheet1!$B$1</c:f>
+              <c:strCache>
+                <c:ptCount val="1"/>
+                <c:pt idx="0">
+                  <c:v>SHA-256</c:v>
+                </c:pt>
+              </c:strCache>
+            </c:strRef>
+          </c:tx>
+          <c:spPr>
+            <a:solidFill>
+              <a:schemeClr val="accent1"/>
+            </a:solidFill>
+            <a:ln>
+              <a:noFill/>
+            </a:ln>
+            <a:effectLst/>
+          </c:spPr>
+          <c:invertIfNegative val="0"/>
+          <c:cat>
+            <c:numRef>
+              <c:f>Sheet1!$A$2:$A$17</c:f>
+              <c:numCache>
+                <c:formatCode>General</c:formatCode>
+                <c:ptCount val="16"/>
+                <c:pt idx="0">
+                  <c:v>102400.0</c:v>
+                </c:pt>
+                <c:pt idx="1">
+                  <c:v>106496.0</c:v>
+                </c:pt>
+                <c:pt idx="2">
+                  <c:v>110592.0</c:v>
+                </c:pt>
+                <c:pt idx="3">
+                  <c:v>114688.0</c:v>
+                </c:pt>
+                <c:pt idx="4">
+                  <c:v>118784.0</c:v>
+                </c:pt>
+                <c:pt idx="5">
+                  <c:v>122880.0</c:v>
+                </c:pt>
+                <c:pt idx="6">
+                  <c:v>126976.0</c:v>
+                </c:pt>
+                <c:pt idx="7">
+                  <c:v>131072.0</c:v>
+                </c:pt>
+                <c:pt idx="8">
+                  <c:v>135168.0</c:v>
+                </c:pt>
+                <c:pt idx="9">
+                  <c:v>139264.0</c:v>
+                </c:pt>
+                <c:pt idx="10">
+                  <c:v>143360.0</c:v>
+                </c:pt>
+                <c:pt idx="11">
+                  <c:v>147456.0</c:v>
+                </c:pt>
+                <c:pt idx="12">
+                  <c:v>151552.0</c:v>
+                </c:pt>
+                <c:pt idx="13">
+                  <c:v>155648.0</c:v>
+                </c:pt>
+                <c:pt idx="14">
+                  <c:v>159744.0</c:v>
+                </c:pt>
+                <c:pt idx="15">
+                  <c:v>163840.0</c:v>
+                </c:pt>
+              </c:numCache>
+            </c:numRef>
+          </c:cat>
+          <c:val>
+            <c:numRef>
+              <c:f>Sheet1!$B$2:$B$17</c:f>
+              <c:numCache>
+                <c:formatCode>General</c:formatCode>
+                <c:ptCount val="16"/>
+                <c:pt idx="0">
+                  <c:v>4.31257778E8</c:v>
+                </c:pt>
+                <c:pt idx="1">
+                  <c:v>4.31026231E8</c:v>
+                </c:pt>
+                <c:pt idx="2">
+                  <c:v>4.30783425E8</c:v>
+                </c:pt>
+                <c:pt idx="3">
+                  <c:v>4.30823058E8</c:v>
+                </c:pt>
+                <c:pt idx="4">
+                  <c:v>4.29974933E8</c:v>
+                </c:pt>
+                <c:pt idx="5">
+                  <c:v>4.29356561E8</c:v>
+                </c:pt>
+                <c:pt idx="6">
+                  <c:v>4.29696595E8</c:v>
+                </c:pt>
+                <c:pt idx="7">
+                  <c:v>4.30201844E8</c:v>
+                </c:pt>
+                <c:pt idx="8">
+                  <c:v>4.30198928E8</c:v>
+                </c:pt>
+                <c:pt idx="9">
+                  <c:v>4.29562427E8</c:v>
+                </c:pt>
+                <c:pt idx="10">
+                  <c:v>4.29935481E8</c:v>
+                </c:pt>
+                <c:pt idx="11">
+                  <c:v>4.30385862E8</c:v>
+                </c:pt>
+                <c:pt idx="12">
+                  <c:v>4.306801E8</c:v>
+                </c:pt>
+                <c:pt idx="13">
+                  <c:v>4.3044013E8</c:v>
+                </c:pt>
+                <c:pt idx="14">
+                  <c:v>4.31054847E8</c:v>
+                </c:pt>
+                <c:pt idx="15">
+                  <c:v>4.31930579E8</c:v>
+                </c:pt>
+              </c:numCache>
+            </c:numRef>
+          </c:val>
+        </c:ser>
+        <c:dLbls>
+          <c:showLegendKey val="0"/>
+          <c:showVal val="0"/>
+          <c:showCatName val="0"/>
+          <c:showSerName val="0"/>
+          <c:showPercent val="0"/>
+          <c:showBubbleSize val="0"/>
+        </c:dLbls>
+        <c:gapWidth val="219"/>
+        <c:overlap val="-27"/>
+        <c:axId val="-2073953312"/>
+        <c:axId val="-2071098448"/>
+      </c:barChart>
+      <c:catAx>
+        <c:axId val="-2073953312"/>
+        <c:scaling>
+          <c:orientation val="minMax"/>
+        </c:scaling>
+        <c:delete val="0"/>
+        <c:axPos val="b"/>
+        <c:numFmt formatCode="General" sourceLinked="1"/>
+        <c:majorTickMark val="none"/>
+        <c:minorTickMark val="none"/>
+        <c:tickLblPos val="nextTo"/>
+        <c:spPr>
+          <a:noFill/>
+          <a:ln w="9525" cap="flat" cmpd="sng" algn="ctr">
+            <a:solidFill>
+              <a:schemeClr val="tx1">
+                <a:lumMod val="15000"/>
+                <a:lumOff val="85000"/>
+              </a:schemeClr>
+            </a:solidFill>
+            <a:round/>
+          </a:ln>
+          <a:effectLst/>
+        </c:spPr>
+        <c:txPr>
+          <a:bodyPr rot="-60000000" spcFirstLastPara="1" vertOverflow="ellipsis" vert="horz" wrap="square" anchor="ctr" anchorCtr="1"/>
+          <a:lstStyle/>
+          <a:p>
+            <a:pPr>
+              <a:defRPr sz="1197" b="0" i="0" u="none" strike="noStrike" kern="1200" baseline="0">
+                <a:solidFill>
+                  <a:schemeClr val="tx1">
+                    <a:lumMod val="65000"/>
+                    <a:lumOff val="35000"/>
+                  </a:schemeClr>
+                </a:solidFill>
+                <a:latin typeface="+mn-lt"/>
+                <a:ea typeface="+mn-ea"/>
+                <a:cs typeface="+mn-cs"/>
+              </a:defRPr>
+            </a:pPr>
+            <a:endParaRPr lang="en-US"/>
+          </a:p>
+        </c:txPr>
+        <c:crossAx val="-2071098448"/>
+        <c:crosses val="autoZero"/>
+        <c:auto val="1"/>
+        <c:lblAlgn val="ctr"/>
+        <c:lblOffset val="100"/>
+        <c:noMultiLvlLbl val="0"/>
+      </c:catAx>
+      <c:valAx>
+        <c:axId val="-2071098448"/>
+        <c:scaling>
+          <c:orientation val="minMax"/>
+        </c:scaling>
+        <c:delete val="0"/>
+        <c:axPos val="l"/>
+        <c:majorGridlines>
+          <c:spPr>
+            <a:ln w="9525" cap="flat" cmpd="sng" algn="ctr">
+              <a:solidFill>
+                <a:schemeClr val="tx1">
+                  <a:lumMod val="15000"/>
+                  <a:lumOff val="85000"/>
+                </a:schemeClr>
+              </a:solidFill>
+              <a:round/>
+            </a:ln>
+            <a:effectLst/>
+          </c:spPr>
+        </c:majorGridlines>
+        <c:numFmt formatCode="General" sourceLinked="1"/>
+        <c:majorTickMark val="none"/>
+        <c:minorTickMark val="none"/>
+        <c:tickLblPos val="nextTo"/>
+        <c:spPr>
+          <a:noFill/>
+          <a:ln>
+            <a:noFill/>
+          </a:ln>
+          <a:effectLst/>
+        </c:spPr>
+        <c:txPr>
+          <a:bodyPr rot="-60000000" spcFirstLastPara="1" vertOverflow="ellipsis" vert="horz" wrap="square" anchor="ctr" anchorCtr="1"/>
+          <a:lstStyle/>
+          <a:p>
+            <a:pPr>
+              <a:defRPr sz="1197" b="0" i="0" u="none" strike="noStrike" kern="1200" baseline="0">
+                <a:solidFill>
+                  <a:schemeClr val="tx1">
+                    <a:lumMod val="65000"/>
+                    <a:lumOff val="35000"/>
+                  </a:schemeClr>
+                </a:solidFill>
+                <a:latin typeface="+mn-lt"/>
+                <a:ea typeface="+mn-ea"/>
+                <a:cs typeface="+mn-cs"/>
+              </a:defRPr>
+            </a:pPr>
+            <a:endParaRPr lang="en-US"/>
+          </a:p>
+        </c:txPr>
+        <c:crossAx val="-2073953312"/>
+        <c:crosses val="autoZero"/>
+        <c:crossBetween val="between"/>
+      </c:valAx>
+      <c:spPr>
+        <a:noFill/>
+        <a:ln>
+          <a:noFill/>
+        </a:ln>
+        <a:effectLst/>
+      </c:spPr>
+    </c:plotArea>
+    <c:legend>
+      <c:legendPos val="b"/>
+      <c:layout/>
+      <c:overlay val="0"/>
+      <c:spPr>
+        <a:noFill/>
+        <a:ln>
+          <a:noFill/>
+        </a:ln>
+        <a:effectLst/>
+      </c:spPr>
+      <c:txPr>
+        <a:bodyPr rot="0" spcFirstLastPara="1" vertOverflow="ellipsis" vert="horz" wrap="square" anchor="ctr" anchorCtr="1"/>
+        <a:lstStyle/>
+        <a:p>
+          <a:pPr>
+            <a:defRPr sz="1197" b="0" i="0" u="none" strike="noStrike" kern="1200" baseline="0">
+              <a:solidFill>
+                <a:schemeClr val="tx1">
+                  <a:lumMod val="65000"/>
+                  <a:lumOff val="35000"/>
+                </a:schemeClr>
+              </a:solidFill>
+              <a:latin typeface="+mn-lt"/>
+              <a:ea typeface="+mn-ea"/>
+              <a:cs typeface="+mn-cs"/>
+            </a:defRPr>
+          </a:pPr>
+          <a:endParaRPr lang="en-US"/>
+        </a:p>
+      </c:txPr>
+    </c:legend>
+    <c:plotVisOnly val="1"/>
+    <c:dispBlanksAs val="gap"/>
+    <c:showDLblsOverMax val="0"/>
+  </c:chart>
+  <c:spPr>
+    <a:noFill/>
+    <a:ln>
+      <a:noFill/>
+    </a:ln>
+    <a:effectLst/>
+  </c:spPr>
+  <c:txPr>
+    <a:bodyPr/>
+    <a:lstStyle/>
+    <a:p>
+      <a:pPr>
+        <a:defRPr/>
+      </a:pPr>
+      <a:endParaRPr lang="en-US"/>
+    </a:p>
+  </c:txPr>
+  <c:externalData r:id="rId3">
+    <c:autoUpdate val="0"/>
+  </c:externalData>
+  <c:userShapes r:id="rId4"/>
+</c:chartSpace>
+</file>
+
+<file path=ppt/charts/colors1.xml><?xml version="1.0" encoding="utf-8"?>
+<cs:colorStyle xmlns:cs="http://schemas.microsoft.com/office/drawing/2012/chartStyle" xmlns:a="http://schemas.openxmlformats.org/drawingml/2006/main" meth="cycle" id="10">
+  <a:schemeClr val="accent1"/>
+  <a:schemeClr val="accent2"/>
+  <a:schemeClr val="accent3"/>
+  <a:schemeClr val="accent4"/>
+  <a:schemeClr val="accent5"/>
+  <a:schemeClr val="accent6"/>
+  <cs:variation/>
+  <cs:variation>
+    <a:lumMod val="60000"/>
+  </cs:variation>
+  <cs:variation>
+    <a:lumMod val="80000"/>
+    <a:lumOff val="20000"/>
+  </cs:variation>
+  <cs:variation>
+    <a:lumMod val="80000"/>
+  </cs:variation>
+  <cs:variation>
+    <a:lumMod val="60000"/>
+    <a:lumOff val="40000"/>
+  </cs:variation>
+  <cs:variation>
+    <a:lumMod val="50000"/>
+  </cs:variation>
+  <cs:variation>
+    <a:lumMod val="70000"/>
+    <a:lumOff val="30000"/>
+  </cs:variation>
+  <cs:variation>
+    <a:lumMod val="70000"/>
+  </cs:variation>
+  <cs:variation>
+    <a:lumMod val="50000"/>
+    <a:lumOff val="50000"/>
+  </cs:variation>
+</cs:colorStyle>
+</file>
+
+<file path=ppt/charts/colors2.xml><?xml version="1.0" encoding="utf-8"?>
+<cs:colorStyle xmlns:cs="http://schemas.microsoft.com/office/drawing/2012/chartStyle" xmlns:a="http://schemas.openxmlformats.org/drawingml/2006/main" meth="cycle" id="10">
+  <a:schemeClr val="accent1"/>
+  <a:schemeClr val="accent2"/>
+  <a:schemeClr val="accent3"/>
+  <a:schemeClr val="accent4"/>
+  <a:schemeClr val="accent5"/>
+  <a:schemeClr val="accent6"/>
+  <cs:variation/>
+  <cs:variation>
+    <a:lumMod val="60000"/>
+  </cs:variation>
+  <cs:variation>
+    <a:lumMod val="80000"/>
+    <a:lumOff val="20000"/>
+  </cs:variation>
+  <cs:variation>
+    <a:lumMod val="80000"/>
+  </cs:variation>
+  <cs:variation>
+    <a:lumMod val="60000"/>
+    <a:lumOff val="40000"/>
+  </cs:variation>
+  <cs:variation>
+    <a:lumMod val="50000"/>
+  </cs:variation>
+  <cs:variation>
+    <a:lumMod val="70000"/>
+    <a:lumOff val="30000"/>
+  </cs:variation>
+  <cs:variation>
+    <a:lumMod val="70000"/>
+  </cs:variation>
+  <cs:variation>
+    <a:lumMod val="50000"/>
+    <a:lumOff val="50000"/>
+  </cs:variation>
+</cs:colorStyle>
+</file>
+
+<file path=ppt/charts/style1.xml><?xml version="1.0" encoding="utf-8"?>
+<cs:chartStyle xmlns:cs="http://schemas.microsoft.com/office/drawing/2012/chartStyle" xmlns:a="http://schemas.openxmlformats.org/drawingml/2006/main" id="332">
+  <cs:axisTitle>
+    <cs:lnRef idx="0"/>
+    <cs:fillRef idx="0"/>
+    <cs:effectRef idx="0"/>
+    <cs:fontRef idx="minor">
+      <a:schemeClr val="tx1">
+        <a:lumMod val="65000"/>
+        <a:lumOff val="35000"/>
+      </a:schemeClr>
+    </cs:fontRef>
+    <cs:defRPr sz="1330" kern="1200"/>
+  </cs:axisTitle>
+  <cs:categoryAxis>
+    <cs:lnRef idx="0"/>
+    <cs:fillRef idx="0"/>
+    <cs:effectRef idx="0"/>
+    <cs:fontRef idx="minor">
+      <a:schemeClr val="tx1">
+        <a:lumMod val="65000"/>
+        <a:lumOff val="35000"/>
+      </a:schemeClr>
+    </cs:fontRef>
+    <cs:spPr>
+      <a:ln w="9525" cap="flat" cmpd="sng" algn="ctr">
+        <a:solidFill>
+          <a:schemeClr val="tx1">
+            <a:lumMod val="15000"/>
+            <a:lumOff val="85000"/>
+          </a:schemeClr>
+        </a:solidFill>
+        <a:round/>
+      </a:ln>
+    </cs:spPr>
+    <cs:defRPr sz="1197" kern="1200"/>
+  </cs:categoryAxis>
+  <cs:chartArea mods="allowNoFillOverride allowNoLineOverride">
+    <cs:lnRef idx="0"/>
+    <cs:fillRef idx="0"/>
+    <cs:effectRef idx="0"/>
+    <cs:fontRef idx="minor">
+      <a:schemeClr val="tx1"/>
+    </cs:fontRef>
+    <cs:spPr>
+      <a:solidFill>
+        <a:schemeClr val="bg1"/>
+      </a:solidFill>
+      <a:ln w="9525" cap="flat" cmpd="sng" algn="ctr">
+        <a:solidFill>
+          <a:schemeClr val="tx1">
+            <a:lumMod val="15000"/>
+            <a:lumOff val="85000"/>
+          </a:schemeClr>
+        </a:solidFill>
+        <a:round/>
+      </a:ln>
+    </cs:spPr>
+    <cs:defRPr sz="1330" kern="1200"/>
+  </cs:chartArea>
+  <cs:dataLabel>
+    <cs:lnRef idx="0"/>
+    <cs:fillRef idx="0"/>
+    <cs:effectRef idx="0"/>
+    <cs:fontRef idx="minor">
+      <a:schemeClr val="tx1">
+        <a:lumMod val="75000"/>
+        <a:lumOff val="25000"/>
+      </a:schemeClr>
+    </cs:fontRef>
+    <cs:defRPr sz="1197" kern="1200"/>
+  </cs:dataLabel>
+  <cs:dataLabelCallout>
+    <cs:lnRef idx="0"/>
+    <cs:fillRef idx="0"/>
+    <cs:effectRef idx="0"/>
+    <cs:fontRef idx="minor">
+      <a:schemeClr val="dk1">
+        <a:lumMod val="65000"/>
+        <a:lumOff val="35000"/>
+      </a:schemeClr>
+    </cs:fontRef>
+    <cs:spPr>
+      <a:solidFill>
+        <a:schemeClr val="lt1"/>
+      </a:solidFill>
+      <a:ln>
+        <a:solidFill>
+          <a:schemeClr val="dk1">
+            <a:lumMod val="25000"/>
+            <a:lumOff val="75000"/>
+          </a:schemeClr>
+        </a:solidFill>
+      </a:ln>
+    </cs:spPr>
+    <cs:defRPr sz="1197" kern="1200"/>
+    <cs:bodyPr rot="0" spcFirstLastPara="1" vertOverflow="clip" horzOverflow="clip" vert="horz" wrap="square" lIns="36576" tIns="18288" rIns="36576" bIns="18288" anchor="ctr" anchorCtr="1">
+      <a:spAutoFit/>
+    </cs:bodyPr>
+  </cs:dataLabelCallout>
+  <cs:dataPoint>
+    <cs:lnRef idx="0"/>
+    <cs:fillRef idx="1">
+      <cs:styleClr val="auto"/>
+    </cs:fillRef>
+    <cs:effectRef idx="0"/>
+    <cs:fontRef idx="minor">
+      <a:schemeClr val="tx1"/>
+    </cs:fontRef>
+  </cs:dataPoint>
+  <cs:dataPoint3D>
+    <cs:lnRef idx="0"/>
+    <cs:fillRef idx="1">
+      <cs:styleClr val="auto"/>
+    </cs:fillRef>
+    <cs:effectRef idx="0"/>
+    <cs:fontRef idx="minor">
+      <a:schemeClr val="tx1"/>
+    </cs:fontRef>
+  </cs:dataPoint3D>
+  <cs:dataPointLine>
+    <cs:lnRef idx="0">
+      <cs:styleClr val="auto"/>
+    </cs:lnRef>
+    <cs:fillRef idx="1"/>
+    <cs:effectRef idx="0"/>
+    <cs:fontRef idx="minor">
+      <a:schemeClr val="tx1"/>
+    </cs:fontRef>
+    <cs:spPr>
+      <a:ln w="28575" cap="rnd">
+        <a:solidFill>
+          <a:schemeClr val="phClr"/>
+        </a:solidFill>
+        <a:round/>
+      </a:ln>
+    </cs:spPr>
+  </cs:dataPointLine>
+  <cs:dataPointMarker>
+    <cs:lnRef idx="0">
+      <cs:styleClr val="auto"/>
+    </cs:lnRef>
+    <cs:fillRef idx="1">
+      <cs:styleClr val="auto"/>
+    </cs:fillRef>
+    <cs:effectRef idx="0"/>
+    <cs:fontRef idx="minor">
+      <a:schemeClr val="tx1"/>
+    </cs:fontRef>
+    <cs:spPr>
+      <a:ln w="9525">
+        <a:solidFill>
+          <a:schemeClr val="phClr"/>
+        </a:solidFill>
+      </a:ln>
+    </cs:spPr>
+  </cs:dataPointMarker>
+  <cs:dataPointMarkerLayout symbol="circle" size="5"/>
+  <cs:dataPointWireframe>
+    <cs:lnRef idx="0">
+      <cs:styleClr val="auto"/>
+    </cs:lnRef>
+    <cs:fillRef idx="1"/>
+    <cs:effectRef idx="0"/>
+    <cs:fontRef idx="minor">
+      <a:schemeClr val="tx1"/>
+    </cs:fontRef>
+    <cs:spPr>
+      <a:ln w="9525" cap="rnd">
+        <a:solidFill>
+          <a:schemeClr val="phClr"/>
+        </a:solidFill>
+        <a:round/>
+      </a:ln>
+    </cs:spPr>
+  </cs:dataPointWireframe>
+  <cs:dataTable>
+    <cs:lnRef idx="0"/>
+    <cs:fillRef idx="0"/>
+    <cs:effectRef idx="0"/>
+    <cs:fontRef idx="minor">
+      <a:schemeClr val="tx1">
+        <a:lumMod val="65000"/>
+        <a:lumOff val="35000"/>
+      </a:schemeClr>
+    </cs:fontRef>
+    <cs:spPr>
+      <a:noFill/>
+      <a:ln w="9525" cap="flat" cmpd="sng" algn="ctr">
+        <a:solidFill>
+          <a:schemeClr val="tx1">
+            <a:lumMod val="15000"/>
+            <a:lumOff val="85000"/>
+          </a:schemeClr>
+        </a:solidFill>
+        <a:round/>
+      </a:ln>
+    </cs:spPr>
+    <cs:defRPr sz="1197" kern="1200"/>
+  </cs:dataTable>
+  <cs:downBar>
+    <cs:lnRef idx="0"/>
+    <cs:fillRef idx="0"/>
+    <cs:effectRef idx="0"/>
+    <cs:fontRef idx="minor">
+      <a:schemeClr val="dk1"/>
+    </cs:fontRef>
+    <cs:spPr>
+      <a:solidFill>
+        <a:schemeClr val="dk1">
+          <a:lumMod val="65000"/>
+          <a:lumOff val="35000"/>
+        </a:schemeClr>
+      </a:solidFill>
+      <a:ln w="9525">
+        <a:solidFill>
+          <a:schemeClr val="tx1">
+            <a:lumMod val="65000"/>
+            <a:lumOff val="35000"/>
+          </a:schemeClr>
+        </a:solidFill>
+      </a:ln>
+    </cs:spPr>
+  </cs:downBar>
+  <cs:dropLine>
+    <cs:lnRef idx="0"/>
+    <cs:fillRef idx="0"/>
+    <cs:effectRef idx="0"/>
+    <cs:fontRef idx="minor">
+      <a:schemeClr val="tx1"/>
+    </cs:fontRef>
+    <cs:spPr>
+      <a:ln w="9525" cap="flat" cmpd="sng" algn="ctr">
+        <a:solidFill>
+          <a:schemeClr val="tx1">
+            <a:lumMod val="35000"/>
+            <a:lumOff val="65000"/>
+          </a:schemeClr>
+        </a:solidFill>
+        <a:round/>
+      </a:ln>
+    </cs:spPr>
+  </cs:dropLine>
+  <cs:errorBar>
+    <cs:lnRef idx="0"/>
+    <cs:fillRef idx="0"/>
+    <cs:effectRef idx="0"/>
+    <cs:fontRef idx="minor">
+      <a:schemeClr val="tx1"/>
+    </cs:fontRef>
+    <cs:spPr>
+      <a:ln w="9525" cap="flat" cmpd="sng" algn="ctr">
+        <a:solidFill>
+          <a:schemeClr val="tx1">
+            <a:lumMod val="65000"/>
+            <a:lumOff val="35000"/>
+          </a:schemeClr>
+        </a:solidFill>
+        <a:round/>
+      </a:ln>
+    </cs:spPr>
+  </cs:errorBar>
+  <cs:floor>
+    <cs:lnRef idx="0"/>
+    <cs:fillRef idx="0"/>
+    <cs:effectRef idx="0"/>
+    <cs:fontRef idx="minor">
+      <a:schemeClr val="tx1"/>
+    </cs:fontRef>
+    <cs:spPr>
+      <a:noFill/>
+      <a:ln>
+        <a:noFill/>
+      </a:ln>
+    </cs:spPr>
+  </cs:floor>
+  <cs:gridlineMajor>
+    <cs:lnRef idx="0"/>
+    <cs:fillRef idx="0"/>
+    <cs:effectRef idx="0"/>
+    <cs:fontRef idx="minor">
+      <a:schemeClr val="tx1"/>
+    </cs:fontRef>
+    <cs:spPr>
+      <a:ln w="9525" cap="flat" cmpd="sng" algn="ctr">
+        <a:solidFill>
+          <a:schemeClr val="tx1">
+            <a:lumMod val="15000"/>
+            <a:lumOff val="85000"/>
+          </a:schemeClr>
+        </a:solidFill>
+        <a:round/>
+      </a:ln>
+    </cs:spPr>
+  </cs:gridlineMajor>
+  <cs:gridlineMinor>
+    <cs:lnRef idx="0"/>
+    <cs:fillRef idx="0"/>
+    <cs:effectRef idx="0"/>
+    <cs:fontRef idx="minor">
+      <a:schemeClr val="tx1"/>
+    </cs:fontRef>
+    <cs:spPr>
+      <a:ln w="9525" cap="flat" cmpd="sng" algn="ctr">
+        <a:solidFill>
+          <a:schemeClr val="tx1">
+            <a:lumMod val="5000"/>
+            <a:lumOff val="95000"/>
+          </a:schemeClr>
+        </a:solidFill>
+        <a:round/>
+      </a:ln>
+    </cs:spPr>
+  </cs:gridlineMinor>
+  <cs:hiLoLine>
+    <cs:lnRef idx="0"/>
+    <cs:fillRef idx="0"/>
+    <cs:effectRef idx="0"/>
+    <cs:fontRef idx="minor">
+      <a:schemeClr val="tx1"/>
+    </cs:fontRef>
+    <cs:spPr>
+      <a:ln w="9525" cap="flat" cmpd="sng" algn="ctr">
+        <a:solidFill>
+          <a:schemeClr val="tx1">
+            <a:lumMod val="75000"/>
+            <a:lumOff val="25000"/>
+          </a:schemeClr>
+        </a:solidFill>
+        <a:round/>
+      </a:ln>
+    </cs:spPr>
+  </cs:hiLoLine>
+  <cs:leaderLine>
+    <cs:lnRef idx="0"/>
+    <cs:fillRef idx="0"/>
+    <cs:effectRef idx="0"/>
+    <cs:fontRef idx="minor">
+      <a:schemeClr val="tx1"/>
+    </cs:fontRef>
+    <cs:spPr>
+      <a:ln w="9525" cap="flat" cmpd="sng" algn="ctr">
+        <a:solidFill>
+          <a:schemeClr val="tx1">
+            <a:lumMod val="35000"/>
+            <a:lumOff val="65000"/>
+          </a:schemeClr>
+        </a:solidFill>
+        <a:round/>
+      </a:ln>
+    </cs:spPr>
+  </cs:leaderLine>
+  <cs:legend>
+    <cs:lnRef idx="0"/>
+    <cs:fillRef idx="0"/>
+    <cs:effectRef idx="0"/>
+    <cs:fontRef idx="minor">
+      <a:schemeClr val="tx1">
+        <a:lumMod val="65000"/>
+        <a:lumOff val="35000"/>
+      </a:schemeClr>
+    </cs:fontRef>
+    <cs:defRPr sz="1197" kern="1200"/>
+  </cs:legend>
+  <cs:plotArea mods="allowNoFillOverride allowNoLineOverride">
+    <cs:lnRef idx="0"/>
+    <cs:fillRef idx="0"/>
+    <cs:effectRef idx="0"/>
+    <cs:fontRef idx="minor">
+      <a:schemeClr val="tx1"/>
+    </cs:fontRef>
+  </cs:plotArea>
+  <cs:plotArea3D mods="allowNoFillOverride allowNoLineOverride">
+    <cs:lnRef idx="0"/>
+    <cs:fillRef idx="0"/>
+    <cs:effectRef idx="0"/>
+    <cs:fontRef idx="minor">
+      <a:schemeClr val="tx1"/>
+    </cs:fontRef>
+  </cs:plotArea3D>
+  <cs:seriesAxis>
+    <cs:lnRef idx="0"/>
+    <cs:fillRef idx="0"/>
+    <cs:effectRef idx="0"/>
+    <cs:fontRef idx="minor">
+      <a:schemeClr val="tx1">
+        <a:lumMod val="65000"/>
+        <a:lumOff val="35000"/>
+      </a:schemeClr>
+    </cs:fontRef>
+    <cs:defRPr sz="1197" kern="1200"/>
+  </cs:seriesAxis>
+  <cs:seriesLine>
+    <cs:lnRef idx="0"/>
+    <cs:fillRef idx="0"/>
+    <cs:effectRef idx="0"/>
+    <cs:fontRef idx="minor">
+      <a:schemeClr val="tx1"/>
+    </cs:fontRef>
+    <cs:spPr>
+      <a:ln w="9525" cap="flat" cmpd="sng" algn="ctr">
+        <a:solidFill>
+          <a:schemeClr val="tx1">
+            <a:lumMod val="35000"/>
+            <a:lumOff val="65000"/>
+          </a:schemeClr>
+        </a:solidFill>
+        <a:round/>
+      </a:ln>
+    </cs:spPr>
+  </cs:seriesLine>
+  <cs:title>
+    <cs:lnRef idx="0"/>
+    <cs:fillRef idx="0"/>
+    <cs:effectRef idx="0"/>
+    <cs:fontRef idx="minor">
+      <a:schemeClr val="tx1">
+        <a:lumMod val="65000"/>
+        <a:lumOff val="35000"/>
+      </a:schemeClr>
+    </cs:fontRef>
+    <cs:defRPr sz="1862" b="0" kern="1200" spc="0" baseline="0"/>
+  </cs:title>
+  <cs:trendline>
+    <cs:lnRef idx="0">
+      <cs:styleClr val="auto"/>
+    </cs:lnRef>
+    <cs:fillRef idx="0"/>
+    <cs:effectRef idx="0"/>
+    <cs:fontRef idx="minor">
+      <a:schemeClr val="tx1"/>
+    </cs:fontRef>
+    <cs:spPr>
+      <a:ln w="19050" cap="rnd">
+        <a:solidFill>
+          <a:schemeClr val="phClr"/>
+        </a:solidFill>
+        <a:prstDash val="sysDot"/>
+      </a:ln>
+    </cs:spPr>
+  </cs:trendline>
+  <cs:trendlineLabel>
+    <cs:lnRef idx="0"/>
+    <cs:fillRef idx="0"/>
+    <cs:effectRef idx="0"/>
+    <cs:fontRef idx="minor">
+      <a:schemeClr val="tx1">
+        <a:lumMod val="65000"/>
+        <a:lumOff val="35000"/>
+      </a:schemeClr>
+    </cs:fontRef>
+    <cs:defRPr sz="1197" kern="1200"/>
+  </cs:trendlineLabel>
+  <cs:upBar>
+    <cs:lnRef idx="0"/>
+    <cs:fillRef idx="0"/>
+    <cs:effectRef idx="0"/>
+    <cs:fontRef idx="minor">
+      <a:schemeClr val="dk1"/>
+    </cs:fontRef>
+    <cs:spPr>
+      <a:solidFill>
+        <a:schemeClr val="lt1"/>
+      </a:solidFill>
+      <a:ln w="9525">
+        <a:solidFill>
+          <a:schemeClr val="tx1">
+            <a:lumMod val="15000"/>
+            <a:lumOff val="85000"/>
+          </a:schemeClr>
+        </a:solidFill>
+      </a:ln>
+    </cs:spPr>
+  </cs:upBar>
+  <cs:valueAxis>
+    <cs:lnRef idx="0"/>
+    <cs:fillRef idx="0"/>
+    <cs:effectRef idx="0"/>
+    <cs:fontRef idx="minor">
+      <a:schemeClr val="tx1">
+        <a:lumMod val="65000"/>
+        <a:lumOff val="35000"/>
+      </a:schemeClr>
+    </cs:fontRef>
+    <cs:defRPr sz="1197" kern="1200"/>
+  </cs:valueAxis>
+  <cs:wall>
+    <cs:lnRef idx="0"/>
+    <cs:fillRef idx="0"/>
+    <cs:effectRef idx="0"/>
+    <cs:fontRef idx="minor">
+      <a:schemeClr val="tx1"/>
+    </cs:fontRef>
+    <cs:spPr>
+      <a:noFill/>
+      <a:ln>
+        <a:noFill/>
+      </a:ln>
+    </cs:spPr>
+  </cs:wall>
+</cs:chartStyle>
+</file>
+
+<file path=ppt/charts/style2.xml><?xml version="1.0" encoding="utf-8"?>
+<cs:chartStyle xmlns:cs="http://schemas.microsoft.com/office/drawing/2012/chartStyle" xmlns:a="http://schemas.openxmlformats.org/drawingml/2006/main" id="201">
+  <cs:axisTitle>
+    <cs:lnRef idx="0"/>
+    <cs:fillRef idx="0"/>
+    <cs:effectRef idx="0"/>
+    <cs:fontRef idx="minor">
+      <a:schemeClr val="tx1">
+        <a:lumMod val="65000"/>
+        <a:lumOff val="35000"/>
+      </a:schemeClr>
+    </cs:fontRef>
+    <cs:defRPr sz="1330" kern="1200"/>
+  </cs:axisTitle>
+  <cs:categoryAxis>
+    <cs:lnRef idx="0"/>
+    <cs:fillRef idx="0"/>
+    <cs:effectRef idx="0"/>
+    <cs:fontRef idx="minor">
+      <a:schemeClr val="tx1">
+        <a:lumMod val="65000"/>
+        <a:lumOff val="35000"/>
+      </a:schemeClr>
+    </cs:fontRef>
+    <cs:spPr>
+      <a:ln w="9525" cap="flat" cmpd="sng" algn="ctr">
+        <a:solidFill>
+          <a:schemeClr val="tx1">
+            <a:lumMod val="15000"/>
+            <a:lumOff val="85000"/>
+          </a:schemeClr>
+        </a:solidFill>
+        <a:round/>
+      </a:ln>
+    </cs:spPr>
+    <cs:defRPr sz="1197" kern="1200"/>
+  </cs:categoryAxis>
+  <cs:chartArea mods="allowNoFillOverride allowNoLineOverride">
+    <cs:lnRef idx="0"/>
+    <cs:fillRef idx="0"/>
+    <cs:effectRef idx="0"/>
+    <cs:fontRef idx="minor">
+      <a:schemeClr val="tx1"/>
+    </cs:fontRef>
+    <cs:spPr>
+      <a:solidFill>
+        <a:schemeClr val="bg1"/>
+      </a:solidFill>
+      <a:ln w="9525" cap="flat" cmpd="sng" algn="ctr">
+        <a:solidFill>
+          <a:schemeClr val="tx1">
+            <a:lumMod val="15000"/>
+            <a:lumOff val="85000"/>
+          </a:schemeClr>
+        </a:solidFill>
+        <a:round/>
+      </a:ln>
+    </cs:spPr>
+    <cs:defRPr sz="1330" kern="1200"/>
+  </cs:chartArea>
+  <cs:dataLabel>
+    <cs:lnRef idx="0"/>
+    <cs:fillRef idx="0"/>
+    <cs:effectRef idx="0"/>
+    <cs:fontRef idx="minor">
+      <a:schemeClr val="tx1">
+        <a:lumMod val="75000"/>
+        <a:lumOff val="25000"/>
+      </a:schemeClr>
+    </cs:fontRef>
+    <cs:defRPr sz="1197" kern="1200"/>
+  </cs:dataLabel>
+  <cs:dataLabelCallout>
+    <cs:lnRef idx="0"/>
+    <cs:fillRef idx="0"/>
+    <cs:effectRef idx="0"/>
+    <cs:fontRef idx="minor">
+      <a:schemeClr val="dk1">
+        <a:lumMod val="65000"/>
+        <a:lumOff val="35000"/>
+      </a:schemeClr>
+    </cs:fontRef>
+    <cs:spPr>
+      <a:solidFill>
+        <a:schemeClr val="lt1"/>
+      </a:solidFill>
+      <a:ln>
+        <a:solidFill>
+          <a:schemeClr val="dk1">
+            <a:lumMod val="25000"/>
+            <a:lumOff val="75000"/>
+          </a:schemeClr>
+        </a:solidFill>
+      </a:ln>
+    </cs:spPr>
+    <cs:defRPr sz="1197" kern="1200"/>
+    <cs:bodyPr rot="0" spcFirstLastPara="1" vertOverflow="clip" horzOverflow="clip" vert="horz" wrap="square" lIns="36576" tIns="18288" rIns="36576" bIns="18288" anchor="ctr" anchorCtr="1">
+      <a:spAutoFit/>
+    </cs:bodyPr>
+  </cs:dataLabelCallout>
+  <cs:dataPoint>
+    <cs:lnRef idx="0"/>
+    <cs:fillRef idx="1">
+      <cs:styleClr val="auto"/>
+    </cs:fillRef>
+    <cs:effectRef idx="0"/>
+    <cs:fontRef idx="minor">
+      <a:schemeClr val="tx1"/>
+    </cs:fontRef>
+  </cs:dataPoint>
+  <cs:dataPoint3D>
+    <cs:lnRef idx="0"/>
+    <cs:fillRef idx="1">
+      <cs:styleClr val="auto"/>
+    </cs:fillRef>
+    <cs:effectRef idx="0"/>
+    <cs:fontRef idx="minor">
+      <a:schemeClr val="tx1"/>
+    </cs:fontRef>
+  </cs:dataPoint3D>
+  <cs:dataPointLine>
+    <cs:lnRef idx="0">
+      <cs:styleClr val="auto"/>
+    </cs:lnRef>
+    <cs:fillRef idx="1"/>
+    <cs:effectRef idx="0"/>
+    <cs:fontRef idx="minor">
+      <a:schemeClr val="tx1"/>
+    </cs:fontRef>
+    <cs:spPr>
+      <a:ln w="28575" cap="rnd">
+        <a:solidFill>
+          <a:schemeClr val="phClr"/>
+        </a:solidFill>
+        <a:round/>
+      </a:ln>
+    </cs:spPr>
+  </cs:dataPointLine>
+  <cs:dataPointMarker>
+    <cs:lnRef idx="0">
+      <cs:styleClr val="auto"/>
+    </cs:lnRef>
+    <cs:fillRef idx="1">
+      <cs:styleClr val="auto"/>
+    </cs:fillRef>
+    <cs:effectRef idx="0"/>
+    <cs:fontRef idx="minor">
+      <a:schemeClr val="tx1"/>
+    </cs:fontRef>
+    <cs:spPr>
+      <a:ln w="9525">
+        <a:solidFill>
+          <a:schemeClr val="phClr"/>
+        </a:solidFill>
+      </a:ln>
+    </cs:spPr>
+  </cs:dataPointMarker>
+  <cs:dataPointMarkerLayout symbol="circle" size="5"/>
+  <cs:dataPointWireframe>
+    <cs:lnRef idx="0">
+      <cs:styleClr val="auto"/>
+    </cs:lnRef>
+    <cs:fillRef idx="1"/>
+    <cs:effectRef idx="0"/>
+    <cs:fontRef idx="minor">
+      <a:schemeClr val="tx1"/>
+    </cs:fontRef>
+    <cs:spPr>
+      <a:ln w="9525" cap="rnd">
+        <a:solidFill>
+          <a:schemeClr val="phClr"/>
+        </a:solidFill>
+        <a:round/>
+      </a:ln>
+    </cs:spPr>
+  </cs:dataPointWireframe>
+  <cs:dataTable>
+    <cs:lnRef idx="0"/>
+    <cs:fillRef idx="0"/>
+    <cs:effectRef idx="0"/>
+    <cs:fontRef idx="minor">
+      <a:schemeClr val="tx1">
+        <a:lumMod val="65000"/>
+        <a:lumOff val="35000"/>
+      </a:schemeClr>
+    </cs:fontRef>
+    <cs:spPr>
+      <a:noFill/>
+      <a:ln w="9525" cap="flat" cmpd="sng" algn="ctr">
+        <a:solidFill>
+          <a:schemeClr val="tx1">
+            <a:lumMod val="15000"/>
+            <a:lumOff val="85000"/>
+          </a:schemeClr>
+        </a:solidFill>
+        <a:round/>
+      </a:ln>
+    </cs:spPr>
+    <cs:defRPr sz="1197" kern="1200"/>
+  </cs:dataTable>
+  <cs:downBar>
+    <cs:lnRef idx="0"/>
+    <cs:fillRef idx="0"/>
+    <cs:effectRef idx="0"/>
+    <cs:fontRef idx="minor">
+      <a:schemeClr val="dk1"/>
+    </cs:fontRef>
+    <cs:spPr>
+      <a:solidFill>
+        <a:schemeClr val="dk1">
+          <a:lumMod val="65000"/>
+          <a:lumOff val="35000"/>
+        </a:schemeClr>
+      </a:solidFill>
+      <a:ln w="9525">
+        <a:solidFill>
+          <a:schemeClr val="tx1">
+            <a:lumMod val="65000"/>
+            <a:lumOff val="35000"/>
+          </a:schemeClr>
+        </a:solidFill>
+      </a:ln>
+    </cs:spPr>
+  </cs:downBar>
+  <cs:dropLine>
+    <cs:lnRef idx="0"/>
+    <cs:fillRef idx="0"/>
+    <cs:effectRef idx="0"/>
+    <cs:fontRef idx="minor">
+      <a:schemeClr val="tx1"/>
+    </cs:fontRef>
+    <cs:spPr>
+      <a:ln w="9525" cap="flat" cmpd="sng" algn="ctr">
+        <a:solidFill>
+          <a:schemeClr val="tx1">
+            <a:lumMod val="35000"/>
+            <a:lumOff val="65000"/>
+          </a:schemeClr>
+        </a:solidFill>
+        <a:round/>
+      </a:ln>
+    </cs:spPr>
+  </cs:dropLine>
+  <cs:errorBar>
+    <cs:lnRef idx="0"/>
+    <cs:fillRef idx="0"/>
+    <cs:effectRef idx="0"/>
+    <cs:fontRef idx="minor">
+      <a:schemeClr val="tx1"/>
+    </cs:fontRef>
+    <cs:spPr>
+      <a:ln w="9525" cap="flat" cmpd="sng" algn="ctr">
+        <a:solidFill>
+          <a:schemeClr val="tx1">
+            <a:lumMod val="65000"/>
+            <a:lumOff val="35000"/>
+          </a:schemeClr>
+        </a:solidFill>
+        <a:round/>
+      </a:ln>
+    </cs:spPr>
+  </cs:errorBar>
+  <cs:floor>
+    <cs:lnRef idx="0"/>
+    <cs:fillRef idx="0"/>
+    <cs:effectRef idx="0"/>
+    <cs:fontRef idx="minor">
+      <a:schemeClr val="tx1"/>
+    </cs:fontRef>
+    <cs:spPr>
+      <a:noFill/>
+      <a:ln>
+        <a:noFill/>
+      </a:ln>
+    </cs:spPr>
+  </cs:floor>
+  <cs:gridlineMajor>
+    <cs:lnRef idx="0"/>
+    <cs:fillRef idx="0"/>
+    <cs:effectRef idx="0"/>
+    <cs:fontRef idx="minor">
+      <a:schemeClr val="tx1"/>
+    </cs:fontRef>
+    <cs:spPr>
+      <a:ln w="9525" cap="flat" cmpd="sng" algn="ctr">
+        <a:solidFill>
+          <a:schemeClr val="tx1">
+            <a:lumMod val="15000"/>
+            <a:lumOff val="85000"/>
+          </a:schemeClr>
+        </a:solidFill>
+        <a:round/>
+      </a:ln>
+    </cs:spPr>
+  </cs:gridlineMajor>
+  <cs:gridlineMinor>
+    <cs:lnRef idx="0"/>
+    <cs:fillRef idx="0"/>
+    <cs:effectRef idx="0"/>
+    <cs:fontRef idx="minor">
+      <a:schemeClr val="tx1"/>
+    </cs:fontRef>
+    <cs:spPr>
+      <a:ln w="9525" cap="flat" cmpd="sng" algn="ctr">
+        <a:solidFill>
+          <a:schemeClr val="tx1">
+            <a:lumMod val="5000"/>
+            <a:lumOff val="95000"/>
+          </a:schemeClr>
+        </a:solidFill>
+        <a:round/>
+      </a:ln>
+    </cs:spPr>
+  </cs:gridlineMinor>
+  <cs:hiLoLine>
+    <cs:lnRef idx="0"/>
+    <cs:fillRef idx="0"/>
+    <cs:effectRef idx="0"/>
+    <cs:fontRef idx="minor">
+      <a:schemeClr val="tx1"/>
+    </cs:fontRef>
+    <cs:spPr>
+      <a:ln w="9525" cap="flat" cmpd="sng" algn="ctr">
+        <a:solidFill>
+          <a:schemeClr val="tx1">
+            <a:lumMod val="75000"/>
+            <a:lumOff val="25000"/>
+          </a:schemeClr>
+        </a:solidFill>
+        <a:round/>
+      </a:ln>
+    </cs:spPr>
+  </cs:hiLoLine>
+  <cs:leaderLine>
+    <cs:lnRef idx="0"/>
+    <cs:fillRef idx="0"/>
+    <cs:effectRef idx="0"/>
+    <cs:fontRef idx="minor">
+      <a:schemeClr val="tx1"/>
+    </cs:fontRef>
+    <cs:spPr>
+      <a:ln w="9525" cap="flat" cmpd="sng" algn="ctr">
+        <a:solidFill>
+          <a:schemeClr val="tx1">
+            <a:lumMod val="35000"/>
+            <a:lumOff val="65000"/>
+          </a:schemeClr>
+        </a:solidFill>
+        <a:round/>
+      </a:ln>
+    </cs:spPr>
+  </cs:leaderLine>
+  <cs:legend>
+    <cs:lnRef idx="0"/>
+    <cs:fillRef idx="0"/>
+    <cs:effectRef idx="0"/>
+    <cs:fontRef idx="minor">
+      <a:schemeClr val="tx1">
+        <a:lumMod val="65000"/>
+        <a:lumOff val="35000"/>
+      </a:schemeClr>
+    </cs:fontRef>
+    <cs:defRPr sz="1197" kern="1200"/>
+  </cs:legend>
+  <cs:plotArea mods="allowNoFillOverride allowNoLineOverride">
+    <cs:lnRef idx="0"/>
+    <cs:fillRef idx="0"/>
+    <cs:effectRef idx="0"/>
+    <cs:fontRef idx="minor">
+      <a:schemeClr val="tx1"/>
+    </cs:fontRef>
+  </cs:plotArea>
+  <cs:plotArea3D mods="allowNoFillOverride allowNoLineOverride">
+    <cs:lnRef idx="0"/>
+    <cs:fillRef idx="0"/>
+    <cs:effectRef idx="0"/>
+    <cs:fontRef idx="minor">
+      <a:schemeClr val="tx1"/>
+    </cs:fontRef>
+  </cs:plotArea3D>
+  <cs:seriesAxis>
+    <cs:lnRef idx="0"/>
+    <cs:fillRef idx="0"/>
+    <cs:effectRef idx="0"/>
+    <cs:fontRef idx="minor">
+      <a:schemeClr val="tx1">
+        <a:lumMod val="65000"/>
+        <a:lumOff val="35000"/>
+      </a:schemeClr>
+    </cs:fontRef>
+    <cs:defRPr sz="1197" kern="1200"/>
+  </cs:seriesAxis>
+  <cs:seriesLine>
+    <cs:lnRef idx="0"/>
+    <cs:fillRef idx="0"/>
+    <cs:effectRef idx="0"/>
+    <cs:fontRef idx="minor">
+      <a:schemeClr val="tx1"/>
+    </cs:fontRef>
+    <cs:spPr>
+      <a:ln w="9525" cap="flat" cmpd="sng" algn="ctr">
+        <a:solidFill>
+          <a:schemeClr val="tx1">
+            <a:lumMod val="35000"/>
+            <a:lumOff val="65000"/>
+          </a:schemeClr>
+        </a:solidFill>
+        <a:round/>
+      </a:ln>
+    </cs:spPr>
+  </cs:seriesLine>
+  <cs:title>
+    <cs:lnRef idx="0"/>
+    <cs:fillRef idx="0"/>
+    <cs:effectRef idx="0"/>
+    <cs:fontRef idx="minor">
+      <a:schemeClr val="tx1">
+        <a:lumMod val="65000"/>
+        <a:lumOff val="35000"/>
+      </a:schemeClr>
+    </cs:fontRef>
+    <cs:defRPr sz="1862" b="0" kern="1200" spc="0" baseline="0"/>
+  </cs:title>
+  <cs:trendline>
+    <cs:lnRef idx="0">
+      <cs:styleClr val="auto"/>
+    </cs:lnRef>
+    <cs:fillRef idx="0"/>
+    <cs:effectRef idx="0"/>
+    <cs:fontRef idx="minor">
+      <a:schemeClr val="tx1"/>
+    </cs:fontRef>
+    <cs:spPr>
+      <a:ln w="19050" cap="rnd">
+        <a:solidFill>
+          <a:schemeClr val="phClr"/>
+        </a:solidFill>
+        <a:prstDash val="sysDot"/>
+      </a:ln>
+    </cs:spPr>
+  </cs:trendline>
+  <cs:trendlineLabel>
+    <cs:lnRef idx="0"/>
+    <cs:fillRef idx="0"/>
+    <cs:effectRef idx="0"/>
+    <cs:fontRef idx="minor">
+      <a:schemeClr val="tx1">
+        <a:lumMod val="65000"/>
+        <a:lumOff val="35000"/>
+      </a:schemeClr>
+    </cs:fontRef>
+    <cs:defRPr sz="1197" kern="1200"/>
+  </cs:trendlineLabel>
+  <cs:upBar>
+    <cs:lnRef idx="0"/>
+    <cs:fillRef idx="0"/>
+    <cs:effectRef idx="0"/>
+    <cs:fontRef idx="minor">
+      <a:schemeClr val="dk1"/>
+    </cs:fontRef>
+    <cs:spPr>
+      <a:solidFill>
+        <a:schemeClr val="lt1"/>
+      </a:solidFill>
+      <a:ln w="9525">
+        <a:solidFill>
+          <a:schemeClr val="tx1">
+            <a:lumMod val="15000"/>
+            <a:lumOff val="85000"/>
+          </a:schemeClr>
+        </a:solidFill>
+      </a:ln>
+    </cs:spPr>
+  </cs:upBar>
+  <cs:valueAxis>
+    <cs:lnRef idx="0"/>
+    <cs:fillRef idx="0"/>
+    <cs:effectRef idx="0"/>
+    <cs:fontRef idx="minor">
+      <a:schemeClr val="tx1">
+        <a:lumMod val="65000"/>
+        <a:lumOff val="35000"/>
+      </a:schemeClr>
+    </cs:fontRef>
+    <cs:defRPr sz="1197" kern="1200"/>
+  </cs:valueAxis>
+  <cs:wall>
+    <cs:lnRef idx="0"/>
+    <cs:fillRef idx="0"/>
+    <cs:effectRef idx="0"/>
+    <cs:fontRef idx="minor">
+      <a:schemeClr val="tx1"/>
+    </cs:fontRef>
+    <cs:spPr>
+      <a:noFill/>
+      <a:ln>
+        <a:noFill/>
+      </a:ln>
+    </cs:spPr>
+  </cs:wall>
+</cs:chartStyle>
 </file>
 
 <file path=ppt/diagrams/colors1.xml><?xml version="1.0" encoding="utf-8"?>
@@ -891,15 +2994,7 @@
           </a:br>
           <a:r>
             <a:rPr lang="en-US" dirty="0" smtClean="0"/>
-            <a:t> </a:t>
-          </a:r>
-          <a:r>
-            <a:rPr lang="en-US" dirty="0" smtClean="0"/>
-            <a:t>Deduplication </a:t>
-          </a:r>
-          <a:r>
-            <a:rPr lang="en-US" dirty="0" smtClean="0"/>
-            <a:t>was added into ZFS</a:t>
+            <a:t> Deduplication was added into ZFS</a:t>
           </a:r>
           <a:endParaRPr lang="en-US" dirty="0"/>
         </a:p>
@@ -943,11 +3038,7 @@
           </a:br>
           <a:r>
             <a:rPr lang="en-US" dirty="0" smtClean="0"/>
-            <a:t>ZFS Open Source Dev. </a:t>
-          </a:r>
-          <a:r>
-            <a:rPr lang="en-US" dirty="0" smtClean="0"/>
-            <a:t>stopped</a:t>
+            <a:t>ZFS Open Source Dev. stopped</a:t>
           </a:r>
           <a:endParaRPr lang="en-US" dirty="0"/>
         </a:p>
@@ -1094,10 +3185,24 @@
     <dgm:pt modelId="{F2292637-A542-444B-A9FF-BA4748A87DF4}" type="pres">
       <dgm:prSet presAssocID="{B336D33A-53F0-9D41-959E-68E1BAA3D04C}" presName="sibTrans" presStyleLbl="sibTrans2D1" presStyleIdx="0" presStyleCnt="3"/>
       <dgm:spPr/>
+      <dgm:t>
+        <a:bodyPr/>
+        <a:lstStyle/>
+        <a:p>
+          <a:endParaRPr lang="en-US"/>
+        </a:p>
+      </dgm:t>
     </dgm:pt>
     <dgm:pt modelId="{AAC15038-AD46-4749-8372-CABA363CF7A9}" type="pres">
       <dgm:prSet presAssocID="{B336D33A-53F0-9D41-959E-68E1BAA3D04C}" presName="connectorText" presStyleLbl="sibTrans2D1" presStyleIdx="0" presStyleCnt="3"/>
       <dgm:spPr/>
+      <dgm:t>
+        <a:bodyPr/>
+        <a:lstStyle/>
+        <a:p>
+          <a:endParaRPr lang="en-US"/>
+        </a:p>
+      </dgm:t>
     </dgm:pt>
     <dgm:pt modelId="{89081741-0489-474C-9BFC-420B61E66BEB}" type="pres">
       <dgm:prSet presAssocID="{832BBC81-7EC1-674D-9E59-3FA0A42F8425}" presName="node" presStyleLbl="node1" presStyleIdx="1" presStyleCnt="4">
@@ -1190,20 +3295,20 @@
     </dgm:pt>
   </dgm:ptLst>
   <dgm:cxnLst>
+    <dgm:cxn modelId="{A05575FB-9F45-3144-B0D8-27EFF35BAD69}" type="presOf" srcId="{832BBC81-7EC1-674D-9E59-3FA0A42F8425}" destId="{89081741-0489-474C-9BFC-420B61E66BEB}" srcOrd="0" destOrd="0" presId="urn:microsoft.com/office/officeart/2005/8/layout/process1"/>
+    <dgm:cxn modelId="{642D8B82-0F45-B147-94F7-02C9EC3456F6}" type="presOf" srcId="{B336D33A-53F0-9D41-959E-68E1BAA3D04C}" destId="{F2292637-A542-444B-A9FF-BA4748A87DF4}" srcOrd="0" destOrd="0" presId="urn:microsoft.com/office/officeart/2005/8/layout/process1"/>
     <dgm:cxn modelId="{9CC93275-156A-8B41-A23B-7CEB44A8B5A1}" srcId="{9D209C41-5A88-0D4B-A917-11D22124E457}" destId="{832BBC81-7EC1-674D-9E59-3FA0A42F8425}" srcOrd="1" destOrd="0" parTransId="{93BEE007-0C11-BD41-9B32-3C47F521C111}" sibTransId="{6283976F-1CFC-194A-B3EC-8175407D7E19}"/>
+    <dgm:cxn modelId="{D120A046-7D02-144C-9F23-A0565591FE58}" type="presOf" srcId="{6283976F-1CFC-194A-B3EC-8175407D7E19}" destId="{8BF260E9-EBE4-BC48-806B-D86333612B4A}" srcOrd="0" destOrd="0" presId="urn:microsoft.com/office/officeart/2005/8/layout/process1"/>
+    <dgm:cxn modelId="{4656FF73-37AF-7A47-84F5-A7D9571E9278}" type="presOf" srcId="{CEDD8B15-EF02-7B49-A2E1-EFB8C27F1378}" destId="{61F5D7AC-142E-9544-AD30-05E2FAA46357}" srcOrd="1" destOrd="0" presId="urn:microsoft.com/office/officeart/2005/8/layout/process1"/>
     <dgm:cxn modelId="{31A4BB1E-41F5-1142-BD0B-0FBABAB09B35}" type="presOf" srcId="{B336D33A-53F0-9D41-959E-68E1BAA3D04C}" destId="{AAC15038-AD46-4749-8372-CABA363CF7A9}" srcOrd="1" destOrd="0" presId="urn:microsoft.com/office/officeart/2005/8/layout/process1"/>
-    <dgm:cxn modelId="{642D8B82-0F45-B147-94F7-02C9EC3456F6}" type="presOf" srcId="{B336D33A-53F0-9D41-959E-68E1BAA3D04C}" destId="{F2292637-A542-444B-A9FF-BA4748A87DF4}" srcOrd="0" destOrd="0" presId="urn:microsoft.com/office/officeart/2005/8/layout/process1"/>
-    <dgm:cxn modelId="{D120A046-7D02-144C-9F23-A0565591FE58}" type="presOf" srcId="{6283976F-1CFC-194A-B3EC-8175407D7E19}" destId="{8BF260E9-EBE4-BC48-806B-D86333612B4A}" srcOrd="0" destOrd="0" presId="urn:microsoft.com/office/officeart/2005/8/layout/process1"/>
+    <dgm:cxn modelId="{ABC63534-2B01-5E48-92D2-288EF9635A75}" type="presOf" srcId="{56417CD0-600F-944F-A3E9-CB8FE81A28D8}" destId="{641B802B-DCB4-9141-8945-6A2DFC616F5A}" srcOrd="0" destOrd="0" presId="urn:microsoft.com/office/officeart/2005/8/layout/process1"/>
     <dgm:cxn modelId="{DB589A84-73B6-A549-AF84-9A8D960C96B8}" srcId="{9D209C41-5A88-0D4B-A917-11D22124E457}" destId="{91A6D25B-641B-374E-9F20-6A687618B961}" srcOrd="3" destOrd="0" parTransId="{53672A71-2A60-544A-8A7D-97E861EEE754}" sibTransId="{A12DF1C7-4539-C544-B806-16C9C16CF738}"/>
-    <dgm:cxn modelId="{ABC63534-2B01-5E48-92D2-288EF9635A75}" type="presOf" srcId="{56417CD0-600F-944F-A3E9-CB8FE81A28D8}" destId="{641B802B-DCB4-9141-8945-6A2DFC616F5A}" srcOrd="0" destOrd="0" presId="urn:microsoft.com/office/officeart/2005/8/layout/process1"/>
-    <dgm:cxn modelId="{D8BF7639-1EFE-8442-8DC9-C5D125F03768}" type="presOf" srcId="{91A6D25B-641B-374E-9F20-6A687618B961}" destId="{D5E51CBE-1A06-7D4F-B1CA-DC40DCD9474A}" srcOrd="0" destOrd="0" presId="urn:microsoft.com/office/officeart/2005/8/layout/process1"/>
-    <dgm:cxn modelId="{D3FE794C-7ED8-6940-8E9C-5CD7807EF6CE}" type="presOf" srcId="{6283976F-1CFC-194A-B3EC-8175407D7E19}" destId="{58E8C589-514A-8542-98E4-02479B02530E}" srcOrd="1" destOrd="0" presId="urn:microsoft.com/office/officeart/2005/8/layout/process1"/>
-    <dgm:cxn modelId="{A05575FB-9F45-3144-B0D8-27EFF35BAD69}" type="presOf" srcId="{832BBC81-7EC1-674D-9E59-3FA0A42F8425}" destId="{89081741-0489-474C-9BFC-420B61E66BEB}" srcOrd="0" destOrd="0" presId="urn:microsoft.com/office/officeart/2005/8/layout/process1"/>
+    <dgm:cxn modelId="{AF3F0755-6462-7447-B468-16324EFCD71A}" type="presOf" srcId="{CEDD8B15-EF02-7B49-A2E1-EFB8C27F1378}" destId="{9C081DC4-1072-794D-A056-0226D806040D}" srcOrd="0" destOrd="0" presId="urn:microsoft.com/office/officeart/2005/8/layout/process1"/>
     <dgm:cxn modelId="{35A52E11-3B12-3342-8561-B31337C975FD}" srcId="{9D209C41-5A88-0D4B-A917-11D22124E457}" destId="{56417CD0-600F-944F-A3E9-CB8FE81A28D8}" srcOrd="0" destOrd="0" parTransId="{9D06EE02-44F4-A242-9707-DC40DC1C153C}" sibTransId="{B336D33A-53F0-9D41-959E-68E1BAA3D04C}"/>
     <dgm:cxn modelId="{0BB03F91-6B7F-5344-9A02-ACA325250574}" type="presOf" srcId="{63144622-F295-7D49-98F9-D54B304D8109}" destId="{5EACBA5D-5997-7343-B03A-2A7796044FFC}" srcOrd="0" destOrd="0" presId="urn:microsoft.com/office/officeart/2005/8/layout/process1"/>
-    <dgm:cxn modelId="{4656FF73-37AF-7A47-84F5-A7D9571E9278}" type="presOf" srcId="{CEDD8B15-EF02-7B49-A2E1-EFB8C27F1378}" destId="{61F5D7AC-142E-9544-AD30-05E2FAA46357}" srcOrd="1" destOrd="0" presId="urn:microsoft.com/office/officeart/2005/8/layout/process1"/>
     <dgm:cxn modelId="{DD25FE3D-75D2-714C-B4B7-81D8B2FBD48C}" srcId="{9D209C41-5A88-0D4B-A917-11D22124E457}" destId="{63144622-F295-7D49-98F9-D54B304D8109}" srcOrd="2" destOrd="0" parTransId="{BED37B60-85B7-B14D-878C-2F82B1F3BCC8}" sibTransId="{CEDD8B15-EF02-7B49-A2E1-EFB8C27F1378}"/>
-    <dgm:cxn modelId="{AF3F0755-6462-7447-B468-16324EFCD71A}" type="presOf" srcId="{CEDD8B15-EF02-7B49-A2E1-EFB8C27F1378}" destId="{9C081DC4-1072-794D-A056-0226D806040D}" srcOrd="0" destOrd="0" presId="urn:microsoft.com/office/officeart/2005/8/layout/process1"/>
+    <dgm:cxn modelId="{D3FE794C-7ED8-6940-8E9C-5CD7807EF6CE}" type="presOf" srcId="{6283976F-1CFC-194A-B3EC-8175407D7E19}" destId="{58E8C589-514A-8542-98E4-02479B02530E}" srcOrd="1" destOrd="0" presId="urn:microsoft.com/office/officeart/2005/8/layout/process1"/>
+    <dgm:cxn modelId="{D8BF7639-1EFE-8442-8DC9-C5D125F03768}" type="presOf" srcId="{91A6D25B-641B-374E-9F20-6A687618B961}" destId="{D5E51CBE-1A06-7D4F-B1CA-DC40DCD9474A}" srcOrd="0" destOrd="0" presId="urn:microsoft.com/office/officeart/2005/8/layout/process1"/>
     <dgm:cxn modelId="{D0CB2495-1A13-3445-A8F7-FE90557F7E3C}" type="presOf" srcId="{9D209C41-5A88-0D4B-A917-11D22124E457}" destId="{D0BEB715-5ED6-CC4D-B07D-99E7799D60E9}" srcOrd="0" destOrd="0" presId="urn:microsoft.com/office/officeart/2005/8/layout/process1"/>
     <dgm:cxn modelId="{53E514E8-4FCB-6E47-9483-2B27308FD2EF}" type="presParOf" srcId="{D0BEB715-5ED6-CC4D-B07D-99E7799D60E9}" destId="{641B802B-DCB4-9141-8945-6A2DFC616F5A}" srcOrd="0" destOrd="0" presId="urn:microsoft.com/office/officeart/2005/8/layout/process1"/>
     <dgm:cxn modelId="{5C4A641E-C2C9-934D-B46C-59263449783A}" type="presParOf" srcId="{D0BEB715-5ED6-CC4D-B07D-99E7799D60E9}" destId="{F2292637-A542-444B-A9FF-BA4748A87DF4}" srcOrd="1" destOrd="0" presId="urn:microsoft.com/office/officeart/2005/8/layout/process1"/>
@@ -1485,15 +3590,7 @@
           </a:br>
           <a:r>
             <a:rPr lang="en-US" sz="2000" kern="1200" dirty="0" smtClean="0"/>
-            <a:t> </a:t>
-          </a:r>
-          <a:r>
-            <a:rPr lang="en-US" sz="2000" kern="1200" dirty="0" smtClean="0"/>
-            <a:t>Deduplication </a:t>
-          </a:r>
-          <a:r>
-            <a:rPr lang="en-US" sz="2000" kern="1200" dirty="0" smtClean="0"/>
-            <a:t>was added into ZFS</a:t>
+            <a:t> Deduplication was added into ZFS</a:t>
           </a:r>
           <a:endParaRPr lang="en-US" sz="2000" kern="1200" dirty="0"/>
         </a:p>
@@ -1664,11 +3761,7 @@
           </a:br>
           <a:r>
             <a:rPr lang="en-US" sz="2000" kern="1200" dirty="0" smtClean="0"/>
-            <a:t>ZFS Open Source Dev. </a:t>
-          </a:r>
-          <a:r>
-            <a:rPr lang="en-US" sz="2000" kern="1200" dirty="0" smtClean="0"/>
-            <a:t>stopped</a:t>
+            <a:t>ZFS Open Source Dev. stopped</a:t>
           </a:r>
           <a:endParaRPr lang="en-US" sz="2000" kern="1200" dirty="0"/>
         </a:p>
@@ -3333,6 +5426,162 @@
 </dgm:styleDef>
 </file>
 
+<file path=ppt/drawings/drawing1.xml><?xml version="1.0" encoding="utf-8"?>
+<c:userShapes xmlns:c="http://schemas.openxmlformats.org/drawingml/2006/chart">
+  <cdr:relSizeAnchor xmlns:cdr="http://schemas.openxmlformats.org/drawingml/2006/chartDrawing">
+    <cdr:from>
+      <cdr:x>0.40385</cdr:x>
+      <cdr:y>0.55714</cdr:y>
+    </cdr:from>
+    <cdr:to>
+      <cdr:x>0.45006</cdr:x>
+      <cdr:y>0.60733</cdr:y>
+    </cdr:to>
+    <cdr:sp macro="" textlink="">
+      <cdr:nvSpPr>
+        <cdr:cNvPr id="2" name="5-Point Star 1"/>
+        <cdr:cNvSpPr/>
+      </cdr:nvSpPr>
+      <cdr:spPr>
+        <a:xfrm xmlns:a="http://schemas.openxmlformats.org/drawingml/2006/main">
+          <a:off x="2497138" y="2696269"/>
+          <a:ext cx="285750" cy="242888"/>
+        </a:xfrm>
+        <a:prstGeom xmlns:a="http://schemas.openxmlformats.org/drawingml/2006/main" prst="star5">
+          <a:avLst/>
+        </a:prstGeom>
+        <a:solidFill xmlns:a="http://schemas.openxmlformats.org/drawingml/2006/main">
+          <a:srgbClr val="FFC000"/>
+        </a:solidFill>
+      </cdr:spPr>
+      <cdr:style>
+        <a:lnRef xmlns:a="http://schemas.openxmlformats.org/drawingml/2006/main" idx="2">
+          <a:schemeClr val="accent1">
+            <a:shade val="50000"/>
+          </a:schemeClr>
+        </a:lnRef>
+        <a:fillRef xmlns:a="http://schemas.openxmlformats.org/drawingml/2006/main" idx="1">
+          <a:schemeClr val="accent1"/>
+        </a:fillRef>
+        <a:effectRef xmlns:a="http://schemas.openxmlformats.org/drawingml/2006/main" idx="0">
+          <a:schemeClr val="accent1"/>
+        </a:effectRef>
+        <a:fontRef xmlns:a="http://schemas.openxmlformats.org/drawingml/2006/main" idx="minor">
+          <a:schemeClr val="lt1"/>
+        </a:fontRef>
+      </cdr:style>
+      <cdr:txBody>
+        <a:bodyPr xmlns:a="http://schemas.openxmlformats.org/drawingml/2006/main" rot="0" spcFirstLastPara="0" vert="horz" wrap="square" lIns="91440" tIns="45720" rIns="91440" bIns="45720" numCol="1" spcCol="0" rtlCol="0" fromWordArt="0" anchor="ctr" anchorCtr="0" forceAA="0" compatLnSpc="1">
+          <a:prstTxWarp prst="textNoShape">
+            <a:avLst/>
+          </a:prstTxWarp>
+          <a:noAutofit/>
+        </a:bodyPr>
+        <a:lstStyle xmlns:a="http://schemas.openxmlformats.org/drawingml/2006/main">
+          <a:defPPr>
+            <a:defRPr lang="en-US"/>
+          </a:defPPr>
+          <a:lvl1pPr marL="0" algn="l" defTabSz="457200" rtl="0" eaLnBrk="1" latinLnBrk="0" hangingPunct="1">
+            <a:defRPr sz="1800" kern="1200">
+              <a:solidFill>
+                <a:schemeClr val="lt1"/>
+              </a:solidFill>
+              <a:latin typeface="+mn-lt"/>
+              <a:ea typeface="+mn-ea"/>
+              <a:cs typeface="+mn-cs"/>
+            </a:defRPr>
+          </a:lvl1pPr>
+          <a:lvl2pPr marL="457200" algn="l" defTabSz="457200" rtl="0" eaLnBrk="1" latinLnBrk="0" hangingPunct="1">
+            <a:defRPr sz="1800" kern="1200">
+              <a:solidFill>
+                <a:schemeClr val="lt1"/>
+              </a:solidFill>
+              <a:latin typeface="+mn-lt"/>
+              <a:ea typeface="+mn-ea"/>
+              <a:cs typeface="+mn-cs"/>
+            </a:defRPr>
+          </a:lvl2pPr>
+          <a:lvl3pPr marL="914400" algn="l" defTabSz="457200" rtl="0" eaLnBrk="1" latinLnBrk="0" hangingPunct="1">
+            <a:defRPr sz="1800" kern="1200">
+              <a:solidFill>
+                <a:schemeClr val="lt1"/>
+              </a:solidFill>
+              <a:latin typeface="+mn-lt"/>
+              <a:ea typeface="+mn-ea"/>
+              <a:cs typeface="+mn-cs"/>
+            </a:defRPr>
+          </a:lvl3pPr>
+          <a:lvl4pPr marL="1371600" algn="l" defTabSz="457200" rtl="0" eaLnBrk="1" latinLnBrk="0" hangingPunct="1">
+            <a:defRPr sz="1800" kern="1200">
+              <a:solidFill>
+                <a:schemeClr val="lt1"/>
+              </a:solidFill>
+              <a:latin typeface="+mn-lt"/>
+              <a:ea typeface="+mn-ea"/>
+              <a:cs typeface="+mn-cs"/>
+            </a:defRPr>
+          </a:lvl4pPr>
+          <a:lvl5pPr marL="1828800" algn="l" defTabSz="457200" rtl="0" eaLnBrk="1" latinLnBrk="0" hangingPunct="1">
+            <a:defRPr sz="1800" kern="1200">
+              <a:solidFill>
+                <a:schemeClr val="lt1"/>
+              </a:solidFill>
+              <a:latin typeface="+mn-lt"/>
+              <a:ea typeface="+mn-ea"/>
+              <a:cs typeface="+mn-cs"/>
+            </a:defRPr>
+          </a:lvl5pPr>
+          <a:lvl6pPr marL="2286000" algn="l" defTabSz="457200" rtl="0" eaLnBrk="1" latinLnBrk="0" hangingPunct="1">
+            <a:defRPr sz="1800" kern="1200">
+              <a:solidFill>
+                <a:schemeClr val="lt1"/>
+              </a:solidFill>
+              <a:latin typeface="+mn-lt"/>
+              <a:ea typeface="+mn-ea"/>
+              <a:cs typeface="+mn-cs"/>
+            </a:defRPr>
+          </a:lvl6pPr>
+          <a:lvl7pPr marL="2743200" algn="l" defTabSz="457200" rtl="0" eaLnBrk="1" latinLnBrk="0" hangingPunct="1">
+            <a:defRPr sz="1800" kern="1200">
+              <a:solidFill>
+                <a:schemeClr val="lt1"/>
+              </a:solidFill>
+              <a:latin typeface="+mn-lt"/>
+              <a:ea typeface="+mn-ea"/>
+              <a:cs typeface="+mn-cs"/>
+            </a:defRPr>
+          </a:lvl7pPr>
+          <a:lvl8pPr marL="3200400" algn="l" defTabSz="457200" rtl="0" eaLnBrk="1" latinLnBrk="0" hangingPunct="1">
+            <a:defRPr sz="1800" kern="1200">
+              <a:solidFill>
+                <a:schemeClr val="lt1"/>
+              </a:solidFill>
+              <a:latin typeface="+mn-lt"/>
+              <a:ea typeface="+mn-ea"/>
+              <a:cs typeface="+mn-cs"/>
+            </a:defRPr>
+          </a:lvl8pPr>
+          <a:lvl9pPr marL="3657600" algn="l" defTabSz="457200" rtl="0" eaLnBrk="1" latinLnBrk="0" hangingPunct="1">
+            <a:defRPr sz="1800" kern="1200">
+              <a:solidFill>
+                <a:schemeClr val="lt1"/>
+              </a:solidFill>
+              <a:latin typeface="+mn-lt"/>
+              <a:ea typeface="+mn-ea"/>
+              <a:cs typeface="+mn-cs"/>
+            </a:defRPr>
+          </a:lvl9pPr>
+        </a:lstStyle>
+        <a:p xmlns:a="http://schemas.openxmlformats.org/drawingml/2006/main">
+          <a:pPr algn="ctr"/>
+          <a:endParaRPr lang="en-US"/>
+        </a:p>
+      </cdr:txBody>
+    </cdr:sp>
+  </cdr:relSizeAnchor>
+</c:userShapes>
+</file>
+
 <file path=ppt/notesMasters/notesMaster1.xml><?xml version="1.0" encoding="utf-8"?>
 <p:notesMaster xmlns:a="http://schemas.openxmlformats.org/drawingml/2006/main" xmlns:r="http://schemas.openxmlformats.org/officeDocument/2006/relationships" xmlns:p="http://schemas.openxmlformats.org/presentationml/2006/main">
   <p:cSld>
@@ -3415,7 +5664,7 @@
           <a:p>
             <a:fld id="{2BEB8C7C-19B8-AA4A-9229-63F288829E7D}" type="datetimeFigureOut">
               <a:rPr lang="en-US" smtClean="0"/>
-              <a:t>5/12/16</a:t>
+              <a:t>5/18/16</a:t>
             </a:fld>
             <a:endParaRPr lang="en-US"/>
           </a:p>
@@ -3739,15 +5988,7 @@
             </a:r>
             <a:r>
               <a:rPr lang="en-US" b="0" baseline="0" dirty="0" smtClean="0"/>
-              <a:t> deduplication is a </a:t>
-            </a:r>
-            <a:r>
-              <a:rPr lang="en-US" b="0" baseline="0" dirty="0" smtClean="0"/>
-              <a:t>elimination </a:t>
-            </a:r>
-            <a:r>
-              <a:rPr lang="en-US" b="0" baseline="0" dirty="0" smtClean="0"/>
-              <a:t>process of duplicated or repeating data.</a:t>
+              <a:t> deduplication is a elimination process of duplicated or repeating data.</a:t>
             </a:r>
           </a:p>
           <a:p>
@@ -3877,15 +6118,7 @@
             </a:r>
             <a:r>
               <a:rPr lang="en-US" baseline="0" dirty="0" smtClean="0"/>
-              <a:t> </a:t>
-            </a:r>
-            <a:r>
-              <a:rPr lang="en-US" baseline="0" dirty="0" smtClean="0"/>
-              <a:t>–Elimination </a:t>
-            </a:r>
-            <a:r>
-              <a:rPr lang="en-US" baseline="0" dirty="0" smtClean="0"/>
-              <a:t>of duplicate copies/repeating data.</a:t>
+              <a:t> –Elimination of duplicate copies/repeating data.</a:t>
             </a:r>
           </a:p>
           <a:p>
@@ -4002,11 +6235,7 @@
           <a:p>
             <a:r>
               <a:rPr lang="en-US" baseline="0" dirty="0" smtClean="0"/>
-              <a:t>DESIRED OUTCOME : build a multiplatform software and find optimal parameters (although it is dependent on the dataset categories</a:t>
-            </a:r>
-            <a:r>
-              <a:rPr lang="en-US" baseline="0" dirty="0" smtClean="0"/>
-              <a:t>).</a:t>
+              <a:t>DESIRED OUTCOME : build a multiplatform software and find optimal parameters (although it is dependent on the dataset categories).</a:t>
             </a:r>
           </a:p>
           <a:p>
@@ -4487,6 +6716,90 @@
     <p:extLst>
       <p:ext uri="{BB962C8B-B14F-4D97-AF65-F5344CB8AC3E}">
         <p14:creationId xmlns:p14="http://schemas.microsoft.com/office/powerpoint/2010/main" val="168925636"/>
+      </p:ext>
+    </p:extLst>
+  </p:cSld>
+  <p:clrMapOvr>
+    <a:masterClrMapping/>
+  </p:clrMapOvr>
+</p:notes>
+</file>
+
+<file path=ppt/notesSlides/notesSlide4.xml><?xml version="1.0" encoding="utf-8"?>
+<p:notes xmlns:a="http://schemas.openxmlformats.org/drawingml/2006/main" xmlns:r="http://schemas.openxmlformats.org/officeDocument/2006/relationships" xmlns:p="http://schemas.openxmlformats.org/presentationml/2006/main">
+  <p:cSld>
+    <p:spTree>
+      <p:nvGrpSpPr>
+        <p:cNvPr id="1" name=""/>
+        <p:cNvGrpSpPr/>
+        <p:nvPr/>
+      </p:nvGrpSpPr>
+      <p:grpSpPr>
+        <a:xfrm>
+          <a:off x="0" y="0"/>
+          <a:ext cx="0" cy="0"/>
+          <a:chOff x="0" y="0"/>
+          <a:chExt cx="0" cy="0"/>
+        </a:xfrm>
+      </p:grpSpPr>
+      <p:sp>
+        <p:nvSpPr>
+          <p:cNvPr id="2" name="Slide Image Placeholder 1"/>
+          <p:cNvSpPr>
+            <a:spLocks noGrp="1" noRot="1" noChangeAspect="1"/>
+          </p:cNvSpPr>
+          <p:nvPr>
+            <p:ph type="sldImg"/>
+          </p:nvPr>
+        </p:nvSpPr>
+        <p:spPr/>
+      </p:sp>
+      <p:sp>
+        <p:nvSpPr>
+          <p:cNvPr id="3" name="Notes Placeholder 2"/>
+          <p:cNvSpPr>
+            <a:spLocks noGrp="1"/>
+          </p:cNvSpPr>
+          <p:nvPr>
+            <p:ph type="body" idx="1"/>
+          </p:nvPr>
+        </p:nvSpPr>
+        <p:spPr/>
+        <p:txBody>
+          <a:bodyPr/>
+          <a:lstStyle/>
+          <a:p>
+            <a:endParaRPr lang="en-US" dirty="0"/>
+          </a:p>
+        </p:txBody>
+      </p:sp>
+      <p:sp>
+        <p:nvSpPr>
+          <p:cNvPr id="4" name="Slide Number Placeholder 3"/>
+          <p:cNvSpPr>
+            <a:spLocks noGrp="1"/>
+          </p:cNvSpPr>
+          <p:nvPr>
+            <p:ph type="sldNum" sz="quarter" idx="10"/>
+          </p:nvPr>
+        </p:nvSpPr>
+        <p:spPr/>
+        <p:txBody>
+          <a:bodyPr/>
+          <a:lstStyle/>
+          <a:p>
+            <a:fld id="{5DBA2225-1D3D-9A41-9148-5975BCFF3C62}" type="slidenum">
+              <a:rPr lang="en-US" smtClean="0"/>
+              <a:t>8</a:t>
+            </a:fld>
+            <a:endParaRPr lang="en-US"/>
+          </a:p>
+        </p:txBody>
+      </p:sp>
+    </p:spTree>
+    <p:extLst>
+      <p:ext uri="{BB962C8B-B14F-4D97-AF65-F5344CB8AC3E}">
+        <p14:creationId xmlns:p14="http://schemas.microsoft.com/office/powerpoint/2010/main" val="481625297"/>
       </p:ext>
     </p:extLst>
   </p:cSld>
@@ -4659,7 +6972,7 @@
             <a:fld id="{B61BEF0D-F0BB-DE4B-95CE-6DB70DBA9567}" type="datetimeFigureOut">
               <a:rPr lang="en-US" smtClean="0"/>
               <a:pPr/>
-              <a:t>5/12/16</a:t>
+              <a:t>5/18/16</a:t>
             </a:fld>
             <a:endParaRPr lang="en-US" dirty="0"/>
           </a:p>
@@ -4947,7 +7260,7 @@
             <a:fld id="{B61BEF0D-F0BB-DE4B-95CE-6DB70DBA9567}" type="datetimeFigureOut">
               <a:rPr lang="en-US" smtClean="0"/>
               <a:pPr/>
-              <a:t>5/12/16</a:t>
+              <a:t>5/18/16</a:t>
             </a:fld>
             <a:endParaRPr lang="en-US" dirty="0"/>
           </a:p>
@@ -5141,7 +7454,7 @@
             <a:fld id="{B61BEF0D-F0BB-DE4B-95CE-6DB70DBA9567}" type="datetimeFigureOut">
               <a:rPr lang="en-US" smtClean="0"/>
               <a:pPr/>
-              <a:t>5/12/16</a:t>
+              <a:t>5/18/16</a:t>
             </a:fld>
             <a:endParaRPr lang="en-US" dirty="0"/>
           </a:p>
@@ -5404,7 +7717,7 @@
             <a:fld id="{B61BEF0D-F0BB-DE4B-95CE-6DB70DBA9567}" type="datetimeFigureOut">
               <a:rPr lang="en-US" smtClean="0"/>
               <a:pPr/>
-              <a:t>5/12/16</a:t>
+              <a:t>5/18/16</a:t>
             </a:fld>
             <a:endParaRPr lang="en-US" dirty="0"/>
           </a:p>
@@ -5832,7 +8145,7 @@
             <a:fld id="{B61BEF0D-F0BB-DE4B-95CE-6DB70DBA9567}" type="datetimeFigureOut">
               <a:rPr lang="en-US" smtClean="0"/>
               <a:pPr/>
-              <a:t>5/12/16</a:t>
+              <a:t>5/18/16</a:t>
             </a:fld>
             <a:endParaRPr lang="en-US" dirty="0"/>
           </a:p>
@@ -6380,7 +8693,7 @@
             <a:fld id="{B61BEF0D-F0BB-DE4B-95CE-6DB70DBA9567}" type="datetimeFigureOut">
               <a:rPr lang="en-US" smtClean="0"/>
               <a:pPr/>
-              <a:t>5/12/16</a:t>
+              <a:t>5/18/16</a:t>
             </a:fld>
             <a:endParaRPr lang="en-US" dirty="0"/>
           </a:p>
@@ -7213,7 +9526,7 @@
             <a:fld id="{B61BEF0D-F0BB-DE4B-95CE-6DB70DBA9567}" type="datetimeFigureOut">
               <a:rPr lang="en-US" smtClean="0"/>
               <a:pPr/>
-              <a:t>5/12/16</a:t>
+              <a:t>5/18/16</a:t>
             </a:fld>
             <a:endParaRPr lang="en-US" dirty="0"/>
           </a:p>
@@ -7385,7 +9698,7 @@
             <a:fld id="{B61BEF0D-F0BB-DE4B-95CE-6DB70DBA9567}" type="datetimeFigureOut">
               <a:rPr lang="en-US" smtClean="0"/>
               <a:pPr/>
-              <a:t>5/12/16</a:t>
+              <a:t>5/18/16</a:t>
             </a:fld>
             <a:endParaRPr lang="en-US" dirty="0"/>
           </a:p>
@@ -7567,7 +9880,7 @@
             <a:fld id="{B61BEF0D-F0BB-DE4B-95CE-6DB70DBA9567}" type="datetimeFigureOut">
               <a:rPr lang="en-US" smtClean="0"/>
               <a:pPr/>
-              <a:t>5/12/16</a:t>
+              <a:t>5/18/16</a:t>
             </a:fld>
             <a:endParaRPr lang="en-US" dirty="0"/>
           </a:p>
@@ -7744,7 +10057,7 @@
             <a:fld id="{B61BEF0D-F0BB-DE4B-95CE-6DB70DBA9567}" type="datetimeFigureOut">
               <a:rPr lang="en-US" smtClean="0"/>
               <a:pPr/>
-              <a:t>5/12/16</a:t>
+              <a:t>5/18/16</a:t>
             </a:fld>
             <a:endParaRPr lang="en-US" dirty="0"/>
           </a:p>
@@ -8003,7 +10316,7 @@
             <a:fld id="{B61BEF0D-F0BB-DE4B-95CE-6DB70DBA9567}" type="datetimeFigureOut">
               <a:rPr lang="en-US" smtClean="0"/>
               <a:pPr/>
-              <a:t>5/12/16</a:t>
+              <a:t>5/18/16</a:t>
             </a:fld>
             <a:endParaRPr lang="en-US" dirty="0"/>
           </a:p>
@@ -8242,7 +10555,7 @@
             <a:fld id="{B61BEF0D-F0BB-DE4B-95CE-6DB70DBA9567}" type="datetimeFigureOut">
               <a:rPr lang="en-US" smtClean="0"/>
               <a:pPr/>
-              <a:t>5/12/16</a:t>
+              <a:t>5/18/16</a:t>
             </a:fld>
             <a:endParaRPr lang="en-US" dirty="0"/>
           </a:p>
@@ -8637,7 +10950,7 @@
             <a:fld id="{B61BEF0D-F0BB-DE4B-95CE-6DB70DBA9567}" type="datetimeFigureOut">
               <a:rPr lang="en-US" smtClean="0"/>
               <a:pPr/>
-              <a:t>5/12/16</a:t>
+              <a:t>5/18/16</a:t>
             </a:fld>
             <a:endParaRPr lang="en-US" dirty="0"/>
           </a:p>
@@ -8757,7 +11070,7 @@
             <a:fld id="{B61BEF0D-F0BB-DE4B-95CE-6DB70DBA9567}" type="datetimeFigureOut">
               <a:rPr lang="en-US" smtClean="0"/>
               <a:pPr/>
-              <a:t>5/12/16</a:t>
+              <a:t>5/18/16</a:t>
             </a:fld>
             <a:endParaRPr lang="en-US" dirty="0"/>
           </a:p>
@@ -8854,7 +11167,7 @@
             <a:fld id="{B61BEF0D-F0BB-DE4B-95CE-6DB70DBA9567}" type="datetimeFigureOut">
               <a:rPr lang="en-US" smtClean="0"/>
               <a:pPr/>
-              <a:t>5/12/16</a:t>
+              <a:t>5/18/16</a:t>
             </a:fld>
             <a:endParaRPr lang="en-US" dirty="0"/>
           </a:p>
@@ -9129,7 +11442,7 @@
             <a:fld id="{B61BEF0D-F0BB-DE4B-95CE-6DB70DBA9567}" type="datetimeFigureOut">
               <a:rPr lang="en-US" smtClean="0"/>
               <a:pPr/>
-              <a:t>5/12/16</a:t>
+              <a:t>5/18/16</a:t>
             </a:fld>
             <a:endParaRPr lang="en-US" dirty="0"/>
           </a:p>
@@ -9412,7 +11725,7 @@
             <a:fld id="{B61BEF0D-F0BB-DE4B-95CE-6DB70DBA9567}" type="datetimeFigureOut">
               <a:rPr lang="en-US" smtClean="0"/>
               <a:pPr/>
-              <a:t>5/12/16</a:t>
+              <a:t>5/18/16</a:t>
             </a:fld>
             <a:endParaRPr lang="en-US" dirty="0"/>
           </a:p>
@@ -9654,7 +11967,7 @@
             <a:fld id="{B61BEF0D-F0BB-DE4B-95CE-6DB70DBA9567}" type="datetimeFigureOut">
               <a:rPr lang="en-US" smtClean="0"/>
               <a:pPr/>
-              <a:t>5/12/16</a:t>
+              <a:t>5/18/16</a:t>
             </a:fld>
             <a:endParaRPr lang="en-US" dirty="0"/>
           </a:p>
@@ -10303,6 +12616,94 @@
 </p:sld>
 </file>
 
+<file path=ppt/slides/slide10.xml><?xml version="1.0" encoding="utf-8"?>
+<p:sld xmlns:a="http://schemas.openxmlformats.org/drawingml/2006/main" xmlns:r="http://schemas.openxmlformats.org/officeDocument/2006/relationships" xmlns:p="http://schemas.openxmlformats.org/presentationml/2006/main">
+  <p:cSld>
+    <p:spTree>
+      <p:nvGrpSpPr>
+        <p:cNvPr id="1" name=""/>
+        <p:cNvGrpSpPr/>
+        <p:nvPr/>
+      </p:nvGrpSpPr>
+      <p:grpSpPr>
+        <a:xfrm>
+          <a:off x="0" y="0"/>
+          <a:ext cx="0" cy="0"/>
+          <a:chOff x="0" y="0"/>
+          <a:chExt cx="0" cy="0"/>
+        </a:xfrm>
+      </p:grpSpPr>
+      <p:sp>
+        <p:nvSpPr>
+          <p:cNvPr id="2" name="Title 1"/>
+          <p:cNvSpPr>
+            <a:spLocks noGrp="1"/>
+          </p:cNvSpPr>
+          <p:nvPr>
+            <p:ph type="title"/>
+          </p:nvPr>
+        </p:nvSpPr>
+        <p:spPr/>
+        <p:txBody>
+          <a:bodyPr/>
+          <a:lstStyle/>
+          <a:p>
+            <a:r>
+              <a:rPr lang="en-US" dirty="0" smtClean="0"/>
+              <a:t>Discussion</a:t>
+            </a:r>
+            <a:endParaRPr lang="en-US" dirty="0"/>
+          </a:p>
+        </p:txBody>
+      </p:sp>
+      <p:sp>
+        <p:nvSpPr>
+          <p:cNvPr id="3" name="Content Placeholder 2"/>
+          <p:cNvSpPr>
+            <a:spLocks noGrp="1"/>
+          </p:cNvSpPr>
+          <p:nvPr>
+            <p:ph idx="1"/>
+          </p:nvPr>
+        </p:nvSpPr>
+        <p:spPr/>
+        <p:txBody>
+          <a:bodyPr/>
+          <a:lstStyle/>
+          <a:p>
+            <a:r>
+              <a:rPr lang="en-US" dirty="0" smtClean="0"/>
+              <a:t>Questions?</a:t>
+            </a:r>
+          </a:p>
+          <a:p>
+            <a:r>
+              <a:rPr lang="en-US" dirty="0" smtClean="0"/>
+              <a:t>Thank you </a:t>
+            </a:r>
+            <a:r>
+              <a:rPr lang="en-US" dirty="0" smtClean="0">
+                <a:sym typeface="Wingdings"/>
+              </a:rPr>
+              <a:t></a:t>
+            </a:r>
+            <a:endParaRPr lang="en-US" dirty="0"/>
+          </a:p>
+        </p:txBody>
+      </p:sp>
+    </p:spTree>
+    <p:extLst>
+      <p:ext uri="{BB962C8B-B14F-4D97-AF65-F5344CB8AC3E}">
+        <p14:creationId xmlns:p14="http://schemas.microsoft.com/office/powerpoint/2010/main" val="1124795546"/>
+      </p:ext>
+    </p:extLst>
+  </p:cSld>
+  <p:clrMapOvr>
+    <a:masterClrMapping/>
+  </p:clrMapOvr>
+</p:sld>
+</file>
+
 <file path=ppt/slides/slide2.xml><?xml version="1.0" encoding="utf-8"?>
 <p:sld xmlns:a="http://schemas.openxmlformats.org/drawingml/2006/main" xmlns:r="http://schemas.openxmlformats.org/officeDocument/2006/relationships" xmlns:p="http://schemas.openxmlformats.org/presentationml/2006/main">
   <p:cSld>
@@ -10376,6 +12777,22 @@
             </a:r>
           </a:p>
           <a:p>
+            <a:r>
+              <a:rPr lang="en-US" dirty="0" smtClean="0"/>
+              <a:t>The Journey</a:t>
+            </a:r>
+          </a:p>
+          <a:p>
+            <a:r>
+              <a:rPr lang="en-US" dirty="0" smtClean="0"/>
+              <a:t>Result</a:t>
+            </a:r>
+          </a:p>
+          <a:p>
+            <a:r>
+              <a:rPr lang="en-US" dirty="0" smtClean="0"/>
+              <a:t>Discussion</a:t>
+            </a:r>
             <a:endParaRPr lang="en-US" dirty="0" smtClean="0"/>
           </a:p>
           <a:p>
@@ -10468,11 +12885,7 @@
             </a:r>
             <a:r>
               <a:rPr lang="en-US" b="1" u="sng" dirty="0" smtClean="0"/>
-              <a:t>B</a:t>
-            </a:r>
-            <a:r>
-              <a:rPr lang="en-US" b="1" u="sng" dirty="0" smtClean="0"/>
-              <a:t>lock-Level</a:t>
+              <a:t>Block-Level</a:t>
             </a:r>
             <a:r>
               <a:rPr lang="en-US" dirty="0" smtClean="0"/>
@@ -10484,7 +12897,6 @@
               <a:rPr lang="en-US" dirty="0" smtClean="0"/>
               <a:t>Parameter</a:t>
             </a:r>
-            <a:endParaRPr lang="en-US" dirty="0" smtClean="0"/>
           </a:p>
           <a:p>
             <a:pPr lvl="1"/>
@@ -10499,7 +12911,6 @@
               <a:rPr lang="en-US" dirty="0" smtClean="0"/>
               <a:t>Hash Function</a:t>
             </a:r>
-            <a:endParaRPr lang="en-US" dirty="0" smtClean="0"/>
           </a:p>
           <a:p>
             <a:r>
@@ -11208,7 +13619,6 @@
               <a:rPr lang="en-US" dirty="0" smtClean="0"/>
               <a:t>Motivation in General</a:t>
             </a:r>
-            <a:endParaRPr lang="en-US" dirty="0" smtClean="0"/>
           </a:p>
           <a:p>
             <a:pPr lvl="1"/>
@@ -11221,11 +13631,7 @@
             <a:pPr lvl="1"/>
             <a:r>
               <a:rPr lang="en-US" dirty="0" smtClean="0"/>
-              <a:t>Bandwidth </a:t>
-            </a:r>
-            <a:r>
-              <a:rPr lang="en-US" dirty="0" smtClean="0"/>
-              <a:t>Saving</a:t>
+              <a:t>Bandwidth Saving</a:t>
             </a:r>
           </a:p>
           <a:p>
@@ -11241,11 +13647,6 @@
               </a:rPr>
               <a:t>Problem</a:t>
             </a:r>
-            <a:endParaRPr lang="en-US" dirty="0" smtClean="0">
-              <a:solidFill>
-                <a:srgbClr val="FF0000"/>
-              </a:solidFill>
-            </a:endParaRPr>
           </a:p>
           <a:p>
             <a:pPr lvl="1"/>
@@ -11266,15 +13667,7 @@
                   <a:srgbClr val="FF0000"/>
                 </a:solidFill>
               </a:rPr>
-              <a:t>Various </a:t>
-            </a:r>
-            <a:r>
-              <a:rPr lang="en-US" dirty="0" smtClean="0">
-                <a:solidFill>
-                  <a:srgbClr val="FF0000"/>
-                </a:solidFill>
-              </a:rPr>
-              <a:t>Parameter</a:t>
+              <a:t>Various Parameter</a:t>
             </a:r>
           </a:p>
           <a:p>
@@ -11300,7 +13693,6 @@
               <a:rPr lang="en-US" dirty="0" smtClean="0"/>
               <a:t>Desired - Project Outcome</a:t>
             </a:r>
-            <a:endParaRPr lang="en-US" dirty="0" smtClean="0"/>
           </a:p>
           <a:p>
             <a:pPr lvl="1"/>
@@ -11308,7 +13700,6 @@
               <a:rPr lang="en-US" dirty="0" smtClean="0"/>
               <a:t>Multiplatform</a:t>
             </a:r>
-            <a:endParaRPr lang="en-US" dirty="0" smtClean="0"/>
           </a:p>
           <a:p>
             <a:pPr lvl="1"/>
@@ -11323,7 +13714,6 @@
               <a:rPr lang="en-US" dirty="0" smtClean="0"/>
               <a:t>Stand Alone Deduplication</a:t>
             </a:r>
-            <a:endParaRPr lang="en-US" dirty="0" smtClean="0"/>
           </a:p>
           <a:p>
             <a:pPr lvl="1"/>
@@ -11626,7 +14016,6 @@
               <a:rPr lang="en-US" dirty="0" smtClean="0"/>
               <a:t>November 2005, Oracle introduced ZFS as open source project.</a:t>
             </a:r>
-            <a:endParaRPr lang="en-US" dirty="0" smtClean="0"/>
           </a:p>
           <a:p>
             <a:r>
@@ -11724,7 +14113,11 @@
           <a:bodyPr/>
           <a:lstStyle/>
           <a:p>
-            <a:endParaRPr lang="en-US"/>
+            <a:r>
+              <a:rPr lang="en-US" dirty="0" smtClean="0"/>
+              <a:t>Software</a:t>
+            </a:r>
+            <a:endParaRPr lang="en-US" dirty="0"/>
           </a:p>
         </p:txBody>
       </p:sp>
@@ -11740,17 +14133,131 @@
         </p:nvSpPr>
         <p:spPr/>
         <p:txBody>
-          <a:bodyPr/>
+          <a:bodyPr>
+            <a:normAutofit fontScale="92500" lnSpcReduction="10000"/>
+          </a:bodyPr>
           <a:lstStyle/>
           <a:p>
-            <a:endParaRPr lang="en-US"/>
+            <a:r>
+              <a:rPr lang="en-US" dirty="0" smtClean="0"/>
+              <a:t>ZFS Role Model: Using hashed AVL Tree – </a:t>
+            </a:r>
+            <a:r>
+              <a:rPr lang="en-US" dirty="0" smtClean="0">
+                <a:solidFill>
+                  <a:srgbClr val="FF0000"/>
+                </a:solidFill>
+              </a:rPr>
+              <a:t>Odd</a:t>
+            </a:r>
+            <a:r>
+              <a:rPr lang="en-US" dirty="0" smtClean="0"/>
+              <a:t>.</a:t>
+            </a:r>
+          </a:p>
+          <a:p>
+            <a:endParaRPr lang="en-US" dirty="0" smtClean="0"/>
+          </a:p>
+          <a:p>
+            <a:r>
+              <a:rPr lang="en-US" dirty="0" smtClean="0"/>
+              <a:t>Data Deduplication</a:t>
+            </a:r>
+          </a:p>
+          <a:p>
+            <a:pPr lvl="1"/>
+            <a:r>
+              <a:rPr lang="en-US" dirty="0" smtClean="0"/>
+              <a:t>Deduplication</a:t>
+            </a:r>
+          </a:p>
+          <a:p>
+            <a:pPr lvl="2"/>
+            <a:r>
+              <a:rPr lang="en-US" dirty="0" smtClean="0"/>
+              <a:t>Deduplication Table = Hash Table. In average O(1).</a:t>
+            </a:r>
+          </a:p>
+          <a:p>
+            <a:pPr lvl="2"/>
+            <a:r>
+              <a:rPr lang="en-US" dirty="0" smtClean="0"/>
+              <a:t>1</a:t>
+            </a:r>
+            <a:r>
+              <a:rPr lang="en-US" baseline="30000" dirty="0" smtClean="0"/>
+              <a:t>st</a:t>
+            </a:r>
+            <a:r>
+              <a:rPr lang="en-US" dirty="0" smtClean="0"/>
+              <a:t> Approach : Linked List – </a:t>
+            </a:r>
+            <a:r>
+              <a:rPr lang="en-US" dirty="0" smtClean="0">
+                <a:solidFill>
+                  <a:srgbClr val="FF0000"/>
+                </a:solidFill>
+              </a:rPr>
+              <a:t>not scalable</a:t>
+            </a:r>
+            <a:r>
+              <a:rPr lang="en-US" dirty="0" smtClean="0"/>
+              <a:t>.</a:t>
+            </a:r>
+          </a:p>
+          <a:p>
+            <a:pPr lvl="2"/>
+            <a:r>
+              <a:rPr lang="en-US" dirty="0" smtClean="0"/>
+              <a:t>2</a:t>
+            </a:r>
+            <a:r>
+              <a:rPr lang="en-US" baseline="30000" dirty="0" smtClean="0"/>
+              <a:t>nd</a:t>
+            </a:r>
+            <a:r>
+              <a:rPr lang="en-US" dirty="0" smtClean="0"/>
+              <a:t> Approach : Record.</a:t>
+            </a:r>
+          </a:p>
+          <a:p>
+            <a:pPr lvl="1"/>
+            <a:r>
+              <a:rPr lang="en-US" dirty="0" smtClean="0"/>
+              <a:t>Compression</a:t>
+            </a:r>
+          </a:p>
+          <a:p>
+            <a:pPr lvl="2"/>
+            <a:r>
+              <a:rPr lang="en-US" dirty="0" smtClean="0"/>
+              <a:t>Balance compression of time and efficiency.</a:t>
+            </a:r>
+          </a:p>
+          <a:p>
+            <a:pPr lvl="2"/>
+            <a:endParaRPr lang="en-US" dirty="0" smtClean="0"/>
+          </a:p>
+          <a:p>
+            <a:r>
+              <a:rPr lang="en-US" dirty="0" smtClean="0"/>
+              <a:t>Java Application</a:t>
+            </a:r>
+          </a:p>
+          <a:p>
+            <a:pPr lvl="1"/>
+            <a:r>
+              <a:rPr lang="en-US" dirty="0" smtClean="0"/>
+              <a:t>Read &amp; Write Interface.</a:t>
+            </a:r>
+            <a:endParaRPr lang="en-US" dirty="0"/>
           </a:p>
         </p:txBody>
       </p:sp>
     </p:spTree>
     <p:extLst>
       <p:ext uri="{BB962C8B-B14F-4D97-AF65-F5344CB8AC3E}">
-        <p14:creationId xmlns:p14="http://schemas.microsoft.com/office/powerpoint/2010/main" val="1633765757"/>
+        <p14:creationId xmlns:p14="http://schemas.microsoft.com/office/powerpoint/2010/main" val="448038246"/>
       </p:ext>
     </p:extLst>
   </p:cSld>
@@ -11794,7 +14301,7 @@
           <a:p>
             <a:r>
               <a:rPr lang="en-US" dirty="0" smtClean="0"/>
-              <a:t>References</a:t>
+              <a:t>Test Case</a:t>
             </a:r>
             <a:endParaRPr lang="en-US" dirty="0"/>
           </a:p>
@@ -11815,14 +14322,1267 @@
           <a:bodyPr/>
           <a:lstStyle/>
           <a:p>
-            <a:endParaRPr lang="en-US" dirty="0"/>
+            <a:r>
+              <a:rPr lang="en-US" dirty="0" smtClean="0"/>
+              <a:t>File : Linux 2.4 (~11gb)</a:t>
+            </a:r>
+          </a:p>
+          <a:p>
+            <a:r>
+              <a:rPr lang="en-US" dirty="0" smtClean="0"/>
+              <a:t>Block Size : 512bytes – 512kilobytes</a:t>
+            </a:r>
+          </a:p>
+          <a:p>
+            <a:r>
+              <a:rPr lang="en-US" dirty="0" smtClean="0"/>
+              <a:t>Hash Function : SHA-256 | SHA-1 | MD5</a:t>
+            </a:r>
+          </a:p>
+          <a:p>
+            <a:r>
+              <a:rPr lang="en-US" dirty="0" smtClean="0"/>
+              <a:t>Expectation of Memory Usage : 200MB</a:t>
+            </a:r>
+          </a:p>
+          <a:p>
+            <a:pPr marL="457200" lvl="1" indent="0">
+              <a:buNone/>
+            </a:pPr>
+            <a:r>
+              <a:rPr lang="en-US" u="sng" dirty="0" smtClean="0"/>
+              <a:t>Factors :</a:t>
+            </a:r>
+          </a:p>
+          <a:p>
+            <a:pPr lvl="1">
+              <a:buFont typeface="Wingdings" charset="2"/>
+              <a:buChar char="Ø"/>
+            </a:pPr>
+            <a:r>
+              <a:rPr lang="en-US" dirty="0"/>
+              <a:t>Number of Files (More – More Memory</a:t>
+            </a:r>
+            <a:r>
+              <a:rPr lang="en-US" dirty="0" smtClean="0"/>
+              <a:t>)</a:t>
+            </a:r>
+          </a:p>
+          <a:p>
+            <a:pPr lvl="1">
+              <a:buFont typeface="Wingdings" charset="2"/>
+              <a:buChar char="Ø"/>
+            </a:pPr>
+            <a:r>
+              <a:rPr lang="en-US" dirty="0" smtClean="0"/>
+              <a:t>Block Size (More – Less Memory)</a:t>
+            </a:r>
+          </a:p>
+          <a:p>
+            <a:pPr lvl="1">
+              <a:buFont typeface="Wingdings" charset="2"/>
+              <a:buChar char="Ø"/>
+            </a:pPr>
+            <a:r>
+              <a:rPr lang="en-US" dirty="0" err="1" smtClean="0"/>
+              <a:t>Hashcode</a:t>
+            </a:r>
+            <a:r>
+              <a:rPr lang="en-US" dirty="0" smtClean="0"/>
+              <a:t> (Shorter – Less Memory)</a:t>
+            </a:r>
           </a:p>
         </p:txBody>
       </p:sp>
     </p:spTree>
     <p:extLst>
       <p:ext uri="{BB962C8B-B14F-4D97-AF65-F5344CB8AC3E}">
-        <p14:creationId xmlns:p14="http://schemas.microsoft.com/office/powerpoint/2010/main" val="1297676008"/>
+        <p14:creationId xmlns:p14="http://schemas.microsoft.com/office/powerpoint/2010/main" val="1920964900"/>
+      </p:ext>
+    </p:extLst>
+  </p:cSld>
+  <p:clrMapOvr>
+    <a:masterClrMapping/>
+  </p:clrMapOvr>
+</p:sld>
+</file>
+
+<file path=ppt/slides/slide8.xml><?xml version="1.0" encoding="utf-8"?>
+<p:sld xmlns:a="http://schemas.openxmlformats.org/drawingml/2006/main" xmlns:r="http://schemas.openxmlformats.org/officeDocument/2006/relationships" xmlns:p="http://schemas.openxmlformats.org/presentationml/2006/main">
+  <p:cSld>
+    <p:spTree>
+      <p:nvGrpSpPr>
+        <p:cNvPr id="1" name=""/>
+        <p:cNvGrpSpPr/>
+        <p:nvPr/>
+      </p:nvGrpSpPr>
+      <p:grpSpPr>
+        <a:xfrm>
+          <a:off x="0" y="0"/>
+          <a:ext cx="0" cy="0"/>
+          <a:chOff x="0" y="0"/>
+          <a:chExt cx="0" cy="0"/>
+        </a:xfrm>
+      </p:grpSpPr>
+      <p:sp>
+        <p:nvSpPr>
+          <p:cNvPr id="2" name="Title 1"/>
+          <p:cNvSpPr>
+            <a:spLocks noGrp="1"/>
+          </p:cNvSpPr>
+          <p:nvPr>
+            <p:ph type="title"/>
+          </p:nvPr>
+        </p:nvSpPr>
+        <p:spPr/>
+        <p:txBody>
+          <a:bodyPr/>
+          <a:lstStyle/>
+          <a:p>
+            <a:r>
+              <a:rPr lang="en-US" dirty="0" smtClean="0"/>
+              <a:t>Result</a:t>
+            </a:r>
+            <a:endParaRPr lang="en-US" dirty="0"/>
+          </a:p>
+        </p:txBody>
+      </p:sp>
+      <p:graphicFrame>
+        <p:nvGraphicFramePr>
+          <p:cNvPr id="4" name="Content Placeholder 3"/>
+          <p:cNvGraphicFramePr>
+            <a:graphicFrameLocks noGrp="1"/>
+          </p:cNvGraphicFramePr>
+          <p:nvPr>
+            <p:ph idx="1"/>
+            <p:extLst>
+              <p:ext uri="{D42A27DB-BD31-4B8C-83A1-F6EECF244321}">
+                <p14:modId xmlns:p14="http://schemas.microsoft.com/office/powerpoint/2010/main" val="443128110"/>
+              </p:ext>
+            </p:extLst>
+          </p:nvPr>
+        </p:nvGraphicFramePr>
+        <p:xfrm>
+          <a:off x="1120775" y="1825625"/>
+          <a:ext cx="6494463" cy="4351338"/>
+        </p:xfrm>
+        <a:graphic>
+          <a:graphicData uri="http://schemas.openxmlformats.org/drawingml/2006/chart">
+            <c:chart xmlns:c="http://schemas.openxmlformats.org/drawingml/2006/chart" xmlns:r="http://schemas.openxmlformats.org/officeDocument/2006/relationships" r:id="rId3"/>
+          </a:graphicData>
+        </a:graphic>
+      </p:graphicFrame>
+      <p:sp>
+        <p:nvSpPr>
+          <p:cNvPr id="5" name="TextBox 4"/>
+          <p:cNvSpPr txBox="1"/>
+          <p:nvPr/>
+        </p:nvSpPr>
+        <p:spPr>
+          <a:xfrm>
+            <a:off x="1243014" y="5869186"/>
+            <a:ext cx="906017" cy="307777"/>
+          </a:xfrm>
+          <a:prstGeom prst="rect">
+            <a:avLst/>
+          </a:prstGeom>
+          <a:noFill/>
+        </p:spPr>
+        <p:txBody>
+          <a:bodyPr wrap="none" rtlCol="0">
+            <a:spAutoFit/>
+          </a:bodyPr>
+          <a:lstStyle/>
+          <a:p>
+            <a:r>
+              <a:rPr lang="en-US" sz="1400" dirty="0" err="1" smtClean="0"/>
+              <a:t>BlockSize</a:t>
+            </a:r>
+            <a:endParaRPr lang="en-US" sz="1400" dirty="0"/>
+          </a:p>
+        </p:txBody>
+      </p:sp>
+      <p:sp>
+        <p:nvSpPr>
+          <p:cNvPr id="6" name="TextBox 5"/>
+          <p:cNvSpPr txBox="1"/>
+          <p:nvPr/>
+        </p:nvSpPr>
+        <p:spPr>
+          <a:xfrm>
+            <a:off x="187798" y="3171825"/>
+            <a:ext cx="932978" cy="523220"/>
+          </a:xfrm>
+          <a:prstGeom prst="rect">
+            <a:avLst/>
+          </a:prstGeom>
+          <a:noFill/>
+        </p:spPr>
+        <p:txBody>
+          <a:bodyPr wrap="square" rtlCol="0">
+            <a:spAutoFit/>
+          </a:bodyPr>
+          <a:lstStyle/>
+          <a:p>
+            <a:pPr algn="ctr"/>
+            <a:r>
+              <a:rPr lang="en-US" sz="1400" dirty="0" smtClean="0"/>
+              <a:t>Total Size (MB)</a:t>
+            </a:r>
+            <a:endParaRPr lang="en-US" sz="1400" dirty="0"/>
+          </a:p>
+        </p:txBody>
+      </p:sp>
+      <p:graphicFrame>
+        <p:nvGraphicFramePr>
+          <p:cNvPr id="7" name="Table 6"/>
+          <p:cNvGraphicFramePr>
+            <a:graphicFrameLocks noGrp="1"/>
+          </p:cNvGraphicFramePr>
+          <p:nvPr>
+            <p:extLst>
+              <p:ext uri="{D42A27DB-BD31-4B8C-83A1-F6EECF244321}">
+                <p14:modId xmlns:p14="http://schemas.microsoft.com/office/powerpoint/2010/main" val="220293004"/>
+              </p:ext>
+            </p:extLst>
+          </p:nvPr>
+        </p:nvGraphicFramePr>
+        <p:xfrm>
+          <a:off x="7615237" y="2394903"/>
+          <a:ext cx="4314826" cy="3305808"/>
+        </p:xfrm>
+        <a:graphic>
+          <a:graphicData uri="http://schemas.openxmlformats.org/drawingml/2006/table">
+            <a:tbl>
+              <a:tblPr firstRow="1" bandRow="1">
+                <a:tableStyleId>{5C22544A-7EE6-4342-B048-85BDC9FD1C3A}</a:tableStyleId>
+              </a:tblPr>
+              <a:tblGrid>
+                <a:gridCol w="1257301"/>
+                <a:gridCol w="1619250"/>
+                <a:gridCol w="1438275"/>
+              </a:tblGrid>
+              <a:tr h="826452">
+                <a:tc>
+                  <a:txBody>
+                    <a:bodyPr/>
+                    <a:lstStyle/>
+                    <a:p>
+                      <a:r>
+                        <a:rPr lang="en-US" dirty="0" err="1" smtClean="0"/>
+                        <a:t>BlockSize</a:t>
+                      </a:r>
+                      <a:endParaRPr lang="en-US" dirty="0"/>
+                    </a:p>
+                  </a:txBody>
+                  <a:tcPr/>
+                </a:tc>
+                <a:tc>
+                  <a:txBody>
+                    <a:bodyPr/>
+                    <a:lstStyle/>
+                    <a:p>
+                      <a:r>
+                        <a:rPr lang="en-US" dirty="0" err="1" smtClean="0"/>
+                        <a:t>HashFunction</a:t>
+                      </a:r>
+                      <a:endParaRPr lang="en-US" dirty="0"/>
+                    </a:p>
+                  </a:txBody>
+                  <a:tcPr/>
+                </a:tc>
+                <a:tc>
+                  <a:txBody>
+                    <a:bodyPr/>
+                    <a:lstStyle/>
+                    <a:p>
+                      <a:r>
+                        <a:rPr lang="en-US" dirty="0" smtClean="0"/>
+                        <a:t>Total Size</a:t>
+                      </a:r>
+                      <a:endParaRPr lang="en-US" dirty="0"/>
+                    </a:p>
+                  </a:txBody>
+                  <a:tcPr/>
+                </a:tc>
+              </a:tr>
+              <a:tr h="826452">
+                <a:tc>
+                  <a:txBody>
+                    <a:bodyPr/>
+                    <a:lstStyle/>
+                    <a:p>
+                      <a:r>
+                        <a:rPr lang="en-US" dirty="0" smtClean="0"/>
+                        <a:t>16 KB</a:t>
+                      </a:r>
+                      <a:endParaRPr lang="en-US" dirty="0"/>
+                    </a:p>
+                  </a:txBody>
+                  <a:tcPr/>
+                </a:tc>
+                <a:tc>
+                  <a:txBody>
+                    <a:bodyPr/>
+                    <a:lstStyle/>
+                    <a:p>
+                      <a:r>
+                        <a:rPr lang="en-US" dirty="0" smtClean="0"/>
+                        <a:t>MD5</a:t>
+                      </a:r>
+                      <a:br>
+                        <a:rPr lang="en-US" dirty="0" smtClean="0"/>
+                      </a:br>
+                      <a:r>
+                        <a:rPr lang="en-US" dirty="0" smtClean="0"/>
+                        <a:t>(128</a:t>
+                      </a:r>
+                      <a:r>
+                        <a:rPr lang="en-US" baseline="0" dirty="0" smtClean="0"/>
+                        <a:t> bit)</a:t>
+                      </a:r>
+                      <a:endParaRPr lang="en-US" dirty="0"/>
+                    </a:p>
+                  </a:txBody>
+                  <a:tcPr/>
+                </a:tc>
+                <a:tc>
+                  <a:txBody>
+                    <a:bodyPr/>
+                    <a:lstStyle/>
+                    <a:p>
+                      <a:r>
+                        <a:rPr lang="en-US" dirty="0" smtClean="0"/>
+                        <a:t>409.55 MB</a:t>
+                      </a:r>
+                      <a:endParaRPr lang="en-US" dirty="0"/>
+                    </a:p>
+                  </a:txBody>
+                  <a:tcPr/>
+                </a:tc>
+              </a:tr>
+              <a:tr h="826452">
+                <a:tc>
+                  <a:txBody>
+                    <a:bodyPr/>
+                    <a:lstStyle/>
+                    <a:p>
+                      <a:r>
+                        <a:rPr lang="en-US" dirty="0" smtClean="0"/>
+                        <a:t>16</a:t>
+                      </a:r>
+                      <a:r>
+                        <a:rPr lang="en-US" baseline="0" dirty="0" smtClean="0"/>
+                        <a:t> KB</a:t>
+                      </a:r>
+                      <a:endParaRPr lang="en-US" dirty="0"/>
+                    </a:p>
+                  </a:txBody>
+                  <a:tcPr/>
+                </a:tc>
+                <a:tc>
+                  <a:txBody>
+                    <a:bodyPr/>
+                    <a:lstStyle/>
+                    <a:p>
+                      <a:r>
+                        <a:rPr lang="en-US" dirty="0" smtClean="0"/>
+                        <a:t>SHA-1</a:t>
+                      </a:r>
+                      <a:br>
+                        <a:rPr lang="en-US" dirty="0" smtClean="0"/>
+                      </a:br>
+                      <a:r>
+                        <a:rPr lang="en-US" dirty="0" smtClean="0"/>
+                        <a:t>(160 bit)</a:t>
+                      </a:r>
+                      <a:endParaRPr lang="en-US" dirty="0"/>
+                    </a:p>
+                  </a:txBody>
+                  <a:tcPr/>
+                </a:tc>
+                <a:tc>
+                  <a:txBody>
+                    <a:bodyPr/>
+                    <a:lstStyle/>
+                    <a:p>
+                      <a:r>
+                        <a:rPr lang="en-US" dirty="0" smtClean="0"/>
+                        <a:t>409.73 MB</a:t>
+                      </a:r>
+                      <a:endParaRPr lang="en-US" dirty="0"/>
+                    </a:p>
+                  </a:txBody>
+                  <a:tcPr/>
+                </a:tc>
+              </a:tr>
+              <a:tr h="826452">
+                <a:tc>
+                  <a:txBody>
+                    <a:bodyPr/>
+                    <a:lstStyle/>
+                    <a:p>
+                      <a:r>
+                        <a:rPr lang="en-US" dirty="0" smtClean="0"/>
+                        <a:t>16 KB</a:t>
+                      </a:r>
+                      <a:endParaRPr lang="en-US" dirty="0"/>
+                    </a:p>
+                  </a:txBody>
+                  <a:tcPr/>
+                </a:tc>
+                <a:tc>
+                  <a:txBody>
+                    <a:bodyPr/>
+                    <a:lstStyle/>
+                    <a:p>
+                      <a:r>
+                        <a:rPr lang="en-US" dirty="0" smtClean="0"/>
+                        <a:t>SHA-256</a:t>
+                      </a:r>
+                      <a:br>
+                        <a:rPr lang="en-US" dirty="0" smtClean="0"/>
+                      </a:br>
+                      <a:r>
+                        <a:rPr lang="en-US" dirty="0" smtClean="0"/>
+                        <a:t>(256 bit)</a:t>
+                      </a:r>
+                      <a:endParaRPr lang="en-US" dirty="0"/>
+                    </a:p>
+                  </a:txBody>
+                  <a:tcPr/>
+                </a:tc>
+                <a:tc>
+                  <a:txBody>
+                    <a:bodyPr/>
+                    <a:lstStyle/>
+                    <a:p>
+                      <a:r>
+                        <a:rPr lang="en-US" dirty="0" smtClean="0"/>
+                        <a:t>410.27 MB</a:t>
+                      </a:r>
+                      <a:endParaRPr lang="en-US" dirty="0"/>
+                    </a:p>
+                  </a:txBody>
+                  <a:tcPr/>
+                </a:tc>
+              </a:tr>
+            </a:tbl>
+          </a:graphicData>
+        </a:graphic>
+      </p:graphicFrame>
+      <p:sp>
+        <p:nvSpPr>
+          <p:cNvPr id="8" name="Rectangular Callout 7"/>
+          <p:cNvSpPr/>
+          <p:nvPr/>
+        </p:nvSpPr>
+        <p:spPr>
+          <a:xfrm>
+            <a:off x="5808662" y="1083470"/>
+            <a:ext cx="6383338" cy="5093493"/>
+          </a:xfrm>
+          <a:prstGeom prst="wedgeRectCallout">
+            <a:avLst>
+              <a:gd name="adj1" fmla="val -66425"/>
+              <a:gd name="adj2" fmla="val 16738"/>
+            </a:avLst>
+          </a:prstGeom>
+          <a:solidFill>
+            <a:schemeClr val="tx1">
+              <a:lumMod val="50000"/>
+            </a:schemeClr>
+          </a:solidFill>
+          <a:ln w="38100">
+            <a:solidFill>
+              <a:srgbClr val="C00000"/>
+            </a:solidFill>
+          </a:ln>
+        </p:spPr>
+        <p:style>
+          <a:lnRef idx="2">
+            <a:schemeClr val="dk1"/>
+          </a:lnRef>
+          <a:fillRef idx="1">
+            <a:schemeClr val="lt1"/>
+          </a:fillRef>
+          <a:effectRef idx="0">
+            <a:schemeClr val="dk1"/>
+          </a:effectRef>
+          <a:fontRef idx="minor">
+            <a:schemeClr val="dk1"/>
+          </a:fontRef>
+        </p:style>
+        <p:txBody>
+          <a:bodyPr rtlCol="0" anchor="ctr"/>
+          <a:lstStyle/>
+          <a:p>
+            <a:pPr algn="ctr"/>
+            <a:endParaRPr lang="en-US"/>
+          </a:p>
+        </p:txBody>
+      </p:sp>
+      <p:graphicFrame>
+        <p:nvGraphicFramePr>
+          <p:cNvPr id="9" name="Chart 8"/>
+          <p:cNvGraphicFramePr/>
+          <p:nvPr>
+            <p:extLst>
+              <p:ext uri="{D42A27DB-BD31-4B8C-83A1-F6EECF244321}">
+                <p14:modId xmlns:p14="http://schemas.microsoft.com/office/powerpoint/2010/main" val="1568060983"/>
+              </p:ext>
+            </p:extLst>
+          </p:nvPr>
+        </p:nvGraphicFramePr>
+        <p:xfrm>
+          <a:off x="6008687" y="1183581"/>
+          <a:ext cx="6183313" cy="4839493"/>
+        </p:xfrm>
+        <a:graphic>
+          <a:graphicData uri="http://schemas.openxmlformats.org/drawingml/2006/chart">
+            <c:chart xmlns:c="http://schemas.openxmlformats.org/drawingml/2006/chart" xmlns:r="http://schemas.openxmlformats.org/officeDocument/2006/relationships" r:id="rId4"/>
+          </a:graphicData>
+        </a:graphic>
+      </p:graphicFrame>
+      <p:sp>
+        <p:nvSpPr>
+          <p:cNvPr id="10" name="5-Point Star 9"/>
+          <p:cNvSpPr/>
+          <p:nvPr/>
+        </p:nvSpPr>
+        <p:spPr>
+          <a:xfrm>
+            <a:off x="4552949" y="4356100"/>
+            <a:ext cx="285750" cy="242888"/>
+          </a:xfrm>
+          <a:prstGeom prst="star5">
+            <a:avLst/>
+          </a:prstGeom>
+          <a:solidFill>
+            <a:srgbClr val="C00000"/>
+          </a:solidFill>
+        </p:spPr>
+        <p:style>
+          <a:lnRef idx="2">
+            <a:schemeClr val="accent1">
+              <a:shade val="50000"/>
+            </a:schemeClr>
+          </a:lnRef>
+          <a:fillRef idx="1">
+            <a:schemeClr val="accent1"/>
+          </a:fillRef>
+          <a:effectRef idx="0">
+            <a:schemeClr val="accent1"/>
+          </a:effectRef>
+          <a:fontRef idx="minor">
+            <a:schemeClr val="lt1"/>
+          </a:fontRef>
+        </p:style>
+        <p:txBody>
+          <a:bodyPr rtlCol="0" anchor="ctr"/>
+          <a:lstStyle/>
+          <a:p>
+            <a:pPr algn="ctr"/>
+            <a:endParaRPr lang="en-US"/>
+          </a:p>
+        </p:txBody>
+      </p:sp>
+    </p:spTree>
+    <p:extLst>
+      <p:ext uri="{BB962C8B-B14F-4D97-AF65-F5344CB8AC3E}">
+        <p14:creationId xmlns:p14="http://schemas.microsoft.com/office/powerpoint/2010/main" val="1633765757"/>
+      </p:ext>
+    </p:extLst>
+  </p:cSld>
+  <p:clrMapOvr>
+    <a:masterClrMapping/>
+  </p:clrMapOvr>
+</p:sld>
+</file>
+
+<file path=ppt/slides/slide9.xml><?xml version="1.0" encoding="utf-8"?>
+<p:sld xmlns:a="http://schemas.openxmlformats.org/drawingml/2006/main" xmlns:r="http://schemas.openxmlformats.org/officeDocument/2006/relationships" xmlns:p="http://schemas.openxmlformats.org/presentationml/2006/main">
+  <p:cSld>
+    <p:spTree>
+      <p:nvGrpSpPr>
+        <p:cNvPr id="1" name=""/>
+        <p:cNvGrpSpPr/>
+        <p:nvPr/>
+      </p:nvGrpSpPr>
+      <p:grpSpPr>
+        <a:xfrm>
+          <a:off x="0" y="0"/>
+          <a:ext cx="0" cy="0"/>
+          <a:chOff x="0" y="0"/>
+          <a:chExt cx="0" cy="0"/>
+        </a:xfrm>
+      </p:grpSpPr>
+      <p:sp>
+        <p:nvSpPr>
+          <p:cNvPr id="2" name="Title 1"/>
+          <p:cNvSpPr>
+            <a:spLocks noGrp="1"/>
+          </p:cNvSpPr>
+          <p:nvPr>
+            <p:ph type="title"/>
+          </p:nvPr>
+        </p:nvSpPr>
+        <p:spPr/>
+        <p:txBody>
+          <a:bodyPr/>
+          <a:lstStyle/>
+          <a:p>
+            <a:r>
+              <a:rPr lang="en-US" dirty="0" smtClean="0"/>
+              <a:t>Result</a:t>
+            </a:r>
+            <a:endParaRPr lang="en-US" dirty="0"/>
+          </a:p>
+        </p:txBody>
+      </p:sp>
+      <p:pic>
+        <p:nvPicPr>
+          <p:cNvPr id="26" name="Content Placeholder 25"/>
+          <p:cNvPicPr>
+            <a:picLocks noGrp="1" noChangeAspect="1"/>
+          </p:cNvPicPr>
+          <p:nvPr>
+            <p:ph idx="1"/>
+          </p:nvPr>
+        </p:nvPicPr>
+        <p:blipFill>
+          <a:blip r:embed="rId2">
+            <a:extLst>
+              <a:ext uri="{28A0092B-C50C-407E-A947-70E740481C1C}">
+                <a14:useLocalDpi xmlns:a14="http://schemas.microsoft.com/office/drawing/2010/main" val="0"/>
+              </a:ext>
+            </a:extLst>
+          </a:blip>
+          <a:stretch>
+            <a:fillRect/>
+          </a:stretch>
+        </p:blipFill>
+        <p:spPr>
+          <a:xfrm>
+            <a:off x="6307047" y="5388240"/>
+            <a:ext cx="720000" cy="720000"/>
+          </a:xfrm>
+        </p:spPr>
+      </p:pic>
+      <p:pic>
+        <p:nvPicPr>
+          <p:cNvPr id="28" name="Picture 27"/>
+          <p:cNvPicPr>
+            <a:picLocks noChangeAspect="1"/>
+          </p:cNvPicPr>
+          <p:nvPr/>
+        </p:nvPicPr>
+        <p:blipFill>
+          <a:blip r:embed="rId3">
+            <a:extLst>
+              <a:ext uri="{28A0092B-C50C-407E-A947-70E740481C1C}">
+                <a14:useLocalDpi xmlns:a14="http://schemas.microsoft.com/office/drawing/2010/main" val="0"/>
+              </a:ext>
+            </a:extLst>
+          </a:blip>
+          <a:stretch>
+            <a:fillRect/>
+          </a:stretch>
+        </p:blipFill>
+        <p:spPr>
+          <a:xfrm>
+            <a:off x="701924" y="4132272"/>
+            <a:ext cx="720000" cy="720000"/>
+          </a:xfrm>
+          <a:prstGeom prst="rect">
+            <a:avLst/>
+          </a:prstGeom>
+        </p:spPr>
+      </p:pic>
+      <p:pic>
+        <p:nvPicPr>
+          <p:cNvPr id="29" name="Picture 28"/>
+          <p:cNvPicPr>
+            <a:picLocks noChangeAspect="1"/>
+          </p:cNvPicPr>
+          <p:nvPr/>
+        </p:nvPicPr>
+        <p:blipFill>
+          <a:blip r:embed="rId4">
+            <a:extLst>
+              <a:ext uri="{28A0092B-C50C-407E-A947-70E740481C1C}">
+                <a14:useLocalDpi xmlns:a14="http://schemas.microsoft.com/office/drawing/2010/main" val="0"/>
+              </a:ext>
+            </a:extLst>
+          </a:blip>
+          <a:stretch>
+            <a:fillRect/>
+          </a:stretch>
+        </p:blipFill>
+        <p:spPr>
+          <a:xfrm>
+            <a:off x="6307047" y="4307606"/>
+            <a:ext cx="720000" cy="720000"/>
+          </a:xfrm>
+          <a:prstGeom prst="rect">
+            <a:avLst/>
+          </a:prstGeom>
+        </p:spPr>
+      </p:pic>
+      <p:pic>
+        <p:nvPicPr>
+          <p:cNvPr id="30" name="Picture 29"/>
+          <p:cNvPicPr>
+            <a:picLocks noChangeAspect="1"/>
+          </p:cNvPicPr>
+          <p:nvPr/>
+        </p:nvPicPr>
+        <p:blipFill>
+          <a:blip r:embed="rId5">
+            <a:extLst>
+              <a:ext uri="{28A0092B-C50C-407E-A947-70E740481C1C}">
+                <a14:useLocalDpi xmlns:a14="http://schemas.microsoft.com/office/drawing/2010/main" val="0"/>
+              </a:ext>
+            </a:extLst>
+          </a:blip>
+          <a:stretch>
+            <a:fillRect/>
+          </a:stretch>
+        </p:blipFill>
+        <p:spPr>
+          <a:xfrm>
+            <a:off x="6307047" y="3114061"/>
+            <a:ext cx="720000" cy="720000"/>
+          </a:xfrm>
+          <a:prstGeom prst="rect">
+            <a:avLst/>
+          </a:prstGeom>
+        </p:spPr>
+      </p:pic>
+      <p:pic>
+        <p:nvPicPr>
+          <p:cNvPr id="31" name="Picture 30"/>
+          <p:cNvPicPr>
+            <a:picLocks noChangeAspect="1"/>
+          </p:cNvPicPr>
+          <p:nvPr/>
+        </p:nvPicPr>
+        <p:blipFill>
+          <a:blip r:embed="rId6">
+            <a:extLst>
+              <a:ext uri="{28A0092B-C50C-407E-A947-70E740481C1C}">
+                <a14:useLocalDpi xmlns:a14="http://schemas.microsoft.com/office/drawing/2010/main" val="0"/>
+              </a:ext>
+            </a:extLst>
+          </a:blip>
+          <a:stretch>
+            <a:fillRect/>
+          </a:stretch>
+        </p:blipFill>
+        <p:spPr>
+          <a:xfrm>
+            <a:off x="706573" y="3054360"/>
+            <a:ext cx="720000" cy="720000"/>
+          </a:xfrm>
+          <a:prstGeom prst="rect">
+            <a:avLst/>
+          </a:prstGeom>
+        </p:spPr>
+      </p:pic>
+      <p:pic>
+        <p:nvPicPr>
+          <p:cNvPr id="32" name="Picture 31"/>
+          <p:cNvPicPr>
+            <a:picLocks noChangeAspect="1"/>
+          </p:cNvPicPr>
+          <p:nvPr/>
+        </p:nvPicPr>
+        <p:blipFill>
+          <a:blip r:embed="rId7">
+            <a:extLst>
+              <a:ext uri="{28A0092B-C50C-407E-A947-70E740481C1C}">
+                <a14:useLocalDpi xmlns:a14="http://schemas.microsoft.com/office/drawing/2010/main" val="0"/>
+              </a:ext>
+            </a:extLst>
+          </a:blip>
+          <a:stretch>
+            <a:fillRect/>
+          </a:stretch>
+        </p:blipFill>
+        <p:spPr>
+          <a:xfrm>
+            <a:off x="701924" y="1976448"/>
+            <a:ext cx="720000" cy="720000"/>
+          </a:xfrm>
+          <a:prstGeom prst="rect">
+            <a:avLst/>
+          </a:prstGeom>
+        </p:spPr>
+      </p:pic>
+      <p:pic>
+        <p:nvPicPr>
+          <p:cNvPr id="33" name="Picture 32"/>
+          <p:cNvPicPr>
+            <a:picLocks noChangeAspect="1"/>
+          </p:cNvPicPr>
+          <p:nvPr/>
+        </p:nvPicPr>
+        <p:blipFill>
+          <a:blip r:embed="rId8">
+            <a:extLst>
+              <a:ext uri="{28A0092B-C50C-407E-A947-70E740481C1C}">
+                <a14:useLocalDpi xmlns:a14="http://schemas.microsoft.com/office/drawing/2010/main" val="0"/>
+              </a:ext>
+            </a:extLst>
+          </a:blip>
+          <a:stretch>
+            <a:fillRect/>
+          </a:stretch>
+        </p:blipFill>
+        <p:spPr>
+          <a:xfrm>
+            <a:off x="701924" y="5212906"/>
+            <a:ext cx="720000" cy="720000"/>
+          </a:xfrm>
+          <a:prstGeom prst="rect">
+            <a:avLst/>
+          </a:prstGeom>
+        </p:spPr>
+      </p:pic>
+      <p:pic>
+        <p:nvPicPr>
+          <p:cNvPr id="37" name="Picture 36"/>
+          <p:cNvPicPr>
+            <a:picLocks noChangeAspect="1"/>
+          </p:cNvPicPr>
+          <p:nvPr/>
+        </p:nvPicPr>
+        <p:blipFill>
+          <a:blip r:embed="rId9">
+            <a:extLst>
+              <a:ext uri="{28A0092B-C50C-407E-A947-70E740481C1C}">
+                <a14:useLocalDpi xmlns:a14="http://schemas.microsoft.com/office/drawing/2010/main" val="0"/>
+              </a:ext>
+            </a:extLst>
+          </a:blip>
+          <a:stretch>
+            <a:fillRect/>
+          </a:stretch>
+        </p:blipFill>
+        <p:spPr>
+          <a:xfrm>
+            <a:off x="6307047" y="1933363"/>
+            <a:ext cx="720000" cy="720000"/>
+          </a:xfrm>
+          <a:prstGeom prst="rect">
+            <a:avLst/>
+          </a:prstGeom>
+        </p:spPr>
+      </p:pic>
+      <p:sp>
+        <p:nvSpPr>
+          <p:cNvPr id="41" name="TextBox 40"/>
+          <p:cNvSpPr txBox="1"/>
+          <p:nvPr/>
+        </p:nvSpPr>
+        <p:spPr>
+          <a:xfrm>
+            <a:off x="1731079" y="2102804"/>
+            <a:ext cx="1137491" cy="646331"/>
+          </a:xfrm>
+          <a:prstGeom prst="rect">
+            <a:avLst/>
+          </a:prstGeom>
+          <a:noFill/>
+        </p:spPr>
+        <p:txBody>
+          <a:bodyPr wrap="none" rtlCol="0">
+            <a:spAutoFit/>
+          </a:bodyPr>
+          <a:lstStyle/>
+          <a:p>
+            <a:r>
+              <a:rPr lang="en-US" u="sng" dirty="0" smtClean="0"/>
+              <a:t>Size</a:t>
+            </a:r>
+            <a:r>
+              <a:rPr lang="en-US" dirty="0" smtClean="0"/>
+              <a:t/>
+            </a:r>
+            <a:br>
+              <a:rPr lang="en-US" dirty="0" smtClean="0"/>
+            </a:br>
+            <a:r>
+              <a:rPr lang="en-US" dirty="0" smtClean="0"/>
+              <a:t>10.812 GB</a:t>
+            </a:r>
+          </a:p>
+        </p:txBody>
+      </p:sp>
+      <p:sp>
+        <p:nvSpPr>
+          <p:cNvPr id="44" name="TextBox 43"/>
+          <p:cNvSpPr txBox="1"/>
+          <p:nvPr/>
+        </p:nvSpPr>
+        <p:spPr>
+          <a:xfrm>
+            <a:off x="1734379" y="3184583"/>
+            <a:ext cx="1237134" cy="646331"/>
+          </a:xfrm>
+          <a:prstGeom prst="rect">
+            <a:avLst/>
+          </a:prstGeom>
+          <a:noFill/>
+        </p:spPr>
+        <p:txBody>
+          <a:bodyPr wrap="none" rtlCol="0">
+            <a:spAutoFit/>
+          </a:bodyPr>
+          <a:lstStyle/>
+          <a:p>
+            <a:r>
+              <a:rPr lang="en-US" u="sng" dirty="0" smtClean="0"/>
+              <a:t>Actual Size</a:t>
+            </a:r>
+            <a:br>
+              <a:rPr lang="en-US" u="sng" dirty="0" smtClean="0"/>
+            </a:br>
+            <a:r>
+              <a:rPr lang="en-US" dirty="0" smtClean="0"/>
+              <a:t>409.5 MB</a:t>
+            </a:r>
+            <a:endParaRPr lang="en-US" dirty="0"/>
+          </a:p>
+        </p:txBody>
+      </p:sp>
+      <p:sp>
+        <p:nvSpPr>
+          <p:cNvPr id="45" name="Right Brace 44"/>
+          <p:cNvSpPr/>
+          <p:nvPr/>
+        </p:nvSpPr>
+        <p:spPr>
+          <a:xfrm>
+            <a:off x="3059520" y="2515404"/>
+            <a:ext cx="253928" cy="1010183"/>
+          </a:xfrm>
+          <a:prstGeom prst="rightBrace">
+            <a:avLst/>
+          </a:prstGeom>
+          <a:ln w="38100">
+            <a:solidFill>
+              <a:schemeClr val="tx1"/>
+            </a:solidFill>
+          </a:ln>
+        </p:spPr>
+        <p:style>
+          <a:lnRef idx="1">
+            <a:schemeClr val="accent1"/>
+          </a:lnRef>
+          <a:fillRef idx="0">
+            <a:schemeClr val="accent1"/>
+          </a:fillRef>
+          <a:effectRef idx="0">
+            <a:schemeClr val="accent1"/>
+          </a:effectRef>
+          <a:fontRef idx="minor">
+            <a:schemeClr val="tx1"/>
+          </a:fontRef>
+        </p:style>
+        <p:txBody>
+          <a:bodyPr rtlCol="0" anchor="ctr"/>
+          <a:lstStyle/>
+          <a:p>
+            <a:pPr algn="ctr"/>
+            <a:endParaRPr lang="en-US"/>
+          </a:p>
+        </p:txBody>
+      </p:sp>
+      <p:sp>
+        <p:nvSpPr>
+          <p:cNvPr id="46" name="TextBox 45"/>
+          <p:cNvSpPr txBox="1"/>
+          <p:nvPr/>
+        </p:nvSpPr>
+        <p:spPr>
+          <a:xfrm>
+            <a:off x="3491828" y="2691530"/>
+            <a:ext cx="2073003" cy="646331"/>
+          </a:xfrm>
+          <a:prstGeom prst="rect">
+            <a:avLst/>
+          </a:prstGeom>
+          <a:noFill/>
+        </p:spPr>
+        <p:txBody>
+          <a:bodyPr wrap="none" rtlCol="0">
+            <a:spAutoFit/>
+          </a:bodyPr>
+          <a:lstStyle/>
+          <a:p>
+            <a:pPr algn="ctr"/>
+            <a:r>
+              <a:rPr lang="en-US" u="sng" dirty="0" smtClean="0"/>
+              <a:t>Deduplication Ratio</a:t>
+            </a:r>
+            <a:r>
+              <a:rPr lang="en-US" dirty="0" smtClean="0"/>
+              <a:t/>
+            </a:r>
+            <a:br>
+              <a:rPr lang="en-US" dirty="0" smtClean="0"/>
+            </a:br>
+            <a:r>
+              <a:rPr lang="en-US" dirty="0" smtClean="0"/>
+              <a:t>26.406x</a:t>
+            </a:r>
+            <a:endParaRPr lang="en-US" dirty="0"/>
+          </a:p>
+        </p:txBody>
+      </p:sp>
+      <p:sp>
+        <p:nvSpPr>
+          <p:cNvPr id="47" name="TextBox 46"/>
+          <p:cNvSpPr txBox="1"/>
+          <p:nvPr/>
+        </p:nvSpPr>
+        <p:spPr>
+          <a:xfrm>
+            <a:off x="1731079" y="4299305"/>
+            <a:ext cx="1148969" cy="646331"/>
+          </a:xfrm>
+          <a:prstGeom prst="rect">
+            <a:avLst/>
+          </a:prstGeom>
+          <a:noFill/>
+        </p:spPr>
+        <p:txBody>
+          <a:bodyPr wrap="none" rtlCol="0">
+            <a:spAutoFit/>
+          </a:bodyPr>
+          <a:lstStyle/>
+          <a:p>
+            <a:r>
+              <a:rPr lang="en-US" u="sng" dirty="0" smtClean="0"/>
+              <a:t>Block Size</a:t>
+            </a:r>
+            <a:r>
+              <a:rPr lang="en-US" dirty="0" smtClean="0"/>
+              <a:t/>
+            </a:r>
+            <a:br>
+              <a:rPr lang="en-US" dirty="0" smtClean="0"/>
+            </a:br>
+            <a:r>
+              <a:rPr lang="en-US" dirty="0" smtClean="0"/>
+              <a:t>15 KB</a:t>
+            </a:r>
+            <a:endParaRPr lang="en-US" dirty="0"/>
+          </a:p>
+        </p:txBody>
+      </p:sp>
+      <p:sp>
+        <p:nvSpPr>
+          <p:cNvPr id="48" name="TextBox 47"/>
+          <p:cNvSpPr txBox="1"/>
+          <p:nvPr/>
+        </p:nvSpPr>
+        <p:spPr>
+          <a:xfrm>
+            <a:off x="1759818" y="5381084"/>
+            <a:ext cx="1553630" cy="646331"/>
+          </a:xfrm>
+          <a:prstGeom prst="rect">
+            <a:avLst/>
+          </a:prstGeom>
+          <a:noFill/>
+        </p:spPr>
+        <p:txBody>
+          <a:bodyPr wrap="none" rtlCol="0">
+            <a:spAutoFit/>
+          </a:bodyPr>
+          <a:lstStyle/>
+          <a:p>
+            <a:r>
+              <a:rPr lang="en-US" u="sng" dirty="0" smtClean="0"/>
+              <a:t>Hash Function</a:t>
+            </a:r>
+            <a:r>
+              <a:rPr lang="en-US" dirty="0" smtClean="0"/>
+              <a:t/>
+            </a:r>
+            <a:br>
+              <a:rPr lang="en-US" dirty="0" smtClean="0"/>
+            </a:br>
+            <a:r>
+              <a:rPr lang="en-US" dirty="0" smtClean="0"/>
+              <a:t>SHA-256</a:t>
+            </a:r>
+            <a:endParaRPr lang="en-US" dirty="0"/>
+          </a:p>
+        </p:txBody>
+      </p:sp>
+      <p:sp>
+        <p:nvSpPr>
+          <p:cNvPr id="50" name="TextBox 49"/>
+          <p:cNvSpPr txBox="1"/>
+          <p:nvPr/>
+        </p:nvSpPr>
+        <p:spPr>
+          <a:xfrm>
+            <a:off x="7500938" y="2128848"/>
+            <a:ext cx="1333891" cy="646331"/>
+          </a:xfrm>
+          <a:prstGeom prst="rect">
+            <a:avLst/>
+          </a:prstGeom>
+          <a:noFill/>
+        </p:spPr>
+        <p:txBody>
+          <a:bodyPr wrap="none" rtlCol="0">
+            <a:spAutoFit/>
+          </a:bodyPr>
+          <a:lstStyle/>
+          <a:p>
+            <a:r>
+              <a:rPr lang="en-US" u="sng" dirty="0" smtClean="0"/>
+              <a:t>Total Blocks</a:t>
+            </a:r>
+            <a:endParaRPr lang="en-US" dirty="0" smtClean="0"/>
+          </a:p>
+          <a:p>
+            <a:r>
+              <a:rPr lang="en-US" dirty="0" smtClean="0"/>
+              <a:t>896,788</a:t>
+            </a:r>
+            <a:endParaRPr lang="en-US" dirty="0"/>
+          </a:p>
+        </p:txBody>
+      </p:sp>
+      <p:sp>
+        <p:nvSpPr>
+          <p:cNvPr id="51" name="TextBox 50"/>
+          <p:cNvSpPr txBox="1"/>
+          <p:nvPr/>
+        </p:nvSpPr>
+        <p:spPr>
+          <a:xfrm>
+            <a:off x="7500938" y="3184582"/>
+            <a:ext cx="1887055" cy="646331"/>
+          </a:xfrm>
+          <a:prstGeom prst="rect">
+            <a:avLst/>
+          </a:prstGeom>
+          <a:noFill/>
+        </p:spPr>
+        <p:txBody>
+          <a:bodyPr wrap="none" rtlCol="0">
+            <a:spAutoFit/>
+          </a:bodyPr>
+          <a:lstStyle/>
+          <a:p>
+            <a:r>
+              <a:rPr lang="en-US" u="sng" dirty="0" smtClean="0"/>
+              <a:t>Duplicated Blocks</a:t>
+            </a:r>
+            <a:br>
+              <a:rPr lang="en-US" u="sng" dirty="0" smtClean="0"/>
+            </a:br>
+            <a:r>
+              <a:rPr lang="en-US" dirty="0" smtClean="0"/>
+              <a:t>849,390</a:t>
+            </a:r>
+            <a:endParaRPr lang="en-US" dirty="0"/>
+          </a:p>
+        </p:txBody>
+      </p:sp>
+      <p:sp>
+        <p:nvSpPr>
+          <p:cNvPr id="52" name="TextBox 51"/>
+          <p:cNvSpPr txBox="1"/>
+          <p:nvPr/>
+        </p:nvSpPr>
+        <p:spPr>
+          <a:xfrm>
+            <a:off x="7500938" y="5461909"/>
+            <a:ext cx="1029449" cy="646331"/>
+          </a:xfrm>
+          <a:prstGeom prst="rect">
+            <a:avLst/>
+          </a:prstGeom>
+          <a:noFill/>
+        </p:spPr>
+        <p:txBody>
+          <a:bodyPr wrap="none" rtlCol="0">
+            <a:spAutoFit/>
+          </a:bodyPr>
+          <a:lstStyle/>
+          <a:p>
+            <a:r>
+              <a:rPr lang="en-US" u="sng" dirty="0" smtClean="0"/>
+              <a:t>Duration</a:t>
+            </a:r>
+            <a:br>
+              <a:rPr lang="en-US" u="sng" dirty="0" smtClean="0"/>
+            </a:br>
+            <a:r>
+              <a:rPr lang="en-US" dirty="0" smtClean="0"/>
+              <a:t>~10 </a:t>
+            </a:r>
+            <a:r>
+              <a:rPr lang="en-US" dirty="0" err="1" smtClean="0"/>
+              <a:t>mins</a:t>
+            </a:r>
+            <a:endParaRPr lang="en-US" u="sng" dirty="0"/>
+          </a:p>
+        </p:txBody>
+      </p:sp>
+      <p:sp>
+        <p:nvSpPr>
+          <p:cNvPr id="53" name="TextBox 52"/>
+          <p:cNvSpPr txBox="1"/>
+          <p:nvPr/>
+        </p:nvSpPr>
+        <p:spPr>
+          <a:xfrm>
+            <a:off x="7500938" y="4392716"/>
+            <a:ext cx="986167" cy="646331"/>
+          </a:xfrm>
+          <a:prstGeom prst="rect">
+            <a:avLst/>
+          </a:prstGeom>
+          <a:noFill/>
+        </p:spPr>
+        <p:txBody>
+          <a:bodyPr wrap="none" rtlCol="0">
+            <a:spAutoFit/>
+          </a:bodyPr>
+          <a:lstStyle/>
+          <a:p>
+            <a:r>
+              <a:rPr lang="en-US" u="sng" dirty="0" smtClean="0"/>
+              <a:t>Hit Rate</a:t>
+            </a:r>
+            <a:r>
+              <a:rPr lang="en-US" smtClean="0"/>
+              <a:t/>
+            </a:r>
+            <a:br>
+              <a:rPr lang="en-US" smtClean="0"/>
+            </a:br>
+            <a:r>
+              <a:rPr lang="en-US" smtClean="0"/>
+              <a:t>94.715%</a:t>
+            </a:r>
+            <a:endParaRPr lang="en-US" dirty="0"/>
+          </a:p>
+        </p:txBody>
+      </p:sp>
+    </p:spTree>
+    <p:extLst>
+      <p:ext uri="{BB962C8B-B14F-4D97-AF65-F5344CB8AC3E}">
+        <p14:creationId xmlns:p14="http://schemas.microsoft.com/office/powerpoint/2010/main" val="473101786"/>
       </p:ext>
     </p:extLst>
   </p:cSld>

--- a/dd/DaDeDup.pptx
+++ b/dd/DaDeDup.pptx
@@ -2,10 +2,10 @@
 <file path=ppt/presentation.xml><?xml version="1.0" encoding="utf-8"?>
 <p:presentation xmlns:a="http://schemas.openxmlformats.org/drawingml/2006/main" xmlns:r="http://schemas.openxmlformats.org/officeDocument/2006/relationships" xmlns:p="http://schemas.openxmlformats.org/presentationml/2006/main" saveSubsetFonts="1" autoCompressPictures="0">
   <p:sldMasterIdLst>
-    <p:sldMasterId id="2147483873" r:id="rId1"/>
+    <p:sldMasterId id="2147483939" r:id="rId1"/>
   </p:sldMasterIdLst>
   <p:notesMasterIdLst>
-    <p:notesMasterId r:id="rId12"/>
+    <p:notesMasterId r:id="rId13"/>
   </p:notesMasterIdLst>
   <p:sldIdLst>
     <p:sldId id="256" r:id="rId2"/>
@@ -18,6 +18,7 @@
     <p:sldId id="263" r:id="rId9"/>
     <p:sldId id="268" r:id="rId10"/>
     <p:sldId id="267" r:id="rId11"/>
+    <p:sldId id="270" r:id="rId12"/>
   </p:sldIdLst>
   <p:sldSz cx="12192000" cy="6858000"/>
   <p:notesSz cx="6858000" cy="9144000"/>
@@ -168,6 +169,7 @@
           </a:p>
         </c:rich>
       </c:tx>
+      <c:layout/>
       <c:overlay val="0"/>
       <c:spPr>
         <a:noFill/>
@@ -508,13 +510,13 @@
                   <c:v>461.85</c:v>
                 </c:pt>
                 <c:pt idx="1">
-                  <c:v>431.9299999999998</c:v>
+                  <c:v>431.9299999999996</c:v>
                 </c:pt>
                 <c:pt idx="2">
                   <c:v>421.47</c:v>
                 </c:pt>
                 <c:pt idx="3">
-                  <c:v>417.4299999999998</c:v>
+                  <c:v>417.4299999999996</c:v>
                 </c:pt>
                 <c:pt idx="4">
                   <c:v>417.3</c:v>
@@ -546,11 +548,11 @@
         </c:dLbls>
         <c:marker val="1"/>
         <c:smooth val="0"/>
-        <c:axId val="2138838704"/>
-        <c:axId val="2138842512"/>
+        <c:axId val="-2129477408"/>
+        <c:axId val="-2129461232"/>
       </c:lineChart>
       <c:catAx>
-        <c:axId val="2138838704"/>
+        <c:axId val="-2129477408"/>
         <c:scaling>
           <c:orientation val="minMax"/>
         </c:scaling>
@@ -593,7 +595,7 @@
             <a:endParaRPr lang="en-US"/>
           </a:p>
         </c:txPr>
-        <c:crossAx val="2138842512"/>
+        <c:crossAx val="-2129461232"/>
         <c:crosses val="autoZero"/>
         <c:auto val="1"/>
         <c:lblAlgn val="ctr"/>
@@ -601,7 +603,7 @@
         <c:noMultiLvlLbl val="0"/>
       </c:catAx>
       <c:valAx>
-        <c:axId val="2138842512"/>
+        <c:axId val="-2129461232"/>
         <c:scaling>
           <c:orientation val="minMax"/>
         </c:scaling>
@@ -652,7 +654,7 @@
             <a:endParaRPr lang="en-US"/>
           </a:p>
         </c:txPr>
-        <c:crossAx val="2138838704"/>
+        <c:crossAx val="-2129477408"/>
         <c:crosses val="autoZero"/>
         <c:crossBetween val="between"/>
       </c:valAx>
@@ -666,6 +668,7 @@
     </c:plotArea>
     <c:legend>
       <c:legendPos val="b"/>
+      <c:layout/>
       <c:overlay val="0"/>
       <c:spPr>
         <a:noFill/>
@@ -763,6 +766,7 @@
           </a:p>
         </c:rich>
       </c:tx>
+      <c:layout/>
       <c:overlay val="0"/>
       <c:spPr>
         <a:noFill/>
@@ -922,7 +926,7 @@
                   <c:v>410.4479427337647</c:v>
                 </c:pt>
                 <c:pt idx="12">
-                  <c:v>410.7285499572746</c:v>
+                  <c:v>410.7285499572742</c:v>
                 </c:pt>
                 <c:pt idx="13">
                   <c:v>410.4996967315674</c:v>
@@ -931,7 +935,7 @@
                   <c:v>411.0859365463256</c:v>
                 </c:pt>
                 <c:pt idx="15">
-                  <c:v>411.9210996627804</c:v>
+                  <c:v>411.9210996627802</c:v>
                 </c:pt>
               </c:numCache>
             </c:numRef>
@@ -947,11 +951,11 @@
         </c:dLbls>
         <c:gapWidth val="219"/>
         <c:overlap val="-27"/>
-        <c:axId val="2138591872"/>
-        <c:axId val="2138595264"/>
+        <c:axId val="-2129651408"/>
+        <c:axId val="-2129532528"/>
       </c:barChart>
       <c:catAx>
-        <c:axId val="2138591872"/>
+        <c:axId val="-2129651408"/>
         <c:scaling>
           <c:orientation val="minMax"/>
         </c:scaling>
@@ -994,7 +998,7 @@
             <a:endParaRPr lang="en-US"/>
           </a:p>
         </c:txPr>
-        <c:crossAx val="2138595264"/>
+        <c:crossAx val="-2129532528"/>
         <c:crosses val="autoZero"/>
         <c:auto val="1"/>
         <c:lblAlgn val="ctr"/>
@@ -1002,7 +1006,7 @@
         <c:noMultiLvlLbl val="0"/>
       </c:catAx>
       <c:valAx>
-        <c:axId val="2138595264"/>
+        <c:axId val="-2129532528"/>
         <c:scaling>
           <c:orientation val="minMax"/>
         </c:scaling>
@@ -1053,7 +1057,7 @@
             <a:endParaRPr lang="en-US"/>
           </a:p>
         </c:txPr>
-        <c:crossAx val="2138591872"/>
+        <c:crossAx val="-2129651408"/>
         <c:crosses val="autoZero"/>
         <c:crossBetween val="between"/>
       </c:valAx>
@@ -1067,6 +1071,7 @@
     </c:plotArea>
     <c:legend>
       <c:legendPos val="b"/>
+      <c:layout/>
       <c:overlay val="0"/>
       <c:spPr>
         <a:noFill/>
@@ -2448,7 +2453,7 @@
           <a:p>
             <a:fld id="{2BEB8C7C-19B8-AA4A-9229-63F288829E7D}" type="datetimeFigureOut">
               <a:rPr lang="en-US" smtClean="0"/>
-              <a:t>5/30/16</a:t>
+              <a:t>6/4/16</a:t>
             </a:fld>
             <a:endParaRPr lang="en-US"/>
           </a:p>
@@ -4285,52 +4290,23 @@
         </p:nvSpPr>
         <p:spPr>
           <a:xfrm>
-            <a:off x="2209800" y="4464028"/>
-            <a:ext cx="9144000" cy="1641490"/>
+            <a:off x="1524000" y="1122363"/>
+            <a:ext cx="9144000" cy="2387600"/>
           </a:xfrm>
         </p:spPr>
         <p:txBody>
-          <a:bodyPr wrap="none" anchor="t">
-            <a:normAutofit/>
-          </a:bodyPr>
+          <a:bodyPr anchor="b"/>
           <a:lstStyle>
-            <a:lvl1pPr algn="r">
-              <a:defRPr sz="9600" b="0" spc="-300">
-                <a:gradFill flip="none" rotWithShape="1">
-                  <a:gsLst>
-                    <a:gs pos="0">
-                      <a:schemeClr val="tx1"/>
-                    </a:gs>
-                    <a:gs pos="68000">
-                      <a:srgbClr val="F1F1F1"/>
-                    </a:gs>
-                    <a:gs pos="100000">
-                      <a:schemeClr val="bg1">
-                        <a:lumMod val="11000"/>
-                        <a:lumOff val="89000"/>
-                      </a:schemeClr>
-                    </a:gs>
-                  </a:gsLst>
-                  <a:lin ang="5400000" scaled="1"/>
-                  <a:tileRect/>
-                </a:gradFill>
-                <a:effectLst>
-                  <a:outerShdw blurRad="469900" dist="342900" dir="5400000" sy="-20000" rotWithShape="0">
-                    <a:prstClr val="black">
-                      <a:alpha val="66000"/>
-                    </a:prstClr>
-                  </a:outerShdw>
-                </a:effectLst>
-              </a:defRPr>
+            <a:lvl1pPr algn="ctr">
+              <a:defRPr sz="6000"/>
             </a:lvl1pPr>
           </a:lstStyle>
           <a:p>
-            <a:pPr lvl="0" algn="r"/>
             <a:r>
               <a:rPr lang="en-AU" smtClean="0"/>
               <a:t>Click to edit Master title style</a:t>
             </a:r>
-            <a:endParaRPr lang="en-US" dirty="0"/>
+            <a:endParaRPr lang="en-US"/>
           </a:p>
         </p:txBody>
       </p:sp>
@@ -4346,64 +4322,62 @@
         </p:nvSpPr>
         <p:spPr>
           <a:xfrm>
-            <a:off x="2209799" y="3694375"/>
-            <a:ext cx="9144000" cy="754025"/>
+            <a:off x="1524000" y="3602038"/>
+            <a:ext cx="9144000" cy="1655762"/>
           </a:xfrm>
         </p:spPr>
         <p:txBody>
-          <a:bodyPr vert="horz" lIns="91440" tIns="45720" rIns="91440" bIns="45720" rtlCol="0" anchor="b">
-            <a:normAutofit/>
-          </a:bodyPr>
+          <a:bodyPr/>
           <a:lstStyle>
-            <a:lvl1pPr marL="0" indent="0" algn="r">
+            <a:lvl1pPr marL="0" indent="0" algn="ctr">
               <a:buNone/>
-              <a:defRPr sz="3200" b="0">
-                <a:gradFill flip="none" rotWithShape="1">
-                  <a:gsLst>
-                    <a:gs pos="15000">
-                      <a:schemeClr val="tx2"/>
-                    </a:gs>
-                    <a:gs pos="73000">
-                      <a:schemeClr val="tx2">
-                        <a:lumMod val="60000"/>
-                        <a:lumOff val="40000"/>
-                      </a:schemeClr>
-                    </a:gs>
-                    <a:gs pos="0">
-                      <a:schemeClr val="tx2">
-                        <a:lumMod val="90000"/>
-                        <a:lumOff val="10000"/>
-                      </a:schemeClr>
-                    </a:gs>
-                    <a:gs pos="100000">
-                      <a:schemeClr val="tx2">
-                        <a:lumMod val="0"/>
-                        <a:lumOff val="100000"/>
-                      </a:schemeClr>
-                    </a:gs>
-                  </a:gsLst>
-                  <a:lin ang="16200000" scaled="1"/>
-                  <a:tileRect/>
-                </a:gradFill>
-                <a:latin typeface="+mj-lt"/>
-              </a:defRPr>
+              <a:defRPr sz="2400"/>
             </a:lvl1pPr>
+            <a:lvl2pPr marL="457200" indent="0" algn="ctr">
+              <a:buNone/>
+              <a:defRPr sz="2000"/>
+            </a:lvl2pPr>
+            <a:lvl3pPr marL="914400" indent="0" algn="ctr">
+              <a:buNone/>
+              <a:defRPr sz="1800"/>
+            </a:lvl3pPr>
+            <a:lvl4pPr marL="1371600" indent="0" algn="ctr">
+              <a:buNone/>
+              <a:defRPr sz="1600"/>
+            </a:lvl4pPr>
+            <a:lvl5pPr marL="1828800" indent="0" algn="ctr">
+              <a:buNone/>
+              <a:defRPr sz="1600"/>
+            </a:lvl5pPr>
+            <a:lvl6pPr marL="2286000" indent="0" algn="ctr">
+              <a:buNone/>
+              <a:defRPr sz="1600"/>
+            </a:lvl6pPr>
+            <a:lvl7pPr marL="2743200" indent="0" algn="ctr">
+              <a:buNone/>
+              <a:defRPr sz="1600"/>
+            </a:lvl7pPr>
+            <a:lvl8pPr marL="3200400" indent="0" algn="ctr">
+              <a:buNone/>
+              <a:defRPr sz="1600"/>
+            </a:lvl8pPr>
+            <a:lvl9pPr marL="3657600" indent="0" algn="ctr">
+              <a:buNone/>
+              <a:defRPr sz="1600"/>
+            </a:lvl9pPr>
           </a:lstStyle>
           <a:p>
-            <a:pPr marL="0" lvl="0" indent="0" algn="r">
-              <a:buNone/>
-            </a:pPr>
             <a:r>
               <a:rPr lang="en-AU" smtClean="0"/>
               <a:t>Click to edit Master subtitle style</a:t>
             </a:r>
-            <a:endParaRPr lang="en-US" dirty="0"/>
+            <a:endParaRPr lang="en-US"/>
           </a:p>
         </p:txBody>
       </p:sp>
       <p:sp>
         <p:nvSpPr>
-          <p:cNvPr id="7" name="Date Placeholder 6"/>
+          <p:cNvPr id="4" name="Date Placeholder 3"/>
           <p:cNvSpPr>
             <a:spLocks noGrp="1"/>
           </p:cNvSpPr>
@@ -4418,7 +4392,7 @@
           <a:p>
             <a:fld id="{55470272-8BA8-6145-81CD-7C116DD2B6ED}" type="datetime1">
               <a:rPr lang="en-AU" smtClean="0"/>
-              <a:t>30/05/2016</a:t>
+              <a:t>4/06/2016</a:t>
             </a:fld>
             <a:endParaRPr lang="en-US" dirty="0"/>
           </a:p>
@@ -4426,7 +4400,7 @@
       </p:sp>
       <p:sp>
         <p:nvSpPr>
-          <p:cNvPr id="8" name="Footer Placeholder 7"/>
+          <p:cNvPr id="5" name="Footer Placeholder 4"/>
           <p:cNvSpPr>
             <a:spLocks noGrp="1"/>
           </p:cNvSpPr>
@@ -4445,7 +4419,7 @@
       </p:sp>
       <p:sp>
         <p:nvSpPr>
-          <p:cNvPr id="9" name="Slide Number Placeholder 8"/>
+          <p:cNvPr id="6" name="Slide Number Placeholder 5"/>
           <p:cNvSpPr>
             <a:spLocks noGrp="1"/>
           </p:cNvSpPr>
@@ -4470,14 +4444,14 @@
     </p:spTree>
     <p:extLst>
       <p:ext uri="{BB962C8B-B14F-4D97-AF65-F5344CB8AC3E}">
-        <p14:creationId xmlns:p14="http://schemas.microsoft.com/office/powerpoint/2010/main" val="2005024660"/>
+        <p14:creationId xmlns:p14="http://schemas.microsoft.com/office/powerpoint/2010/main" val="1213144508"/>
       </p:ext>
     </p:extLst>
   </p:cSld>
   <p:clrMapOvr>
     <a:masterClrMapping/>
   </p:clrMapOvr>
-  <p:extLst mod="1">
+  <p:extLst>
     <p:ext uri="{DCECCB84-F9BA-43D5-87BE-67443E8EF086}">
       <p15:sldGuideLst xmlns:p15="http://schemas.microsoft.com/office/powerpoint/2012/main"/>
     </p:ext>
@@ -4486,2549 +4460,6 @@
 </file>
 
 <file path=ppt/slideLayouts/slideLayout10.xml><?xml version="1.0" encoding="utf-8"?>
-<p:sldLayout xmlns:a="http://schemas.openxmlformats.org/drawingml/2006/main" xmlns:r="http://schemas.openxmlformats.org/officeDocument/2006/relationships" xmlns:p="http://schemas.openxmlformats.org/presentationml/2006/main" preserve="1">
-  <p:cSld name="Panoramic Picture with Caption">
-    <p:spTree>
-      <p:nvGrpSpPr>
-        <p:cNvPr id="1" name=""/>
-        <p:cNvGrpSpPr/>
-        <p:nvPr/>
-      </p:nvGrpSpPr>
-      <p:grpSpPr>
-        <a:xfrm>
-          <a:off x="0" y="0"/>
-          <a:ext cx="0" cy="0"/>
-          <a:chOff x="0" y="0"/>
-          <a:chExt cx="0" cy="0"/>
-        </a:xfrm>
-      </p:grpSpPr>
-      <p:sp>
-        <p:nvSpPr>
-          <p:cNvPr id="2" name="Title 1"/>
-          <p:cNvSpPr>
-            <a:spLocks noGrp="1"/>
-          </p:cNvSpPr>
-          <p:nvPr>
-            <p:ph type="title"/>
-          </p:nvPr>
-        </p:nvSpPr>
-        <p:spPr>
-          <a:xfrm>
-            <a:off x="839788" y="4367160"/>
-            <a:ext cx="10515600" cy="819355"/>
-          </a:xfrm>
-        </p:spPr>
-        <p:txBody>
-          <a:bodyPr anchor="b"/>
-          <a:lstStyle>
-            <a:lvl1pPr>
-              <a:defRPr sz="3200"/>
-            </a:lvl1pPr>
-          </a:lstStyle>
-          <a:p>
-            <a:r>
-              <a:rPr lang="en-AU" smtClean="0"/>
-              <a:t>Click to edit Master title style</a:t>
-            </a:r>
-            <a:endParaRPr lang="en-US" dirty="0"/>
-          </a:p>
-        </p:txBody>
-      </p:sp>
-      <p:sp>
-        <p:nvSpPr>
-          <p:cNvPr id="3" name="Picture Placeholder 2"/>
-          <p:cNvSpPr>
-            <a:spLocks noGrp="1" noChangeAspect="1"/>
-          </p:cNvSpPr>
-          <p:nvPr>
-            <p:ph type="pic" idx="1"/>
-          </p:nvPr>
-        </p:nvSpPr>
-        <p:spPr>
-          <a:xfrm>
-            <a:off x="839788" y="987425"/>
-            <a:ext cx="10515600" cy="3379735"/>
-          </a:xfrm>
-        </p:spPr>
-        <p:txBody>
-          <a:bodyPr anchor="t"/>
-          <a:lstStyle>
-            <a:lvl1pPr marL="0" indent="0">
-              <a:buNone/>
-              <a:defRPr sz="3200"/>
-            </a:lvl1pPr>
-            <a:lvl2pPr marL="457200" indent="0">
-              <a:buNone/>
-              <a:defRPr sz="2800"/>
-            </a:lvl2pPr>
-            <a:lvl3pPr marL="914400" indent="0">
-              <a:buNone/>
-              <a:defRPr sz="2400"/>
-            </a:lvl3pPr>
-            <a:lvl4pPr marL="1371600" indent="0">
-              <a:buNone/>
-              <a:defRPr sz="2000"/>
-            </a:lvl4pPr>
-            <a:lvl5pPr marL="1828800" indent="0">
-              <a:buNone/>
-              <a:defRPr sz="2000"/>
-            </a:lvl5pPr>
-            <a:lvl6pPr marL="2286000" indent="0">
-              <a:buNone/>
-              <a:defRPr sz="2000"/>
-            </a:lvl6pPr>
-            <a:lvl7pPr marL="2743200" indent="0">
-              <a:buNone/>
-              <a:defRPr sz="2000"/>
-            </a:lvl7pPr>
-            <a:lvl8pPr marL="3200400" indent="0">
-              <a:buNone/>
-              <a:defRPr sz="2000"/>
-            </a:lvl8pPr>
-            <a:lvl9pPr marL="3657600" indent="0">
-              <a:buNone/>
-              <a:defRPr sz="2000"/>
-            </a:lvl9pPr>
-          </a:lstStyle>
-          <a:p>
-            <a:r>
-              <a:rPr lang="en-AU" smtClean="0"/>
-              <a:t>Drag picture to placeholder or click icon to add</a:t>
-            </a:r>
-            <a:endParaRPr lang="en-US" dirty="0"/>
-          </a:p>
-        </p:txBody>
-      </p:sp>
-      <p:sp>
-        <p:nvSpPr>
-          <p:cNvPr id="4" name="Text Placeholder 3"/>
-          <p:cNvSpPr>
-            <a:spLocks noGrp="1"/>
-          </p:cNvSpPr>
-          <p:nvPr>
-            <p:ph type="body" sz="half" idx="2"/>
-          </p:nvPr>
-        </p:nvSpPr>
-        <p:spPr>
-          <a:xfrm>
-            <a:off x="839788" y="5186516"/>
-            <a:ext cx="10514012" cy="682472"/>
-          </a:xfrm>
-        </p:spPr>
-        <p:txBody>
-          <a:bodyPr/>
-          <a:lstStyle>
-            <a:lvl1pPr marL="0" indent="0">
-              <a:buNone/>
-              <a:defRPr sz="1600">
-                <a:gradFill>
-                  <a:gsLst>
-                    <a:gs pos="15000">
-                      <a:schemeClr val="tx2"/>
-                    </a:gs>
-                    <a:gs pos="73000">
-                      <a:schemeClr val="tx2">
-                        <a:lumMod val="60000"/>
-                        <a:lumOff val="40000"/>
-                      </a:schemeClr>
-                    </a:gs>
-                    <a:gs pos="0">
-                      <a:schemeClr val="tx1"/>
-                    </a:gs>
-                    <a:gs pos="100000">
-                      <a:schemeClr val="tx2">
-                        <a:lumMod val="0"/>
-                        <a:lumOff val="100000"/>
-                      </a:schemeClr>
-                    </a:gs>
-                  </a:gsLst>
-                  <a:lin ang="16200000" scaled="1"/>
-                </a:gradFill>
-              </a:defRPr>
-            </a:lvl1pPr>
-            <a:lvl2pPr marL="457200" indent="0">
-              <a:buNone/>
-              <a:defRPr sz="1400"/>
-            </a:lvl2pPr>
-            <a:lvl3pPr marL="914400" indent="0">
-              <a:buNone/>
-              <a:defRPr sz="1200"/>
-            </a:lvl3pPr>
-            <a:lvl4pPr marL="1371600" indent="0">
-              <a:buNone/>
-              <a:defRPr sz="1000"/>
-            </a:lvl4pPr>
-            <a:lvl5pPr marL="1828800" indent="0">
-              <a:buNone/>
-              <a:defRPr sz="1000"/>
-            </a:lvl5pPr>
-            <a:lvl6pPr marL="2286000" indent="0">
-              <a:buNone/>
-              <a:defRPr sz="1000"/>
-            </a:lvl6pPr>
-            <a:lvl7pPr marL="2743200" indent="0">
-              <a:buNone/>
-              <a:defRPr sz="1000"/>
-            </a:lvl7pPr>
-            <a:lvl8pPr marL="3200400" indent="0">
-              <a:buNone/>
-              <a:defRPr sz="1000"/>
-            </a:lvl8pPr>
-            <a:lvl9pPr marL="3657600" indent="0">
-              <a:buNone/>
-              <a:defRPr sz="1000"/>
-            </a:lvl9pPr>
-          </a:lstStyle>
-          <a:p>
-            <a:pPr lvl="0"/>
-            <a:r>
-              <a:rPr lang="en-AU" smtClean="0"/>
-              <a:t>Click to edit Master text styles</a:t>
-            </a:r>
-          </a:p>
-        </p:txBody>
-      </p:sp>
-      <p:sp>
-        <p:nvSpPr>
-          <p:cNvPr id="5" name="Date Placeholder 4"/>
-          <p:cNvSpPr>
-            <a:spLocks noGrp="1"/>
-          </p:cNvSpPr>
-          <p:nvPr>
-            <p:ph type="dt" sz="half" idx="10"/>
-          </p:nvPr>
-        </p:nvSpPr>
-        <p:spPr/>
-        <p:txBody>
-          <a:bodyPr/>
-          <a:lstStyle/>
-          <a:p>
-            <a:fld id="{7C064249-C406-114E-BD0A-A329387F4511}" type="datetime1">
-              <a:rPr lang="en-AU" smtClean="0"/>
-              <a:t>30/05/2016</a:t>
-            </a:fld>
-            <a:endParaRPr lang="en-US" dirty="0"/>
-          </a:p>
-        </p:txBody>
-      </p:sp>
-      <p:sp>
-        <p:nvSpPr>
-          <p:cNvPr id="6" name="Footer Placeholder 5"/>
-          <p:cNvSpPr>
-            <a:spLocks noGrp="1"/>
-          </p:cNvSpPr>
-          <p:nvPr>
-            <p:ph type="ftr" sz="quarter" idx="11"/>
-          </p:nvPr>
-        </p:nvSpPr>
-        <p:spPr/>
-        <p:txBody>
-          <a:bodyPr/>
-          <a:lstStyle/>
-          <a:p>
-            <a:endParaRPr lang="en-US" dirty="0"/>
-          </a:p>
-        </p:txBody>
-      </p:sp>
-      <p:sp>
-        <p:nvSpPr>
-          <p:cNvPr id="7" name="Slide Number Placeholder 6"/>
-          <p:cNvSpPr>
-            <a:spLocks noGrp="1"/>
-          </p:cNvSpPr>
-          <p:nvPr>
-            <p:ph type="sldNum" sz="quarter" idx="12"/>
-          </p:nvPr>
-        </p:nvSpPr>
-        <p:spPr/>
-        <p:txBody>
-          <a:bodyPr/>
-          <a:lstStyle/>
-          <a:p>
-            <a:fld id="{D57F1E4F-1CFF-5643-939E-217C01CDF565}" type="slidenum">
-              <a:rPr lang="en-US" smtClean="0"/>
-              <a:pPr/>
-              <a:t>‹#›</a:t>
-            </a:fld>
-            <a:endParaRPr lang="en-US" dirty="0"/>
-          </a:p>
-        </p:txBody>
-      </p:sp>
-    </p:spTree>
-    <p:extLst>
-      <p:ext uri="{BB962C8B-B14F-4D97-AF65-F5344CB8AC3E}">
-        <p14:creationId xmlns:p14="http://schemas.microsoft.com/office/powerpoint/2010/main" val="325935065"/>
-      </p:ext>
-    </p:extLst>
-  </p:cSld>
-  <p:clrMapOvr>
-    <a:masterClrMapping/>
-  </p:clrMapOvr>
-</p:sldLayout>
-</file>
-
-<file path=ppt/slideLayouts/slideLayout11.xml><?xml version="1.0" encoding="utf-8"?>
-<p:sldLayout xmlns:a="http://schemas.openxmlformats.org/drawingml/2006/main" xmlns:r="http://schemas.openxmlformats.org/officeDocument/2006/relationships" xmlns:p="http://schemas.openxmlformats.org/presentationml/2006/main" preserve="1">
-  <p:cSld name="Title and Caption">
-    <p:spTree>
-      <p:nvGrpSpPr>
-        <p:cNvPr id="1" name=""/>
-        <p:cNvGrpSpPr/>
-        <p:nvPr/>
-      </p:nvGrpSpPr>
-      <p:grpSpPr>
-        <a:xfrm>
-          <a:off x="0" y="0"/>
-          <a:ext cx="0" cy="0"/>
-          <a:chOff x="0" y="0"/>
-          <a:chExt cx="0" cy="0"/>
-        </a:xfrm>
-      </p:grpSpPr>
-      <p:sp>
-        <p:nvSpPr>
-          <p:cNvPr id="2" name="Title 1"/>
-          <p:cNvSpPr>
-            <a:spLocks noGrp="1"/>
-          </p:cNvSpPr>
-          <p:nvPr>
-            <p:ph type="title"/>
-          </p:nvPr>
-        </p:nvSpPr>
-        <p:spPr>
-          <a:xfrm>
-            <a:off x="839788" y="365125"/>
-            <a:ext cx="10515600" cy="3534344"/>
-          </a:xfrm>
-        </p:spPr>
-        <p:txBody>
-          <a:bodyPr anchor="ctr"/>
-          <a:lstStyle>
-            <a:lvl1pPr>
-              <a:defRPr sz="3200"/>
-            </a:lvl1pPr>
-          </a:lstStyle>
-          <a:p>
-            <a:r>
-              <a:rPr lang="en-AU" smtClean="0"/>
-              <a:t>Click to edit Master title style</a:t>
-            </a:r>
-            <a:endParaRPr lang="en-US" dirty="0"/>
-          </a:p>
-        </p:txBody>
-      </p:sp>
-      <p:sp>
-        <p:nvSpPr>
-          <p:cNvPr id="4" name="Text Placeholder 3"/>
-          <p:cNvSpPr>
-            <a:spLocks noGrp="1"/>
-          </p:cNvSpPr>
-          <p:nvPr>
-            <p:ph type="body" sz="half" idx="2"/>
-          </p:nvPr>
-        </p:nvSpPr>
-        <p:spPr>
-          <a:xfrm>
-            <a:off x="839788" y="4489399"/>
-            <a:ext cx="10514012" cy="1501826"/>
-          </a:xfrm>
-        </p:spPr>
-        <p:txBody>
-          <a:bodyPr anchor="ctr"/>
-          <a:lstStyle>
-            <a:lvl1pPr marL="0" indent="0">
-              <a:buNone/>
-              <a:defRPr sz="1600"/>
-            </a:lvl1pPr>
-            <a:lvl2pPr marL="457200" indent="0">
-              <a:buNone/>
-              <a:defRPr sz="1400"/>
-            </a:lvl2pPr>
-            <a:lvl3pPr marL="914400" indent="0">
-              <a:buNone/>
-              <a:defRPr sz="1200"/>
-            </a:lvl3pPr>
-            <a:lvl4pPr marL="1371600" indent="0">
-              <a:buNone/>
-              <a:defRPr sz="1000"/>
-            </a:lvl4pPr>
-            <a:lvl5pPr marL="1828800" indent="0">
-              <a:buNone/>
-              <a:defRPr sz="1000"/>
-            </a:lvl5pPr>
-            <a:lvl6pPr marL="2286000" indent="0">
-              <a:buNone/>
-              <a:defRPr sz="1000"/>
-            </a:lvl6pPr>
-            <a:lvl7pPr marL="2743200" indent="0">
-              <a:buNone/>
-              <a:defRPr sz="1000"/>
-            </a:lvl7pPr>
-            <a:lvl8pPr marL="3200400" indent="0">
-              <a:buNone/>
-              <a:defRPr sz="1000"/>
-            </a:lvl8pPr>
-            <a:lvl9pPr marL="3657600" indent="0">
-              <a:buNone/>
-              <a:defRPr sz="1000"/>
-            </a:lvl9pPr>
-          </a:lstStyle>
-          <a:p>
-            <a:pPr lvl="0"/>
-            <a:r>
-              <a:rPr lang="en-AU" smtClean="0"/>
-              <a:t>Click to edit Master text styles</a:t>
-            </a:r>
-          </a:p>
-        </p:txBody>
-      </p:sp>
-      <p:sp>
-        <p:nvSpPr>
-          <p:cNvPr id="5" name="Date Placeholder 4"/>
-          <p:cNvSpPr>
-            <a:spLocks noGrp="1"/>
-          </p:cNvSpPr>
-          <p:nvPr>
-            <p:ph type="dt" sz="half" idx="10"/>
-          </p:nvPr>
-        </p:nvSpPr>
-        <p:spPr/>
-        <p:txBody>
-          <a:bodyPr/>
-          <a:lstStyle/>
-          <a:p>
-            <a:fld id="{5BCCCF4B-23DA-5545-B2B5-250FDF217E2A}" type="datetime1">
-              <a:rPr lang="en-AU" smtClean="0"/>
-              <a:t>30/05/2016</a:t>
-            </a:fld>
-            <a:endParaRPr lang="en-US" dirty="0"/>
-          </a:p>
-        </p:txBody>
-      </p:sp>
-      <p:sp>
-        <p:nvSpPr>
-          <p:cNvPr id="6" name="Footer Placeholder 5"/>
-          <p:cNvSpPr>
-            <a:spLocks noGrp="1"/>
-          </p:cNvSpPr>
-          <p:nvPr>
-            <p:ph type="ftr" sz="quarter" idx="11"/>
-          </p:nvPr>
-        </p:nvSpPr>
-        <p:spPr/>
-        <p:txBody>
-          <a:bodyPr/>
-          <a:lstStyle/>
-          <a:p>
-            <a:endParaRPr lang="en-US" dirty="0"/>
-          </a:p>
-        </p:txBody>
-      </p:sp>
-      <p:sp>
-        <p:nvSpPr>
-          <p:cNvPr id="7" name="Slide Number Placeholder 6"/>
-          <p:cNvSpPr>
-            <a:spLocks noGrp="1"/>
-          </p:cNvSpPr>
-          <p:nvPr>
-            <p:ph type="sldNum" sz="quarter" idx="12"/>
-          </p:nvPr>
-        </p:nvSpPr>
-        <p:spPr/>
-        <p:txBody>
-          <a:bodyPr/>
-          <a:lstStyle/>
-          <a:p>
-            <a:fld id="{D57F1E4F-1CFF-5643-939E-217C01CDF565}" type="slidenum">
-              <a:rPr lang="en-US" smtClean="0"/>
-              <a:pPr/>
-              <a:t>‹#›</a:t>
-            </a:fld>
-            <a:endParaRPr lang="en-US" dirty="0"/>
-          </a:p>
-        </p:txBody>
-      </p:sp>
-    </p:spTree>
-    <p:extLst>
-      <p:ext uri="{BB962C8B-B14F-4D97-AF65-F5344CB8AC3E}">
-        <p14:creationId xmlns:p14="http://schemas.microsoft.com/office/powerpoint/2010/main" val="1907337605"/>
-      </p:ext>
-    </p:extLst>
-  </p:cSld>
-  <p:clrMapOvr>
-    <a:masterClrMapping/>
-  </p:clrMapOvr>
-</p:sldLayout>
-</file>
-
-<file path=ppt/slideLayouts/slideLayout12.xml><?xml version="1.0" encoding="utf-8"?>
-<p:sldLayout xmlns:a="http://schemas.openxmlformats.org/drawingml/2006/main" xmlns:r="http://schemas.openxmlformats.org/officeDocument/2006/relationships" xmlns:p="http://schemas.openxmlformats.org/presentationml/2006/main" preserve="1">
-  <p:cSld name="Quote with Caption">
-    <p:spTree>
-      <p:nvGrpSpPr>
-        <p:cNvPr id="1" name=""/>
-        <p:cNvGrpSpPr/>
-        <p:nvPr/>
-      </p:nvGrpSpPr>
-      <p:grpSpPr>
-        <a:xfrm>
-          <a:off x="0" y="0"/>
-          <a:ext cx="0" cy="0"/>
-          <a:chOff x="0" y="0"/>
-          <a:chExt cx="0" cy="0"/>
-        </a:xfrm>
-      </p:grpSpPr>
-      <p:sp>
-        <p:nvSpPr>
-          <p:cNvPr id="2" name="Title 1"/>
-          <p:cNvSpPr>
-            <a:spLocks noGrp="1"/>
-          </p:cNvSpPr>
-          <p:nvPr>
-            <p:ph type="title"/>
-          </p:nvPr>
-        </p:nvSpPr>
-        <p:spPr>
-          <a:xfrm>
-            <a:off x="1446212" y="365125"/>
-            <a:ext cx="9302752" cy="2992904"/>
-          </a:xfrm>
-        </p:spPr>
-        <p:txBody>
-          <a:bodyPr anchor="ctr"/>
-          <a:lstStyle>
-            <a:lvl1pPr>
-              <a:defRPr sz="4400"/>
-            </a:lvl1pPr>
-          </a:lstStyle>
-          <a:p>
-            <a:r>
-              <a:rPr lang="en-AU" smtClean="0"/>
-              <a:t>Click to edit Master title style</a:t>
-            </a:r>
-            <a:endParaRPr lang="en-US" dirty="0"/>
-          </a:p>
-        </p:txBody>
-      </p:sp>
-      <p:sp>
-        <p:nvSpPr>
-          <p:cNvPr id="12" name="Text Placeholder 3"/>
-          <p:cNvSpPr>
-            <a:spLocks noGrp="1"/>
-          </p:cNvSpPr>
-          <p:nvPr>
-            <p:ph type="body" sz="half" idx="13"/>
-          </p:nvPr>
-        </p:nvSpPr>
-        <p:spPr>
-          <a:xfrm>
-            <a:off x="1720644" y="3365557"/>
-            <a:ext cx="8752299" cy="548968"/>
-          </a:xfrm>
-        </p:spPr>
-        <p:txBody>
-          <a:bodyPr anchor="t">
-            <a:normAutofit/>
-          </a:bodyPr>
-          <a:lstStyle>
-            <a:lvl1pPr marL="0" indent="0">
-              <a:buNone/>
-              <a:defRPr sz="1400"/>
-            </a:lvl1pPr>
-            <a:lvl2pPr marL="457200" indent="0">
-              <a:buNone/>
-              <a:defRPr sz="1400"/>
-            </a:lvl2pPr>
-            <a:lvl3pPr marL="914400" indent="0">
-              <a:buNone/>
-              <a:defRPr sz="1200"/>
-            </a:lvl3pPr>
-            <a:lvl4pPr marL="1371600" indent="0">
-              <a:buNone/>
-              <a:defRPr sz="1000"/>
-            </a:lvl4pPr>
-            <a:lvl5pPr marL="1828800" indent="0">
-              <a:buNone/>
-              <a:defRPr sz="1000"/>
-            </a:lvl5pPr>
-            <a:lvl6pPr marL="2286000" indent="0">
-              <a:buNone/>
-              <a:defRPr sz="1000"/>
-            </a:lvl6pPr>
-            <a:lvl7pPr marL="2743200" indent="0">
-              <a:buNone/>
-              <a:defRPr sz="1000"/>
-            </a:lvl7pPr>
-            <a:lvl8pPr marL="3200400" indent="0">
-              <a:buNone/>
-              <a:defRPr sz="1000"/>
-            </a:lvl8pPr>
-            <a:lvl9pPr marL="3657600" indent="0">
-              <a:buNone/>
-              <a:defRPr sz="1000"/>
-            </a:lvl9pPr>
-          </a:lstStyle>
-          <a:p>
-            <a:pPr lvl="0"/>
-            <a:r>
-              <a:rPr lang="en-AU" smtClean="0"/>
-              <a:t>Click to edit Master text styles</a:t>
-            </a:r>
-          </a:p>
-        </p:txBody>
-      </p:sp>
-      <p:sp>
-        <p:nvSpPr>
-          <p:cNvPr id="4" name="Text Placeholder 3"/>
-          <p:cNvSpPr>
-            <a:spLocks noGrp="1"/>
-          </p:cNvSpPr>
-          <p:nvPr>
-            <p:ph type="body" sz="half" idx="2"/>
-          </p:nvPr>
-        </p:nvSpPr>
-        <p:spPr>
-          <a:xfrm>
-            <a:off x="838200" y="4501729"/>
-            <a:ext cx="10512424" cy="1489496"/>
-          </a:xfrm>
-        </p:spPr>
-        <p:txBody>
-          <a:bodyPr anchor="ctr">
-            <a:normAutofit/>
-          </a:bodyPr>
-          <a:lstStyle>
-            <a:lvl1pPr marL="0" indent="0">
-              <a:buNone/>
-              <a:defRPr sz="1600"/>
-            </a:lvl1pPr>
-            <a:lvl2pPr marL="457200" indent="0">
-              <a:buNone/>
-              <a:defRPr sz="1400"/>
-            </a:lvl2pPr>
-            <a:lvl3pPr marL="914400" indent="0">
-              <a:buNone/>
-              <a:defRPr sz="1200"/>
-            </a:lvl3pPr>
-            <a:lvl4pPr marL="1371600" indent="0">
-              <a:buNone/>
-              <a:defRPr sz="1000"/>
-            </a:lvl4pPr>
-            <a:lvl5pPr marL="1828800" indent="0">
-              <a:buNone/>
-              <a:defRPr sz="1000"/>
-            </a:lvl5pPr>
-            <a:lvl6pPr marL="2286000" indent="0">
-              <a:buNone/>
-              <a:defRPr sz="1000"/>
-            </a:lvl6pPr>
-            <a:lvl7pPr marL="2743200" indent="0">
-              <a:buNone/>
-              <a:defRPr sz="1000"/>
-            </a:lvl7pPr>
-            <a:lvl8pPr marL="3200400" indent="0">
-              <a:buNone/>
-              <a:defRPr sz="1000"/>
-            </a:lvl8pPr>
-            <a:lvl9pPr marL="3657600" indent="0">
-              <a:buNone/>
-              <a:defRPr sz="1000"/>
-            </a:lvl9pPr>
-          </a:lstStyle>
-          <a:p>
-            <a:pPr lvl="0"/>
-            <a:r>
-              <a:rPr lang="en-AU" smtClean="0"/>
-              <a:t>Click to edit Master text styles</a:t>
-            </a:r>
-          </a:p>
-        </p:txBody>
-      </p:sp>
-      <p:sp>
-        <p:nvSpPr>
-          <p:cNvPr id="5" name="Date Placeholder 4"/>
-          <p:cNvSpPr>
-            <a:spLocks noGrp="1"/>
-          </p:cNvSpPr>
-          <p:nvPr>
-            <p:ph type="dt" sz="half" idx="10"/>
-          </p:nvPr>
-        </p:nvSpPr>
-        <p:spPr/>
-        <p:txBody>
-          <a:bodyPr/>
-          <a:lstStyle/>
-          <a:p>
-            <a:fld id="{E608C734-6197-AA47-95FE-5056446AFDF1}" type="datetime1">
-              <a:rPr lang="en-AU" smtClean="0"/>
-              <a:t>30/05/2016</a:t>
-            </a:fld>
-            <a:endParaRPr lang="en-US" dirty="0"/>
-          </a:p>
-        </p:txBody>
-      </p:sp>
-      <p:sp>
-        <p:nvSpPr>
-          <p:cNvPr id="6" name="Footer Placeholder 5"/>
-          <p:cNvSpPr>
-            <a:spLocks noGrp="1"/>
-          </p:cNvSpPr>
-          <p:nvPr>
-            <p:ph type="ftr" sz="quarter" idx="11"/>
-          </p:nvPr>
-        </p:nvSpPr>
-        <p:spPr/>
-        <p:txBody>
-          <a:bodyPr/>
-          <a:lstStyle/>
-          <a:p>
-            <a:endParaRPr lang="en-US" dirty="0"/>
-          </a:p>
-        </p:txBody>
-      </p:sp>
-      <p:sp>
-        <p:nvSpPr>
-          <p:cNvPr id="7" name="Slide Number Placeholder 6"/>
-          <p:cNvSpPr>
-            <a:spLocks noGrp="1"/>
-          </p:cNvSpPr>
-          <p:nvPr>
-            <p:ph type="sldNum" sz="quarter" idx="12"/>
-          </p:nvPr>
-        </p:nvSpPr>
-        <p:spPr/>
-        <p:txBody>
-          <a:bodyPr/>
-          <a:lstStyle/>
-          <a:p>
-            <a:fld id="{D57F1E4F-1CFF-5643-939E-217C01CDF565}" type="slidenum">
-              <a:rPr lang="en-US" smtClean="0"/>
-              <a:pPr/>
-              <a:t>‹#›</a:t>
-            </a:fld>
-            <a:endParaRPr lang="en-US" dirty="0"/>
-          </a:p>
-        </p:txBody>
-      </p:sp>
-      <p:sp>
-        <p:nvSpPr>
-          <p:cNvPr id="9" name="TextBox 8"/>
-          <p:cNvSpPr txBox="1"/>
-          <p:nvPr/>
-        </p:nvSpPr>
-        <p:spPr>
-          <a:xfrm>
-            <a:off x="1111044" y="786824"/>
-            <a:ext cx="609600" cy="584776"/>
-          </a:xfrm>
-          <a:prstGeom prst="rect">
-            <a:avLst/>
-          </a:prstGeom>
-        </p:spPr>
-        <p:txBody>
-          <a:bodyPr vert="horz" lIns="91440" tIns="45720" rIns="91440" bIns="45720" rtlCol="0" anchor="ctr">
-            <a:noAutofit/>
-          </a:bodyPr>
-          <a:lstStyle>
-            <a:lvl1pPr>
-              <a:spcBef>
-                <a:spcPct val="0"/>
-              </a:spcBef>
-              <a:buNone/>
-              <a:defRPr sz="3200" b="0" cap="all">
-                <a:ln w="3175" cmpd="sng">
-                  <a:noFill/>
-                </a:ln>
-                <a:effectLst>
-                  <a:glow rad="38100">
-                    <a:schemeClr val="bg1">
-                      <a:lumMod val="65000"/>
-                      <a:lumOff val="35000"/>
-                      <a:alpha val="40000"/>
-                    </a:schemeClr>
-                  </a:glow>
-                  <a:outerShdw blurRad="28575" dist="38100" dir="14040000" algn="tl" rotWithShape="0">
-                    <a:srgbClr val="000000">
-                      <a:alpha val="25000"/>
-                    </a:srgbClr>
-                  </a:outerShdw>
-                </a:effectLst>
-              </a:defRPr>
-            </a:lvl1pPr>
-            <a:lvl2pPr>
-              <a:defRPr>
-                <a:solidFill>
-                  <a:schemeClr val="tx2"/>
-                </a:solidFill>
-              </a:defRPr>
-            </a:lvl2pPr>
-            <a:lvl3pPr>
-              <a:defRPr>
-                <a:solidFill>
-                  <a:schemeClr val="tx2"/>
-                </a:solidFill>
-              </a:defRPr>
-            </a:lvl3pPr>
-            <a:lvl4pPr>
-              <a:defRPr>
-                <a:solidFill>
-                  <a:schemeClr val="tx2"/>
-                </a:solidFill>
-              </a:defRPr>
-            </a:lvl4pPr>
-            <a:lvl5pPr>
-              <a:defRPr>
-                <a:solidFill>
-                  <a:schemeClr val="tx2"/>
-                </a:solidFill>
-              </a:defRPr>
-            </a:lvl5pPr>
-            <a:lvl6pPr>
-              <a:defRPr>
-                <a:solidFill>
-                  <a:schemeClr val="tx2"/>
-                </a:solidFill>
-              </a:defRPr>
-            </a:lvl6pPr>
-            <a:lvl7pPr>
-              <a:defRPr>
-                <a:solidFill>
-                  <a:schemeClr val="tx2"/>
-                </a:solidFill>
-              </a:defRPr>
-            </a:lvl7pPr>
-            <a:lvl8pPr>
-              <a:defRPr>
-                <a:solidFill>
-                  <a:schemeClr val="tx2"/>
-                </a:solidFill>
-              </a:defRPr>
-            </a:lvl8pPr>
-            <a:lvl9pPr>
-              <a:defRPr>
-                <a:solidFill>
-                  <a:schemeClr val="tx2"/>
-                </a:solidFill>
-              </a:defRPr>
-            </a:lvl9pPr>
-          </a:lstStyle>
-          <a:p>
-            <a:pPr lvl="0"/>
-            <a:r>
-              <a:rPr lang="en-US" sz="8000" dirty="0">
-                <a:solidFill>
-                  <a:schemeClr val="tx1"/>
-                </a:solidFill>
-                <a:effectLst/>
-              </a:rPr>
-              <a:t>“</a:t>
-            </a:r>
-          </a:p>
-        </p:txBody>
-      </p:sp>
-      <p:sp>
-        <p:nvSpPr>
-          <p:cNvPr id="10" name="TextBox 9"/>
-          <p:cNvSpPr txBox="1"/>
-          <p:nvPr/>
-        </p:nvSpPr>
-        <p:spPr>
-          <a:xfrm>
-            <a:off x="10437812" y="2743200"/>
-            <a:ext cx="609600" cy="584776"/>
-          </a:xfrm>
-          <a:prstGeom prst="rect">
-            <a:avLst/>
-          </a:prstGeom>
-        </p:spPr>
-        <p:txBody>
-          <a:bodyPr vert="horz" lIns="91440" tIns="45720" rIns="91440" bIns="45720" rtlCol="0" anchor="ctr">
-            <a:noAutofit/>
-          </a:bodyPr>
-          <a:lstStyle>
-            <a:lvl1pPr>
-              <a:spcBef>
-                <a:spcPct val="0"/>
-              </a:spcBef>
-              <a:buNone/>
-              <a:defRPr sz="3200" b="0" cap="all">
-                <a:ln w="3175" cmpd="sng">
-                  <a:noFill/>
-                </a:ln>
-                <a:effectLst>
-                  <a:glow rad="38100">
-                    <a:schemeClr val="bg1">
-                      <a:lumMod val="65000"/>
-                      <a:lumOff val="35000"/>
-                      <a:alpha val="40000"/>
-                    </a:schemeClr>
-                  </a:glow>
-                  <a:outerShdw blurRad="28575" dist="38100" dir="14040000" algn="tl" rotWithShape="0">
-                    <a:srgbClr val="000000">
-                      <a:alpha val="25000"/>
-                    </a:srgbClr>
-                  </a:outerShdw>
-                </a:effectLst>
-              </a:defRPr>
-            </a:lvl1pPr>
-            <a:lvl2pPr>
-              <a:defRPr>
-                <a:solidFill>
-                  <a:schemeClr val="tx2"/>
-                </a:solidFill>
-              </a:defRPr>
-            </a:lvl2pPr>
-            <a:lvl3pPr>
-              <a:defRPr>
-                <a:solidFill>
-                  <a:schemeClr val="tx2"/>
-                </a:solidFill>
-              </a:defRPr>
-            </a:lvl3pPr>
-            <a:lvl4pPr>
-              <a:defRPr>
-                <a:solidFill>
-                  <a:schemeClr val="tx2"/>
-                </a:solidFill>
-              </a:defRPr>
-            </a:lvl4pPr>
-            <a:lvl5pPr>
-              <a:defRPr>
-                <a:solidFill>
-                  <a:schemeClr val="tx2"/>
-                </a:solidFill>
-              </a:defRPr>
-            </a:lvl5pPr>
-            <a:lvl6pPr>
-              <a:defRPr>
-                <a:solidFill>
-                  <a:schemeClr val="tx2"/>
-                </a:solidFill>
-              </a:defRPr>
-            </a:lvl6pPr>
-            <a:lvl7pPr>
-              <a:defRPr>
-                <a:solidFill>
-                  <a:schemeClr val="tx2"/>
-                </a:solidFill>
-              </a:defRPr>
-            </a:lvl7pPr>
-            <a:lvl8pPr>
-              <a:defRPr>
-                <a:solidFill>
-                  <a:schemeClr val="tx2"/>
-                </a:solidFill>
-              </a:defRPr>
-            </a:lvl8pPr>
-            <a:lvl9pPr>
-              <a:defRPr>
-                <a:solidFill>
-                  <a:schemeClr val="tx2"/>
-                </a:solidFill>
-              </a:defRPr>
-            </a:lvl9pPr>
-          </a:lstStyle>
-          <a:p>
-            <a:pPr lvl="0" algn="r"/>
-            <a:r>
-              <a:rPr lang="en-US" sz="8000" dirty="0">
-                <a:solidFill>
-                  <a:schemeClr val="tx1"/>
-                </a:solidFill>
-                <a:effectLst/>
-              </a:rPr>
-              <a:t>”</a:t>
-            </a:r>
-          </a:p>
-        </p:txBody>
-      </p:sp>
-    </p:spTree>
-    <p:extLst>
-      <p:ext uri="{BB962C8B-B14F-4D97-AF65-F5344CB8AC3E}">
-        <p14:creationId xmlns:p14="http://schemas.microsoft.com/office/powerpoint/2010/main" val="1134728466"/>
-      </p:ext>
-    </p:extLst>
-  </p:cSld>
-  <p:clrMapOvr>
-    <a:masterClrMapping/>
-  </p:clrMapOvr>
-</p:sldLayout>
-</file>
-
-<file path=ppt/slideLayouts/slideLayout13.xml><?xml version="1.0" encoding="utf-8"?>
-<p:sldLayout xmlns:a="http://schemas.openxmlformats.org/drawingml/2006/main" xmlns:r="http://schemas.openxmlformats.org/officeDocument/2006/relationships" xmlns:p="http://schemas.openxmlformats.org/presentationml/2006/main" preserve="1">
-  <p:cSld name="Name Card">
-    <p:spTree>
-      <p:nvGrpSpPr>
-        <p:cNvPr id="1" name=""/>
-        <p:cNvGrpSpPr/>
-        <p:nvPr/>
-      </p:nvGrpSpPr>
-      <p:grpSpPr>
-        <a:xfrm>
-          <a:off x="0" y="0"/>
-          <a:ext cx="0" cy="0"/>
-          <a:chOff x="0" y="0"/>
-          <a:chExt cx="0" cy="0"/>
-        </a:xfrm>
-      </p:grpSpPr>
-      <p:sp>
-        <p:nvSpPr>
-          <p:cNvPr id="2" name="Title 1"/>
-          <p:cNvSpPr>
-            <a:spLocks noGrp="1"/>
-          </p:cNvSpPr>
-          <p:nvPr>
-            <p:ph type="title"/>
-          </p:nvPr>
-        </p:nvSpPr>
-        <p:spPr>
-          <a:xfrm>
-            <a:off x="839788" y="2326967"/>
-            <a:ext cx="10515600" cy="2511835"/>
-          </a:xfrm>
-        </p:spPr>
-        <p:txBody>
-          <a:bodyPr anchor="b">
-            <a:normAutofit/>
-          </a:bodyPr>
-          <a:lstStyle>
-            <a:lvl1pPr>
-              <a:defRPr sz="5400"/>
-            </a:lvl1pPr>
-          </a:lstStyle>
-          <a:p>
-            <a:r>
-              <a:rPr lang="en-AU" smtClean="0"/>
-              <a:t>Click to edit Master title style</a:t>
-            </a:r>
-            <a:endParaRPr lang="en-US" dirty="0"/>
-          </a:p>
-        </p:txBody>
-      </p:sp>
-      <p:sp>
-        <p:nvSpPr>
-          <p:cNvPr id="4" name="Text Placeholder 3"/>
-          <p:cNvSpPr>
-            <a:spLocks noGrp="1"/>
-          </p:cNvSpPr>
-          <p:nvPr>
-            <p:ph type="body" sz="half" idx="2"/>
-          </p:nvPr>
-        </p:nvSpPr>
-        <p:spPr>
-          <a:xfrm>
-            <a:off x="839788" y="4850581"/>
-            <a:ext cx="10514012" cy="1140644"/>
-          </a:xfrm>
-        </p:spPr>
-        <p:txBody>
-          <a:bodyPr anchor="t"/>
-          <a:lstStyle>
-            <a:lvl1pPr marL="0" indent="0">
-              <a:buNone/>
-              <a:defRPr sz="1600"/>
-            </a:lvl1pPr>
-            <a:lvl2pPr marL="457200" indent="0">
-              <a:buNone/>
-              <a:defRPr sz="1400"/>
-            </a:lvl2pPr>
-            <a:lvl3pPr marL="914400" indent="0">
-              <a:buNone/>
-              <a:defRPr sz="1200"/>
-            </a:lvl3pPr>
-            <a:lvl4pPr marL="1371600" indent="0">
-              <a:buNone/>
-              <a:defRPr sz="1000"/>
-            </a:lvl4pPr>
-            <a:lvl5pPr marL="1828800" indent="0">
-              <a:buNone/>
-              <a:defRPr sz="1000"/>
-            </a:lvl5pPr>
-            <a:lvl6pPr marL="2286000" indent="0">
-              <a:buNone/>
-              <a:defRPr sz="1000"/>
-            </a:lvl6pPr>
-            <a:lvl7pPr marL="2743200" indent="0">
-              <a:buNone/>
-              <a:defRPr sz="1000"/>
-            </a:lvl7pPr>
-            <a:lvl8pPr marL="3200400" indent="0">
-              <a:buNone/>
-              <a:defRPr sz="1000"/>
-            </a:lvl8pPr>
-            <a:lvl9pPr marL="3657600" indent="0">
-              <a:buNone/>
-              <a:defRPr sz="1000"/>
-            </a:lvl9pPr>
-          </a:lstStyle>
-          <a:p>
-            <a:pPr lvl="0"/>
-            <a:r>
-              <a:rPr lang="en-AU" smtClean="0"/>
-              <a:t>Click to edit Master text styles</a:t>
-            </a:r>
-          </a:p>
-        </p:txBody>
-      </p:sp>
-      <p:sp>
-        <p:nvSpPr>
-          <p:cNvPr id="5" name="Date Placeholder 4"/>
-          <p:cNvSpPr>
-            <a:spLocks noGrp="1"/>
-          </p:cNvSpPr>
-          <p:nvPr>
-            <p:ph type="dt" sz="half" idx="10"/>
-          </p:nvPr>
-        </p:nvSpPr>
-        <p:spPr/>
-        <p:txBody>
-          <a:bodyPr/>
-          <a:lstStyle/>
-          <a:p>
-            <a:fld id="{BBAD2E7E-B1DA-144F-83C1-4214D1C60734}" type="datetime1">
-              <a:rPr lang="en-AU" smtClean="0"/>
-              <a:t>30/05/2016</a:t>
-            </a:fld>
-            <a:endParaRPr lang="en-US" dirty="0"/>
-          </a:p>
-        </p:txBody>
-      </p:sp>
-      <p:sp>
-        <p:nvSpPr>
-          <p:cNvPr id="6" name="Footer Placeholder 5"/>
-          <p:cNvSpPr>
-            <a:spLocks noGrp="1"/>
-          </p:cNvSpPr>
-          <p:nvPr>
-            <p:ph type="ftr" sz="quarter" idx="11"/>
-          </p:nvPr>
-        </p:nvSpPr>
-        <p:spPr/>
-        <p:txBody>
-          <a:bodyPr/>
-          <a:lstStyle/>
-          <a:p>
-            <a:endParaRPr lang="en-US" dirty="0"/>
-          </a:p>
-        </p:txBody>
-      </p:sp>
-      <p:sp>
-        <p:nvSpPr>
-          <p:cNvPr id="7" name="Slide Number Placeholder 6"/>
-          <p:cNvSpPr>
-            <a:spLocks noGrp="1"/>
-          </p:cNvSpPr>
-          <p:nvPr>
-            <p:ph type="sldNum" sz="quarter" idx="12"/>
-          </p:nvPr>
-        </p:nvSpPr>
-        <p:spPr/>
-        <p:txBody>
-          <a:bodyPr/>
-          <a:lstStyle/>
-          <a:p>
-            <a:fld id="{D57F1E4F-1CFF-5643-939E-217C01CDF565}" type="slidenum">
-              <a:rPr lang="en-US" smtClean="0"/>
-              <a:pPr/>
-              <a:t>‹#›</a:t>
-            </a:fld>
-            <a:endParaRPr lang="en-US" dirty="0"/>
-          </a:p>
-        </p:txBody>
-      </p:sp>
-    </p:spTree>
-    <p:extLst>
-      <p:ext uri="{BB962C8B-B14F-4D97-AF65-F5344CB8AC3E}">
-        <p14:creationId xmlns:p14="http://schemas.microsoft.com/office/powerpoint/2010/main" val="1726542702"/>
-      </p:ext>
-    </p:extLst>
-  </p:cSld>
-  <p:clrMapOvr>
-    <a:masterClrMapping/>
-  </p:clrMapOvr>
-</p:sldLayout>
-</file>
-
-<file path=ppt/slideLayouts/slideLayout14.xml><?xml version="1.0" encoding="utf-8"?>
-<p:sldLayout xmlns:a="http://schemas.openxmlformats.org/drawingml/2006/main" xmlns:r="http://schemas.openxmlformats.org/officeDocument/2006/relationships" xmlns:p="http://schemas.openxmlformats.org/presentationml/2006/main" preserve="1">
-  <p:cSld name="3 Column">
-    <p:spTree>
-      <p:nvGrpSpPr>
-        <p:cNvPr id="1" name=""/>
-        <p:cNvGrpSpPr/>
-        <p:nvPr/>
-      </p:nvGrpSpPr>
-      <p:grpSpPr>
-        <a:xfrm>
-          <a:off x="0" y="0"/>
-          <a:ext cx="0" cy="0"/>
-          <a:chOff x="0" y="0"/>
-          <a:chExt cx="0" cy="0"/>
-        </a:xfrm>
-      </p:grpSpPr>
-      <p:sp>
-        <p:nvSpPr>
-          <p:cNvPr id="15" name="Title 1"/>
-          <p:cNvSpPr>
-            <a:spLocks noGrp="1"/>
-          </p:cNvSpPr>
-          <p:nvPr>
-            <p:ph type="title"/>
-          </p:nvPr>
-        </p:nvSpPr>
-        <p:spPr>
-          <a:xfrm>
-            <a:off x="838200" y="365125"/>
-            <a:ext cx="10515600" cy="1325563"/>
-          </a:xfrm>
-        </p:spPr>
-        <p:txBody>
-          <a:bodyPr/>
-          <a:lstStyle/>
-          <a:p>
-            <a:r>
-              <a:rPr lang="en-AU" smtClean="0"/>
-              <a:t>Click to edit Master title style</a:t>
-            </a:r>
-            <a:endParaRPr lang="en-US" dirty="0"/>
-          </a:p>
-        </p:txBody>
-      </p:sp>
-      <p:sp>
-        <p:nvSpPr>
-          <p:cNvPr id="7" name="Text Placeholder 2"/>
-          <p:cNvSpPr>
-            <a:spLocks noGrp="1"/>
-          </p:cNvSpPr>
-          <p:nvPr>
-            <p:ph type="body" idx="1"/>
-          </p:nvPr>
-        </p:nvSpPr>
-        <p:spPr>
-          <a:xfrm>
-            <a:off x="1337282" y="1885950"/>
-            <a:ext cx="2946866" cy="576262"/>
-          </a:xfrm>
-        </p:spPr>
-        <p:txBody>
-          <a:bodyPr anchor="b">
-            <a:noAutofit/>
-          </a:bodyPr>
-          <a:lstStyle>
-            <a:lvl1pPr marL="0" indent="0">
-              <a:buNone/>
-              <a:defRPr sz="2400" b="0">
-                <a:gradFill>
-                  <a:gsLst>
-                    <a:gs pos="15000">
-                      <a:schemeClr val="tx2"/>
-                    </a:gs>
-                    <a:gs pos="73000">
-                      <a:schemeClr val="tx2">
-                        <a:lumMod val="60000"/>
-                        <a:lumOff val="40000"/>
-                      </a:schemeClr>
-                    </a:gs>
-                    <a:gs pos="0">
-                      <a:schemeClr val="tx2">
-                        <a:lumMod val="90000"/>
-                        <a:lumOff val="10000"/>
-                      </a:schemeClr>
-                    </a:gs>
-                    <a:gs pos="100000">
-                      <a:schemeClr val="tx2">
-                        <a:lumMod val="0"/>
-                        <a:lumOff val="100000"/>
-                      </a:schemeClr>
-                    </a:gs>
-                  </a:gsLst>
-                  <a:lin ang="16200000" scaled="1"/>
-                </a:gradFill>
-              </a:defRPr>
-            </a:lvl1pPr>
-            <a:lvl2pPr marL="457200" indent="0">
-              <a:buNone/>
-              <a:defRPr sz="2000" b="1"/>
-            </a:lvl2pPr>
-            <a:lvl3pPr marL="914400" indent="0">
-              <a:buNone/>
-              <a:defRPr sz="1800" b="1"/>
-            </a:lvl3pPr>
-            <a:lvl4pPr marL="1371600" indent="0">
-              <a:buNone/>
-              <a:defRPr sz="1600" b="1"/>
-            </a:lvl4pPr>
-            <a:lvl5pPr marL="1828800" indent="0">
-              <a:buNone/>
-              <a:defRPr sz="1600" b="1"/>
-            </a:lvl5pPr>
-            <a:lvl6pPr marL="2286000" indent="0">
-              <a:buNone/>
-              <a:defRPr sz="1600" b="1"/>
-            </a:lvl6pPr>
-            <a:lvl7pPr marL="2743200" indent="0">
-              <a:buNone/>
-              <a:defRPr sz="1600" b="1"/>
-            </a:lvl7pPr>
-            <a:lvl8pPr marL="3200400" indent="0">
-              <a:buNone/>
-              <a:defRPr sz="1600" b="1"/>
-            </a:lvl8pPr>
-            <a:lvl9pPr marL="3657600" indent="0">
-              <a:buNone/>
-              <a:defRPr sz="1600" b="1"/>
-            </a:lvl9pPr>
-          </a:lstStyle>
-          <a:p>
-            <a:pPr lvl="0"/>
-            <a:r>
-              <a:rPr lang="en-AU" smtClean="0"/>
-              <a:t>Click to edit Master text styles</a:t>
-            </a:r>
-          </a:p>
-        </p:txBody>
-      </p:sp>
-      <p:sp>
-        <p:nvSpPr>
-          <p:cNvPr id="8" name="Text Placeholder 3"/>
-          <p:cNvSpPr>
-            <a:spLocks noGrp="1"/>
-          </p:cNvSpPr>
-          <p:nvPr>
-            <p:ph type="body" sz="half" idx="15"/>
-          </p:nvPr>
-        </p:nvSpPr>
-        <p:spPr>
-          <a:xfrm>
-            <a:off x="1356798" y="2571750"/>
-            <a:ext cx="2927350" cy="3589338"/>
-          </a:xfrm>
-        </p:spPr>
-        <p:txBody>
-          <a:bodyPr anchor="t">
-            <a:normAutofit/>
-          </a:bodyPr>
-          <a:lstStyle>
-            <a:lvl1pPr marL="0" indent="0">
-              <a:buNone/>
-              <a:defRPr sz="1400"/>
-            </a:lvl1pPr>
-            <a:lvl2pPr marL="457200" indent="0">
-              <a:buNone/>
-              <a:defRPr sz="1200"/>
-            </a:lvl2pPr>
-            <a:lvl3pPr marL="914400" indent="0">
-              <a:buNone/>
-              <a:defRPr sz="1000"/>
-            </a:lvl3pPr>
-            <a:lvl4pPr marL="1371600" indent="0">
-              <a:buNone/>
-              <a:defRPr sz="900"/>
-            </a:lvl4pPr>
-            <a:lvl5pPr marL="1828800" indent="0">
-              <a:buNone/>
-              <a:defRPr sz="900"/>
-            </a:lvl5pPr>
-            <a:lvl6pPr marL="2286000" indent="0">
-              <a:buNone/>
-              <a:defRPr sz="900"/>
-            </a:lvl6pPr>
-            <a:lvl7pPr marL="2743200" indent="0">
-              <a:buNone/>
-              <a:defRPr sz="900"/>
-            </a:lvl7pPr>
-            <a:lvl8pPr marL="3200400" indent="0">
-              <a:buNone/>
-              <a:defRPr sz="900"/>
-            </a:lvl8pPr>
-            <a:lvl9pPr marL="3657600" indent="0">
-              <a:buNone/>
-              <a:defRPr sz="900"/>
-            </a:lvl9pPr>
-          </a:lstStyle>
-          <a:p>
-            <a:pPr lvl="0"/>
-            <a:r>
-              <a:rPr lang="en-AU" smtClean="0"/>
-              <a:t>Click to edit Master text styles</a:t>
-            </a:r>
-          </a:p>
-        </p:txBody>
-      </p:sp>
-      <p:sp>
-        <p:nvSpPr>
-          <p:cNvPr id="9" name="Text Placeholder 4"/>
-          <p:cNvSpPr>
-            <a:spLocks noGrp="1"/>
-          </p:cNvSpPr>
-          <p:nvPr>
-            <p:ph type="body" sz="quarter" idx="3"/>
-          </p:nvPr>
-        </p:nvSpPr>
-        <p:spPr>
-          <a:xfrm>
-            <a:off x="4587994" y="1885950"/>
-            <a:ext cx="2936241" cy="576262"/>
-          </a:xfrm>
-        </p:spPr>
-        <p:txBody>
-          <a:bodyPr vert="horz" lIns="91440" tIns="45720" rIns="91440" bIns="45720" rtlCol="0" anchor="b">
-            <a:noAutofit/>
-          </a:bodyPr>
-          <a:lstStyle>
-            <a:lvl1pPr>
-              <a:buNone/>
-              <a:defRPr lang="en-US" sz="2400" b="0">
-                <a:gradFill>
-                  <a:gsLst>
-                    <a:gs pos="15000">
-                      <a:schemeClr val="tx2"/>
-                    </a:gs>
-                    <a:gs pos="73000">
-                      <a:schemeClr val="tx2">
-                        <a:lumMod val="60000"/>
-                        <a:lumOff val="40000"/>
-                      </a:schemeClr>
-                    </a:gs>
-                    <a:gs pos="0">
-                      <a:schemeClr val="tx2">
-                        <a:lumMod val="90000"/>
-                        <a:lumOff val="10000"/>
-                      </a:schemeClr>
-                    </a:gs>
-                    <a:gs pos="100000">
-                      <a:schemeClr val="tx2">
-                        <a:lumMod val="0"/>
-                        <a:lumOff val="100000"/>
-                      </a:schemeClr>
-                    </a:gs>
-                  </a:gsLst>
-                  <a:lin ang="16200000" scaled="1"/>
-                </a:gradFill>
-              </a:defRPr>
-            </a:lvl1pPr>
-          </a:lstStyle>
-          <a:p>
-            <a:pPr marL="0" lvl="0" indent="0">
-              <a:buNone/>
-            </a:pPr>
-            <a:r>
-              <a:rPr lang="en-AU" smtClean="0"/>
-              <a:t>Click to edit Master text styles</a:t>
-            </a:r>
-          </a:p>
-        </p:txBody>
-      </p:sp>
-      <p:sp>
-        <p:nvSpPr>
-          <p:cNvPr id="10" name="Text Placeholder 3"/>
-          <p:cNvSpPr>
-            <a:spLocks noGrp="1"/>
-          </p:cNvSpPr>
-          <p:nvPr>
-            <p:ph type="body" sz="half" idx="16"/>
-          </p:nvPr>
-        </p:nvSpPr>
-        <p:spPr>
-          <a:xfrm>
-            <a:off x="4577441" y="2571750"/>
-            <a:ext cx="2946794" cy="3589338"/>
-          </a:xfrm>
-        </p:spPr>
-        <p:txBody>
-          <a:bodyPr anchor="t">
-            <a:normAutofit/>
-          </a:bodyPr>
-          <a:lstStyle>
-            <a:lvl1pPr marL="0" indent="0">
-              <a:buNone/>
-              <a:defRPr sz="1400"/>
-            </a:lvl1pPr>
-            <a:lvl2pPr marL="457200" indent="0">
-              <a:buNone/>
-              <a:defRPr sz="1200"/>
-            </a:lvl2pPr>
-            <a:lvl3pPr marL="914400" indent="0">
-              <a:buNone/>
-              <a:defRPr sz="1000"/>
-            </a:lvl3pPr>
-            <a:lvl4pPr marL="1371600" indent="0">
-              <a:buNone/>
-              <a:defRPr sz="900"/>
-            </a:lvl4pPr>
-            <a:lvl5pPr marL="1828800" indent="0">
-              <a:buNone/>
-              <a:defRPr sz="900"/>
-            </a:lvl5pPr>
-            <a:lvl6pPr marL="2286000" indent="0">
-              <a:buNone/>
-              <a:defRPr sz="900"/>
-            </a:lvl6pPr>
-            <a:lvl7pPr marL="2743200" indent="0">
-              <a:buNone/>
-              <a:defRPr sz="900"/>
-            </a:lvl7pPr>
-            <a:lvl8pPr marL="3200400" indent="0">
-              <a:buNone/>
-              <a:defRPr sz="900"/>
-            </a:lvl8pPr>
-            <a:lvl9pPr marL="3657600" indent="0">
-              <a:buNone/>
-              <a:defRPr sz="900"/>
-            </a:lvl9pPr>
-          </a:lstStyle>
-          <a:p>
-            <a:pPr lvl="0"/>
-            <a:r>
-              <a:rPr lang="en-AU" smtClean="0"/>
-              <a:t>Click to edit Master text styles</a:t>
-            </a:r>
-          </a:p>
-        </p:txBody>
-      </p:sp>
-      <p:sp>
-        <p:nvSpPr>
-          <p:cNvPr id="11" name="Text Placeholder 4"/>
-          <p:cNvSpPr>
-            <a:spLocks noGrp="1"/>
-          </p:cNvSpPr>
-          <p:nvPr>
-            <p:ph type="body" sz="quarter" idx="13"/>
-          </p:nvPr>
-        </p:nvSpPr>
-        <p:spPr>
-          <a:xfrm>
-            <a:off x="7829035" y="1885950"/>
-            <a:ext cx="2932113" cy="576262"/>
-          </a:xfrm>
-        </p:spPr>
-        <p:txBody>
-          <a:bodyPr vert="horz" lIns="91440" tIns="45720" rIns="91440" bIns="45720" rtlCol="0" anchor="b">
-            <a:noAutofit/>
-          </a:bodyPr>
-          <a:lstStyle>
-            <a:lvl1pPr>
-              <a:buNone/>
-              <a:defRPr lang="en-US" sz="2400" b="0" dirty="0">
-                <a:gradFill>
-                  <a:gsLst>
-                    <a:gs pos="15000">
-                      <a:schemeClr val="tx2"/>
-                    </a:gs>
-                    <a:gs pos="73000">
-                      <a:schemeClr val="tx2">
-                        <a:lumMod val="60000"/>
-                        <a:lumOff val="40000"/>
-                      </a:schemeClr>
-                    </a:gs>
-                    <a:gs pos="0">
-                      <a:schemeClr val="tx2">
-                        <a:lumMod val="90000"/>
-                        <a:lumOff val="10000"/>
-                      </a:schemeClr>
-                    </a:gs>
-                    <a:gs pos="100000">
-                      <a:schemeClr val="tx2">
-                        <a:lumMod val="0"/>
-                        <a:lumOff val="100000"/>
-                      </a:schemeClr>
-                    </a:gs>
-                  </a:gsLst>
-                  <a:lin ang="16200000" scaled="1"/>
-                </a:gradFill>
-              </a:defRPr>
-            </a:lvl1pPr>
-          </a:lstStyle>
-          <a:p>
-            <a:pPr marL="0" lvl="0" indent="0">
-              <a:buNone/>
-            </a:pPr>
-            <a:r>
-              <a:rPr lang="en-AU" smtClean="0"/>
-              <a:t>Click to edit Master text styles</a:t>
-            </a:r>
-          </a:p>
-        </p:txBody>
-      </p:sp>
-      <p:sp>
-        <p:nvSpPr>
-          <p:cNvPr id="12" name="Text Placeholder 3"/>
-          <p:cNvSpPr>
-            <a:spLocks noGrp="1"/>
-          </p:cNvSpPr>
-          <p:nvPr>
-            <p:ph type="body" sz="half" idx="17"/>
-          </p:nvPr>
-        </p:nvSpPr>
-        <p:spPr>
-          <a:xfrm>
-            <a:off x="7829035" y="2571750"/>
-            <a:ext cx="2932113" cy="3589338"/>
-          </a:xfrm>
-        </p:spPr>
-        <p:txBody>
-          <a:bodyPr anchor="t">
-            <a:normAutofit/>
-          </a:bodyPr>
-          <a:lstStyle>
-            <a:lvl1pPr marL="0" indent="0">
-              <a:buNone/>
-              <a:defRPr sz="1400"/>
-            </a:lvl1pPr>
-            <a:lvl2pPr marL="457200" indent="0">
-              <a:buNone/>
-              <a:defRPr sz="1200"/>
-            </a:lvl2pPr>
-            <a:lvl3pPr marL="914400" indent="0">
-              <a:buNone/>
-              <a:defRPr sz="1000"/>
-            </a:lvl3pPr>
-            <a:lvl4pPr marL="1371600" indent="0">
-              <a:buNone/>
-              <a:defRPr sz="900"/>
-            </a:lvl4pPr>
-            <a:lvl5pPr marL="1828800" indent="0">
-              <a:buNone/>
-              <a:defRPr sz="900"/>
-            </a:lvl5pPr>
-            <a:lvl6pPr marL="2286000" indent="0">
-              <a:buNone/>
-              <a:defRPr sz="900"/>
-            </a:lvl6pPr>
-            <a:lvl7pPr marL="2743200" indent="0">
-              <a:buNone/>
-              <a:defRPr sz="900"/>
-            </a:lvl7pPr>
-            <a:lvl8pPr marL="3200400" indent="0">
-              <a:buNone/>
-              <a:defRPr sz="900"/>
-            </a:lvl8pPr>
-            <a:lvl9pPr marL="3657600" indent="0">
-              <a:buNone/>
-              <a:defRPr sz="900"/>
-            </a:lvl9pPr>
-          </a:lstStyle>
-          <a:p>
-            <a:pPr lvl="0"/>
-            <a:r>
-              <a:rPr lang="en-AU" smtClean="0"/>
-              <a:t>Click to edit Master text styles</a:t>
-            </a:r>
-          </a:p>
-        </p:txBody>
-      </p:sp>
-      <p:sp>
-        <p:nvSpPr>
-          <p:cNvPr id="3" name="Date Placeholder 2"/>
-          <p:cNvSpPr>
-            <a:spLocks noGrp="1"/>
-          </p:cNvSpPr>
-          <p:nvPr>
-            <p:ph type="dt" sz="half" idx="10"/>
-          </p:nvPr>
-        </p:nvSpPr>
-        <p:spPr/>
-        <p:txBody>
-          <a:bodyPr/>
-          <a:lstStyle/>
-          <a:p>
-            <a:fld id="{461D22D2-8C63-BF44-A58B-C86FF09A4413}" type="datetime1">
-              <a:rPr lang="en-AU" smtClean="0"/>
-              <a:t>30/05/2016</a:t>
-            </a:fld>
-            <a:endParaRPr lang="en-US" dirty="0"/>
-          </a:p>
-        </p:txBody>
-      </p:sp>
-      <p:sp>
-        <p:nvSpPr>
-          <p:cNvPr id="4" name="Footer Placeholder 3"/>
-          <p:cNvSpPr>
-            <a:spLocks noGrp="1"/>
-          </p:cNvSpPr>
-          <p:nvPr>
-            <p:ph type="ftr" sz="quarter" idx="11"/>
-          </p:nvPr>
-        </p:nvSpPr>
-        <p:spPr/>
-        <p:txBody>
-          <a:bodyPr/>
-          <a:lstStyle/>
-          <a:p>
-            <a:endParaRPr lang="en-US" dirty="0"/>
-          </a:p>
-        </p:txBody>
-      </p:sp>
-      <p:sp>
-        <p:nvSpPr>
-          <p:cNvPr id="5" name="Slide Number Placeholder 4"/>
-          <p:cNvSpPr>
-            <a:spLocks noGrp="1"/>
-          </p:cNvSpPr>
-          <p:nvPr>
-            <p:ph type="sldNum" sz="quarter" idx="12"/>
-          </p:nvPr>
-        </p:nvSpPr>
-        <p:spPr/>
-        <p:txBody>
-          <a:bodyPr/>
-          <a:lstStyle/>
-          <a:p>
-            <a:fld id="{D57F1E4F-1CFF-5643-939E-217C01CDF565}" type="slidenum">
-              <a:rPr lang="en-US" smtClean="0"/>
-              <a:pPr/>
-              <a:t>‹#›</a:t>
-            </a:fld>
-            <a:endParaRPr lang="en-US" dirty="0"/>
-          </a:p>
-        </p:txBody>
-      </p:sp>
-    </p:spTree>
-    <p:extLst>
-      <p:ext uri="{BB962C8B-B14F-4D97-AF65-F5344CB8AC3E}">
-        <p14:creationId xmlns:p14="http://schemas.microsoft.com/office/powerpoint/2010/main" val="1204154250"/>
-      </p:ext>
-    </p:extLst>
-  </p:cSld>
-  <p:clrMapOvr>
-    <a:masterClrMapping/>
-  </p:clrMapOvr>
-</p:sldLayout>
-</file>
-
-<file path=ppt/slideLayouts/slideLayout15.xml><?xml version="1.0" encoding="utf-8"?>
-<p:sldLayout xmlns:a="http://schemas.openxmlformats.org/drawingml/2006/main" xmlns:r="http://schemas.openxmlformats.org/officeDocument/2006/relationships" xmlns:p="http://schemas.openxmlformats.org/presentationml/2006/main" preserve="1">
-  <p:cSld name="3 Picture Column">
-    <p:spTree>
-      <p:nvGrpSpPr>
-        <p:cNvPr id="1" name=""/>
-        <p:cNvGrpSpPr/>
-        <p:nvPr/>
-      </p:nvGrpSpPr>
-      <p:grpSpPr>
-        <a:xfrm>
-          <a:off x="0" y="0"/>
-          <a:ext cx="0" cy="0"/>
-          <a:chOff x="0" y="0"/>
-          <a:chExt cx="0" cy="0"/>
-        </a:xfrm>
-      </p:grpSpPr>
-      <p:sp>
-        <p:nvSpPr>
-          <p:cNvPr id="30" name="Title 1"/>
-          <p:cNvSpPr>
-            <a:spLocks noGrp="1"/>
-          </p:cNvSpPr>
-          <p:nvPr>
-            <p:ph type="title"/>
-          </p:nvPr>
-        </p:nvSpPr>
-        <p:spPr>
-          <a:xfrm>
-            <a:off x="838200" y="365125"/>
-            <a:ext cx="10515600" cy="1325563"/>
-          </a:xfrm>
-        </p:spPr>
-        <p:txBody>
-          <a:bodyPr/>
-          <a:lstStyle/>
-          <a:p>
-            <a:r>
-              <a:rPr lang="en-AU" smtClean="0"/>
-              <a:t>Click to edit Master title style</a:t>
-            </a:r>
-            <a:endParaRPr lang="en-US" dirty="0"/>
-          </a:p>
-        </p:txBody>
-      </p:sp>
-      <p:sp>
-        <p:nvSpPr>
-          <p:cNvPr id="19" name="Text Placeholder 2"/>
-          <p:cNvSpPr>
-            <a:spLocks noGrp="1"/>
-          </p:cNvSpPr>
-          <p:nvPr>
-            <p:ph type="body" idx="1"/>
-          </p:nvPr>
-        </p:nvSpPr>
-        <p:spPr>
-          <a:xfrm>
-            <a:off x="1332085" y="4297503"/>
-            <a:ext cx="2940050" cy="576262"/>
-          </a:xfrm>
-        </p:spPr>
-        <p:txBody>
-          <a:bodyPr anchor="b">
-            <a:noAutofit/>
-          </a:bodyPr>
-          <a:lstStyle>
-            <a:lvl1pPr marL="0" indent="0">
-              <a:buNone/>
-              <a:defRPr sz="2400" b="0">
-                <a:gradFill>
-                  <a:gsLst>
-                    <a:gs pos="34000">
-                      <a:schemeClr val="tx1">
-                        <a:lumMod val="93000"/>
-                      </a:schemeClr>
-                    </a:gs>
-                    <a:gs pos="0">
-                      <a:schemeClr val="bg1">
-                        <a:lumMod val="41000"/>
-                        <a:lumOff val="59000"/>
-                      </a:schemeClr>
-                    </a:gs>
-                    <a:gs pos="100000">
-                      <a:schemeClr val="tx2">
-                        <a:lumMod val="0"/>
-                        <a:lumOff val="100000"/>
-                      </a:schemeClr>
-                    </a:gs>
-                  </a:gsLst>
-                  <a:lin ang="4800000" scaled="0"/>
-                </a:gradFill>
-              </a:defRPr>
-            </a:lvl1pPr>
-            <a:lvl2pPr marL="457200" indent="0">
-              <a:buNone/>
-              <a:defRPr sz="2000" b="1"/>
-            </a:lvl2pPr>
-            <a:lvl3pPr marL="914400" indent="0">
-              <a:buNone/>
-              <a:defRPr sz="1800" b="1"/>
-            </a:lvl3pPr>
-            <a:lvl4pPr marL="1371600" indent="0">
-              <a:buNone/>
-              <a:defRPr sz="1600" b="1"/>
-            </a:lvl4pPr>
-            <a:lvl5pPr marL="1828800" indent="0">
-              <a:buNone/>
-              <a:defRPr sz="1600" b="1"/>
-            </a:lvl5pPr>
-            <a:lvl6pPr marL="2286000" indent="0">
-              <a:buNone/>
-              <a:defRPr sz="1600" b="1"/>
-            </a:lvl6pPr>
-            <a:lvl7pPr marL="2743200" indent="0">
-              <a:buNone/>
-              <a:defRPr sz="1600" b="1"/>
-            </a:lvl7pPr>
-            <a:lvl8pPr marL="3200400" indent="0">
-              <a:buNone/>
-              <a:defRPr sz="1600" b="1"/>
-            </a:lvl8pPr>
-            <a:lvl9pPr marL="3657600" indent="0">
-              <a:buNone/>
-              <a:defRPr sz="1600" b="1"/>
-            </a:lvl9pPr>
-          </a:lstStyle>
-          <a:p>
-            <a:pPr lvl="0"/>
-            <a:r>
-              <a:rPr lang="en-AU" smtClean="0"/>
-              <a:t>Click to edit Master text styles</a:t>
-            </a:r>
-          </a:p>
-        </p:txBody>
-      </p:sp>
-      <p:sp>
-        <p:nvSpPr>
-          <p:cNvPr id="20" name="Picture Placeholder 2"/>
-          <p:cNvSpPr>
-            <a:spLocks noGrp="1" noChangeAspect="1"/>
-          </p:cNvSpPr>
-          <p:nvPr>
-            <p:ph type="pic" idx="15"/>
-          </p:nvPr>
-        </p:nvSpPr>
-        <p:spPr>
-          <a:xfrm>
-            <a:off x="1332085" y="2256354"/>
-            <a:ext cx="2940050" cy="1524000"/>
-          </a:xfrm>
-          <a:prstGeom prst="roundRect">
-            <a:avLst>
-              <a:gd name="adj" fmla="val 1858"/>
-            </a:avLst>
-          </a:prstGeom>
-          <a:effectLst>
-            <a:outerShdw blurRad="50800" dist="50800" dir="5400000" algn="tl" rotWithShape="0">
-              <a:srgbClr val="000000">
-                <a:alpha val="43000"/>
-              </a:srgbClr>
-            </a:outerShdw>
-          </a:effectLst>
-        </p:spPr>
-        <p:txBody>
-          <a:bodyPr anchor="t">
-            <a:normAutofit/>
-          </a:bodyPr>
-          <a:lstStyle>
-            <a:lvl1pPr marL="0" indent="0" algn="ctr">
-              <a:buNone/>
-              <a:defRPr sz="1600"/>
-            </a:lvl1pPr>
-            <a:lvl2pPr marL="457200" indent="0">
-              <a:buNone/>
-              <a:defRPr sz="1600"/>
-            </a:lvl2pPr>
-            <a:lvl3pPr marL="914400" indent="0">
-              <a:buNone/>
-              <a:defRPr sz="1600"/>
-            </a:lvl3pPr>
-            <a:lvl4pPr marL="1371600" indent="0">
-              <a:buNone/>
-              <a:defRPr sz="1600"/>
-            </a:lvl4pPr>
-            <a:lvl5pPr marL="1828800" indent="0">
-              <a:buNone/>
-              <a:defRPr sz="1600"/>
-            </a:lvl5pPr>
-            <a:lvl6pPr marL="2286000" indent="0">
-              <a:buNone/>
-              <a:defRPr sz="1600"/>
-            </a:lvl6pPr>
-            <a:lvl7pPr marL="2743200" indent="0">
-              <a:buNone/>
-              <a:defRPr sz="1600"/>
-            </a:lvl7pPr>
-            <a:lvl8pPr marL="3200400" indent="0">
-              <a:buNone/>
-              <a:defRPr sz="1600"/>
-            </a:lvl8pPr>
-            <a:lvl9pPr marL="3657600" indent="0">
-              <a:buNone/>
-              <a:defRPr sz="1600"/>
-            </a:lvl9pPr>
-          </a:lstStyle>
-          <a:p>
-            <a:r>
-              <a:rPr lang="en-AU" smtClean="0"/>
-              <a:t>Drag picture to placeholder or click icon to add</a:t>
-            </a:r>
-            <a:endParaRPr lang="en-US" dirty="0"/>
-          </a:p>
-        </p:txBody>
-      </p:sp>
-      <p:sp>
-        <p:nvSpPr>
-          <p:cNvPr id="21" name="Text Placeholder 3"/>
-          <p:cNvSpPr>
-            <a:spLocks noGrp="1"/>
-          </p:cNvSpPr>
-          <p:nvPr>
-            <p:ph type="body" sz="half" idx="18"/>
-          </p:nvPr>
-        </p:nvSpPr>
-        <p:spPr>
-          <a:xfrm>
-            <a:off x="1332085" y="4873765"/>
-            <a:ext cx="2940050" cy="659189"/>
-          </a:xfrm>
-        </p:spPr>
-        <p:txBody>
-          <a:bodyPr anchor="t">
-            <a:normAutofit/>
-          </a:bodyPr>
-          <a:lstStyle>
-            <a:lvl1pPr marL="0" indent="0">
-              <a:buNone/>
-              <a:defRPr sz="1400"/>
-            </a:lvl1pPr>
-            <a:lvl2pPr marL="457200" indent="0">
-              <a:buNone/>
-              <a:defRPr sz="1200"/>
-            </a:lvl2pPr>
-            <a:lvl3pPr marL="914400" indent="0">
-              <a:buNone/>
-              <a:defRPr sz="1000"/>
-            </a:lvl3pPr>
-            <a:lvl4pPr marL="1371600" indent="0">
-              <a:buNone/>
-              <a:defRPr sz="900"/>
-            </a:lvl4pPr>
-            <a:lvl5pPr marL="1828800" indent="0">
-              <a:buNone/>
-              <a:defRPr sz="900"/>
-            </a:lvl5pPr>
-            <a:lvl6pPr marL="2286000" indent="0">
-              <a:buNone/>
-              <a:defRPr sz="900"/>
-            </a:lvl6pPr>
-            <a:lvl7pPr marL="2743200" indent="0">
-              <a:buNone/>
-              <a:defRPr sz="900"/>
-            </a:lvl7pPr>
-            <a:lvl8pPr marL="3200400" indent="0">
-              <a:buNone/>
-              <a:defRPr sz="900"/>
-            </a:lvl8pPr>
-            <a:lvl9pPr marL="3657600" indent="0">
-              <a:buNone/>
-              <a:defRPr sz="900"/>
-            </a:lvl9pPr>
-          </a:lstStyle>
-          <a:p>
-            <a:pPr lvl="0"/>
-            <a:r>
-              <a:rPr lang="en-AU" smtClean="0"/>
-              <a:t>Click to edit Master text styles</a:t>
-            </a:r>
-          </a:p>
-        </p:txBody>
-      </p:sp>
-      <p:sp>
-        <p:nvSpPr>
-          <p:cNvPr id="22" name="Text Placeholder 4"/>
-          <p:cNvSpPr>
-            <a:spLocks noGrp="1"/>
-          </p:cNvSpPr>
-          <p:nvPr>
-            <p:ph type="body" sz="quarter" idx="3"/>
-          </p:nvPr>
-        </p:nvSpPr>
-        <p:spPr>
-          <a:xfrm>
-            <a:off x="4568997" y="4297503"/>
-            <a:ext cx="2930525" cy="576262"/>
-          </a:xfrm>
-        </p:spPr>
-        <p:txBody>
-          <a:bodyPr anchor="b">
-            <a:noAutofit/>
-          </a:bodyPr>
-          <a:lstStyle>
-            <a:lvl1pPr marL="0" indent="0">
-              <a:buNone/>
-              <a:defRPr sz="2400" b="0">
-                <a:gradFill>
-                  <a:gsLst>
-                    <a:gs pos="34000">
-                      <a:schemeClr val="tx1">
-                        <a:lumMod val="93000"/>
-                      </a:schemeClr>
-                    </a:gs>
-                    <a:gs pos="0">
-                      <a:schemeClr val="bg1">
-                        <a:lumMod val="41000"/>
-                        <a:lumOff val="59000"/>
-                      </a:schemeClr>
-                    </a:gs>
-                    <a:gs pos="100000">
-                      <a:schemeClr val="tx2">
-                        <a:lumMod val="0"/>
-                        <a:lumOff val="100000"/>
-                      </a:schemeClr>
-                    </a:gs>
-                  </a:gsLst>
-                  <a:lin ang="4800000" scaled="0"/>
-                </a:gradFill>
-              </a:defRPr>
-            </a:lvl1pPr>
-            <a:lvl2pPr marL="457200" indent="0">
-              <a:buNone/>
-              <a:defRPr sz="2000" b="1"/>
-            </a:lvl2pPr>
-            <a:lvl3pPr marL="914400" indent="0">
-              <a:buNone/>
-              <a:defRPr sz="1800" b="1"/>
-            </a:lvl3pPr>
-            <a:lvl4pPr marL="1371600" indent="0">
-              <a:buNone/>
-              <a:defRPr sz="1600" b="1"/>
-            </a:lvl4pPr>
-            <a:lvl5pPr marL="1828800" indent="0">
-              <a:buNone/>
-              <a:defRPr sz="1600" b="1"/>
-            </a:lvl5pPr>
-            <a:lvl6pPr marL="2286000" indent="0">
-              <a:buNone/>
-              <a:defRPr sz="1600" b="1"/>
-            </a:lvl6pPr>
-            <a:lvl7pPr marL="2743200" indent="0">
-              <a:buNone/>
-              <a:defRPr sz="1600" b="1"/>
-            </a:lvl7pPr>
-            <a:lvl8pPr marL="3200400" indent="0">
-              <a:buNone/>
-              <a:defRPr sz="1600" b="1"/>
-            </a:lvl8pPr>
-            <a:lvl9pPr marL="3657600" indent="0">
-              <a:buNone/>
-              <a:defRPr sz="1600" b="1"/>
-            </a:lvl9pPr>
-          </a:lstStyle>
-          <a:p>
-            <a:pPr lvl="0"/>
-            <a:r>
-              <a:rPr lang="en-AU" smtClean="0"/>
-              <a:t>Click to edit Master text styles</a:t>
-            </a:r>
-          </a:p>
-        </p:txBody>
-      </p:sp>
-      <p:sp>
-        <p:nvSpPr>
-          <p:cNvPr id="23" name="Picture Placeholder 2"/>
-          <p:cNvSpPr>
-            <a:spLocks noGrp="1" noChangeAspect="1"/>
-          </p:cNvSpPr>
-          <p:nvPr>
-            <p:ph type="pic" idx="21"/>
-          </p:nvPr>
-        </p:nvSpPr>
-        <p:spPr>
-          <a:xfrm>
-            <a:off x="4568996" y="2256354"/>
-            <a:ext cx="2930525" cy="1524000"/>
-          </a:xfrm>
-          <a:prstGeom prst="roundRect">
-            <a:avLst>
-              <a:gd name="adj" fmla="val 1858"/>
-            </a:avLst>
-          </a:prstGeom>
-          <a:effectLst>
-            <a:outerShdw blurRad="50800" dist="50800" dir="5400000" algn="tl" rotWithShape="0">
-              <a:srgbClr val="000000">
-                <a:alpha val="43000"/>
-              </a:srgbClr>
-            </a:outerShdw>
-          </a:effectLst>
-        </p:spPr>
-        <p:txBody>
-          <a:bodyPr anchor="t">
-            <a:normAutofit/>
-          </a:bodyPr>
-          <a:lstStyle>
-            <a:lvl1pPr marL="0" indent="0" algn="ctr">
-              <a:buNone/>
-              <a:defRPr sz="1600"/>
-            </a:lvl1pPr>
-            <a:lvl2pPr marL="457200" indent="0">
-              <a:buNone/>
-              <a:defRPr sz="1600"/>
-            </a:lvl2pPr>
-            <a:lvl3pPr marL="914400" indent="0">
-              <a:buNone/>
-              <a:defRPr sz="1600"/>
-            </a:lvl3pPr>
-            <a:lvl4pPr marL="1371600" indent="0">
-              <a:buNone/>
-              <a:defRPr sz="1600"/>
-            </a:lvl4pPr>
-            <a:lvl5pPr marL="1828800" indent="0">
-              <a:buNone/>
-              <a:defRPr sz="1600"/>
-            </a:lvl5pPr>
-            <a:lvl6pPr marL="2286000" indent="0">
-              <a:buNone/>
-              <a:defRPr sz="1600"/>
-            </a:lvl6pPr>
-            <a:lvl7pPr marL="2743200" indent="0">
-              <a:buNone/>
-              <a:defRPr sz="1600"/>
-            </a:lvl7pPr>
-            <a:lvl8pPr marL="3200400" indent="0">
-              <a:buNone/>
-              <a:defRPr sz="1600"/>
-            </a:lvl8pPr>
-            <a:lvl9pPr marL="3657600" indent="0">
-              <a:buNone/>
-              <a:defRPr sz="1600"/>
-            </a:lvl9pPr>
-          </a:lstStyle>
-          <a:p>
-            <a:r>
-              <a:rPr lang="en-AU" smtClean="0"/>
-              <a:t>Drag picture to placeholder or click icon to add</a:t>
-            </a:r>
-            <a:endParaRPr lang="en-US" dirty="0"/>
-          </a:p>
-        </p:txBody>
-      </p:sp>
-      <p:sp>
-        <p:nvSpPr>
-          <p:cNvPr id="24" name="Text Placeholder 3"/>
-          <p:cNvSpPr>
-            <a:spLocks noGrp="1"/>
-          </p:cNvSpPr>
-          <p:nvPr>
-            <p:ph type="body" sz="half" idx="19"/>
-          </p:nvPr>
-        </p:nvSpPr>
-        <p:spPr>
-          <a:xfrm>
-            <a:off x="4567644" y="4873764"/>
-            <a:ext cx="2934406" cy="659189"/>
-          </a:xfrm>
-        </p:spPr>
-        <p:txBody>
-          <a:bodyPr anchor="t">
-            <a:normAutofit/>
-          </a:bodyPr>
-          <a:lstStyle>
-            <a:lvl1pPr marL="0" indent="0">
-              <a:buNone/>
-              <a:defRPr sz="1400"/>
-            </a:lvl1pPr>
-            <a:lvl2pPr marL="457200" indent="0">
-              <a:buNone/>
-              <a:defRPr sz="1200"/>
-            </a:lvl2pPr>
-            <a:lvl3pPr marL="914400" indent="0">
-              <a:buNone/>
-              <a:defRPr sz="1000"/>
-            </a:lvl3pPr>
-            <a:lvl4pPr marL="1371600" indent="0">
-              <a:buNone/>
-              <a:defRPr sz="900"/>
-            </a:lvl4pPr>
-            <a:lvl5pPr marL="1828800" indent="0">
-              <a:buNone/>
-              <a:defRPr sz="900"/>
-            </a:lvl5pPr>
-            <a:lvl6pPr marL="2286000" indent="0">
-              <a:buNone/>
-              <a:defRPr sz="900"/>
-            </a:lvl6pPr>
-            <a:lvl7pPr marL="2743200" indent="0">
-              <a:buNone/>
-              <a:defRPr sz="900"/>
-            </a:lvl7pPr>
-            <a:lvl8pPr marL="3200400" indent="0">
-              <a:buNone/>
-              <a:defRPr sz="900"/>
-            </a:lvl8pPr>
-            <a:lvl9pPr marL="3657600" indent="0">
-              <a:buNone/>
-              <a:defRPr sz="900"/>
-            </a:lvl9pPr>
-          </a:lstStyle>
-          <a:p>
-            <a:pPr lvl="0"/>
-            <a:r>
-              <a:rPr lang="en-AU" smtClean="0"/>
-              <a:t>Click to edit Master text styles</a:t>
-            </a:r>
-          </a:p>
-        </p:txBody>
-      </p:sp>
-      <p:sp>
-        <p:nvSpPr>
-          <p:cNvPr id="25" name="Text Placeholder 4"/>
-          <p:cNvSpPr>
-            <a:spLocks noGrp="1"/>
-          </p:cNvSpPr>
-          <p:nvPr>
-            <p:ph type="body" sz="quarter" idx="13"/>
-          </p:nvPr>
-        </p:nvSpPr>
-        <p:spPr>
-          <a:xfrm>
-            <a:off x="7804322" y="4297503"/>
-            <a:ext cx="2932113" cy="576262"/>
-          </a:xfrm>
-        </p:spPr>
-        <p:txBody>
-          <a:bodyPr anchor="b">
-            <a:noAutofit/>
-          </a:bodyPr>
-          <a:lstStyle>
-            <a:lvl1pPr marL="0" indent="0">
-              <a:buNone/>
-              <a:defRPr sz="2400" b="0">
-                <a:gradFill>
-                  <a:gsLst>
-                    <a:gs pos="34000">
-                      <a:schemeClr val="tx1">
-                        <a:lumMod val="93000"/>
-                      </a:schemeClr>
-                    </a:gs>
-                    <a:gs pos="0">
-                      <a:schemeClr val="bg1">
-                        <a:lumMod val="41000"/>
-                        <a:lumOff val="59000"/>
-                      </a:schemeClr>
-                    </a:gs>
-                    <a:gs pos="100000">
-                      <a:schemeClr val="tx2">
-                        <a:lumMod val="0"/>
-                        <a:lumOff val="100000"/>
-                      </a:schemeClr>
-                    </a:gs>
-                  </a:gsLst>
-                  <a:lin ang="4800000" scaled="0"/>
-                </a:gradFill>
-              </a:defRPr>
-            </a:lvl1pPr>
-            <a:lvl2pPr marL="457200" indent="0">
-              <a:buNone/>
-              <a:defRPr sz="2000" b="1"/>
-            </a:lvl2pPr>
-            <a:lvl3pPr marL="914400" indent="0">
-              <a:buNone/>
-              <a:defRPr sz="1800" b="1"/>
-            </a:lvl3pPr>
-            <a:lvl4pPr marL="1371600" indent="0">
-              <a:buNone/>
-              <a:defRPr sz="1600" b="1"/>
-            </a:lvl4pPr>
-            <a:lvl5pPr marL="1828800" indent="0">
-              <a:buNone/>
-              <a:defRPr sz="1600" b="1"/>
-            </a:lvl5pPr>
-            <a:lvl6pPr marL="2286000" indent="0">
-              <a:buNone/>
-              <a:defRPr sz="1600" b="1"/>
-            </a:lvl6pPr>
-            <a:lvl7pPr marL="2743200" indent="0">
-              <a:buNone/>
-              <a:defRPr sz="1600" b="1"/>
-            </a:lvl7pPr>
-            <a:lvl8pPr marL="3200400" indent="0">
-              <a:buNone/>
-              <a:defRPr sz="1600" b="1"/>
-            </a:lvl8pPr>
-            <a:lvl9pPr marL="3657600" indent="0">
-              <a:buNone/>
-              <a:defRPr sz="1600" b="1"/>
-            </a:lvl9pPr>
-          </a:lstStyle>
-          <a:p>
-            <a:pPr lvl="0"/>
-            <a:r>
-              <a:rPr lang="en-AU" smtClean="0"/>
-              <a:t>Click to edit Master text styles</a:t>
-            </a:r>
-          </a:p>
-        </p:txBody>
-      </p:sp>
-      <p:sp>
-        <p:nvSpPr>
-          <p:cNvPr id="26" name="Picture Placeholder 2"/>
-          <p:cNvSpPr>
-            <a:spLocks noGrp="1" noChangeAspect="1"/>
-          </p:cNvSpPr>
-          <p:nvPr>
-            <p:ph type="pic" idx="22"/>
-          </p:nvPr>
-        </p:nvSpPr>
-        <p:spPr>
-          <a:xfrm>
-            <a:off x="7804321" y="2256354"/>
-            <a:ext cx="2932113" cy="1524000"/>
-          </a:xfrm>
-          <a:prstGeom prst="roundRect">
-            <a:avLst>
-              <a:gd name="adj" fmla="val 1858"/>
-            </a:avLst>
-          </a:prstGeom>
-          <a:effectLst>
-            <a:outerShdw blurRad="50800" dist="50800" dir="5400000" algn="tl" rotWithShape="0">
-              <a:srgbClr val="000000">
-                <a:alpha val="43000"/>
-              </a:srgbClr>
-            </a:outerShdw>
-          </a:effectLst>
-        </p:spPr>
-        <p:txBody>
-          <a:bodyPr anchor="t">
-            <a:normAutofit/>
-          </a:bodyPr>
-          <a:lstStyle>
-            <a:lvl1pPr marL="0" indent="0" algn="ctr">
-              <a:buNone/>
-              <a:defRPr sz="1600"/>
-            </a:lvl1pPr>
-            <a:lvl2pPr marL="457200" indent="0">
-              <a:buNone/>
-              <a:defRPr sz="1600"/>
-            </a:lvl2pPr>
-            <a:lvl3pPr marL="914400" indent="0">
-              <a:buNone/>
-              <a:defRPr sz="1600"/>
-            </a:lvl3pPr>
-            <a:lvl4pPr marL="1371600" indent="0">
-              <a:buNone/>
-              <a:defRPr sz="1600"/>
-            </a:lvl4pPr>
-            <a:lvl5pPr marL="1828800" indent="0">
-              <a:buNone/>
-              <a:defRPr sz="1600"/>
-            </a:lvl5pPr>
-            <a:lvl6pPr marL="2286000" indent="0">
-              <a:buNone/>
-              <a:defRPr sz="1600"/>
-            </a:lvl6pPr>
-            <a:lvl7pPr marL="2743200" indent="0">
-              <a:buNone/>
-              <a:defRPr sz="1600"/>
-            </a:lvl7pPr>
-            <a:lvl8pPr marL="3200400" indent="0">
-              <a:buNone/>
-              <a:defRPr sz="1600"/>
-            </a:lvl8pPr>
-            <a:lvl9pPr marL="3657600" indent="0">
-              <a:buNone/>
-              <a:defRPr sz="1600"/>
-            </a:lvl9pPr>
-          </a:lstStyle>
-          <a:p>
-            <a:r>
-              <a:rPr lang="en-AU" smtClean="0"/>
-              <a:t>Drag picture to placeholder or click icon to add</a:t>
-            </a:r>
-            <a:endParaRPr lang="en-US" dirty="0"/>
-          </a:p>
-        </p:txBody>
-      </p:sp>
-      <p:sp>
-        <p:nvSpPr>
-          <p:cNvPr id="27" name="Text Placeholder 3"/>
-          <p:cNvSpPr>
-            <a:spLocks noGrp="1"/>
-          </p:cNvSpPr>
-          <p:nvPr>
-            <p:ph type="body" sz="half" idx="20"/>
-          </p:nvPr>
-        </p:nvSpPr>
-        <p:spPr>
-          <a:xfrm>
-            <a:off x="7804197" y="4873762"/>
-            <a:ext cx="2935997" cy="659189"/>
-          </a:xfrm>
-        </p:spPr>
-        <p:txBody>
-          <a:bodyPr anchor="t">
-            <a:normAutofit/>
-          </a:bodyPr>
-          <a:lstStyle>
-            <a:lvl1pPr marL="0" indent="0">
-              <a:buNone/>
-              <a:defRPr sz="1400"/>
-            </a:lvl1pPr>
-            <a:lvl2pPr marL="457200" indent="0">
-              <a:buNone/>
-              <a:defRPr sz="1200"/>
-            </a:lvl2pPr>
-            <a:lvl3pPr marL="914400" indent="0">
-              <a:buNone/>
-              <a:defRPr sz="1000"/>
-            </a:lvl3pPr>
-            <a:lvl4pPr marL="1371600" indent="0">
-              <a:buNone/>
-              <a:defRPr sz="900"/>
-            </a:lvl4pPr>
-            <a:lvl5pPr marL="1828800" indent="0">
-              <a:buNone/>
-              <a:defRPr sz="900"/>
-            </a:lvl5pPr>
-            <a:lvl6pPr marL="2286000" indent="0">
-              <a:buNone/>
-              <a:defRPr sz="900"/>
-            </a:lvl6pPr>
-            <a:lvl7pPr marL="2743200" indent="0">
-              <a:buNone/>
-              <a:defRPr sz="900"/>
-            </a:lvl7pPr>
-            <a:lvl8pPr marL="3200400" indent="0">
-              <a:buNone/>
-              <a:defRPr sz="900"/>
-            </a:lvl8pPr>
-            <a:lvl9pPr marL="3657600" indent="0">
-              <a:buNone/>
-              <a:defRPr sz="900"/>
-            </a:lvl9pPr>
-          </a:lstStyle>
-          <a:p>
-            <a:pPr lvl="0"/>
-            <a:r>
-              <a:rPr lang="en-AU" smtClean="0"/>
-              <a:t>Click to edit Master text styles</a:t>
-            </a:r>
-          </a:p>
-        </p:txBody>
-      </p:sp>
-      <p:sp>
-        <p:nvSpPr>
-          <p:cNvPr id="3" name="Date Placeholder 2"/>
-          <p:cNvSpPr>
-            <a:spLocks noGrp="1"/>
-          </p:cNvSpPr>
-          <p:nvPr>
-            <p:ph type="dt" sz="half" idx="10"/>
-          </p:nvPr>
-        </p:nvSpPr>
-        <p:spPr/>
-        <p:txBody>
-          <a:bodyPr/>
-          <a:lstStyle/>
-          <a:p>
-            <a:fld id="{EEDD2A49-2D66-C746-9C1B-77BF2F44845B}" type="datetime1">
-              <a:rPr lang="en-AU" smtClean="0"/>
-              <a:t>30/05/2016</a:t>
-            </a:fld>
-            <a:endParaRPr lang="en-US" dirty="0"/>
-          </a:p>
-        </p:txBody>
-      </p:sp>
-      <p:sp>
-        <p:nvSpPr>
-          <p:cNvPr id="4" name="Footer Placeholder 3"/>
-          <p:cNvSpPr>
-            <a:spLocks noGrp="1"/>
-          </p:cNvSpPr>
-          <p:nvPr>
-            <p:ph type="ftr" sz="quarter" idx="11"/>
-          </p:nvPr>
-        </p:nvSpPr>
-        <p:spPr/>
-        <p:txBody>
-          <a:bodyPr/>
-          <a:lstStyle/>
-          <a:p>
-            <a:endParaRPr lang="en-US" dirty="0"/>
-          </a:p>
-        </p:txBody>
-      </p:sp>
-      <p:sp>
-        <p:nvSpPr>
-          <p:cNvPr id="5" name="Slide Number Placeholder 4"/>
-          <p:cNvSpPr>
-            <a:spLocks noGrp="1"/>
-          </p:cNvSpPr>
-          <p:nvPr>
-            <p:ph type="sldNum" sz="quarter" idx="12"/>
-          </p:nvPr>
-        </p:nvSpPr>
-        <p:spPr/>
-        <p:txBody>
-          <a:bodyPr/>
-          <a:lstStyle/>
-          <a:p>
-            <a:fld id="{D57F1E4F-1CFF-5643-939E-217C01CDF565}" type="slidenum">
-              <a:rPr lang="en-US" smtClean="0"/>
-              <a:pPr/>
-              <a:t>‹#›</a:t>
-            </a:fld>
-            <a:endParaRPr lang="en-US" dirty="0"/>
-          </a:p>
-        </p:txBody>
-      </p:sp>
-    </p:spTree>
-    <p:extLst>
-      <p:ext uri="{BB962C8B-B14F-4D97-AF65-F5344CB8AC3E}">
-        <p14:creationId xmlns:p14="http://schemas.microsoft.com/office/powerpoint/2010/main" val="334590422"/>
-      </p:ext>
-    </p:extLst>
-  </p:cSld>
-  <p:clrMapOvr>
-    <a:masterClrMapping/>
-  </p:clrMapOvr>
-</p:sldLayout>
-</file>
-
-<file path=ppt/slideLayouts/slideLayout16.xml><?xml version="1.0" encoding="utf-8"?>
 <p:sldLayout xmlns:a="http://schemas.openxmlformats.org/drawingml/2006/main" xmlns:r="http://schemas.openxmlformats.org/officeDocument/2006/relationships" xmlns:p="http://schemas.openxmlformats.org/presentationml/2006/main" type="vertTx" preserve="1">
   <p:cSld name="Title and Vertical Text">
     <p:spTree>
@@ -7064,7 +4495,7 @@
               <a:rPr lang="en-AU" smtClean="0"/>
               <a:t>Click to edit Master title style</a:t>
             </a:r>
-            <a:endParaRPr lang="en-US" dirty="0"/>
+            <a:endParaRPr lang="en-US"/>
           </a:p>
         </p:txBody>
       </p:sp>
@@ -7116,7 +4547,7 @@
               <a:rPr lang="en-AU" smtClean="0"/>
               <a:t>Fifth level</a:t>
             </a:r>
-            <a:endParaRPr lang="en-US" dirty="0"/>
+            <a:endParaRPr lang="en-US"/>
           </a:p>
         </p:txBody>
       </p:sp>
@@ -7137,7 +4568,7 @@
           <a:p>
             <a:fld id="{7B9666AB-F576-E14A-928E-7BB0FB39322B}" type="datetime1">
               <a:rPr lang="en-AU" smtClean="0"/>
-              <a:t>30/05/2016</a:t>
+              <a:t>4/06/2016</a:t>
             </a:fld>
             <a:endParaRPr lang="en-US" dirty="0"/>
           </a:p>
@@ -7189,7 +4620,7 @@
     </p:spTree>
     <p:extLst>
       <p:ext uri="{BB962C8B-B14F-4D97-AF65-F5344CB8AC3E}">
-        <p14:creationId xmlns:p14="http://schemas.microsoft.com/office/powerpoint/2010/main" val="1349034708"/>
+        <p14:creationId xmlns:p14="http://schemas.microsoft.com/office/powerpoint/2010/main" val="96261396"/>
       </p:ext>
     </p:extLst>
   </p:cSld>
@@ -7199,7 +4630,7 @@
 </p:sldLayout>
 </file>
 
-<file path=ppt/slideLayouts/slideLayout17.xml><?xml version="1.0" encoding="utf-8"?>
+<file path=ppt/slideLayouts/slideLayout11.xml><?xml version="1.0" encoding="utf-8"?>
 <p:sldLayout xmlns:a="http://schemas.openxmlformats.org/drawingml/2006/main" xmlns:r="http://schemas.openxmlformats.org/officeDocument/2006/relationships" xmlns:p="http://schemas.openxmlformats.org/presentationml/2006/main" type="vertTitleAndTx" preserve="1">
   <p:cSld name="Vertical Title and Text">
     <p:spTree>
@@ -7240,7 +4671,7 @@
               <a:rPr lang="en-AU" smtClean="0"/>
               <a:t>Click to edit Master title style</a:t>
             </a:r>
-            <a:endParaRPr lang="en-US" dirty="0"/>
+            <a:endParaRPr lang="en-US"/>
           </a:p>
         </p:txBody>
       </p:sp>
@@ -7297,7 +4728,7 @@
               <a:rPr lang="en-AU" smtClean="0"/>
               <a:t>Fifth level</a:t>
             </a:r>
-            <a:endParaRPr lang="en-US" dirty="0"/>
+            <a:endParaRPr lang="en-US"/>
           </a:p>
         </p:txBody>
       </p:sp>
@@ -7318,7 +4749,7 @@
           <a:p>
             <a:fld id="{E5CC1FEE-16CF-6E4D-B08B-A504B05F582A}" type="datetime1">
               <a:rPr lang="en-AU" smtClean="0"/>
-              <a:t>30/05/2016</a:t>
+              <a:t>4/06/2016</a:t>
             </a:fld>
             <a:endParaRPr lang="en-US" dirty="0"/>
           </a:p>
@@ -7370,14 +4801,14 @@
     </p:spTree>
     <p:extLst>
       <p:ext uri="{BB962C8B-B14F-4D97-AF65-F5344CB8AC3E}">
-        <p14:creationId xmlns:p14="http://schemas.microsoft.com/office/powerpoint/2010/main" val="93992330"/>
+        <p14:creationId xmlns:p14="http://schemas.microsoft.com/office/powerpoint/2010/main" val="810096381"/>
       </p:ext>
     </p:extLst>
   </p:cSld>
   <p:clrMapOvr>
     <a:masterClrMapping/>
   </p:clrMapOvr>
-  <p:extLst mod="1">
+  <p:extLst>
     <p:ext uri="{DCECCB84-F9BA-43D5-87BE-67443E8EF086}">
       <p15:sldGuideLst xmlns:p15="http://schemas.microsoft.com/office/powerpoint/2012/main"/>
     </p:ext>
@@ -7404,7 +4835,7 @@
       </p:grpSpPr>
       <p:sp>
         <p:nvSpPr>
-          <p:cNvPr id="8" name="Title 1"/>
+          <p:cNvPr id="2" name="Title 1"/>
           <p:cNvSpPr>
             <a:spLocks noGrp="1"/>
           </p:cNvSpPr>
@@ -7421,7 +4852,7 @@
               <a:rPr lang="en-AU" smtClean="0"/>
               <a:t>Click to edit Master title style</a:t>
             </a:r>
-            <a:endParaRPr lang="en-US" dirty="0"/>
+            <a:endParaRPr lang="en-US"/>
           </a:p>
         </p:txBody>
       </p:sp>
@@ -7473,7 +4904,7 @@
               <a:rPr lang="en-AU" smtClean="0"/>
               <a:t>Fifth level</a:t>
             </a:r>
-            <a:endParaRPr lang="en-US" dirty="0"/>
+            <a:endParaRPr lang="en-US"/>
           </a:p>
         </p:txBody>
       </p:sp>
@@ -7494,7 +4925,7 @@
           <a:p>
             <a:fld id="{6C57583E-C7C1-A248-AA8C-4F5488583B4F}" type="datetime1">
               <a:rPr lang="en-AU" smtClean="0"/>
-              <a:t>30/05/2016</a:t>
+              <a:t>4/06/2016</a:t>
             </a:fld>
             <a:endParaRPr lang="en-US" dirty="0"/>
           </a:p>
@@ -7546,7 +4977,7 @@
     </p:spTree>
     <p:extLst>
       <p:ext uri="{BB962C8B-B14F-4D97-AF65-F5344CB8AC3E}">
-        <p14:creationId xmlns:p14="http://schemas.microsoft.com/office/powerpoint/2010/main" val="136071896"/>
+        <p14:creationId xmlns:p14="http://schemas.microsoft.com/office/powerpoint/2010/main" val="1110001338"/>
       </p:ext>
     </p:extLst>
   </p:cSld>
@@ -7575,59 +5006,25 @@
       </p:grpSpPr>
       <p:sp>
         <p:nvSpPr>
-          <p:cNvPr id="7" name="Title 1"/>
+          <p:cNvPr id="2" name="Title 1"/>
           <p:cNvSpPr>
             <a:spLocks noGrp="1"/>
           </p:cNvSpPr>
           <p:nvPr>
-            <p:ph type="ctrTitle"/>
+            <p:ph type="title"/>
           </p:nvPr>
         </p:nvSpPr>
         <p:spPr>
           <a:xfrm>
-            <a:off x="854532" y="4464028"/>
-            <a:ext cx="9144000" cy="1641490"/>
+            <a:off x="831850" y="1709738"/>
+            <a:ext cx="10515600" cy="2852737"/>
           </a:xfrm>
         </p:spPr>
         <p:txBody>
-          <a:bodyPr wrap="none" anchor="t">
-            <a:normAutofit/>
-          </a:bodyPr>
+          <a:bodyPr anchor="b"/>
           <a:lstStyle>
-            <a:lvl1pPr algn="l">
-              <a:defRPr sz="9600" b="0" spc="-300">
-                <a:gradFill flip="none" rotWithShape="1">
-                  <a:gsLst>
-                    <a:gs pos="32000">
-                      <a:schemeClr val="tx1">
-                        <a:lumMod val="89000"/>
-                      </a:schemeClr>
-                    </a:gs>
-                    <a:gs pos="0">
-                      <a:schemeClr val="bg1">
-                        <a:lumMod val="32000"/>
-                        <a:lumOff val="68000"/>
-                      </a:schemeClr>
-                    </a:gs>
-                    <a:gs pos="100000">
-                      <a:schemeClr val="tx2">
-                        <a:lumMod val="0"/>
-                        <a:lumOff val="100000"/>
-                      </a:schemeClr>
-                    </a:gs>
-                  </a:gsLst>
-                  <a:lin ang="8100000" scaled="1"/>
-                  <a:tileRect/>
-                </a:gradFill>
-                <a:effectLst>
-                  <a:outerShdw blurRad="469900" dist="342900" dir="5400000" sy="-20000" rotWithShape="0">
-                    <a:prstClr val="black">
-                      <a:alpha val="66000"/>
-                    </a:prstClr>
-                  </a:outerShdw>
-                </a:effectLst>
-                <a:latin typeface="+mj-lt"/>
-              </a:defRPr>
+            <a:lvl1pPr>
+              <a:defRPr sz="6000"/>
             </a:lvl1pPr>
           </a:lstStyle>
           <a:p>
@@ -7635,103 +5032,126 @@
               <a:rPr lang="en-AU" smtClean="0"/>
               <a:t>Click to edit Master title style</a:t>
             </a:r>
-            <a:endParaRPr lang="en-US" dirty="0"/>
+            <a:endParaRPr lang="en-US"/>
           </a:p>
         </p:txBody>
       </p:sp>
       <p:sp>
         <p:nvSpPr>
-          <p:cNvPr id="8" name="Subtitle 2"/>
+          <p:cNvPr id="3" name="Text Placeholder 2"/>
           <p:cNvSpPr>
             <a:spLocks noGrp="1"/>
           </p:cNvSpPr>
           <p:nvPr>
-            <p:ph type="subTitle" idx="1"/>
+            <p:ph type="body" idx="1"/>
           </p:nvPr>
         </p:nvSpPr>
         <p:spPr>
           <a:xfrm>
-            <a:off x="854532" y="3693674"/>
-            <a:ext cx="9144000" cy="754025"/>
+            <a:off x="831850" y="4589463"/>
+            <a:ext cx="10515600" cy="1500187"/>
           </a:xfrm>
         </p:spPr>
         <p:txBody>
-          <a:bodyPr anchor="b">
-            <a:normAutofit/>
-          </a:bodyPr>
+          <a:bodyPr/>
           <a:lstStyle>
-            <a:lvl1pPr marL="0" indent="0" algn="l">
+            <a:lvl1pPr marL="0" indent="0">
               <a:buNone/>
-              <a:defRPr sz="3200" b="0">
-                <a:gradFill flip="none" rotWithShape="1">
-                  <a:gsLst>
-                    <a:gs pos="15000">
-                      <a:schemeClr val="tx2"/>
-                    </a:gs>
-                    <a:gs pos="73000">
-                      <a:schemeClr val="tx2">
-                        <a:lumMod val="60000"/>
-                        <a:lumOff val="40000"/>
-                      </a:schemeClr>
-                    </a:gs>
-                    <a:gs pos="0">
-                      <a:schemeClr val="tx2">
-                        <a:lumMod val="90000"/>
-                        <a:lumOff val="10000"/>
-                      </a:schemeClr>
-                    </a:gs>
-                    <a:gs pos="100000">
-                      <a:schemeClr val="tx2">
-                        <a:lumMod val="0"/>
-                        <a:lumOff val="100000"/>
-                      </a:schemeClr>
-                    </a:gs>
-                  </a:gsLst>
-                  <a:lin ang="16200000" scaled="1"/>
-                  <a:tileRect/>
-                </a:gradFill>
-                <a:latin typeface="+mj-lt"/>
+              <a:defRPr sz="2400">
+                <a:solidFill>
+                  <a:schemeClr val="tx1">
+                    <a:tint val="75000"/>
+                  </a:schemeClr>
+                </a:solidFill>
               </a:defRPr>
             </a:lvl1pPr>
-            <a:lvl2pPr marL="457200" indent="0" algn="ctr">
+            <a:lvl2pPr marL="457200" indent="0">
               <a:buNone/>
-              <a:defRPr sz="2000"/>
+              <a:defRPr sz="2000">
+                <a:solidFill>
+                  <a:schemeClr val="tx1">
+                    <a:tint val="75000"/>
+                  </a:schemeClr>
+                </a:solidFill>
+              </a:defRPr>
             </a:lvl2pPr>
-            <a:lvl3pPr marL="914400" indent="0" algn="ctr">
+            <a:lvl3pPr marL="914400" indent="0">
               <a:buNone/>
-              <a:defRPr sz="1800"/>
+              <a:defRPr sz="1800">
+                <a:solidFill>
+                  <a:schemeClr val="tx1">
+                    <a:tint val="75000"/>
+                  </a:schemeClr>
+                </a:solidFill>
+              </a:defRPr>
             </a:lvl3pPr>
-            <a:lvl4pPr marL="1371600" indent="0" algn="ctr">
+            <a:lvl4pPr marL="1371600" indent="0">
               <a:buNone/>
-              <a:defRPr sz="1600"/>
+              <a:defRPr sz="1600">
+                <a:solidFill>
+                  <a:schemeClr val="tx1">
+                    <a:tint val="75000"/>
+                  </a:schemeClr>
+                </a:solidFill>
+              </a:defRPr>
             </a:lvl4pPr>
-            <a:lvl5pPr marL="1828800" indent="0" algn="ctr">
+            <a:lvl5pPr marL="1828800" indent="0">
               <a:buNone/>
-              <a:defRPr sz="1600"/>
+              <a:defRPr sz="1600">
+                <a:solidFill>
+                  <a:schemeClr val="tx1">
+                    <a:tint val="75000"/>
+                  </a:schemeClr>
+                </a:solidFill>
+              </a:defRPr>
             </a:lvl5pPr>
-            <a:lvl6pPr marL="2286000" indent="0" algn="ctr">
+            <a:lvl6pPr marL="2286000" indent="0">
               <a:buNone/>
-              <a:defRPr sz="1600"/>
+              <a:defRPr sz="1600">
+                <a:solidFill>
+                  <a:schemeClr val="tx1">
+                    <a:tint val="75000"/>
+                  </a:schemeClr>
+                </a:solidFill>
+              </a:defRPr>
             </a:lvl6pPr>
-            <a:lvl7pPr marL="2743200" indent="0" algn="ctr">
+            <a:lvl7pPr marL="2743200" indent="0">
               <a:buNone/>
-              <a:defRPr sz="1600"/>
+              <a:defRPr sz="1600">
+                <a:solidFill>
+                  <a:schemeClr val="tx1">
+                    <a:tint val="75000"/>
+                  </a:schemeClr>
+                </a:solidFill>
+              </a:defRPr>
             </a:lvl7pPr>
-            <a:lvl8pPr marL="3200400" indent="0" algn="ctr">
+            <a:lvl8pPr marL="3200400" indent="0">
               <a:buNone/>
-              <a:defRPr sz="1600"/>
+              <a:defRPr sz="1600">
+                <a:solidFill>
+                  <a:schemeClr val="tx1">
+                    <a:tint val="75000"/>
+                  </a:schemeClr>
+                </a:solidFill>
+              </a:defRPr>
             </a:lvl8pPr>
-            <a:lvl9pPr marL="3657600" indent="0" algn="ctr">
+            <a:lvl9pPr marL="3657600" indent="0">
               <a:buNone/>
-              <a:defRPr sz="1600"/>
+              <a:defRPr sz="1600">
+                <a:solidFill>
+                  <a:schemeClr val="tx1">
+                    <a:tint val="75000"/>
+                  </a:schemeClr>
+                </a:solidFill>
+              </a:defRPr>
             </a:lvl9pPr>
           </a:lstStyle>
           <a:p>
+            <a:pPr lvl="0"/>
             <a:r>
               <a:rPr lang="en-AU" smtClean="0"/>
-              <a:t>Click to edit Master subtitle style</a:t>
-            </a:r>
-            <a:endParaRPr lang="en-US" dirty="0"/>
+              <a:t>Click to edit Master text styles</a:t>
+            </a:r>
           </a:p>
         </p:txBody>
       </p:sp>
@@ -7752,7 +5172,7 @@
           <a:p>
             <a:fld id="{4C9E8358-FCBE-6E47-ADFD-6F615E50FD91}" type="datetime1">
               <a:rPr lang="en-AU" smtClean="0"/>
-              <a:t>30/05/2016</a:t>
+              <a:t>4/06/2016</a:t>
             </a:fld>
             <a:endParaRPr lang="en-US" dirty="0"/>
           </a:p>
@@ -7804,14 +5224,14 @@
     </p:spTree>
     <p:extLst>
       <p:ext uri="{BB962C8B-B14F-4D97-AF65-F5344CB8AC3E}">
-        <p14:creationId xmlns:p14="http://schemas.microsoft.com/office/powerpoint/2010/main" val="2037755664"/>
+        <p14:creationId xmlns:p14="http://schemas.microsoft.com/office/powerpoint/2010/main" val="602046277"/>
       </p:ext>
     </p:extLst>
   </p:cSld>
   <p:clrMapOvr>
     <a:masterClrMapping/>
   </p:clrMapOvr>
-  <p:extLst mod="1">
+  <p:extLst>
     <p:ext uri="{DCECCB84-F9BA-43D5-87BE-67443E8EF086}">
       <p15:sldGuideLst xmlns:p15="http://schemas.microsoft.com/office/powerpoint/2012/main"/>
     </p:ext>
@@ -7855,7 +5275,7 @@
               <a:rPr lang="en-AU" smtClean="0"/>
               <a:t>Click to edit Master title style</a:t>
             </a:r>
-            <a:endParaRPr lang="en-US" dirty="0"/>
+            <a:endParaRPr lang="en-US"/>
           </a:p>
         </p:txBody>
       </p:sp>
@@ -7871,8 +5291,8 @@
         </p:nvSpPr>
         <p:spPr>
           <a:xfrm>
-            <a:off x="1120000" y="1825625"/>
-            <a:ext cx="5025216" cy="4351338"/>
+            <a:off x="838200" y="1825625"/>
+            <a:ext cx="5181600" cy="4351338"/>
           </a:xfrm>
         </p:spPr>
         <p:txBody>
@@ -7912,7 +5332,7 @@
               <a:rPr lang="en-AU" smtClean="0"/>
               <a:t>Fifth level</a:t>
             </a:r>
-            <a:endParaRPr lang="en-US" dirty="0"/>
+            <a:endParaRPr lang="en-US"/>
           </a:p>
         </p:txBody>
       </p:sp>
@@ -7928,8 +5348,8 @@
         </p:nvSpPr>
         <p:spPr>
           <a:xfrm>
-            <a:off x="6319840" y="1825625"/>
-            <a:ext cx="5033960" cy="4351338"/>
+            <a:off x="6172200" y="1825625"/>
+            <a:ext cx="5181600" cy="4351338"/>
           </a:xfrm>
         </p:spPr>
         <p:txBody>
@@ -7969,7 +5389,7 @@
               <a:rPr lang="en-AU" smtClean="0"/>
               <a:t>Fifth level</a:t>
             </a:r>
-            <a:endParaRPr lang="en-US" dirty="0"/>
+            <a:endParaRPr lang="en-US"/>
           </a:p>
         </p:txBody>
       </p:sp>
@@ -7990,7 +5410,7 @@
           <a:p>
             <a:fld id="{C20F5775-D814-D544-9EEE-7E4C3727BC25}" type="datetime1">
               <a:rPr lang="en-AU" smtClean="0"/>
-              <a:t>30/05/2016</a:t>
+              <a:t>4/06/2016</a:t>
             </a:fld>
             <a:endParaRPr lang="en-US" dirty="0"/>
           </a:p>
@@ -8042,7 +5462,7 @@
     </p:spTree>
     <p:extLst>
       <p:ext uri="{BB962C8B-B14F-4D97-AF65-F5344CB8AC3E}">
-        <p14:creationId xmlns:p14="http://schemas.microsoft.com/office/powerpoint/2010/main" val="490242492"/>
+        <p14:creationId xmlns:p14="http://schemas.microsoft.com/office/powerpoint/2010/main" val="1796316522"/>
       </p:ext>
     </p:extLst>
   </p:cSld>
@@ -8093,7 +5513,7 @@
               <a:rPr lang="en-AU" smtClean="0"/>
               <a:t>Click to edit Master title style</a:t>
             </a:r>
-            <a:endParaRPr lang="en-US" dirty="0"/>
+            <a:endParaRPr lang="en-US"/>
           </a:p>
         </p:txBody>
       </p:sp>
@@ -8109,8 +5529,8 @@
         </p:nvSpPr>
         <p:spPr>
           <a:xfrm>
-            <a:off x="1120000" y="1681163"/>
-            <a:ext cx="5025216" cy="823912"/>
+            <a:off x="839788" y="1681163"/>
+            <a:ext cx="5157787" cy="823912"/>
           </a:xfrm>
         </p:spPr>
         <p:txBody>
@@ -8118,34 +5538,7 @@
           <a:lstStyle>
             <a:lvl1pPr marL="0" indent="0">
               <a:buNone/>
-              <a:defRPr sz="2400" b="0">
-                <a:gradFill>
-                  <a:gsLst>
-                    <a:gs pos="15000">
-                      <a:schemeClr val="tx2"/>
-                    </a:gs>
-                    <a:gs pos="73000">
-                      <a:schemeClr val="tx2">
-                        <a:lumMod val="60000"/>
-                        <a:lumOff val="40000"/>
-                      </a:schemeClr>
-                    </a:gs>
-                    <a:gs pos="0">
-                      <a:schemeClr val="tx2">
-                        <a:lumMod val="90000"/>
-                        <a:lumOff val="10000"/>
-                      </a:schemeClr>
-                    </a:gs>
-                    <a:gs pos="100000">
-                      <a:schemeClr val="tx2">
-                        <a:lumMod val="0"/>
-                        <a:lumOff val="100000"/>
-                      </a:schemeClr>
-                    </a:gs>
-                  </a:gsLst>
-                  <a:lin ang="16200000" scaled="1"/>
-                </a:gradFill>
-              </a:defRPr>
+              <a:defRPr sz="2400" b="1"/>
             </a:lvl1pPr>
             <a:lvl2pPr marL="457200" indent="0">
               <a:buNone/>
@@ -8201,8 +5594,8 @@
         </p:nvSpPr>
         <p:spPr>
           <a:xfrm>
-            <a:off x="1120000" y="2505075"/>
-            <a:ext cx="5025216" cy="3684588"/>
+            <a:off x="839788" y="2505075"/>
+            <a:ext cx="5157787" cy="3684588"/>
           </a:xfrm>
         </p:spPr>
         <p:txBody>
@@ -8242,7 +5635,7 @@
               <a:rPr lang="en-AU" smtClean="0"/>
               <a:t>Fifth level</a:t>
             </a:r>
-            <a:endParaRPr lang="en-US" dirty="0"/>
+            <a:endParaRPr lang="en-US"/>
           </a:p>
         </p:txBody>
       </p:sp>
@@ -8258,51 +5651,52 @@
         </p:nvSpPr>
         <p:spPr>
           <a:xfrm>
-            <a:off x="6319840" y="1681163"/>
-            <a:ext cx="5035548" cy="823912"/>
+            <a:off x="6172200" y="1681163"/>
+            <a:ext cx="5183188" cy="823912"/>
           </a:xfrm>
         </p:spPr>
         <p:txBody>
-          <a:bodyPr vert="horz" lIns="91440" tIns="45720" rIns="91440" bIns="45720" rtlCol="0" anchor="b">
-            <a:normAutofit/>
-          </a:bodyPr>
+          <a:bodyPr anchor="b"/>
           <a:lstStyle>
-            <a:lvl1pPr>
+            <a:lvl1pPr marL="0" indent="0">
               <a:buNone/>
-              <a:defRPr lang="en-US" sz="2400" b="0">
-                <a:gradFill>
-                  <a:gsLst>
-                    <a:gs pos="15000">
-                      <a:schemeClr val="tx2"/>
-                    </a:gs>
-                    <a:gs pos="73000">
-                      <a:schemeClr val="tx2">
-                        <a:lumMod val="60000"/>
-                        <a:lumOff val="40000"/>
-                      </a:schemeClr>
-                    </a:gs>
-                    <a:gs pos="0">
-                      <a:schemeClr val="tx2">
-                        <a:lumMod val="90000"/>
-                        <a:lumOff val="10000"/>
-                      </a:schemeClr>
-                    </a:gs>
-                    <a:gs pos="100000">
-                      <a:schemeClr val="tx2">
-                        <a:lumMod val="0"/>
-                        <a:lumOff val="100000"/>
-                      </a:schemeClr>
-                    </a:gs>
-                  </a:gsLst>
-                  <a:lin ang="16200000" scaled="1"/>
-                </a:gradFill>
-              </a:defRPr>
+              <a:defRPr sz="2400" b="1"/>
             </a:lvl1pPr>
+            <a:lvl2pPr marL="457200" indent="0">
+              <a:buNone/>
+              <a:defRPr sz="2000" b="1"/>
+            </a:lvl2pPr>
+            <a:lvl3pPr marL="914400" indent="0">
+              <a:buNone/>
+              <a:defRPr sz="1800" b="1"/>
+            </a:lvl3pPr>
+            <a:lvl4pPr marL="1371600" indent="0">
+              <a:buNone/>
+              <a:defRPr sz="1600" b="1"/>
+            </a:lvl4pPr>
+            <a:lvl5pPr marL="1828800" indent="0">
+              <a:buNone/>
+              <a:defRPr sz="1600" b="1"/>
+            </a:lvl5pPr>
+            <a:lvl6pPr marL="2286000" indent="0">
+              <a:buNone/>
+              <a:defRPr sz="1600" b="1"/>
+            </a:lvl6pPr>
+            <a:lvl7pPr marL="2743200" indent="0">
+              <a:buNone/>
+              <a:defRPr sz="1600" b="1"/>
+            </a:lvl7pPr>
+            <a:lvl8pPr marL="3200400" indent="0">
+              <a:buNone/>
+              <a:defRPr sz="1600" b="1"/>
+            </a:lvl8pPr>
+            <a:lvl9pPr marL="3657600" indent="0">
+              <a:buNone/>
+              <a:defRPr sz="1600" b="1"/>
+            </a:lvl9pPr>
           </a:lstStyle>
           <a:p>
-            <a:pPr marL="0" lvl="0" indent="0">
-              <a:buNone/>
-            </a:pPr>
+            <a:pPr lvl="0"/>
             <a:r>
               <a:rPr lang="en-AU" smtClean="0"/>
               <a:t>Click to edit Master text styles</a:t>
@@ -8322,8 +5716,8 @@
         </p:nvSpPr>
         <p:spPr>
           <a:xfrm>
-            <a:off x="6319840" y="2505075"/>
-            <a:ext cx="5035548" cy="3684588"/>
+            <a:off x="6172200" y="2505075"/>
+            <a:ext cx="5183188" cy="3684588"/>
           </a:xfrm>
         </p:spPr>
         <p:txBody>
@@ -8363,7 +5757,7 @@
               <a:rPr lang="en-AU" smtClean="0"/>
               <a:t>Fifth level</a:t>
             </a:r>
-            <a:endParaRPr lang="en-US" dirty="0"/>
+            <a:endParaRPr lang="en-US"/>
           </a:p>
         </p:txBody>
       </p:sp>
@@ -8384,7 +5778,7 @@
           <a:p>
             <a:fld id="{2D1A4966-BB46-1549-8C71-31DFAF051E77}" type="datetime1">
               <a:rPr lang="en-AU" smtClean="0"/>
-              <a:t>30/05/2016</a:t>
+              <a:t>4/06/2016</a:t>
             </a:fld>
             <a:endParaRPr lang="en-US" dirty="0"/>
           </a:p>
@@ -8436,7 +5830,7 @@
     </p:spTree>
     <p:extLst>
       <p:ext uri="{BB962C8B-B14F-4D97-AF65-F5344CB8AC3E}">
-        <p14:creationId xmlns:p14="http://schemas.microsoft.com/office/powerpoint/2010/main" val="1758293152"/>
+        <p14:creationId xmlns:p14="http://schemas.microsoft.com/office/powerpoint/2010/main" val="1366675728"/>
       </p:ext>
     </p:extLst>
   </p:cSld>
@@ -8482,7 +5876,7 @@
               <a:rPr lang="en-AU" smtClean="0"/>
               <a:t>Click to edit Master title style</a:t>
             </a:r>
-            <a:endParaRPr lang="en-US" dirty="0"/>
+            <a:endParaRPr lang="en-US"/>
           </a:p>
         </p:txBody>
       </p:sp>
@@ -8503,7 +5897,7 @@
           <a:p>
             <a:fld id="{AE7CFFFF-2C07-CB43-A199-548CE3BFECA0}" type="datetime1">
               <a:rPr lang="en-AU" smtClean="0"/>
-              <a:t>30/05/2016</a:t>
+              <a:t>4/06/2016</a:t>
             </a:fld>
             <a:endParaRPr lang="en-US" dirty="0"/>
           </a:p>
@@ -8555,7 +5949,7 @@
     </p:spTree>
     <p:extLst>
       <p:ext uri="{BB962C8B-B14F-4D97-AF65-F5344CB8AC3E}">
-        <p14:creationId xmlns:p14="http://schemas.microsoft.com/office/powerpoint/2010/main" val="110539297"/>
+        <p14:creationId xmlns:p14="http://schemas.microsoft.com/office/powerpoint/2010/main" val="233872184"/>
       </p:ext>
     </p:extLst>
   </p:cSld>
@@ -8599,7 +5993,7 @@
           <a:p>
             <a:fld id="{5604D2A0-0D69-4649-BD56-7954F3F6A94C}" type="datetime1">
               <a:rPr lang="en-AU" smtClean="0"/>
-              <a:t>30/05/2016</a:t>
+              <a:t>4/06/2016</a:t>
             </a:fld>
             <a:endParaRPr lang="en-US" dirty="0"/>
           </a:p>
@@ -8651,7 +6045,7 @@
     </p:spTree>
     <p:extLst>
       <p:ext uri="{BB962C8B-B14F-4D97-AF65-F5344CB8AC3E}">
-        <p14:creationId xmlns:p14="http://schemas.microsoft.com/office/powerpoint/2010/main" val="260610024"/>
+        <p14:creationId xmlns:p14="http://schemas.microsoft.com/office/powerpoint/2010/main" val="794722478"/>
       </p:ext>
     </p:extLst>
   </p:cSld>
@@ -8706,7 +6100,7 @@
               <a:rPr lang="en-AU" smtClean="0"/>
               <a:t>Click to edit Master title style</a:t>
             </a:r>
-            <a:endParaRPr lang="en-US" dirty="0"/>
+            <a:endParaRPr lang="en-US"/>
           </a:p>
         </p:txBody>
       </p:sp>
@@ -8728,7 +6122,35 @@
         </p:spPr>
         <p:txBody>
           <a:bodyPr/>
-          <a:lstStyle/>
+          <a:lstStyle>
+            <a:lvl1pPr>
+              <a:defRPr sz="3200"/>
+            </a:lvl1pPr>
+            <a:lvl2pPr>
+              <a:defRPr sz="2800"/>
+            </a:lvl2pPr>
+            <a:lvl3pPr>
+              <a:defRPr sz="2400"/>
+            </a:lvl3pPr>
+            <a:lvl4pPr>
+              <a:defRPr sz="2000"/>
+            </a:lvl4pPr>
+            <a:lvl5pPr>
+              <a:defRPr sz="2000"/>
+            </a:lvl5pPr>
+            <a:lvl6pPr>
+              <a:defRPr sz="2000"/>
+            </a:lvl6pPr>
+            <a:lvl7pPr>
+              <a:defRPr sz="2000"/>
+            </a:lvl7pPr>
+            <a:lvl8pPr>
+              <a:defRPr sz="2000"/>
+            </a:lvl8pPr>
+            <a:lvl9pPr>
+              <a:defRPr sz="2000"/>
+            </a:lvl9pPr>
+          </a:lstStyle>
           <a:p>
             <a:pPr lvl="0"/>
             <a:r>
@@ -8763,7 +6185,7 @@
               <a:rPr lang="en-AU" smtClean="0"/>
               <a:t>Fifth level</a:t>
             </a:r>
-            <a:endParaRPr lang="en-US" dirty="0"/>
+            <a:endParaRPr lang="en-US"/>
           </a:p>
         </p:txBody>
       </p:sp>
@@ -8779,8 +6201,8 @@
         </p:nvSpPr>
         <p:spPr>
           <a:xfrm>
-            <a:off x="1120000" y="2057400"/>
-            <a:ext cx="3652025" cy="3811588"/>
+            <a:off x="839788" y="2057400"/>
+            <a:ext cx="3932237" cy="3811588"/>
           </a:xfrm>
         </p:spPr>
         <p:txBody>
@@ -8788,31 +6210,7 @@
           <a:lstStyle>
             <a:lvl1pPr marL="0" indent="0">
               <a:buNone/>
-              <a:defRPr sz="1600">
-                <a:gradFill>
-                  <a:gsLst>
-                    <a:gs pos="15000">
-                      <a:schemeClr val="tx2"/>
-                    </a:gs>
-                    <a:gs pos="73000">
-                      <a:schemeClr val="tx2">
-                        <a:lumMod val="60000"/>
-                        <a:lumOff val="40000"/>
-                      </a:schemeClr>
-                    </a:gs>
-                    <a:gs pos="0">
-                      <a:schemeClr val="tx1"/>
-                    </a:gs>
-                    <a:gs pos="100000">
-                      <a:schemeClr val="tx2">
-                        <a:lumMod val="0"/>
-                        <a:lumOff val="100000"/>
-                      </a:schemeClr>
-                    </a:gs>
-                  </a:gsLst>
-                  <a:lin ang="16200000" scaled="1"/>
-                </a:gradFill>
-              </a:defRPr>
+              <a:defRPr sz="1600"/>
             </a:lvl1pPr>
             <a:lvl2pPr marL="457200" indent="0">
               <a:buNone/>
@@ -8873,7 +6271,7 @@
           <a:p>
             <a:fld id="{01BCCCFA-CF72-E241-8BDD-9906160C8446}" type="datetime1">
               <a:rPr lang="en-AU" smtClean="0"/>
-              <a:t>30/05/2016</a:t>
+              <a:t>4/06/2016</a:t>
             </a:fld>
             <a:endParaRPr lang="en-US" dirty="0"/>
           </a:p>
@@ -8925,7 +6323,7 @@
     </p:spTree>
     <p:extLst>
       <p:ext uri="{BB962C8B-B14F-4D97-AF65-F5344CB8AC3E}">
-        <p14:creationId xmlns:p14="http://schemas.microsoft.com/office/powerpoint/2010/main" val="1353517135"/>
+        <p14:creationId xmlns:p14="http://schemas.microsoft.com/office/powerpoint/2010/main" val="1699887053"/>
       </p:ext>
     </p:extLst>
   </p:cSld>
@@ -8980,7 +6378,7 @@
               <a:rPr lang="en-AU" smtClean="0"/>
               <a:t>Click to edit Master title style</a:t>
             </a:r>
-            <a:endParaRPr lang="en-US" dirty="0"/>
+            <a:endParaRPr lang="en-US"/>
           </a:p>
         </p:txBody>
       </p:sp>
@@ -8988,7 +6386,7 @@
         <p:nvSpPr>
           <p:cNvPr id="3" name="Picture Placeholder 2"/>
           <p:cNvSpPr>
-            <a:spLocks noGrp="1" noChangeAspect="1"/>
+            <a:spLocks noGrp="1"/>
           </p:cNvSpPr>
           <p:nvPr>
             <p:ph type="pic" idx="1"/>
@@ -9001,7 +6399,7 @@
           </a:xfrm>
         </p:spPr>
         <p:txBody>
-          <a:bodyPr anchor="t"/>
+          <a:bodyPr/>
           <a:lstStyle>
             <a:lvl1pPr marL="0" indent="0">
               <a:buNone/>
@@ -9041,11 +6439,7 @@
             </a:lvl9pPr>
           </a:lstStyle>
           <a:p>
-            <a:r>
-              <a:rPr lang="en-AU" smtClean="0"/>
-              <a:t>Drag picture to placeholder or click icon to add</a:t>
-            </a:r>
-            <a:endParaRPr lang="en-US" dirty="0"/>
+            <a:endParaRPr lang="en-US"/>
           </a:p>
         </p:txBody>
       </p:sp>
@@ -9061,8 +6455,8 @@
         </p:nvSpPr>
         <p:spPr>
           <a:xfrm>
-            <a:off x="1120000" y="2057400"/>
-            <a:ext cx="3652025" cy="3811588"/>
+            <a:off x="839788" y="2057400"/>
+            <a:ext cx="3932237" cy="3811588"/>
           </a:xfrm>
         </p:spPr>
         <p:txBody>
@@ -9070,31 +6464,7 @@
           <a:lstStyle>
             <a:lvl1pPr marL="0" indent="0">
               <a:buNone/>
-              <a:defRPr sz="1600">
-                <a:gradFill>
-                  <a:gsLst>
-                    <a:gs pos="15000">
-                      <a:schemeClr val="tx2"/>
-                    </a:gs>
-                    <a:gs pos="73000">
-                      <a:schemeClr val="tx2">
-                        <a:lumMod val="60000"/>
-                        <a:lumOff val="40000"/>
-                      </a:schemeClr>
-                    </a:gs>
-                    <a:gs pos="0">
-                      <a:schemeClr val="tx1"/>
-                    </a:gs>
-                    <a:gs pos="100000">
-                      <a:schemeClr val="tx2">
-                        <a:lumMod val="0"/>
-                        <a:lumOff val="100000"/>
-                      </a:schemeClr>
-                    </a:gs>
-                  </a:gsLst>
-                  <a:lin ang="16200000" scaled="1"/>
-                </a:gradFill>
-              </a:defRPr>
+              <a:defRPr sz="1600"/>
             </a:lvl1pPr>
             <a:lvl2pPr marL="457200" indent="0">
               <a:buNone/>
@@ -9155,7 +6525,7 @@
           <a:p>
             <a:fld id="{62A825F0-2EC9-1F4A-A559-C4EEAA107A34}" type="datetime1">
               <a:rPr lang="en-AU" smtClean="0"/>
-              <a:t>30/05/2016</a:t>
+              <a:t>4/06/2016</a:t>
             </a:fld>
             <a:endParaRPr lang="en-US" dirty="0"/>
           </a:p>
@@ -9207,7 +6577,7 @@
     </p:spTree>
     <p:extLst>
       <p:ext uri="{BB962C8B-B14F-4D97-AF65-F5344CB8AC3E}">
-        <p14:creationId xmlns:p14="http://schemas.microsoft.com/office/powerpoint/2010/main" val="268215274"/>
+        <p14:creationId xmlns:p14="http://schemas.microsoft.com/office/powerpoint/2010/main" val="2026743730"/>
       </p:ext>
     </p:extLst>
   </p:cSld>
@@ -9221,18 +6591,9 @@
 <p:sldMaster xmlns:a="http://schemas.openxmlformats.org/drawingml/2006/main" xmlns:r="http://schemas.openxmlformats.org/officeDocument/2006/relationships" xmlns:p="http://schemas.openxmlformats.org/presentationml/2006/main">
   <p:cSld>
     <p:bg>
-      <p:bgPr>
-        <a:blipFill dpi="0" rotWithShape="1">
-          <a:blip r:embed="rId19">
-            <a:lum/>
-          </a:blip>
-          <a:srcRect/>
-          <a:stretch>
-            <a:fillRect/>
-          </a:stretch>
-        </a:blipFill>
-        <a:effectLst/>
-      </p:bgPr>
+      <p:bgRef idx="1001">
+        <a:schemeClr val="bg1"/>
+      </p:bgRef>
     </p:bg>
     <p:spTree>
       <p:nvGrpSpPr>
@@ -9277,7 +6638,7 @@
               <a:rPr lang="en-AU" smtClean="0"/>
               <a:t>Click to edit Master title style</a:t>
             </a:r>
-            <a:endParaRPr lang="en-US" dirty="0"/>
+            <a:endParaRPr lang="en-US"/>
           </a:p>
         </p:txBody>
       </p:sp>
@@ -9293,8 +6654,8 @@
         </p:nvSpPr>
         <p:spPr>
           <a:xfrm>
-            <a:off x="1120000" y="1825625"/>
-            <a:ext cx="10233800" cy="4351338"/>
+            <a:off x="838200" y="1825625"/>
+            <a:ext cx="10515600" cy="4351338"/>
           </a:xfrm>
           <a:prstGeom prst="rect">
             <a:avLst/>
@@ -9339,7 +6700,7 @@
               <a:rPr lang="en-AU" smtClean="0"/>
               <a:t>Fifth level</a:t>
             </a:r>
-            <a:endParaRPr lang="en-US" dirty="0"/>
+            <a:endParaRPr lang="en-US"/>
           </a:p>
         </p:txBody>
       </p:sp>
@@ -9367,36 +6728,18 @@
           <a:lstStyle>
             <a:lvl1pPr algn="l">
               <a:defRPr sz="1200">
-                <a:gradFill flip="none" rotWithShape="1">
-                  <a:gsLst>
-                    <a:gs pos="28000">
-                      <a:schemeClr val="tx1">
-                        <a:lumMod val="93000"/>
-                      </a:schemeClr>
-                    </a:gs>
-                    <a:gs pos="0">
-                      <a:schemeClr val="bg1">
-                        <a:lumMod val="38000"/>
-                        <a:lumOff val="62000"/>
-                      </a:schemeClr>
-                    </a:gs>
-                    <a:gs pos="100000">
-                      <a:schemeClr val="tx2">
-                        <a:lumMod val="0"/>
-                        <a:lumOff val="100000"/>
-                      </a:schemeClr>
-                    </a:gs>
-                  </a:gsLst>
-                  <a:lin ang="5400000" scaled="1"/>
-                  <a:tileRect/>
-                </a:gradFill>
+                <a:solidFill>
+                  <a:schemeClr val="tx1">
+                    <a:tint val="75000"/>
+                  </a:schemeClr>
+                </a:solidFill>
               </a:defRPr>
             </a:lvl1pPr>
           </a:lstStyle>
           <a:p>
             <a:fld id="{76C68A87-3AE5-3E48-A7C4-97B12105BE67}" type="datetime1">
               <a:rPr lang="en-AU" smtClean="0"/>
-              <a:t>30/05/2016</a:t>
+              <a:t>4/06/2016</a:t>
             </a:fld>
             <a:endParaRPr lang="en-US" dirty="0"/>
           </a:p>
@@ -9426,29 +6769,11 @@
           <a:lstStyle>
             <a:lvl1pPr algn="ctr">
               <a:defRPr sz="1200">
-                <a:gradFill flip="none" rotWithShape="1">
-                  <a:gsLst>
-                    <a:gs pos="28000">
-                      <a:schemeClr val="tx1">
-                        <a:lumMod val="93000"/>
-                      </a:schemeClr>
-                    </a:gs>
-                    <a:gs pos="0">
-                      <a:schemeClr val="bg1">
-                        <a:lumMod val="38000"/>
-                        <a:lumOff val="62000"/>
-                      </a:schemeClr>
-                    </a:gs>
-                    <a:gs pos="100000">
-                      <a:schemeClr val="tx2">
-                        <a:lumMod val="0"/>
-                        <a:lumOff val="100000"/>
-                      </a:schemeClr>
-                    </a:gs>
-                  </a:gsLst>
-                  <a:lin ang="5400000" scaled="1"/>
-                  <a:tileRect/>
-                </a:gradFill>
+                <a:solidFill>
+                  <a:schemeClr val="tx1">
+                    <a:tint val="75000"/>
+                  </a:schemeClr>
+                </a:solidFill>
               </a:defRPr>
             </a:lvl1pPr>
           </a:lstStyle>
@@ -9481,29 +6806,11 @@
           <a:lstStyle>
             <a:lvl1pPr algn="r">
               <a:defRPr sz="1200">
-                <a:gradFill flip="none" rotWithShape="1">
-                  <a:gsLst>
-                    <a:gs pos="28000">
-                      <a:schemeClr val="tx1">
-                        <a:lumMod val="93000"/>
-                      </a:schemeClr>
-                    </a:gs>
-                    <a:gs pos="0">
-                      <a:schemeClr val="bg1">
-                        <a:lumMod val="38000"/>
-                        <a:lumOff val="62000"/>
-                      </a:schemeClr>
-                    </a:gs>
-                    <a:gs pos="100000">
-                      <a:schemeClr val="tx2">
-                        <a:lumMod val="0"/>
-                        <a:lumOff val="100000"/>
-                      </a:schemeClr>
-                    </a:gs>
-                  </a:gsLst>
-                  <a:lin ang="5400000" scaled="1"/>
-                  <a:tileRect/>
-                </a:gradFill>
+                <a:solidFill>
+                  <a:schemeClr val="tx1">
+                    <a:tint val="75000"/>
+                  </a:schemeClr>
+                </a:solidFill>
               </a:defRPr>
             </a:lvl1pPr>
           </a:lstStyle>
@@ -9520,29 +6827,23 @@
     </p:spTree>
     <p:extLst>
       <p:ext uri="{BB962C8B-B14F-4D97-AF65-F5344CB8AC3E}">
-        <p14:creationId xmlns:p14="http://schemas.microsoft.com/office/powerpoint/2010/main" val="1171543708"/>
+        <p14:creationId xmlns:p14="http://schemas.microsoft.com/office/powerpoint/2010/main" val="159916415"/>
       </p:ext>
     </p:extLst>
   </p:cSld>
-  <p:clrMap bg1="dk1" tx1="lt1" bg2="dk2" tx2="lt2" accent1="accent1" accent2="accent2" accent3="accent3" accent4="accent4" accent5="accent5" accent6="accent6" hlink="hlink" folHlink="folHlink"/>
+  <p:clrMap bg1="lt1" tx1="dk1" bg2="lt2" tx2="dk2" accent1="accent1" accent2="accent2" accent3="accent3" accent4="accent4" accent5="accent5" accent6="accent6" hlink="hlink" folHlink="folHlink"/>
   <p:sldLayoutIdLst>
-    <p:sldLayoutId id="2147483874" r:id="rId1"/>
-    <p:sldLayoutId id="2147483875" r:id="rId2"/>
-    <p:sldLayoutId id="2147483876" r:id="rId3"/>
-    <p:sldLayoutId id="2147483877" r:id="rId4"/>
-    <p:sldLayoutId id="2147483878" r:id="rId5"/>
-    <p:sldLayoutId id="2147483879" r:id="rId6"/>
-    <p:sldLayoutId id="2147483880" r:id="rId7"/>
-    <p:sldLayoutId id="2147483881" r:id="rId8"/>
-    <p:sldLayoutId id="2147483882" r:id="rId9"/>
-    <p:sldLayoutId id="2147483883" r:id="rId10"/>
-    <p:sldLayoutId id="2147483884" r:id="rId11"/>
-    <p:sldLayoutId id="2147483885" r:id="rId12"/>
-    <p:sldLayoutId id="2147483886" r:id="rId13"/>
-    <p:sldLayoutId id="2147483887" r:id="rId14"/>
-    <p:sldLayoutId id="2147483888" r:id="rId15"/>
-    <p:sldLayoutId id="2147483889" r:id="rId16"/>
-    <p:sldLayoutId id="2147483890" r:id="rId17"/>
+    <p:sldLayoutId id="2147483940" r:id="rId1"/>
+    <p:sldLayoutId id="2147483941" r:id="rId2"/>
+    <p:sldLayoutId id="2147483942" r:id="rId3"/>
+    <p:sldLayoutId id="2147483943" r:id="rId4"/>
+    <p:sldLayoutId id="2147483944" r:id="rId5"/>
+    <p:sldLayoutId id="2147483945" r:id="rId6"/>
+    <p:sldLayoutId id="2147483946" r:id="rId7"/>
+    <p:sldLayoutId id="2147483947" r:id="rId8"/>
+    <p:sldLayoutId id="2147483948" r:id="rId9"/>
+    <p:sldLayoutId id="2147483949" r:id="rId10"/>
+    <p:sldLayoutId id="2147483950" r:id="rId11"/>
   </p:sldLayoutIdLst>
   <p:hf hdr="0" ftr="0" dt="0"/>
   <p:txStyles>
@@ -9555,30 +6856,10 @@
           <a:spcPct val="0"/>
         </a:spcBef>
         <a:buNone/>
-        <a:defRPr sz="5400" b="0" kern="1200">
-          <a:gradFill flip="none" rotWithShape="1">
-            <a:gsLst>
-              <a:gs pos="28000">
-                <a:schemeClr val="tx1">
-                  <a:lumMod val="93000"/>
-                </a:schemeClr>
-              </a:gs>
-              <a:gs pos="0">
-                <a:schemeClr val="bg1">
-                  <a:lumMod val="13000"/>
-                  <a:lumOff val="87000"/>
-                </a:schemeClr>
-              </a:gs>
-              <a:gs pos="100000">
-                <a:schemeClr val="tx2">
-                  <a:lumMod val="0"/>
-                  <a:lumOff val="100000"/>
-                </a:schemeClr>
-              </a:gs>
-            </a:gsLst>
-            <a:lin ang="4800000" scaled="0"/>
-            <a:tileRect/>
-          </a:gradFill>
+        <a:defRPr sz="4400" kern="1200">
+          <a:solidFill>
+            <a:schemeClr val="tx1"/>
+          </a:solidFill>
           <a:latin typeface="+mj-lt"/>
           <a:ea typeface="+mj-ea"/>
           <a:cs typeface="+mj-cs"/>
@@ -9593,31 +6874,12 @@
         <a:spcBef>
           <a:spcPts val="1000"/>
         </a:spcBef>
-        <a:buFont typeface="Arial" panose="020B0604020202020204" pitchFamily="34" charset="0"/>
+        <a:buFont typeface="Arial"/>
         <a:buChar char="•"/>
         <a:defRPr sz="2800" kern="1200">
-          <a:gradFill>
-            <a:gsLst>
-              <a:gs pos="34000">
-                <a:schemeClr val="tx1">
-                  <a:lumMod val="93000"/>
-                </a:schemeClr>
-              </a:gs>
-              <a:gs pos="0">
-                <a:schemeClr val="bg1">
-                  <a:lumMod val="13000"/>
-                  <a:lumOff val="87000"/>
-                </a:schemeClr>
-              </a:gs>
-              <a:gs pos="100000">
-                <a:schemeClr val="tx2">
-                  <a:lumMod val="0"/>
-                  <a:lumOff val="100000"/>
-                </a:schemeClr>
-              </a:gs>
-            </a:gsLst>
-            <a:lin ang="4800000" scaled="0"/>
-          </a:gradFill>
+          <a:solidFill>
+            <a:schemeClr val="tx1"/>
+          </a:solidFill>
           <a:latin typeface="+mn-lt"/>
           <a:ea typeface="+mn-ea"/>
           <a:cs typeface="+mn-cs"/>
@@ -9630,31 +6892,12 @@
         <a:spcBef>
           <a:spcPts val="500"/>
         </a:spcBef>
-        <a:buFont typeface="Arial" panose="020B0604020202020204" pitchFamily="34" charset="0"/>
+        <a:buFont typeface="Arial"/>
         <a:buChar char="•"/>
         <a:defRPr sz="2400" kern="1200">
-          <a:gradFill>
-            <a:gsLst>
-              <a:gs pos="34000">
-                <a:schemeClr val="tx1">
-                  <a:lumMod val="93000"/>
-                </a:schemeClr>
-              </a:gs>
-              <a:gs pos="0">
-                <a:schemeClr val="bg1">
-                  <a:lumMod val="13000"/>
-                  <a:lumOff val="87000"/>
-                </a:schemeClr>
-              </a:gs>
-              <a:gs pos="100000">
-                <a:schemeClr val="tx2">
-                  <a:lumMod val="0"/>
-                  <a:lumOff val="100000"/>
-                </a:schemeClr>
-              </a:gs>
-            </a:gsLst>
-            <a:lin ang="4800000" scaled="0"/>
-          </a:gradFill>
+          <a:solidFill>
+            <a:schemeClr val="tx1"/>
+          </a:solidFill>
           <a:latin typeface="+mn-lt"/>
           <a:ea typeface="+mn-ea"/>
           <a:cs typeface="+mn-cs"/>
@@ -9667,31 +6910,12 @@
         <a:spcBef>
           <a:spcPts val="500"/>
         </a:spcBef>
-        <a:buFont typeface="Arial" panose="020B0604020202020204" pitchFamily="34" charset="0"/>
+        <a:buFont typeface="Arial"/>
         <a:buChar char="•"/>
         <a:defRPr sz="2000" kern="1200">
-          <a:gradFill>
-            <a:gsLst>
-              <a:gs pos="34000">
-                <a:schemeClr val="tx1">
-                  <a:lumMod val="93000"/>
-                </a:schemeClr>
-              </a:gs>
-              <a:gs pos="0">
-                <a:schemeClr val="bg1">
-                  <a:lumMod val="13000"/>
-                  <a:lumOff val="87000"/>
-                </a:schemeClr>
-              </a:gs>
-              <a:gs pos="100000">
-                <a:schemeClr val="tx2">
-                  <a:lumMod val="0"/>
-                  <a:lumOff val="100000"/>
-                </a:schemeClr>
-              </a:gs>
-            </a:gsLst>
-            <a:lin ang="4800000" scaled="0"/>
-          </a:gradFill>
+          <a:solidFill>
+            <a:schemeClr val="tx1"/>
+          </a:solidFill>
           <a:latin typeface="+mn-lt"/>
           <a:ea typeface="+mn-ea"/>
           <a:cs typeface="+mn-cs"/>
@@ -9704,31 +6928,12 @@
         <a:spcBef>
           <a:spcPts val="500"/>
         </a:spcBef>
-        <a:buFont typeface="Arial" panose="020B0604020202020204" pitchFamily="34" charset="0"/>
+        <a:buFont typeface="Arial"/>
         <a:buChar char="•"/>
         <a:defRPr sz="1800" kern="1200">
-          <a:gradFill>
-            <a:gsLst>
-              <a:gs pos="34000">
-                <a:schemeClr val="tx1">
-                  <a:lumMod val="93000"/>
-                </a:schemeClr>
-              </a:gs>
-              <a:gs pos="0">
-                <a:schemeClr val="bg1">
-                  <a:lumMod val="13000"/>
-                  <a:lumOff val="87000"/>
-                </a:schemeClr>
-              </a:gs>
-              <a:gs pos="100000">
-                <a:schemeClr val="tx2">
-                  <a:lumMod val="0"/>
-                  <a:lumOff val="100000"/>
-                </a:schemeClr>
-              </a:gs>
-            </a:gsLst>
-            <a:lin ang="4800000" scaled="0"/>
-          </a:gradFill>
+          <a:solidFill>
+            <a:schemeClr val="tx1"/>
+          </a:solidFill>
           <a:latin typeface="+mn-lt"/>
           <a:ea typeface="+mn-ea"/>
           <a:cs typeface="+mn-cs"/>
@@ -9741,31 +6946,12 @@
         <a:spcBef>
           <a:spcPts val="500"/>
         </a:spcBef>
-        <a:buFont typeface="Arial" panose="020B0604020202020204" pitchFamily="34" charset="0"/>
+        <a:buFont typeface="Arial"/>
         <a:buChar char="•"/>
         <a:defRPr sz="1800" kern="1200">
-          <a:gradFill>
-            <a:gsLst>
-              <a:gs pos="34000">
-                <a:schemeClr val="tx1">
-                  <a:lumMod val="93000"/>
-                </a:schemeClr>
-              </a:gs>
-              <a:gs pos="0">
-                <a:schemeClr val="bg1">
-                  <a:lumMod val="13000"/>
-                  <a:lumOff val="87000"/>
-                </a:schemeClr>
-              </a:gs>
-              <a:gs pos="100000">
-                <a:schemeClr val="tx2">
-                  <a:lumMod val="0"/>
-                  <a:lumOff val="100000"/>
-                </a:schemeClr>
-              </a:gs>
-            </a:gsLst>
-            <a:lin ang="4800000" scaled="0"/>
-          </a:gradFill>
+          <a:solidFill>
+            <a:schemeClr val="tx1"/>
+          </a:solidFill>
           <a:latin typeface="+mn-lt"/>
           <a:ea typeface="+mn-ea"/>
           <a:cs typeface="+mn-cs"/>
@@ -9778,7 +6964,7 @@
         <a:spcBef>
           <a:spcPts val="500"/>
         </a:spcBef>
-        <a:buFont typeface="Arial" panose="020B0604020202020204" pitchFamily="34" charset="0"/>
+        <a:buFont typeface="Arial"/>
         <a:buChar char="•"/>
         <a:defRPr sz="1800" kern="1200">
           <a:solidFill>
@@ -9796,7 +6982,7 @@
         <a:spcBef>
           <a:spcPts val="500"/>
         </a:spcBef>
-        <a:buFont typeface="Arial" panose="020B0604020202020204" pitchFamily="34" charset="0"/>
+        <a:buFont typeface="Arial"/>
         <a:buChar char="•"/>
         <a:defRPr sz="1800" kern="1200">
           <a:solidFill>
@@ -9814,7 +7000,7 @@
         <a:spcBef>
           <a:spcPts val="500"/>
         </a:spcBef>
-        <a:buFont typeface="Arial" panose="020B0604020202020204" pitchFamily="34" charset="0"/>
+        <a:buFont typeface="Arial"/>
         <a:buChar char="•"/>
         <a:defRPr sz="1800" kern="1200">
           <a:solidFill>
@@ -9832,7 +7018,7 @@
         <a:spcBef>
           <a:spcPts val="500"/>
         </a:spcBef>
-        <a:buFont typeface="Arial" panose="020B0604020202020204" pitchFamily="34" charset="0"/>
+        <a:buFont typeface="Arial"/>
         <a:buChar char="•"/>
         <a:defRPr sz="1800" kern="1200">
           <a:solidFill>
@@ -9940,7 +7126,7 @@
       </a:lvl9pPr>
     </p:otherStyle>
   </p:txStyles>
-  <p:extLst mod="1">
+  <p:extLst>
     <p:ext uri="{27BBF7A9-308A-43DC-89C8-2F10F3537804}">
       <p15:sldGuideLst xmlns:p15="http://schemas.microsoft.com/office/powerpoint/2012/main"/>
     </p:ext>
@@ -10001,7 +7187,7 @@
         <p:spPr/>
         <p:txBody>
           <a:bodyPr>
-            <a:normAutofit fontScale="92500"/>
+            <a:normAutofit/>
           </a:bodyPr>
           <a:lstStyle/>
           <a:p>
@@ -10196,6 +7382,413 @@
 </p:sld>
 </file>
 
+<file path=ppt/slides/slide11.xml><?xml version="1.0" encoding="utf-8"?>
+<p:sld xmlns:a="http://schemas.openxmlformats.org/drawingml/2006/main" xmlns:r="http://schemas.openxmlformats.org/officeDocument/2006/relationships" xmlns:p="http://schemas.openxmlformats.org/presentationml/2006/main">
+  <p:cSld>
+    <p:spTree>
+      <p:nvGrpSpPr>
+        <p:cNvPr id="1" name=""/>
+        <p:cNvGrpSpPr/>
+        <p:nvPr/>
+      </p:nvGrpSpPr>
+      <p:grpSpPr>
+        <a:xfrm>
+          <a:off x="0" y="0"/>
+          <a:ext cx="0" cy="0"/>
+          <a:chOff x="0" y="0"/>
+          <a:chExt cx="0" cy="0"/>
+        </a:xfrm>
+      </p:grpSpPr>
+      <p:sp>
+        <p:nvSpPr>
+          <p:cNvPr id="4" name="Slide Number Placeholder 3"/>
+          <p:cNvSpPr>
+            <a:spLocks noGrp="1"/>
+          </p:cNvSpPr>
+          <p:nvPr>
+            <p:ph type="sldNum" sz="quarter" idx="12"/>
+          </p:nvPr>
+        </p:nvSpPr>
+        <p:spPr/>
+        <p:txBody>
+          <a:bodyPr/>
+          <a:lstStyle/>
+          <a:p>
+            <a:fld id="{D57F1E4F-1CFF-5643-939E-217C01CDF565}" type="slidenum">
+              <a:rPr lang="en-US" smtClean="0"/>
+              <a:pPr/>
+              <a:t>11</a:t>
+            </a:fld>
+            <a:endParaRPr lang="en-US" dirty="0"/>
+          </a:p>
+        </p:txBody>
+      </p:sp>
+      <p:sp>
+        <p:nvSpPr>
+          <p:cNvPr id="5" name="Rectangle 4"/>
+          <p:cNvSpPr/>
+          <p:nvPr/>
+        </p:nvSpPr>
+        <p:spPr>
+          <a:xfrm>
+            <a:off x="1485899" y="2943225"/>
+            <a:ext cx="8501063" cy="2814638"/>
+          </a:xfrm>
+          <a:prstGeom prst="rect">
+            <a:avLst/>
+          </a:prstGeom>
+        </p:spPr>
+        <p:style>
+          <a:lnRef idx="0">
+            <a:schemeClr val="accent3"/>
+          </a:lnRef>
+          <a:fillRef idx="3">
+            <a:schemeClr val="accent3"/>
+          </a:fillRef>
+          <a:effectRef idx="3">
+            <a:schemeClr val="accent3"/>
+          </a:effectRef>
+          <a:fontRef idx="minor">
+            <a:schemeClr val="lt1"/>
+          </a:fontRef>
+        </p:style>
+        <p:txBody>
+          <a:bodyPr rtlCol="0" anchor="t"/>
+          <a:lstStyle/>
+          <a:p>
+            <a:r>
+              <a:rPr lang="en-US" b="1" dirty="0" smtClean="0"/>
+              <a:t>Fingerprint</a:t>
+            </a:r>
+            <a:endParaRPr lang="en-US" b="1" dirty="0"/>
+          </a:p>
+        </p:txBody>
+      </p:sp>
+      <p:sp>
+        <p:nvSpPr>
+          <p:cNvPr id="6" name="Oval 5"/>
+          <p:cNvSpPr/>
+          <p:nvPr/>
+        </p:nvSpPr>
+        <p:spPr>
+          <a:xfrm>
+            <a:off x="1857375" y="3257550"/>
+            <a:ext cx="7672388" cy="2357438"/>
+          </a:xfrm>
+          <a:prstGeom prst="ellipse">
+            <a:avLst/>
+          </a:prstGeom>
+        </p:spPr>
+        <p:style>
+          <a:lnRef idx="2">
+            <a:schemeClr val="accent6"/>
+          </a:lnRef>
+          <a:fillRef idx="1">
+            <a:schemeClr val="lt1"/>
+          </a:fillRef>
+          <a:effectRef idx="0">
+            <a:schemeClr val="accent6"/>
+          </a:effectRef>
+          <a:fontRef idx="minor">
+            <a:schemeClr val="dk1"/>
+          </a:fontRef>
+        </p:style>
+        <p:txBody>
+          <a:bodyPr rtlCol="0" anchor="t"/>
+          <a:lstStyle/>
+          <a:p>
+            <a:r>
+              <a:rPr lang="en-US" dirty="0" smtClean="0">
+                <a:solidFill>
+                  <a:srgbClr val="FF0000"/>
+                </a:solidFill>
+              </a:rPr>
+              <a:t>Wrapper</a:t>
+            </a:r>
+            <a:endParaRPr lang="en-US" dirty="0">
+              <a:solidFill>
+                <a:srgbClr val="FF0000"/>
+              </a:solidFill>
+            </a:endParaRPr>
+          </a:p>
+        </p:txBody>
+      </p:sp>
+      <p:sp>
+        <p:nvSpPr>
+          <p:cNvPr id="7" name="Rounded Rectangle 6"/>
+          <p:cNvSpPr/>
+          <p:nvPr/>
+        </p:nvSpPr>
+        <p:spPr>
+          <a:xfrm>
+            <a:off x="2328863" y="4129088"/>
+            <a:ext cx="6615112" cy="857250"/>
+          </a:xfrm>
+          <a:prstGeom prst="roundRect">
+            <a:avLst/>
+          </a:prstGeom>
+        </p:spPr>
+        <p:style>
+          <a:lnRef idx="2">
+            <a:schemeClr val="dk1">
+              <a:shade val="50000"/>
+            </a:schemeClr>
+          </a:lnRef>
+          <a:fillRef idx="1">
+            <a:schemeClr val="dk1"/>
+          </a:fillRef>
+          <a:effectRef idx="0">
+            <a:schemeClr val="dk1"/>
+          </a:effectRef>
+          <a:fontRef idx="minor">
+            <a:schemeClr val="lt1"/>
+          </a:fontRef>
+        </p:style>
+        <p:txBody>
+          <a:bodyPr rtlCol="0" anchor="ctr"/>
+          <a:lstStyle/>
+          <a:p>
+            <a:pPr algn="ctr"/>
+            <a:r>
+              <a:rPr lang="en-US" dirty="0" smtClean="0">
+                <a:solidFill>
+                  <a:srgbClr val="00B050"/>
+                </a:solidFill>
+              </a:rPr>
+              <a:t>01101100 01101100 01111100 01001100 11101100 00001100</a:t>
+            </a:r>
+            <a:r>
+              <a:rPr lang="is-IS" dirty="0" smtClean="0">
+                <a:solidFill>
+                  <a:srgbClr val="00B050"/>
+                </a:solidFill>
+              </a:rPr>
+              <a:t>…</a:t>
+            </a:r>
+            <a:endParaRPr lang="en-US" dirty="0">
+              <a:solidFill>
+                <a:srgbClr val="00B050"/>
+              </a:solidFill>
+            </a:endParaRPr>
+          </a:p>
+        </p:txBody>
+      </p:sp>
+      <p:sp>
+        <p:nvSpPr>
+          <p:cNvPr id="8" name="Rectangle 7"/>
+          <p:cNvSpPr/>
+          <p:nvPr/>
+        </p:nvSpPr>
+        <p:spPr>
+          <a:xfrm>
+            <a:off x="2428878" y="4171950"/>
+            <a:ext cx="3057521" cy="285750"/>
+          </a:xfrm>
+          <a:prstGeom prst="rect">
+            <a:avLst/>
+          </a:prstGeom>
+        </p:spPr>
+        <p:style>
+          <a:lnRef idx="2">
+            <a:schemeClr val="dk1">
+              <a:shade val="50000"/>
+            </a:schemeClr>
+          </a:lnRef>
+          <a:fillRef idx="1">
+            <a:schemeClr val="dk1"/>
+          </a:fillRef>
+          <a:effectRef idx="0">
+            <a:schemeClr val="dk1"/>
+          </a:effectRef>
+          <a:fontRef idx="minor">
+            <a:schemeClr val="lt1"/>
+          </a:fontRef>
+        </p:style>
+        <p:txBody>
+          <a:bodyPr rtlCol="0" anchor="ctr"/>
+          <a:lstStyle/>
+          <a:p>
+            <a:pPr algn="ctr"/>
+            <a:r>
+              <a:rPr lang="en-US" dirty="0" smtClean="0"/>
+              <a:t>Bytes (Hash </a:t>
+            </a:r>
+            <a:r>
+              <a:rPr lang="en-US" smtClean="0"/>
+              <a:t>code) | SHA-256</a:t>
+            </a:r>
+            <a:endParaRPr lang="en-US" dirty="0"/>
+          </a:p>
+        </p:txBody>
+      </p:sp>
+      <p:sp>
+        <p:nvSpPr>
+          <p:cNvPr id="9" name="Line Callout 1 (No Border) 8"/>
+          <p:cNvSpPr/>
+          <p:nvPr/>
+        </p:nvSpPr>
+        <p:spPr>
+          <a:xfrm>
+            <a:off x="9529763" y="3543697"/>
+            <a:ext cx="1147763" cy="942975"/>
+          </a:xfrm>
+          <a:prstGeom prst="callout1">
+            <a:avLst>
+              <a:gd name="adj1" fmla="val 47538"/>
+              <a:gd name="adj2" fmla="val 2870"/>
+              <a:gd name="adj3" fmla="val 79166"/>
+              <a:gd name="adj4" fmla="val -368209"/>
+            </a:avLst>
+          </a:prstGeom>
+        </p:spPr>
+        <p:style>
+          <a:lnRef idx="2">
+            <a:schemeClr val="accent6">
+              <a:shade val="50000"/>
+            </a:schemeClr>
+          </a:lnRef>
+          <a:fillRef idx="1">
+            <a:schemeClr val="accent6"/>
+          </a:fillRef>
+          <a:effectRef idx="0">
+            <a:schemeClr val="accent6"/>
+          </a:effectRef>
+          <a:fontRef idx="minor">
+            <a:schemeClr val="lt1"/>
+          </a:fontRef>
+        </p:style>
+        <p:txBody>
+          <a:bodyPr rtlCol="0" anchor="ctr"/>
+          <a:lstStyle/>
+          <a:p>
+            <a:pPr algn="ctr"/>
+            <a:r>
+              <a:rPr lang="en-US" dirty="0" smtClean="0"/>
+              <a:t>32 </a:t>
+            </a:r>
+            <a:r>
+              <a:rPr lang="en-US" dirty="0"/>
+              <a:t>B</a:t>
+            </a:r>
+            <a:r>
+              <a:rPr lang="en-US" dirty="0" smtClean="0"/>
+              <a:t>ytes</a:t>
+            </a:r>
+            <a:endParaRPr lang="en-US" dirty="0"/>
+          </a:p>
+        </p:txBody>
+      </p:sp>
+      <p:sp>
+        <p:nvSpPr>
+          <p:cNvPr id="10" name="Line Callout 1 (No Border) 9"/>
+          <p:cNvSpPr/>
+          <p:nvPr/>
+        </p:nvSpPr>
+        <p:spPr>
+          <a:xfrm>
+            <a:off x="9067798" y="2486818"/>
+            <a:ext cx="1147763" cy="942975"/>
+          </a:xfrm>
+          <a:prstGeom prst="callout1">
+            <a:avLst>
+              <a:gd name="adj1" fmla="val 86932"/>
+              <a:gd name="adj2" fmla="val 2870"/>
+              <a:gd name="adj3" fmla="val 138257"/>
+              <a:gd name="adj4" fmla="val -440408"/>
+            </a:avLst>
+          </a:prstGeom>
+        </p:spPr>
+        <p:style>
+          <a:lnRef idx="2">
+            <a:schemeClr val="accent6">
+              <a:shade val="50000"/>
+            </a:schemeClr>
+          </a:lnRef>
+          <a:fillRef idx="1">
+            <a:schemeClr val="accent6"/>
+          </a:fillRef>
+          <a:effectRef idx="0">
+            <a:schemeClr val="accent6"/>
+          </a:effectRef>
+          <a:fontRef idx="minor">
+            <a:schemeClr val="lt1"/>
+          </a:fontRef>
+        </p:style>
+        <p:txBody>
+          <a:bodyPr rtlCol="0" anchor="ctr"/>
+          <a:lstStyle/>
+          <a:p>
+            <a:pPr algn="ctr"/>
+            <a:r>
+              <a:rPr lang="en-US" dirty="0" smtClean="0"/>
+              <a:t>24 Bytes</a:t>
+            </a:r>
+            <a:endParaRPr lang="en-US" dirty="0"/>
+          </a:p>
+        </p:txBody>
+      </p:sp>
+      <p:sp>
+        <p:nvSpPr>
+          <p:cNvPr id="11" name="Line Callout 1 (No Border) 10"/>
+          <p:cNvSpPr/>
+          <p:nvPr/>
+        </p:nvSpPr>
+        <p:spPr>
+          <a:xfrm>
+            <a:off x="7658098" y="2015331"/>
+            <a:ext cx="1147763" cy="942975"/>
+          </a:xfrm>
+          <a:prstGeom prst="callout1">
+            <a:avLst>
+              <a:gd name="adj1" fmla="val 86932"/>
+              <a:gd name="adj2" fmla="val 2870"/>
+              <a:gd name="adj3" fmla="val 118560"/>
+              <a:gd name="adj4" fmla="val -429204"/>
+            </a:avLst>
+          </a:prstGeom>
+        </p:spPr>
+        <p:style>
+          <a:lnRef idx="2">
+            <a:schemeClr val="accent6">
+              <a:shade val="50000"/>
+            </a:schemeClr>
+          </a:lnRef>
+          <a:fillRef idx="1">
+            <a:schemeClr val="accent6"/>
+          </a:fillRef>
+          <a:effectRef idx="0">
+            <a:schemeClr val="accent6"/>
+          </a:effectRef>
+          <a:fontRef idx="minor">
+            <a:schemeClr val="lt1"/>
+          </a:fontRef>
+        </p:style>
+        <p:txBody>
+          <a:bodyPr rtlCol="0" anchor="ctr"/>
+          <a:lstStyle/>
+          <a:p>
+            <a:pPr algn="ctr"/>
+            <a:r>
+              <a:rPr lang="en-US" dirty="0" smtClean="0"/>
+              <a:t>32 + 24 Bytes</a:t>
+            </a:r>
+            <a:endParaRPr lang="en-US" dirty="0"/>
+          </a:p>
+        </p:txBody>
+      </p:sp>
+    </p:spTree>
+    <p:extLst>
+      <p:ext uri="{BB962C8B-B14F-4D97-AF65-F5344CB8AC3E}">
+        <p14:creationId xmlns:p14="http://schemas.microsoft.com/office/powerpoint/2010/main" val="744248663"/>
+      </p:ext>
+    </p:extLst>
+  </p:cSld>
+  <p:clrMapOvr>
+    <a:masterClrMapping/>
+  </p:clrMapOvr>
+</p:sld>
+</file>
+
 <file path=ppt/slides/slide2.xml><?xml version="1.0" encoding="utf-8"?>
 <p:sld xmlns:a="http://schemas.openxmlformats.org/drawingml/2006/main" xmlns:r="http://schemas.openxmlformats.org/officeDocument/2006/relationships" xmlns:p="http://schemas.openxmlformats.org/presentationml/2006/main">
   <p:cSld>
@@ -10447,6 +8040,30 @@
               <a:rPr lang="en-US" dirty="0" smtClean="0"/>
               <a:t>Byte-Level</a:t>
             </a:r>
+          </a:p>
+        </p:txBody>
+      </p:sp>
+      <p:sp>
+        <p:nvSpPr>
+          <p:cNvPr id="7" name="Slide Number Placeholder 6"/>
+          <p:cNvSpPr>
+            <a:spLocks noGrp="1"/>
+          </p:cNvSpPr>
+          <p:nvPr>
+            <p:ph type="sldNum" sz="quarter" idx="12"/>
+          </p:nvPr>
+        </p:nvSpPr>
+        <p:spPr/>
+        <p:txBody>
+          <a:bodyPr/>
+          <a:lstStyle/>
+          <a:p>
+            <a:fld id="{D57F1E4F-1CFF-5643-939E-217C01CDF565}" type="slidenum">
+              <a:rPr lang="en-US" sz="1800" smtClean="0"/>
+              <a:pPr/>
+              <a:t>3</a:t>
+            </a:fld>
+            <a:endParaRPr lang="en-US" sz="1800" dirty="0"/>
           </a:p>
         </p:txBody>
       </p:sp>
@@ -10916,30 +8533,6 @@
           </a:fontRef>
         </p:style>
       </p:cxnSp>
-      <p:sp>
-        <p:nvSpPr>
-          <p:cNvPr id="7" name="Slide Number Placeholder 6"/>
-          <p:cNvSpPr>
-            <a:spLocks noGrp="1"/>
-          </p:cNvSpPr>
-          <p:nvPr>
-            <p:ph type="sldNum" sz="quarter" idx="12"/>
-          </p:nvPr>
-        </p:nvSpPr>
-        <p:spPr/>
-        <p:txBody>
-          <a:bodyPr/>
-          <a:lstStyle/>
-          <a:p>
-            <a:fld id="{D57F1E4F-1CFF-5643-939E-217C01CDF565}" type="slidenum">
-              <a:rPr lang="en-US" sz="1800" smtClean="0"/>
-              <a:pPr/>
-              <a:t>3</a:t>
-            </a:fld>
-            <a:endParaRPr lang="en-US" sz="1800" dirty="0"/>
-          </a:p>
-        </p:txBody>
-      </p:sp>
       <p:sp>
         <p:nvSpPr>
           <p:cNvPr id="17" name="Multiply 16"/>
@@ -12958,9 +10551,32 @@
           <a:p>
             <a:r>
               <a:rPr lang="en-US" sz="4700" dirty="0" smtClean="0"/>
-              <a:t>Software – How does it work?</a:t>
+              <a:t>WRITE - Interface</a:t>
             </a:r>
             <a:endParaRPr lang="en-US" sz="4700" dirty="0"/>
+          </a:p>
+        </p:txBody>
+      </p:sp>
+      <p:sp>
+        <p:nvSpPr>
+          <p:cNvPr id="3" name="Slide Number Placeholder 2"/>
+          <p:cNvSpPr>
+            <a:spLocks noGrp="1"/>
+          </p:cNvSpPr>
+          <p:nvPr>
+            <p:ph type="sldNum" sz="quarter" idx="12"/>
+          </p:nvPr>
+        </p:nvSpPr>
+        <p:spPr/>
+        <p:txBody>
+          <a:bodyPr/>
+          <a:lstStyle/>
+          <a:p>
+            <a:r>
+              <a:rPr lang="en-US" sz="1800" smtClean="0"/>
+              <a:t>  </a:t>
+            </a:r>
+            <a:endParaRPr lang="en-US" sz="1800" dirty="0"/>
           </a:p>
         </p:txBody>
       </p:sp>
@@ -13788,7 +11404,7 @@
           <p:nvPr>
             <p:extLst>
               <p:ext uri="{D42A27DB-BD31-4B8C-83A1-F6EECF244321}">
-                <p14:modId xmlns:p14="http://schemas.microsoft.com/office/powerpoint/2010/main" val="1033953563"/>
+                <p14:modId xmlns:p14="http://schemas.microsoft.com/office/powerpoint/2010/main" val="976821048"/>
               </p:ext>
             </p:extLst>
           </p:nvPr>
@@ -13801,7 +11417,7 @@
           <a:graphicData uri="http://schemas.openxmlformats.org/drawingml/2006/table">
             <a:tbl>
               <a:tblPr firstRow="1" bandRow="1">
-                <a:tableStyleId>{F5AB1C69-6EDB-4FF4-983F-18BD219EF322}</a:tableStyleId>
+                <a:tableStyleId>{5C22544A-7EE6-4342-B048-85BDC9FD1C3A}</a:tableStyleId>
               </a:tblPr>
               <a:tblGrid>
                 <a:gridCol w="921870"/>
@@ -13814,11 +11430,7 @@
                     <a:lstStyle/>
                     <a:p>
                       <a:r>
-                        <a:rPr lang="en-US" dirty="0" smtClean="0">
-                          <a:solidFill>
-                            <a:srgbClr val="FF0000"/>
-                          </a:solidFill>
-                        </a:rPr>
+                        <a:rPr lang="en-US" dirty="0" smtClean="0"/>
                         <a:t>Hash</a:t>
                       </a:r>
                       <a:endParaRPr lang="en-US" dirty="0">
@@ -13836,11 +11448,7 @@
                     <a:lstStyle/>
                     <a:p>
                       <a:r>
-                        <a:rPr lang="en-US" dirty="0" smtClean="0">
-                          <a:solidFill>
-                            <a:srgbClr val="C00000"/>
-                          </a:solidFill>
-                        </a:rPr>
+                        <a:rPr lang="en-US" dirty="0" smtClean="0"/>
                         <a:t>Offset</a:t>
                       </a:r>
                       <a:endParaRPr lang="en-US" dirty="0">
@@ -14147,24 +11755,24 @@
           <p:nvPr>
             <p:extLst>
               <p:ext uri="{D42A27DB-BD31-4B8C-83A1-F6EECF244321}">
-                <p14:modId xmlns:p14="http://schemas.microsoft.com/office/powerpoint/2010/main" val="368120938"/>
+                <p14:modId xmlns:p14="http://schemas.microsoft.com/office/powerpoint/2010/main" val="1670998539"/>
               </p:ext>
             </p:extLst>
           </p:nvPr>
         </p:nvGraphicFramePr>
         <p:xfrm>
-          <a:off x="5044640" y="5051943"/>
-          <a:ext cx="2222550" cy="1371600"/>
+          <a:off x="3988468" y="5051943"/>
+          <a:ext cx="3084717" cy="1367953"/>
         </p:xfrm>
         <a:graphic>
           <a:graphicData uri="http://schemas.openxmlformats.org/drawingml/2006/table">
             <a:tbl>
               <a:tblPr firstRow="1" bandRow="1">
-                <a:tableStyleId>{93296810-A885-4BE3-A3E7-6D5BEEA58F35}</a:tableStyleId>
+                <a:tableStyleId>{21E4AEA4-8DFA-4A89-87EB-49C32662AFE0}</a:tableStyleId>
               </a:tblPr>
               <a:tblGrid>
-                <a:gridCol w="1111275"/>
-                <a:gridCol w="1111275"/>
+                <a:gridCol w="983582"/>
+                <a:gridCol w="2101135"/>
               </a:tblGrid>
               <a:tr h="331633">
                 <a:tc>
@@ -14173,10 +11781,10 @@
                     <a:lstStyle/>
                     <a:p>
                       <a:r>
-                        <a:rPr lang="en-US" dirty="0" smtClean="0"/>
+                        <a:rPr lang="en-US" sz="1400" dirty="0" smtClean="0"/>
                         <a:t>Filename</a:t>
                       </a:r>
-                      <a:endParaRPr lang="en-US" dirty="0">
+                      <a:endParaRPr lang="en-US" sz="1400" dirty="0">
                         <a:solidFill>
                           <a:srgbClr val="FF0000"/>
                         </a:solidFill>
@@ -14191,10 +11799,10 @@
                     <a:lstStyle/>
                     <a:p>
                       <a:r>
-                        <a:rPr lang="en-US" dirty="0" smtClean="0"/>
-                        <a:t>Offset</a:t>
+                        <a:rPr lang="en-US" sz="1400" dirty="0" smtClean="0"/>
+                        <a:t>Data</a:t>
                       </a:r>
-                      <a:endParaRPr lang="en-US" dirty="0">
+                      <a:endParaRPr lang="en-US" sz="1400" dirty="0">
                         <a:solidFill>
                           <a:srgbClr val="C00000"/>
                         </a:solidFill>
@@ -14211,10 +11819,10 @@
                     <a:lstStyle/>
                     <a:p>
                       <a:r>
-                        <a:rPr lang="en-US" dirty="0" smtClean="0"/>
+                        <a:rPr lang="en-US" sz="1400" dirty="0" smtClean="0"/>
                         <a:t>File A</a:t>
                       </a:r>
-                      <a:endParaRPr lang="en-US" dirty="0"/>
+                      <a:endParaRPr lang="en-US" sz="1400" dirty="0"/>
                     </a:p>
                   </a:txBody>
                   <a:tcPr/>
@@ -14225,22 +11833,41 @@
                     <a:lstStyle/>
                     <a:p>
                       <a:r>
-                        <a:rPr lang="en-US" dirty="0" smtClean="0"/>
-                        <a:t>{0</a:t>
+                        <a:rPr lang="en-US" sz="1400" kern="1200" dirty="0" smtClean="0">
+                          <a:effectLst/>
+                        </a:rPr>
+                        <a:t>Length : 8,500</a:t>
+                      </a:r>
+                      <a:br>
+                        <a:rPr lang="en-US" sz="1400" kern="1200" dirty="0" smtClean="0">
+                          <a:effectLst/>
+                        </a:rPr>
+                      </a:br>
+                      <a:r>
+                        <a:rPr lang="en-US" sz="1400" kern="1200" dirty="0" smtClean="0">
+                          <a:effectLst/>
+                        </a:rPr>
+                        <a:t>Offsets : {0, </a:t>
                       </a:r>
                       <a:r>
-                        <a:rPr lang="en-US" baseline="0" dirty="0" smtClean="0"/>
-                        <a:t>, </a:t>
+                        <a:rPr lang="is-IS" sz="1400" kern="1200" dirty="0" smtClean="0">
+                          <a:effectLst/>
+                        </a:rPr>
+                        <a:t>4096, </a:t>
                       </a:r>
                       <a:r>
-                        <a:rPr lang="is-IS" baseline="0" dirty="0" smtClean="0"/>
-                        <a:t>… , </a:t>
+                        <a:rPr lang="en-US" sz="1400" kern="1200" dirty="0" smtClean="0">
+                          <a:effectLst/>
+                        </a:rPr>
+                        <a:t>8192}</a:t>
                       </a:r>
                       <a:r>
-                        <a:rPr lang="en-US" dirty="0" smtClean="0"/>
-                        <a:t>30720}</a:t>
+                        <a:rPr lang="en-US" sz="1400" dirty="0" smtClean="0">
+                          <a:effectLst/>
+                        </a:rPr>
+                        <a:t> </a:t>
                       </a:r>
-                      <a:endParaRPr lang="en-US" dirty="0"/>
+                      <a:endParaRPr lang="en-US" sz="1400" dirty="0"/>
                     </a:p>
                   </a:txBody>
                   <a:tcPr/>
@@ -14253,14 +11880,14 @@
                     <a:lstStyle/>
                     <a:p>
                       <a:r>
-                        <a:rPr lang="en-US" dirty="0" smtClean="0"/>
+                        <a:rPr lang="en-US" sz="1400" dirty="0" smtClean="0"/>
                         <a:t>File</a:t>
                       </a:r>
                       <a:r>
-                        <a:rPr lang="en-US" baseline="0" dirty="0" smtClean="0"/>
+                        <a:rPr lang="en-US" sz="1400" baseline="0" dirty="0" smtClean="0"/>
                         <a:t> B</a:t>
                       </a:r>
-                      <a:endParaRPr lang="en-US" dirty="0"/>
+                      <a:endParaRPr lang="en-US" sz="1400" dirty="0"/>
                     </a:p>
                   </a:txBody>
                   <a:tcPr/>
@@ -14271,18 +11898,41 @@
                     <a:lstStyle/>
                     <a:p>
                       <a:r>
-                        <a:rPr lang="en-US" dirty="0" smtClean="0"/>
-                        <a:t>{0,</a:t>
+                        <a:rPr lang="en-US" sz="1400" kern="1200" dirty="0" smtClean="0">
+                          <a:effectLst/>
+                        </a:rPr>
+                        <a:t>Length : 35,490</a:t>
+                      </a:r>
+                      <a:br>
+                        <a:rPr lang="en-US" sz="1400" kern="1200" dirty="0" smtClean="0">
+                          <a:effectLst/>
+                        </a:rPr>
+                      </a:br>
+                      <a:r>
+                        <a:rPr lang="en-US" sz="1400" kern="1200" dirty="0" smtClean="0">
+                          <a:effectLst/>
+                        </a:rPr>
+                        <a:t>Offsets : {0, </a:t>
                       </a:r>
                       <a:r>
-                        <a:rPr lang="en-US" baseline="0" dirty="0" smtClean="0"/>
-                        <a:t> 15360</a:t>
+                        <a:rPr lang="is-IS" sz="1400" kern="1200" dirty="0" smtClean="0">
+                          <a:effectLst/>
+                        </a:rPr>
+                        <a:t>… , </a:t>
                       </a:r>
                       <a:r>
-                        <a:rPr lang="en-US" dirty="0" smtClean="0"/>
-                        <a:t>}</a:t>
+                        <a:rPr lang="en-US" sz="1400" kern="1200" dirty="0" smtClean="0">
+                          <a:effectLst/>
+                        </a:rPr>
+                        <a:t>30720}</a:t>
                       </a:r>
-                      <a:endParaRPr lang="en-US" dirty="0"/>
+                      <a:r>
+                        <a:rPr lang="en-US" sz="1400" dirty="0" smtClean="0">
+                          <a:effectLst/>
+                        </a:rPr>
+                        <a:t> </a:t>
+                      </a:r>
+                      <a:endParaRPr lang="en-US" sz="1400" dirty="0"/>
                     </a:p>
                   </a:txBody>
                   <a:tcPr/>
@@ -14329,57 +11979,307 @@
           </a:fontRef>
         </p:style>
       </p:cxnSp>
+      <p:cxnSp>
+        <p:nvCxnSpPr>
+          <p:cNvPr id="34" name="Straight Arrow Connector 33"/>
+          <p:cNvCxnSpPr/>
+          <p:nvPr/>
+        </p:nvCxnSpPr>
+        <p:spPr>
+          <a:xfrm flipV="1">
+            <a:off x="6871981" y="2485403"/>
+            <a:ext cx="804397" cy="832243"/>
+          </a:xfrm>
+          <a:prstGeom prst="straightConnector1">
+            <a:avLst/>
+          </a:prstGeom>
+          <a:ln>
+            <a:prstDash val="dash"/>
+            <a:tailEnd type="triangle"/>
+          </a:ln>
+        </p:spPr>
+        <p:style>
+          <a:lnRef idx="1">
+            <a:schemeClr val="accent1"/>
+          </a:lnRef>
+          <a:fillRef idx="0">
+            <a:schemeClr val="accent1"/>
+          </a:fillRef>
+          <a:effectRef idx="0">
+            <a:schemeClr val="accent1"/>
+          </a:effectRef>
+          <a:fontRef idx="minor">
+            <a:schemeClr val="tx1"/>
+          </a:fontRef>
+        </p:style>
+      </p:cxnSp>
       <p:sp>
         <p:nvSpPr>
-          <p:cNvPr id="3" name="Slide Number Placeholder 2"/>
-          <p:cNvSpPr>
-            <a:spLocks noGrp="1"/>
-          </p:cNvSpPr>
-          <p:nvPr>
-            <p:ph type="sldNum" sz="quarter" idx="12"/>
-          </p:nvPr>
+          <p:cNvPr id="11" name="Oval 10"/>
+          <p:cNvSpPr/>
+          <p:nvPr/>
         </p:nvSpPr>
-        <p:spPr/>
+        <p:spPr>
+          <a:xfrm>
+            <a:off x="528638" y="2365344"/>
+            <a:ext cx="309562" cy="323623"/>
+          </a:xfrm>
+          <a:prstGeom prst="ellipse">
+            <a:avLst/>
+          </a:prstGeom>
+          <a:solidFill>
+            <a:srgbClr val="C00000"/>
+          </a:solidFill>
+        </p:spPr>
+        <p:style>
+          <a:lnRef idx="0">
+            <a:schemeClr val="accent6"/>
+          </a:lnRef>
+          <a:fillRef idx="3">
+            <a:schemeClr val="accent6"/>
+          </a:fillRef>
+          <a:effectRef idx="3">
+            <a:schemeClr val="accent6"/>
+          </a:effectRef>
+          <a:fontRef idx="minor">
+            <a:schemeClr val="lt1"/>
+          </a:fontRef>
+        </p:style>
         <p:txBody>
-          <a:bodyPr/>
+          <a:bodyPr rtlCol="0" anchor="ctr"/>
           <a:lstStyle/>
           <a:p>
-            <a:fld id="{D57F1E4F-1CFF-5643-939E-217C01CDF565}" type="slidenum">
-              <a:rPr lang="en-US" sz="1800" smtClean="0"/>
-              <a:pPr/>
-              <a:t>5</a:t>
-            </a:fld>
-            <a:endParaRPr lang="en-US" sz="1800" dirty="0"/>
+            <a:pPr algn="ctr"/>
+            <a:r>
+              <a:rPr lang="en-US" dirty="0" smtClean="0"/>
+              <a:t>1</a:t>
+            </a:r>
+            <a:endParaRPr lang="en-US" dirty="0"/>
           </a:p>
         </p:txBody>
       </p:sp>
       <p:sp>
         <p:nvSpPr>
-          <p:cNvPr id="6" name="TextBox 5"/>
-          <p:cNvSpPr txBox="1"/>
+          <p:cNvPr id="43" name="Oval 42"/>
+          <p:cNvSpPr/>
           <p:nvPr/>
         </p:nvSpPr>
         <p:spPr>
           <a:xfrm>
-            <a:off x="10635018" y="2730366"/>
-            <a:ext cx="1610957" cy="307777"/>
+            <a:off x="5454044" y="1524950"/>
+            <a:ext cx="309562" cy="323623"/>
           </a:xfrm>
-          <a:prstGeom prst="rect">
+          <a:prstGeom prst="ellipse">
             <a:avLst/>
           </a:prstGeom>
-          <a:noFill/>
+          <a:solidFill>
+            <a:srgbClr val="C00000"/>
+          </a:solidFill>
         </p:spPr>
+        <p:style>
+          <a:lnRef idx="0">
+            <a:schemeClr val="accent6"/>
+          </a:lnRef>
+          <a:fillRef idx="3">
+            <a:schemeClr val="accent6"/>
+          </a:fillRef>
+          <a:effectRef idx="3">
+            <a:schemeClr val="accent6"/>
+          </a:effectRef>
+          <a:fontRef idx="minor">
+            <a:schemeClr val="lt1"/>
+          </a:fontRef>
+        </p:style>
         <p:txBody>
-          <a:bodyPr wrap="square" rtlCol="0">
-            <a:spAutoFit/>
-          </a:bodyPr>
+          <a:bodyPr rtlCol="0" anchor="ctr"/>
           <a:lstStyle/>
           <a:p>
-            <a:r>
-              <a:rPr lang="en-US" sz="1400" dirty="0" smtClean="0"/>
-              <a:t>Apply Compression</a:t>
-            </a:r>
-            <a:endParaRPr lang="en-US" sz="1400" dirty="0"/>
+            <a:pPr algn="ctr"/>
+            <a:r>
+              <a:rPr lang="en-US" dirty="0" smtClean="0"/>
+              <a:t>2</a:t>
+            </a:r>
+            <a:endParaRPr lang="en-US" dirty="0"/>
+          </a:p>
+        </p:txBody>
+      </p:sp>
+      <p:sp>
+        <p:nvSpPr>
+          <p:cNvPr id="47" name="Oval 46"/>
+          <p:cNvSpPr/>
+          <p:nvPr/>
+        </p:nvSpPr>
+        <p:spPr>
+          <a:xfrm>
+            <a:off x="6763623" y="3993190"/>
+            <a:ext cx="309562" cy="323623"/>
+          </a:xfrm>
+          <a:prstGeom prst="ellipse">
+            <a:avLst/>
+          </a:prstGeom>
+          <a:solidFill>
+            <a:srgbClr val="C00000"/>
+          </a:solidFill>
+        </p:spPr>
+        <p:style>
+          <a:lnRef idx="0">
+            <a:schemeClr val="accent6"/>
+          </a:lnRef>
+          <a:fillRef idx="3">
+            <a:schemeClr val="accent6"/>
+          </a:fillRef>
+          <a:effectRef idx="3">
+            <a:schemeClr val="accent6"/>
+          </a:effectRef>
+          <a:fontRef idx="minor">
+            <a:schemeClr val="lt1"/>
+          </a:fontRef>
+        </p:style>
+        <p:txBody>
+          <a:bodyPr rtlCol="0" anchor="ctr"/>
+          <a:lstStyle/>
+          <a:p>
+            <a:pPr algn="ctr"/>
+            <a:r>
+              <a:rPr lang="en-US" dirty="0" smtClean="0"/>
+              <a:t>3</a:t>
+            </a:r>
+            <a:endParaRPr lang="en-US" dirty="0"/>
+          </a:p>
+        </p:txBody>
+      </p:sp>
+      <p:sp>
+        <p:nvSpPr>
+          <p:cNvPr id="48" name="Oval 47"/>
+          <p:cNvSpPr/>
+          <p:nvPr/>
+        </p:nvSpPr>
+        <p:spPr>
+          <a:xfrm>
+            <a:off x="9946362" y="3916852"/>
+            <a:ext cx="600593" cy="380788"/>
+          </a:xfrm>
+          <a:prstGeom prst="ellipse">
+            <a:avLst/>
+          </a:prstGeom>
+          <a:solidFill>
+            <a:srgbClr val="C00000"/>
+          </a:solidFill>
+        </p:spPr>
+        <p:style>
+          <a:lnRef idx="0">
+            <a:schemeClr val="accent6"/>
+          </a:lnRef>
+          <a:fillRef idx="3">
+            <a:schemeClr val="accent6"/>
+          </a:fillRef>
+          <a:effectRef idx="3">
+            <a:schemeClr val="accent6"/>
+          </a:effectRef>
+          <a:fontRef idx="minor">
+            <a:schemeClr val="lt1"/>
+          </a:fontRef>
+        </p:style>
+        <p:txBody>
+          <a:bodyPr rtlCol="0" anchor="ctr"/>
+          <a:lstStyle/>
+          <a:p>
+            <a:pPr algn="ctr"/>
+            <a:r>
+              <a:rPr lang="en-US" smtClean="0"/>
+              <a:t>4a</a:t>
+            </a:r>
+            <a:endParaRPr lang="en-US" dirty="0"/>
+          </a:p>
+        </p:txBody>
+      </p:sp>
+      <p:sp>
+        <p:nvSpPr>
+          <p:cNvPr id="50" name="Oval 49"/>
+          <p:cNvSpPr/>
+          <p:nvPr/>
+        </p:nvSpPr>
+        <p:spPr>
+          <a:xfrm>
+            <a:off x="9207704" y="4595967"/>
+            <a:ext cx="600593" cy="380788"/>
+          </a:xfrm>
+          <a:prstGeom prst="ellipse">
+            <a:avLst/>
+          </a:prstGeom>
+          <a:solidFill>
+            <a:srgbClr val="C00000"/>
+          </a:solidFill>
+        </p:spPr>
+        <p:style>
+          <a:lnRef idx="0">
+            <a:schemeClr val="accent6"/>
+          </a:lnRef>
+          <a:fillRef idx="3">
+            <a:schemeClr val="accent6"/>
+          </a:fillRef>
+          <a:effectRef idx="3">
+            <a:schemeClr val="accent6"/>
+          </a:effectRef>
+          <a:fontRef idx="minor">
+            <a:schemeClr val="lt1"/>
+          </a:fontRef>
+        </p:style>
+        <p:txBody>
+          <a:bodyPr rtlCol="0" anchor="ctr"/>
+          <a:lstStyle/>
+          <a:p>
+            <a:pPr algn="ctr"/>
+            <a:r>
+              <a:rPr lang="en-US" dirty="0" smtClean="0"/>
+              <a:t>4b</a:t>
+            </a:r>
+            <a:endParaRPr lang="en-US" dirty="0"/>
+          </a:p>
+        </p:txBody>
+      </p:sp>
+      <p:sp>
+        <p:nvSpPr>
+          <p:cNvPr id="51" name="Oval 50"/>
+          <p:cNvSpPr/>
+          <p:nvPr/>
+        </p:nvSpPr>
+        <p:spPr>
+          <a:xfrm>
+            <a:off x="7376341" y="5841835"/>
+            <a:ext cx="309562" cy="323623"/>
+          </a:xfrm>
+          <a:prstGeom prst="ellipse">
+            <a:avLst/>
+          </a:prstGeom>
+          <a:solidFill>
+            <a:srgbClr val="C00000"/>
+          </a:solidFill>
+        </p:spPr>
+        <p:style>
+          <a:lnRef idx="0">
+            <a:schemeClr val="accent6"/>
+          </a:lnRef>
+          <a:fillRef idx="3">
+            <a:schemeClr val="accent6"/>
+          </a:fillRef>
+          <a:effectRef idx="3">
+            <a:schemeClr val="accent6"/>
+          </a:effectRef>
+          <a:fontRef idx="minor">
+            <a:schemeClr val="lt1"/>
+          </a:fontRef>
+        </p:style>
+        <p:txBody>
+          <a:bodyPr rtlCol="0" anchor="ctr"/>
+          <a:lstStyle/>
+          <a:p>
+            <a:pPr algn="ctr"/>
+            <a:r>
+              <a:rPr lang="en-US" dirty="0" smtClean="0"/>
+              <a:t>5</a:t>
+            </a:r>
+            <a:endParaRPr lang="en-US" dirty="0"/>
           </a:p>
         </p:txBody>
       </p:sp>
@@ -15257,79 +13157,6 @@
                                   </p:childTnLst>
                                 </p:cTn>
                               </p:par>
-                              <p:par>
-                                <p:cTn id="76" presetID="2" presetClass="entr" presetSubtype="4" fill="hold" grpId="0" nodeType="withEffect">
-                                  <p:stCondLst>
-                                    <p:cond delay="0"/>
-                                  </p:stCondLst>
-                                  <p:childTnLst>
-                                    <p:set>
-                                      <p:cBhvr>
-                                        <p:cTn id="77" dur="1" fill="hold">
-                                          <p:stCondLst>
-                                            <p:cond delay="0"/>
-                                          </p:stCondLst>
-                                        </p:cTn>
-                                        <p:tgtEl>
-                                          <p:spTgt spid="6"/>
-                                        </p:tgtEl>
-                                        <p:attrNameLst>
-                                          <p:attrName>style.visibility</p:attrName>
-                                        </p:attrNameLst>
-                                      </p:cBhvr>
-                                      <p:to>
-                                        <p:strVal val="visible"/>
-                                      </p:to>
-                                    </p:set>
-                                    <p:anim calcmode="lin" valueType="num">
-                                      <p:cBhvr additive="base">
-                                        <p:cTn id="78" dur="500" fill="hold"/>
-                                        <p:tgtEl>
-                                          <p:spTgt spid="6"/>
-                                        </p:tgtEl>
-                                        <p:attrNameLst>
-                                          <p:attrName>ppt_x</p:attrName>
-                                        </p:attrNameLst>
-                                      </p:cBhvr>
-                                      <p:tavLst>
-                                        <p:tav tm="0">
-                                          <p:val>
-                                            <p:strVal val="#ppt_x"/>
-                                          </p:val>
-                                        </p:tav>
-                                        <p:tav tm="100000">
-                                          <p:val>
-                                            <p:strVal val="#ppt_x"/>
-                                          </p:val>
-                                        </p:tav>
-                                      </p:tavLst>
-                                    </p:anim>
-                                    <p:anim calcmode="lin" valueType="num">
-                                      <p:cBhvr additive="base">
-                                        <p:cTn id="79" dur="500" fill="hold"/>
-                                        <p:tgtEl>
-                                          <p:spTgt spid="6"/>
-                                        </p:tgtEl>
-                                        <p:attrNameLst>
-                                          <p:attrName>ppt_y</p:attrName>
-                                        </p:attrNameLst>
-                                      </p:cBhvr>
-                                      <p:tavLst>
-                                        <p:tav tm="0">
-                                          <p:val>
-                                            <p:strVal val="1+#ppt_h/2"/>
-                                          </p:val>
-                                        </p:tav>
-                                        <p:tav tm="100000">
-                                          <p:val>
-                                            <p:strVal val="#ppt_y"/>
-                                          </p:val>
-                                        </p:tav>
-                                      </p:tavLst>
-                                    </p:anim>
-                                  </p:childTnLst>
-                                </p:cTn>
-                              </p:par>
                             </p:childTnLst>
                           </p:cTn>
                         </p:par>
@@ -15337,26 +13164,26 @@
                     </p:cTn>
                   </p:par>
                   <p:par>
-                    <p:cTn id="80" fill="hold">
+                    <p:cTn id="76" fill="hold">
                       <p:stCondLst>
                         <p:cond delay="indefinite"/>
                       </p:stCondLst>
                       <p:childTnLst>
                         <p:par>
-                          <p:cTn id="81" fill="hold">
+                          <p:cTn id="77" fill="hold">
                             <p:stCondLst>
                               <p:cond delay="0"/>
                             </p:stCondLst>
                             <p:childTnLst>
                               <p:par>
-                                <p:cTn id="82" presetID="9" presetClass="entr" presetSubtype="0" fill="hold" nodeType="clickEffect">
+                                <p:cTn id="78" presetID="9" presetClass="entr" presetSubtype="0" fill="hold" nodeType="clickEffect">
                                   <p:stCondLst>
                                     <p:cond delay="0"/>
                                   </p:stCondLst>
                                   <p:childTnLst>
                                     <p:set>
                                       <p:cBhvr>
-                                        <p:cTn id="83" dur="1" fill="hold">
+                                        <p:cTn id="79" dur="1" fill="hold">
                                           <p:stCondLst>
                                             <p:cond delay="0"/>
                                           </p:stCondLst>
@@ -15374,7 +13201,7 @@
                                     </p:set>
                                     <p:animEffect transition="in" filter="dissolve">
                                       <p:cBhvr>
-                                        <p:cTn id="84" dur="500"/>
+                                        <p:cTn id="80" dur="500"/>
                                         <p:tgtEl>
                                           <p:spTgt spid="59"/>
                                         </p:tgtEl>
@@ -15384,14 +13211,14 @@
                                 </p:cTn>
                               </p:par>
                               <p:par>
-                                <p:cTn id="85" presetID="9" presetClass="entr" presetSubtype="0" fill="hold" grpId="0" nodeType="withEffect">
+                                <p:cTn id="81" presetID="9" presetClass="entr" presetSubtype="0" fill="hold" grpId="0" nodeType="withEffect">
                                   <p:stCondLst>
                                     <p:cond delay="0"/>
                                   </p:stCondLst>
                                   <p:childTnLst>
                                     <p:set>
                                       <p:cBhvr>
-                                        <p:cTn id="86" dur="1" fill="hold">
+                                        <p:cTn id="82" dur="1" fill="hold">
                                           <p:stCondLst>
                                             <p:cond delay="0"/>
                                           </p:stCondLst>
@@ -15409,7 +13236,7 @@
                                     </p:set>
                                     <p:animEffect transition="in" filter="dissolve">
                                       <p:cBhvr>
-                                        <p:cTn id="87" dur="500"/>
+                                        <p:cTn id="83" dur="500"/>
                                         <p:tgtEl>
                                           <p:spTgt spid="60"/>
                                         </p:tgtEl>
@@ -15425,26 +13252,26 @@
                     </p:cTn>
                   </p:par>
                   <p:par>
-                    <p:cTn id="88" fill="hold">
+                    <p:cTn id="84" fill="hold">
                       <p:stCondLst>
                         <p:cond delay="indefinite"/>
                       </p:stCondLst>
                       <p:childTnLst>
                         <p:par>
-                          <p:cTn id="89" fill="hold">
+                          <p:cTn id="85" fill="hold">
                             <p:stCondLst>
                               <p:cond delay="0"/>
                             </p:stCondLst>
                             <p:childTnLst>
                               <p:par>
-                                <p:cTn id="90" presetID="9" presetClass="entr" presetSubtype="0" fill="hold" nodeType="clickEffect">
+                                <p:cTn id="86" presetID="9" presetClass="entr" presetSubtype="0" fill="hold" nodeType="clickEffect">
                                   <p:stCondLst>
                                     <p:cond delay="0"/>
                                   </p:stCondLst>
                                   <p:childTnLst>
                                     <p:set>
                                       <p:cBhvr>
-                                        <p:cTn id="91" dur="1" fill="hold">
+                                        <p:cTn id="87" dur="1" fill="hold">
                                           <p:stCondLst>
                                             <p:cond delay="0"/>
                                           </p:stCondLst>
@@ -15462,7 +13289,7 @@
                                     </p:set>
                                     <p:animEffect transition="in" filter="dissolve">
                                       <p:cBhvr>
-                                        <p:cTn id="92" dur="500"/>
+                                        <p:cTn id="88" dur="500"/>
                                         <p:tgtEl>
                                           <p:spTgt spid="28"/>
                                         </p:tgtEl>
@@ -15472,14 +13299,14 @@
                                 </p:cTn>
                               </p:par>
                               <p:par>
-                                <p:cTn id="93" presetID="9" presetClass="entr" presetSubtype="0" fill="hold" grpId="0" nodeType="withEffect">
+                                <p:cTn id="89" presetID="9" presetClass="entr" presetSubtype="0" fill="hold" grpId="0" nodeType="withEffect">
                                   <p:stCondLst>
                                     <p:cond delay="0"/>
                                   </p:stCondLst>
                                   <p:childTnLst>
                                     <p:set>
                                       <p:cBhvr>
-                                        <p:cTn id="94" dur="1" fill="hold">
+                                        <p:cTn id="90" dur="1" fill="hold">
                                           <p:stCondLst>
                                             <p:cond delay="0"/>
                                           </p:stCondLst>
@@ -15497,7 +13324,7 @@
                                     </p:set>
                                     <p:animEffect transition="in" filter="dissolve">
                                       <p:cBhvr>
-                                        <p:cTn id="95" dur="500"/>
+                                        <p:cTn id="91" dur="500"/>
                                         <p:tgtEl>
                                           <p:spTgt spid="45"/>
                                         </p:tgtEl>
@@ -15513,26 +13340,26 @@
                     </p:cTn>
                   </p:par>
                   <p:par>
-                    <p:cTn id="96" fill="hold">
+                    <p:cTn id="92" fill="hold">
                       <p:stCondLst>
                         <p:cond delay="indefinite"/>
                       </p:stCondLst>
                       <p:childTnLst>
                         <p:par>
-                          <p:cTn id="97" fill="hold">
+                          <p:cTn id="93" fill="hold">
                             <p:stCondLst>
                               <p:cond delay="0"/>
                             </p:stCondLst>
                             <p:childTnLst>
                               <p:par>
-                                <p:cTn id="98" presetID="9" presetClass="entr" presetSubtype="0" fill="hold" nodeType="clickEffect">
+                                <p:cTn id="94" presetID="9" presetClass="entr" presetSubtype="0" fill="hold" nodeType="clickEffect">
                                   <p:stCondLst>
                                     <p:cond delay="0"/>
                                   </p:stCondLst>
                                   <p:childTnLst>
                                     <p:set>
                                       <p:cBhvr>
-                                        <p:cTn id="99" dur="1" fill="hold">
+                                        <p:cTn id="95" dur="1" fill="hold">
                                           <p:stCondLst>
                                             <p:cond delay="0"/>
                                           </p:stCondLst>
@@ -15550,7 +13377,7 @@
                                     </p:set>
                                     <p:animEffect transition="in" filter="dissolve">
                                       <p:cBhvr>
-                                        <p:cTn id="100" dur="500"/>
+                                        <p:cTn id="96" dur="500"/>
                                         <p:tgtEl>
                                           <p:spTgt spid="33"/>
                                         </p:tgtEl>
@@ -15560,14 +13387,14 @@
                                 </p:cTn>
                               </p:par>
                               <p:par>
-                                <p:cTn id="101" presetID="9" presetClass="entr" presetSubtype="0" fill="hold" nodeType="withEffect">
+                                <p:cTn id="97" presetID="9" presetClass="entr" presetSubtype="0" fill="hold" nodeType="withEffect">
                                   <p:stCondLst>
                                     <p:cond delay="0"/>
                                   </p:stCondLst>
                                   <p:childTnLst>
                                     <p:set>
                                       <p:cBhvr>
-                                        <p:cTn id="102" dur="1" fill="hold">
+                                        <p:cTn id="98" dur="1" fill="hold">
                                           <p:stCondLst>
                                             <p:cond delay="0"/>
                                           </p:stCondLst>
@@ -15585,9 +13412,62 @@
                                     </p:set>
                                     <p:animEffect transition="in" filter="dissolve">
                                       <p:cBhvr>
-                                        <p:cTn id="103" dur="500"/>
+                                        <p:cTn id="99" dur="500"/>
                                         <p:tgtEl>
                                           <p:spTgt spid="63"/>
+                                        </p:tgtEl>
+                                      </p:cBhvr>
+                                    </p:animEffect>
+                                  </p:childTnLst>
+                                </p:cTn>
+                              </p:par>
+                            </p:childTnLst>
+                          </p:cTn>
+                        </p:par>
+                      </p:childTnLst>
+                    </p:cTn>
+                  </p:par>
+                  <p:par>
+                    <p:cTn id="100" fill="hold">
+                      <p:stCondLst>
+                        <p:cond delay="indefinite"/>
+                      </p:stCondLst>
+                      <p:childTnLst>
+                        <p:par>
+                          <p:cTn id="101" fill="hold">
+                            <p:stCondLst>
+                              <p:cond delay="0"/>
+                            </p:stCondLst>
+                            <p:childTnLst>
+                              <p:par>
+                                <p:cTn id="102" presetID="9" presetClass="entr" presetSubtype="0" fill="hold" nodeType="clickEffect">
+                                  <p:stCondLst>
+                                    <p:cond delay="0"/>
+                                  </p:stCondLst>
+                                  <p:childTnLst>
+                                    <p:set>
+                                      <p:cBhvr>
+                                        <p:cTn id="103" dur="1" fill="hold">
+                                          <p:stCondLst>
+                                            <p:cond delay="0"/>
+                                          </p:stCondLst>
+                                        </p:cTn>
+                                        <p:tgtEl>
+                                          <p:spTgt spid="34"/>
+                                        </p:tgtEl>
+                                        <p:attrNameLst>
+                                          <p:attrName>style.visibility</p:attrName>
+                                        </p:attrNameLst>
+                                      </p:cBhvr>
+                                      <p:to>
+                                        <p:strVal val="visible"/>
+                                      </p:to>
+                                    </p:set>
+                                    <p:animEffect transition="in" filter="dissolve">
+                                      <p:cBhvr>
+                                        <p:cTn id="104" dur="500"/>
+                                        <p:tgtEl>
+                                          <p:spTgt spid="34"/>
                                         </p:tgtEl>
                                       </p:cBhvr>
                                     </p:animEffect>
@@ -15640,7 +13520,6 @@
       <p:bldP spid="45" grpId="0"/>
       <p:bldP spid="60" grpId="0" animBg="1"/>
       <p:bldP spid="62" grpId="0"/>
-      <p:bldP spid="6" grpId="0"/>
     </p:bldLst>
   </p:timing>
 </p:sld>
@@ -15676,7 +13555,7 @@
         <p:spPr/>
         <p:txBody>
           <a:bodyPr>
-            <a:normAutofit fontScale="90000"/>
+            <a:normAutofit/>
           </a:bodyPr>
           <a:lstStyle/>
           <a:p>
@@ -15758,6 +13637,30 @@
           </a:p>
           <a:p>
             <a:endParaRPr lang="en-US" dirty="0" smtClean="0"/>
+          </a:p>
+        </p:txBody>
+      </p:sp>
+      <p:sp>
+        <p:nvSpPr>
+          <p:cNvPr id="10" name="Slide Number Placeholder 9"/>
+          <p:cNvSpPr>
+            <a:spLocks noGrp="1"/>
+          </p:cNvSpPr>
+          <p:nvPr>
+            <p:ph type="sldNum" sz="quarter" idx="12"/>
+          </p:nvPr>
+        </p:nvSpPr>
+        <p:spPr/>
+        <p:txBody>
+          <a:bodyPr/>
+          <a:lstStyle/>
+          <a:p>
+            <a:fld id="{D57F1E4F-1CFF-5643-939E-217C01CDF565}" type="slidenum">
+              <a:rPr lang="en-US" sz="1800" smtClean="0"/>
+              <a:pPr/>
+              <a:t>6</a:t>
+            </a:fld>
+            <a:endParaRPr lang="en-US" sz="1800" dirty="0"/>
           </a:p>
         </p:txBody>
       </p:sp>
@@ -16062,21 +13965,18 @@
           <a:prstGeom prst="homePlate">
             <a:avLst/>
           </a:prstGeom>
-          <a:solidFill>
-            <a:schemeClr val="bg2"/>
-          </a:solidFill>
         </p:spPr>
         <p:style>
           <a:lnRef idx="2">
-            <a:schemeClr val="accent1">
+            <a:schemeClr val="dk1">
               <a:shade val="50000"/>
             </a:schemeClr>
           </a:lnRef>
           <a:fillRef idx="1">
-            <a:schemeClr val="accent1"/>
+            <a:schemeClr val="dk1"/>
           </a:fillRef>
           <a:effectRef idx="0">
-            <a:schemeClr val="accent1"/>
+            <a:schemeClr val="dk1"/>
           </a:effectRef>
           <a:fontRef idx="minor">
             <a:schemeClr val="lt1"/>
@@ -16290,30 +14190,6 @@
               <a:t>Adding compression</a:t>
             </a:r>
             <a:endParaRPr lang="en-US" dirty="0"/>
-          </a:p>
-        </p:txBody>
-      </p:sp>
-      <p:sp>
-        <p:nvSpPr>
-          <p:cNvPr id="10" name="Slide Number Placeholder 9"/>
-          <p:cNvSpPr>
-            <a:spLocks noGrp="1"/>
-          </p:cNvSpPr>
-          <p:nvPr>
-            <p:ph type="sldNum" sz="quarter" idx="12"/>
-          </p:nvPr>
-        </p:nvSpPr>
-        <p:spPr/>
-        <p:txBody>
-          <a:bodyPr/>
-          <a:lstStyle/>
-          <a:p>
-            <a:fld id="{D57F1E4F-1CFF-5643-939E-217C01CDF565}" type="slidenum">
-              <a:rPr lang="en-US" sz="1800" smtClean="0"/>
-              <a:pPr/>
-              <a:t>6</a:t>
-            </a:fld>
-            <a:endParaRPr lang="en-US" sz="1800" dirty="0"/>
           </a:p>
         </p:txBody>
       </p:sp>
@@ -18377,7 +16253,7 @@
             <p:ph idx="1"/>
             <p:extLst>
               <p:ext uri="{D42A27DB-BD31-4B8C-83A1-F6EECF244321}">
-                <p14:modId xmlns:p14="http://schemas.microsoft.com/office/powerpoint/2010/main" val="1342270063"/>
+                <p14:modId xmlns:p14="http://schemas.microsoft.com/office/powerpoint/2010/main" val="1008912089"/>
               </p:ext>
             </p:extLst>
           </p:nvPr>
@@ -18392,6 +16268,30 @@
           </a:graphicData>
         </a:graphic>
       </p:graphicFrame>
+      <p:sp>
+        <p:nvSpPr>
+          <p:cNvPr id="3" name="Slide Number Placeholder 2"/>
+          <p:cNvSpPr>
+            <a:spLocks noGrp="1"/>
+          </p:cNvSpPr>
+          <p:nvPr>
+            <p:ph type="sldNum" sz="quarter" idx="12"/>
+          </p:nvPr>
+        </p:nvSpPr>
+        <p:spPr/>
+        <p:txBody>
+          <a:bodyPr/>
+          <a:lstStyle/>
+          <a:p>
+            <a:fld id="{D57F1E4F-1CFF-5643-939E-217C01CDF565}" type="slidenum">
+              <a:rPr lang="en-US" sz="1800" smtClean="0"/>
+              <a:pPr/>
+              <a:t>8</a:t>
+            </a:fld>
+            <a:endParaRPr lang="en-US" sz="1800" dirty="0"/>
+          </a:p>
+        </p:txBody>
+      </p:sp>
       <p:sp>
         <p:nvSpPr>
           <p:cNvPr id="5" name="TextBox 4"/>
@@ -18807,30 +16707,6 @@
           </a:p>
         </p:txBody>
       </p:sp>
-      <p:sp>
-        <p:nvSpPr>
-          <p:cNvPr id="3" name="Slide Number Placeholder 2"/>
-          <p:cNvSpPr>
-            <a:spLocks noGrp="1"/>
-          </p:cNvSpPr>
-          <p:nvPr>
-            <p:ph type="sldNum" sz="quarter" idx="12"/>
-          </p:nvPr>
-        </p:nvSpPr>
-        <p:spPr/>
-        <p:txBody>
-          <a:bodyPr/>
-          <a:lstStyle/>
-          <a:p>
-            <a:fld id="{D57F1E4F-1CFF-5643-939E-217C01CDF565}" type="slidenum">
-              <a:rPr lang="en-US" sz="1800" smtClean="0"/>
-              <a:pPr/>
-              <a:t>8</a:t>
-            </a:fld>
-            <a:endParaRPr lang="en-US" sz="1800" dirty="0"/>
-          </a:p>
-        </p:txBody>
-      </p:sp>
     </p:spTree>
     <p:extLst>
       <p:ext uri="{BB962C8B-B14F-4D97-AF65-F5344CB8AC3E}">
@@ -19237,6 +17113,13 @@
         </p:nvPicPr>
         <p:blipFill>
           <a:blip r:embed="rId3">
+            <a:duotone>
+              <a:prstClr val="black"/>
+              <a:schemeClr val="accent5">
+                <a:tint val="45000"/>
+                <a:satMod val="400000"/>
+              </a:schemeClr>
+            </a:duotone>
             <a:extLst>
               <a:ext uri="{28A0092B-C50C-407E-A947-70E740481C1C}">
                 <a14:useLocalDpi xmlns:a14="http://schemas.microsoft.com/office/drawing/2010/main" val="0"/>
@@ -19249,11 +17132,35 @@
         </p:blipFill>
         <p:spPr>
           <a:xfrm>
-            <a:off x="6307047" y="5388240"/>
-            <a:ext cx="720000" cy="720000"/>
+            <a:off x="6314441" y="5428771"/>
+            <a:ext cx="712606" cy="712606"/>
           </a:xfrm>
         </p:spPr>
       </p:pic>
+      <p:sp>
+        <p:nvSpPr>
+          <p:cNvPr id="3" name="Slide Number Placeholder 2"/>
+          <p:cNvSpPr>
+            <a:spLocks noGrp="1"/>
+          </p:cNvSpPr>
+          <p:nvPr>
+            <p:ph type="sldNum" sz="quarter" idx="12"/>
+          </p:nvPr>
+        </p:nvSpPr>
+        <p:spPr/>
+        <p:txBody>
+          <a:bodyPr/>
+          <a:lstStyle/>
+          <a:p>
+            <a:fld id="{D57F1E4F-1CFF-5643-939E-217C01CDF565}" type="slidenum">
+              <a:rPr lang="en-US" sz="1800" smtClean="0"/>
+              <a:pPr/>
+              <a:t>9</a:t>
+            </a:fld>
+            <a:endParaRPr lang="en-US" sz="1800" dirty="0"/>
+          </a:p>
+        </p:txBody>
+      </p:sp>
       <p:pic>
         <p:nvPicPr>
           <p:cNvPr id="28" name="Picture 27"/>
@@ -19264,6 +17171,13 @@
         </p:nvPicPr>
         <p:blipFill>
           <a:blip r:embed="rId4">
+            <a:duotone>
+              <a:prstClr val="black"/>
+              <a:schemeClr val="accent5">
+                <a:tint val="45000"/>
+                <a:satMod val="400000"/>
+              </a:schemeClr>
+            </a:duotone>
             <a:extLst>
               <a:ext uri="{28A0092B-C50C-407E-A947-70E740481C1C}">
                 <a14:useLocalDpi xmlns:a14="http://schemas.microsoft.com/office/drawing/2010/main" val="0"/>
@@ -19294,6 +17208,13 @@
         </p:nvPicPr>
         <p:blipFill>
           <a:blip r:embed="rId5">
+            <a:duotone>
+              <a:prstClr val="black"/>
+              <a:schemeClr val="accent5">
+                <a:tint val="45000"/>
+                <a:satMod val="400000"/>
+              </a:schemeClr>
+            </a:duotone>
             <a:extLst>
               <a:ext uri="{28A0092B-C50C-407E-A947-70E740481C1C}">
                 <a14:useLocalDpi xmlns:a14="http://schemas.microsoft.com/office/drawing/2010/main" val="0"/>
@@ -19324,6 +17245,13 @@
         </p:nvPicPr>
         <p:blipFill>
           <a:blip r:embed="rId6">
+            <a:duotone>
+              <a:prstClr val="black"/>
+              <a:schemeClr val="accent5">
+                <a:tint val="45000"/>
+                <a:satMod val="400000"/>
+              </a:schemeClr>
+            </a:duotone>
             <a:extLst>
               <a:ext uri="{28A0092B-C50C-407E-A947-70E740481C1C}">
                 <a14:useLocalDpi xmlns:a14="http://schemas.microsoft.com/office/drawing/2010/main" val="0"/>
@@ -19354,6 +17282,13 @@
         </p:nvPicPr>
         <p:blipFill>
           <a:blip r:embed="rId7">
+            <a:duotone>
+              <a:prstClr val="black"/>
+              <a:schemeClr val="accent5">
+                <a:tint val="45000"/>
+                <a:satMod val="400000"/>
+              </a:schemeClr>
+            </a:duotone>
             <a:extLst>
               <a:ext uri="{28A0092B-C50C-407E-A947-70E740481C1C}">
                 <a14:useLocalDpi xmlns:a14="http://schemas.microsoft.com/office/drawing/2010/main" val="0"/>
@@ -19384,6 +17319,13 @@
         </p:nvPicPr>
         <p:blipFill>
           <a:blip r:embed="rId8">
+            <a:duotone>
+              <a:prstClr val="black"/>
+              <a:schemeClr val="accent5">
+                <a:tint val="45000"/>
+                <a:satMod val="400000"/>
+              </a:schemeClr>
+            </a:duotone>
             <a:extLst>
               <a:ext uri="{28A0092B-C50C-407E-A947-70E740481C1C}">
                 <a14:useLocalDpi xmlns:a14="http://schemas.microsoft.com/office/drawing/2010/main" val="0"/>
@@ -19414,6 +17356,13 @@
         </p:nvPicPr>
         <p:blipFill>
           <a:blip r:embed="rId9">
+            <a:duotone>
+              <a:prstClr val="black"/>
+              <a:schemeClr val="accent5">
+                <a:tint val="45000"/>
+                <a:satMod val="400000"/>
+              </a:schemeClr>
+            </a:duotone>
             <a:extLst>
               <a:ext uri="{28A0092B-C50C-407E-A947-70E740481C1C}">
                 <a14:useLocalDpi xmlns:a14="http://schemas.microsoft.com/office/drawing/2010/main" val="0"/>
@@ -19444,6 +17393,13 @@
         </p:nvPicPr>
         <p:blipFill>
           <a:blip r:embed="rId10">
+            <a:duotone>
+              <a:prstClr val="black"/>
+              <a:schemeClr val="accent5">
+                <a:tint val="45000"/>
+                <a:satMod val="400000"/>
+              </a:schemeClr>
+            </a:duotone>
             <a:extLst>
               <a:ext uri="{28A0092B-C50C-407E-A947-70E740481C1C}">
                 <a14:useLocalDpi xmlns:a14="http://schemas.microsoft.com/office/drawing/2010/main" val="0"/>
@@ -19473,7 +17429,7 @@
         <p:spPr>
           <a:xfrm>
             <a:off x="1731079" y="2102804"/>
-            <a:ext cx="1384610" cy="646331"/>
+            <a:ext cx="1330557" cy="646331"/>
           </a:xfrm>
           <a:prstGeom prst="rect">
             <a:avLst/>
@@ -19499,7 +17455,11 @@
             </a:br>
             <a:r>
               <a:rPr lang="en-US" dirty="0" smtClean="0"/>
-              <a:t>10.81 GB</a:t>
+              <a:t>10.82 </a:t>
+            </a:r>
+            <a:r>
+              <a:rPr lang="en-US" dirty="0" smtClean="0"/>
+              <a:t>GB</a:t>
             </a:r>
           </a:p>
         </p:txBody>
@@ -19513,7 +17473,7 @@
         <p:spPr>
           <a:xfrm>
             <a:off x="1734379" y="3184583"/>
-            <a:ext cx="1087157" cy="646331"/>
+            <a:ext cx="910827" cy="646331"/>
           </a:xfrm>
           <a:prstGeom prst="rect">
             <a:avLst/>
@@ -19535,7 +17495,11 @@
             </a:br>
             <a:r>
               <a:rPr lang="en-US" dirty="0" smtClean="0"/>
-              <a:t>409.5 MB</a:t>
+              <a:t>410 </a:t>
+            </a:r>
+            <a:r>
+              <a:rPr lang="en-US" dirty="0" smtClean="0"/>
+              <a:t>MB</a:t>
             </a:r>
             <a:endParaRPr lang="en-US" dirty="0"/>
           </a:p>
@@ -19620,7 +17584,7 @@
             </a:br>
             <a:r>
               <a:rPr lang="en-US" dirty="0" smtClean="0"/>
-              <a:t>26.4x</a:t>
+              <a:t>26.37x</a:t>
             </a:r>
             <a:endParaRPr lang="en-US" dirty="0"/>
           </a:p>
@@ -19635,7 +17599,7 @@
         <p:spPr>
           <a:xfrm>
             <a:off x="1731079" y="4299305"/>
-            <a:ext cx="1148969" cy="646331"/>
+            <a:ext cx="1099725" cy="646331"/>
           </a:xfrm>
           <a:prstGeom prst="rect">
             <a:avLst/>
@@ -19661,7 +17625,11 @@
             </a:br>
             <a:r>
               <a:rPr lang="en-US" dirty="0" smtClean="0"/>
-              <a:t>15 KB</a:t>
+              <a:t>17.5 </a:t>
+            </a:r>
+            <a:r>
+              <a:rPr lang="en-US" dirty="0" smtClean="0"/>
+              <a:t>KB</a:t>
             </a:r>
             <a:endParaRPr lang="en-US" dirty="0"/>
           </a:p>
@@ -19717,7 +17685,7 @@
         <p:spPr>
           <a:xfrm>
             <a:off x="7500938" y="2128848"/>
-            <a:ext cx="1333891" cy="646331"/>
+            <a:ext cx="1278427" cy="646331"/>
           </a:xfrm>
           <a:prstGeom prst="rect">
             <a:avLst/>
@@ -19739,7 +17707,7 @@
           <a:p>
             <a:r>
               <a:rPr lang="en-US" dirty="0" smtClean="0"/>
-              <a:t>896,788</a:t>
+              <a:t>893,901</a:t>
             </a:r>
             <a:endParaRPr lang="en-US" dirty="0"/>
           </a:p>
@@ -19776,7 +17744,7 @@
             </a:br>
             <a:r>
               <a:rPr lang="en-US" dirty="0" smtClean="0"/>
-              <a:t>849,390</a:t>
+              <a:t>846,794</a:t>
             </a:r>
             <a:endParaRPr lang="en-US" dirty="0"/>
           </a:p>
@@ -19813,11 +17781,7 @@
             </a:br>
             <a:r>
               <a:rPr lang="en-US" dirty="0" smtClean="0"/>
-              <a:t>~10 </a:t>
-            </a:r>
-            <a:r>
-              <a:rPr lang="en-US" dirty="0" err="1" smtClean="0"/>
-              <a:t>mins</a:t>
+              <a:t>589s</a:t>
             </a:r>
             <a:endParaRPr lang="en-US" u="sng" dirty="0"/>
           </a:p>
@@ -19832,7 +17796,7 @@
         <p:spPr>
           <a:xfrm>
             <a:off x="7500938" y="4392716"/>
-            <a:ext cx="986167" cy="646331"/>
+            <a:ext cx="935321" cy="646331"/>
           </a:xfrm>
           <a:prstGeom prst="rect">
             <a:avLst/>
@@ -19858,33 +17822,9 @@
             </a:br>
             <a:r>
               <a:rPr lang="en-US" dirty="0" smtClean="0"/>
-              <a:t>94.72%</a:t>
+              <a:t>94.73%</a:t>
             </a:r>
             <a:endParaRPr lang="en-US" dirty="0"/>
-          </a:p>
-        </p:txBody>
-      </p:sp>
-      <p:sp>
-        <p:nvSpPr>
-          <p:cNvPr id="3" name="Slide Number Placeholder 2"/>
-          <p:cNvSpPr>
-            <a:spLocks noGrp="1"/>
-          </p:cNvSpPr>
-          <p:nvPr>
-            <p:ph type="sldNum" sz="quarter" idx="12"/>
-          </p:nvPr>
-        </p:nvSpPr>
-        <p:spPr/>
-        <p:txBody>
-          <a:bodyPr/>
-          <a:lstStyle/>
-          <a:p>
-            <a:fld id="{D57F1E4F-1CFF-5643-939E-217C01CDF565}" type="slidenum">
-              <a:rPr lang="en-US" sz="1800" smtClean="0"/>
-              <a:pPr/>
-              <a:t>9</a:t>
-            </a:fld>
-            <a:endParaRPr lang="en-US" sz="1800" dirty="0"/>
           </a:p>
         </p:txBody>
       </p:sp>
@@ -21034,9 +18974,9 @@
 </file>
 
 <file path=ppt/theme/theme1.xml><?xml version="1.0" encoding="utf-8"?>
-<a:theme xmlns:a="http://schemas.openxmlformats.org/drawingml/2006/main" name="Depth">
+<a:theme xmlns:a="http://schemas.openxmlformats.org/drawingml/2006/main" name="Office Theme">
   <a:themeElements>
-    <a:clrScheme name="Depth">
+    <a:clrScheme name="Office">
       <a:dk1>
         <a:sysClr val="windowText" lastClr="000000"/>
       </a:dk1>
@@ -21044,52 +18984,52 @@
         <a:sysClr val="window" lastClr="FFFFFF"/>
       </a:lt1>
       <a:dk2>
-        <a:srgbClr val="4B4B4B"/>
+        <a:srgbClr val="44546A"/>
       </a:dk2>
       <a:lt2>
-        <a:srgbClr val="8ED5C1"/>
+        <a:srgbClr val="E7E6E6"/>
       </a:lt2>
       <a:accent1>
-        <a:srgbClr val="73CBB2"/>
+        <a:srgbClr val="5B9BD5"/>
       </a:accent1>
       <a:accent2>
-        <a:srgbClr val="AACD5B"/>
+        <a:srgbClr val="ED7D31"/>
       </a:accent2>
       <a:accent3>
-        <a:srgbClr val="65A9E1"/>
+        <a:srgbClr val="A5A5A5"/>
       </a:accent3>
       <a:accent4>
-        <a:srgbClr val="6274D8"/>
+        <a:srgbClr val="FFC000"/>
       </a:accent4>
       <a:accent5>
-        <a:srgbClr val="AB54D7"/>
+        <a:srgbClr val="4472C4"/>
       </a:accent5>
       <a:accent6>
-        <a:srgbClr val="D15B37"/>
+        <a:srgbClr val="70AD47"/>
       </a:accent6>
       <a:hlink>
-        <a:srgbClr val="BFE962"/>
+        <a:srgbClr val="0563C1"/>
       </a:hlink>
       <a:folHlink>
-        <a:srgbClr val="C0D591"/>
+        <a:srgbClr val="954F72"/>
       </a:folHlink>
     </a:clrScheme>
-    <a:fontScheme name="Depth">
+    <a:fontScheme name="Office">
       <a:majorFont>
-        <a:latin typeface="Corbel" panose="020B0503020204020204"/>
+        <a:latin typeface="Calibri Light" panose="020F0302020204030204"/>
         <a:ea typeface=""/>
         <a:cs typeface=""/>
-        <a:font script="Jpan" typeface="HGｺﾞｼｯｸM"/>
-        <a:font script="Hang" typeface="HY엽서L"/>
-        <a:font script="Hans" typeface="华文楷体"/>
+        <a:font script="Jpan" typeface="ＭＳ Ｐゴシック"/>
+        <a:font script="Hang" typeface="맑은 고딕"/>
+        <a:font script="Hans" typeface="宋体"/>
         <a:font script="Hant" typeface="新細明體"/>
-        <a:font script="Arab" typeface="Tahoma"/>
-        <a:font script="Hebr" typeface="Miriam"/>
-        <a:font script="Thai" typeface="DilleniaUPC"/>
+        <a:font script="Arab" typeface="Times New Roman"/>
+        <a:font script="Hebr" typeface="Times New Roman"/>
+        <a:font script="Thai" typeface="Angsana New"/>
         <a:font script="Ethi" typeface="Nyala"/>
         <a:font script="Beng" typeface="Vrinda"/>
         <a:font script="Gujr" typeface="Shruti"/>
-        <a:font script="Khmr" typeface="DaunPenh"/>
+        <a:font script="Khmr" typeface="MoolBoran"/>
         <a:font script="Knda" typeface="Tunga"/>
         <a:font script="Guru" typeface="Raavi"/>
         <a:font script="Cans" typeface="Euphemia"/>
@@ -21106,21 +19046,21 @@
         <a:font script="Laoo" typeface="DokChampa"/>
         <a:font script="Sinh" typeface="Iskoola Pota"/>
         <a:font script="Mong" typeface="Mongolian Baiti"/>
-        <a:font script="Viet" typeface="Arial"/>
+        <a:font script="Viet" typeface="Times New Roman"/>
         <a:font script="Uigh" typeface="Microsoft Uighur"/>
         <a:font script="Geor" typeface="Sylfaen"/>
       </a:majorFont>
       <a:minorFont>
-        <a:latin typeface="Corbel" panose="020B0503020204020204"/>
+        <a:latin typeface="Calibri" panose="020F0502020204030204"/>
         <a:ea typeface=""/>
         <a:cs typeface=""/>
-        <a:font script="Jpan" typeface="HGｺﾞｼｯｸM"/>
-        <a:font script="Hang" typeface="HY엽서L"/>
-        <a:font script="Hans" typeface="华文楷体"/>
+        <a:font script="Jpan" typeface="ＭＳ Ｐゴシック"/>
+        <a:font script="Hang" typeface="맑은 고딕"/>
+        <a:font script="Hans" typeface="宋体"/>
         <a:font script="Hant" typeface="新細明體"/>
-        <a:font script="Arab" typeface="Tahoma"/>
-        <a:font script="Hebr" typeface="Miriam"/>
-        <a:font script="Thai" typeface="DilleniaUPC"/>
+        <a:font script="Arab" typeface="Arial"/>
+        <a:font script="Hebr" typeface="Arial"/>
+        <a:font script="Thai" typeface="Cordia New"/>
         <a:font script="Ethi" typeface="Nyala"/>
         <a:font script="Beng" typeface="Vrinda"/>
         <a:font script="Gujr" typeface="Shruti"/>
@@ -21146,7 +19086,7 @@
         <a:font script="Geor" typeface="Sylfaen"/>
       </a:minorFont>
     </a:fontScheme>
-    <a:fmtScheme name="Depth">
+    <a:fmtScheme name="Office">
       <a:fillStyleLst>
         <a:solidFill>
           <a:schemeClr val="phClr"/>
@@ -21288,7 +19228,7 @@
   <a:extraClrSchemeLst/>
   <a:extLst>
     <a:ext uri="{05A4C25C-085E-4340-85A3-A5531E510DB2}">
-      <thm15:themeFamily xmlns:thm15="http://schemas.microsoft.com/office/thememl/2012/main" name="Depth" id="{7BEAFC2A-325C-49C4-AC08-2B765DA903F9}" vid="{47428100-C732-4B2E-A30A-5273F581A0FA}"/>
+      <thm15:themeFamily xmlns:thm15="http://schemas.microsoft.com/office/thememl/2012/main" name="Office Theme" id="{62F939B6-93AF-4DB8-9C6B-D6C7DFDC589F}" vid="{4A3C46E8-61CC-4603-A589-7422A47A8E4A}"/>
     </a:ext>
   </a:extLst>
 </a:theme>
